--- a/DeeperDESeqWithShrinkage.pptx
+++ b/DeeperDESeqWithShrinkage.pptx
@@ -5,7 +5,7 @@
     <p:sldMasterId id="2147483648" r:id="rId1"/>
   </p:sldMasterIdLst>
   <p:notesMasterIdLst>
-    <p:notesMasterId r:id="rId9"/>
+    <p:notesMasterId r:id="rId16"/>
   </p:notesMasterIdLst>
   <p:sldIdLst>
     <p:sldId id="256" r:id="rId2"/>
@@ -15,6 +15,13 @@
     <p:sldId id="260" r:id="rId6"/>
     <p:sldId id="261" r:id="rId7"/>
     <p:sldId id="262" r:id="rId8"/>
+    <p:sldId id="263" r:id="rId9"/>
+    <p:sldId id="264" r:id="rId10"/>
+    <p:sldId id="265" r:id="rId11"/>
+    <p:sldId id="266" r:id="rId12"/>
+    <p:sldId id="267" r:id="rId13"/>
+    <p:sldId id="268" r:id="rId14"/>
+    <p:sldId id="269" r:id="rId15"/>
   </p:sldIdLst>
   <p:sldSz cx="12192000" cy="6858000"/>
   <p:notesSz cx="6858000" cy="9144000"/>
@@ -4037,6 +4044,2433 @@
 </p:sld>
 </file>
 
+<file path=ppt/slides/slide10.xml><?xml version="1.0" encoding="utf-8"?>
+<p:sld xmlns:a="http://schemas.openxmlformats.org/drawingml/2006/main" xmlns:r="http://schemas.openxmlformats.org/officeDocument/2006/relationships" xmlns:p="http://schemas.openxmlformats.org/presentationml/2006/main">
+  <p:cSld>
+    <p:spTree>
+      <p:nvGrpSpPr>
+        <p:cNvPr id="1" name=""/>
+        <p:cNvGrpSpPr/>
+        <p:nvPr/>
+      </p:nvGrpSpPr>
+      <p:grpSpPr>
+        <a:xfrm>
+          <a:off x="0" y="0"/>
+          <a:ext cx="0" cy="0"/>
+          <a:chOff x="0" y="0"/>
+          <a:chExt cx="0" cy="0"/>
+        </a:xfrm>
+      </p:grpSpPr>
+      <p:sp>
+        <p:nvSpPr>
+          <p:cNvPr id="2" name="Title 1">
+            <a:extLst>
+              <a:ext uri="{FF2B5EF4-FFF2-40B4-BE49-F238E27FC236}">
+                <a16:creationId xmlns:a16="http://schemas.microsoft.com/office/drawing/2014/main" id="{AAAD3F23-E141-9460-7B41-69844EFD87DA}"/>
+              </a:ext>
+            </a:extLst>
+          </p:cNvPr>
+          <p:cNvSpPr>
+            <a:spLocks noGrp="1"/>
+          </p:cNvSpPr>
+          <p:nvPr>
+            <p:ph type="title"/>
+          </p:nvPr>
+        </p:nvSpPr>
+        <p:spPr/>
+        <p:txBody>
+          <a:bodyPr/>
+          <a:lstStyle/>
+          <a:p>
+            <a:r>
+              <a:rPr lang="en-US" dirty="0"/>
+              <a:t>(Pre) Calculation of normalization offset</a:t>
+            </a:r>
+          </a:p>
+        </p:txBody>
+      </p:sp>
+      <mc:AlternateContent xmlns:mc="http://schemas.openxmlformats.org/markup-compatibility/2006">
+        <mc:Choice xmlns:a14="http://schemas.microsoft.com/office/drawing/2010/main" Requires="a14">
+          <p:sp>
+            <p:nvSpPr>
+              <p:cNvPr id="3" name="Content Placeholder 2">
+                <a:extLst>
+                  <a:ext uri="{FF2B5EF4-FFF2-40B4-BE49-F238E27FC236}">
+                    <a16:creationId xmlns:a16="http://schemas.microsoft.com/office/drawing/2014/main" id="{33BE76E4-8479-1D66-B894-FA6FF34B65E2}"/>
+                  </a:ext>
+                </a:extLst>
+              </p:cNvPr>
+              <p:cNvSpPr>
+                <a:spLocks noGrp="1"/>
+              </p:cNvSpPr>
+              <p:nvPr>
+                <p:ph idx="1"/>
+              </p:nvPr>
+            </p:nvSpPr>
+            <p:spPr/>
+            <p:txBody>
+              <a:bodyPr/>
+              <a:lstStyle/>
+              <a:p>
+                <a:pPr marL="0" indent="0">
+                  <a:buNone/>
+                </a:pPr>
+                <a:r>
+                  <a:rPr lang="en-US" dirty="0"/>
+                  <a:t>In DESeq2 (and other methods) normalization factors </a:t>
+                </a:r>
+                <a14:m>
+                  <m:oMath xmlns:m="http://schemas.openxmlformats.org/officeDocument/2006/math">
+                    <m:sSub>
+                      <m:sSubPr>
+                        <m:ctrlPr>
+                          <a:rPr lang="en-US" b="0" i="1" smtClean="0">
+                            <a:latin typeface="Cambria Math" panose="02040503050406030204" pitchFamily="18" charset="0"/>
+                          </a:rPr>
+                        </m:ctrlPr>
+                      </m:sSubPr>
+                      <m:e>
+                        <m:r>
+                          <a:rPr lang="en-US" b="0" i="1" smtClean="0">
+                            <a:latin typeface="Cambria Math" panose="02040503050406030204" pitchFamily="18" charset="0"/>
+                          </a:rPr>
+                          <m:t>𝑠</m:t>
+                        </m:r>
+                      </m:e>
+                      <m:sub>
+                        <m:r>
+                          <a:rPr lang="en-US" b="0" i="1" smtClean="0">
+                            <a:latin typeface="Cambria Math" panose="02040503050406030204" pitchFamily="18" charset="0"/>
+                          </a:rPr>
+                          <m:t>𝑗</m:t>
+                        </m:r>
+                      </m:sub>
+                    </m:sSub>
+                  </m:oMath>
+                </a14:m>
+                <a:r>
+                  <a:rPr lang="en-US" dirty="0"/>
+                  <a:t> are offsets:</a:t>
+                </a:r>
+              </a:p>
+              <a:p>
+                <a14:m>
+                  <m:oMath xmlns:m="http://schemas.openxmlformats.org/officeDocument/2006/math">
+                    <m:sSub>
+                      <m:sSubPr>
+                        <m:ctrlPr>
+                          <a:rPr lang="en-US" b="0" i="1" smtClean="0">
+                            <a:latin typeface="Cambria Math" panose="02040503050406030204" pitchFamily="18" charset="0"/>
+                          </a:rPr>
+                        </m:ctrlPr>
+                      </m:sSubPr>
+                      <m:e>
+                        <m:r>
+                          <a:rPr lang="en-US" b="0" i="1" smtClean="0">
+                            <a:latin typeface="Cambria Math" panose="02040503050406030204" pitchFamily="18" charset="0"/>
+                          </a:rPr>
+                          <m:t>𝑠</m:t>
+                        </m:r>
+                      </m:e>
+                      <m:sub>
+                        <m:r>
+                          <a:rPr lang="en-US" b="0" i="1" smtClean="0">
+                            <a:latin typeface="Cambria Math" panose="02040503050406030204" pitchFamily="18" charset="0"/>
+                          </a:rPr>
+                          <m:t>𝑗</m:t>
+                        </m:r>
+                      </m:sub>
+                    </m:sSub>
+                  </m:oMath>
+                </a14:m>
+                <a:r>
+                  <a:rPr lang="en-US" dirty="0"/>
+                  <a:t> are calculated prior to model estimation (fixed)</a:t>
+                </a:r>
+              </a:p>
+              <a:p>
+                <a14:m>
+                  <m:oMath xmlns:m="http://schemas.openxmlformats.org/officeDocument/2006/math">
+                    <m:sSub>
+                      <m:sSubPr>
+                        <m:ctrlPr>
+                          <a:rPr lang="en-US" b="0" i="1" smtClean="0">
+                            <a:latin typeface="Cambria Math" panose="02040503050406030204" pitchFamily="18" charset="0"/>
+                          </a:rPr>
+                        </m:ctrlPr>
+                      </m:sSubPr>
+                      <m:e>
+                        <m:r>
+                          <a:rPr lang="en-US" b="0" i="1" smtClean="0">
+                            <a:latin typeface="Cambria Math" panose="02040503050406030204" pitchFamily="18" charset="0"/>
+                          </a:rPr>
+                          <m:t>𝑠</m:t>
+                        </m:r>
+                      </m:e>
+                      <m:sub>
+                        <m:r>
+                          <a:rPr lang="en-US" b="0" i="1" smtClean="0">
+                            <a:latin typeface="Cambria Math" panose="02040503050406030204" pitchFamily="18" charset="0"/>
+                          </a:rPr>
+                          <m:t>𝑗</m:t>
+                        </m:r>
+                      </m:sub>
+                    </m:sSub>
+                  </m:oMath>
+                </a14:m>
+                <a:r>
+                  <a:rPr lang="en-US" dirty="0"/>
+                  <a:t> have an implicit fixed coefficient </a:t>
+                </a:r>
+                <a14:m>
+                  <m:oMath xmlns:m="http://schemas.openxmlformats.org/officeDocument/2006/math">
+                    <m:sSub>
+                      <m:sSubPr>
+                        <m:ctrlPr>
+                          <a:rPr lang="en-US" b="0" i="1" smtClean="0">
+                            <a:latin typeface="Cambria Math" panose="02040503050406030204" pitchFamily="18" charset="0"/>
+                          </a:rPr>
+                        </m:ctrlPr>
+                      </m:sSubPr>
+                      <m:e>
+                        <m:r>
+                          <a:rPr lang="en-US" b="0" i="1" smtClean="0">
+                            <a:latin typeface="Cambria Math" panose="02040503050406030204" pitchFamily="18" charset="0"/>
+                          </a:rPr>
+                          <m:t>𝛽</m:t>
+                        </m:r>
+                      </m:e>
+                      <m:sub>
+                        <m:r>
+                          <a:rPr lang="en-US" b="0" i="1" smtClean="0">
+                            <a:latin typeface="Cambria Math" panose="02040503050406030204" pitchFamily="18" charset="0"/>
+                          </a:rPr>
+                          <m:t>𝑠</m:t>
+                        </m:r>
+                      </m:sub>
+                    </m:sSub>
+                    <m:r>
+                      <a:rPr lang="en-US" b="0" i="1" smtClean="0">
+                        <a:latin typeface="Cambria Math" panose="02040503050406030204" pitchFamily="18" charset="0"/>
+                      </a:rPr>
+                      <m:t>=1</m:t>
+                    </m:r>
+                  </m:oMath>
+                </a14:m>
+                <a:endParaRPr lang="en-US" dirty="0"/>
+              </a:p>
+              <a:p>
+                <a:endParaRPr lang="en-US" dirty="0"/>
+              </a:p>
+              <a:p>
+                <a:pPr marL="0" indent="0">
+                  <a:buNone/>
+                </a:pPr>
+                <a:r>
+                  <a:rPr lang="en-US" dirty="0"/>
+                  <a:t>Popular norm. factor calculation methods include:</a:t>
+                </a:r>
+              </a:p>
+              <a:p>
+                <a:pPr marL="514350" indent="-514350">
+                  <a:buFont typeface="+mj-lt"/>
+                  <a:buAutoNum type="arabicPeriod"/>
+                </a:pPr>
+                <a:r>
+                  <a:rPr lang="en-US" dirty="0"/>
+                  <a:t>Reads-per-kilobase-million (RPKM)</a:t>
+                </a:r>
+              </a:p>
+              <a:p>
+                <a:pPr marL="514350" indent="-514350">
+                  <a:buFont typeface="+mj-lt"/>
+                  <a:buAutoNum type="arabicPeriod"/>
+                </a:pPr>
+                <a:r>
+                  <a:rPr lang="en-US" dirty="0"/>
+                  <a:t>Transcripts/Counts-per-million (TPM/CPM)</a:t>
+                </a:r>
+              </a:p>
+              <a:p>
+                <a:pPr marL="514350" indent="-514350">
+                  <a:buFont typeface="+mj-lt"/>
+                  <a:buAutoNum type="arabicPeriod"/>
+                </a:pPr>
+                <a:r>
+                  <a:rPr lang="en-US" dirty="0"/>
+                  <a:t>Library-size normalization</a:t>
+                </a:r>
+              </a:p>
+              <a:p>
+                <a:pPr marL="514350" indent="-514350">
+                  <a:buFont typeface="+mj-lt"/>
+                  <a:buAutoNum type="arabicPeriod"/>
+                </a:pPr>
+                <a:r>
+                  <a:rPr lang="en-US" dirty="0"/>
+                  <a:t>Trimmed-mean-of-m-values (TMM, default in </a:t>
+                </a:r>
+                <a:r>
+                  <a:rPr lang="en-US" dirty="0" err="1"/>
+                  <a:t>edgeR</a:t>
+                </a:r>
+                <a:r>
+                  <a:rPr lang="en-US" dirty="0"/>
+                  <a:t>)</a:t>
+                </a:r>
+              </a:p>
+              <a:p>
+                <a:pPr marL="514350" indent="-514350">
+                  <a:buFont typeface="+mj-lt"/>
+                  <a:buAutoNum type="arabicPeriod"/>
+                </a:pPr>
+                <a:endParaRPr lang="en-US" dirty="0"/>
+              </a:p>
+            </p:txBody>
+          </p:sp>
+        </mc:Choice>
+        <mc:Fallback>
+          <p:sp>
+            <p:nvSpPr>
+              <p:cNvPr id="3" name="Content Placeholder 2">
+                <a:extLst>
+                  <a:ext uri="{FF2B5EF4-FFF2-40B4-BE49-F238E27FC236}">
+                    <a16:creationId xmlns:a16="http://schemas.microsoft.com/office/drawing/2014/main" id="{33BE76E4-8479-1D66-B894-FA6FF34B65E2}"/>
+                  </a:ext>
+                </a:extLst>
+              </p:cNvPr>
+              <p:cNvSpPr>
+                <a:spLocks noGrp="1" noRot="1" noChangeAspect="1" noMove="1" noResize="1" noEditPoints="1" noAdjustHandles="1" noChangeArrowheads="1" noChangeShapeType="1" noTextEdit="1"/>
+              </p:cNvSpPr>
+              <p:nvPr>
+                <p:ph idx="1"/>
+              </p:nvPr>
+            </p:nvSpPr>
+            <p:spPr>
+              <a:blipFill>
+                <a:blip r:embed="rId2"/>
+                <a:stretch>
+                  <a:fillRect l="-1041" t="-1856"/>
+                </a:stretch>
+              </a:blipFill>
+            </p:spPr>
+            <p:txBody>
+              <a:bodyPr/>
+              <a:lstStyle/>
+              <a:p>
+                <a:r>
+                  <a:rPr lang="en-US">
+                    <a:noFill/>
+                  </a:rPr>
+                  <a:t> </a:t>
+                </a:r>
+              </a:p>
+            </p:txBody>
+          </p:sp>
+        </mc:Fallback>
+      </mc:AlternateContent>
+      <p:sp>
+        <p:nvSpPr>
+          <p:cNvPr id="4" name="Date Placeholder 3">
+            <a:extLst>
+              <a:ext uri="{FF2B5EF4-FFF2-40B4-BE49-F238E27FC236}">
+                <a16:creationId xmlns:a16="http://schemas.microsoft.com/office/drawing/2014/main" id="{778DEC5A-E845-96D8-633C-0906B8A5F96B}"/>
+              </a:ext>
+            </a:extLst>
+          </p:cNvPr>
+          <p:cNvSpPr>
+            <a:spLocks noGrp="1"/>
+          </p:cNvSpPr>
+          <p:nvPr>
+            <p:ph type="dt" sz="half" idx="10"/>
+          </p:nvPr>
+        </p:nvSpPr>
+        <p:spPr/>
+        <p:txBody>
+          <a:bodyPr/>
+          <a:lstStyle/>
+          <a:p>
+            <a:fld id="{C341F050-1748-B641-BEF7-F0B05D683DF2}" type="datetime1">
+              <a:rPr lang="en-US" smtClean="0"/>
+              <a:t>5/20/24</a:t>
+            </a:fld>
+            <a:endParaRPr lang="en-US"/>
+          </a:p>
+        </p:txBody>
+      </p:sp>
+      <p:sp>
+        <p:nvSpPr>
+          <p:cNvPr id="5" name="Footer Placeholder 4">
+            <a:extLst>
+              <a:ext uri="{FF2B5EF4-FFF2-40B4-BE49-F238E27FC236}">
+                <a16:creationId xmlns:a16="http://schemas.microsoft.com/office/drawing/2014/main" id="{8B7FF8B3-D4DA-1062-E198-4B9F92D9718E}"/>
+              </a:ext>
+            </a:extLst>
+          </p:cNvPr>
+          <p:cNvSpPr>
+            <a:spLocks noGrp="1"/>
+          </p:cNvSpPr>
+          <p:nvPr>
+            <p:ph type="ftr" sz="quarter" idx="11"/>
+          </p:nvPr>
+        </p:nvSpPr>
+        <p:spPr/>
+        <p:txBody>
+          <a:bodyPr/>
+          <a:lstStyle/>
+          <a:p>
+            <a:r>
+              <a:rPr lang="en-US"/>
+              <a:t>Jared Brown · Postdoctoral research fellow · DFCI Lab of Rafael Irizarry jbrown@ds.dfci.harvard.edu · github.com/JBrownBiostat</a:t>
+            </a:r>
+          </a:p>
+        </p:txBody>
+      </p:sp>
+      <p:sp>
+        <p:nvSpPr>
+          <p:cNvPr id="6" name="Slide Number Placeholder 5">
+            <a:extLst>
+              <a:ext uri="{FF2B5EF4-FFF2-40B4-BE49-F238E27FC236}">
+                <a16:creationId xmlns:a16="http://schemas.microsoft.com/office/drawing/2014/main" id="{2987F1C2-540C-7AD6-C598-D580776B5AFD}"/>
+              </a:ext>
+            </a:extLst>
+          </p:cNvPr>
+          <p:cNvSpPr>
+            <a:spLocks noGrp="1"/>
+          </p:cNvSpPr>
+          <p:nvPr>
+            <p:ph type="sldNum" sz="quarter" idx="12"/>
+          </p:nvPr>
+        </p:nvSpPr>
+        <p:spPr/>
+        <p:txBody>
+          <a:bodyPr/>
+          <a:lstStyle/>
+          <a:p>
+            <a:fld id="{2C8BF43B-81B9-DD48-8FF8-6AE31485DC69}" type="slidenum">
+              <a:rPr lang="en-US" smtClean="0"/>
+              <a:t>9</a:t>
+            </a:fld>
+            <a:endParaRPr lang="en-US"/>
+          </a:p>
+        </p:txBody>
+      </p:sp>
+    </p:spTree>
+    <p:extLst>
+      <p:ext uri="{BB962C8B-B14F-4D97-AF65-F5344CB8AC3E}">
+        <p14:creationId xmlns:p14="http://schemas.microsoft.com/office/powerpoint/2010/main" val="2894296182"/>
+      </p:ext>
+    </p:extLst>
+  </p:cSld>
+  <p:clrMapOvr>
+    <a:masterClrMapping/>
+  </p:clrMapOvr>
+</p:sld>
+</file>
+
+<file path=ppt/slides/slide11.xml><?xml version="1.0" encoding="utf-8"?>
+<p:sld xmlns:a="http://schemas.openxmlformats.org/drawingml/2006/main" xmlns:r="http://schemas.openxmlformats.org/officeDocument/2006/relationships" xmlns:p="http://schemas.openxmlformats.org/presentationml/2006/main">
+  <p:cSld>
+    <p:spTree>
+      <p:nvGrpSpPr>
+        <p:cNvPr id="1" name=""/>
+        <p:cNvGrpSpPr/>
+        <p:nvPr/>
+      </p:nvGrpSpPr>
+      <p:grpSpPr>
+        <a:xfrm>
+          <a:off x="0" y="0"/>
+          <a:ext cx="0" cy="0"/>
+          <a:chOff x="0" y="0"/>
+          <a:chExt cx="0" cy="0"/>
+        </a:xfrm>
+      </p:grpSpPr>
+      <p:sp>
+        <p:nvSpPr>
+          <p:cNvPr id="2" name="Title 1">
+            <a:extLst>
+              <a:ext uri="{FF2B5EF4-FFF2-40B4-BE49-F238E27FC236}">
+                <a16:creationId xmlns:a16="http://schemas.microsoft.com/office/drawing/2014/main" id="{3A880076-1311-6003-EF37-484C90BA4BB4}"/>
+              </a:ext>
+            </a:extLst>
+          </p:cNvPr>
+          <p:cNvSpPr>
+            <a:spLocks noGrp="1"/>
+          </p:cNvSpPr>
+          <p:nvPr>
+            <p:ph type="title"/>
+          </p:nvPr>
+        </p:nvSpPr>
+        <p:spPr/>
+        <p:txBody>
+          <a:bodyPr/>
+          <a:lstStyle/>
+          <a:p>
+            <a:r>
+              <a:rPr lang="en-US" dirty="0"/>
+              <a:t>DESeq2 normalization default</a:t>
+            </a:r>
+          </a:p>
+        </p:txBody>
+      </p:sp>
+      <mc:AlternateContent xmlns:mc="http://schemas.openxmlformats.org/markup-compatibility/2006">
+        <mc:Choice xmlns:a14="http://schemas.microsoft.com/office/drawing/2010/main" Requires="a14">
+          <p:sp>
+            <p:nvSpPr>
+              <p:cNvPr id="3" name="Content Placeholder 2">
+                <a:extLst>
+                  <a:ext uri="{FF2B5EF4-FFF2-40B4-BE49-F238E27FC236}">
+                    <a16:creationId xmlns:a16="http://schemas.microsoft.com/office/drawing/2014/main" id="{A45FC376-AA5E-6B9C-D237-22850DDB7B02}"/>
+                  </a:ext>
+                </a:extLst>
+              </p:cNvPr>
+              <p:cNvSpPr>
+                <a:spLocks noGrp="1"/>
+              </p:cNvSpPr>
+              <p:nvPr>
+                <p:ph idx="1"/>
+              </p:nvPr>
+            </p:nvSpPr>
+            <p:spPr/>
+            <p:txBody>
+              <a:bodyPr/>
+              <a:lstStyle/>
+              <a:p>
+                <a:pPr marL="0" indent="0">
+                  <a:buNone/>
+                </a:pPr>
+                <a:r>
+                  <a:rPr lang="en-US" dirty="0"/>
+                  <a:t>Method of </a:t>
+                </a:r>
+                <a:r>
+                  <a:rPr lang="en-US" i="1" dirty="0"/>
+                  <a:t>Median of Ratios</a:t>
+                </a:r>
+                <a:r>
+                  <a:rPr lang="en-US" dirty="0"/>
+                  <a:t> and </a:t>
+                </a:r>
+                <a:r>
+                  <a:rPr lang="en-US" i="1" dirty="0"/>
+                  <a:t>Scran</a:t>
+                </a:r>
+                <a:r>
+                  <a:rPr lang="en-US" dirty="0"/>
+                  <a:t>:</a:t>
+                </a:r>
+              </a:p>
+              <a:p>
+                <a:r>
+                  <a:rPr lang="en-US" dirty="0"/>
+                  <a:t>Median of Ratios (MR) from Anders and Huber 2010</a:t>
+                </a:r>
+              </a:p>
+              <a:p>
+                <a:r>
+                  <a:rPr lang="en-US" dirty="0"/>
+                  <a:t>Scran based on Lun, Bach, and </a:t>
+                </a:r>
+                <a:r>
+                  <a:rPr lang="en-US" dirty="0" err="1"/>
+                  <a:t>Marioni</a:t>
+                </a:r>
+                <a:r>
+                  <a:rPr lang="en-US" dirty="0"/>
+                  <a:t> 2016</a:t>
+                </a:r>
+              </a:p>
+              <a:p>
+                <a:pPr marL="0" indent="0">
+                  <a:buNone/>
+                </a:pPr>
+                <a:endParaRPr lang="en-US" sz="1200" dirty="0"/>
+              </a:p>
+              <a:p>
+                <a:pPr marL="0" indent="0">
+                  <a:buNone/>
+                </a:pPr>
+                <a:r>
+                  <a:rPr lang="en-US" dirty="0"/>
+                  <a:t>Both methods based on the median of ratios relationship:</a:t>
+                </a:r>
+              </a:p>
+              <a:p>
+                <a:pPr marL="0" indent="0">
+                  <a:buNone/>
+                </a:pPr>
+                <a14:m>
+                  <m:oMathPara xmlns:m="http://schemas.openxmlformats.org/officeDocument/2006/math">
+                    <m:oMathParaPr>
+                      <m:jc m:val="centerGroup"/>
+                    </m:oMathParaPr>
+                    <m:oMath xmlns:m="http://schemas.openxmlformats.org/officeDocument/2006/math">
+                      <m:acc>
+                        <m:accPr>
+                          <m:chr m:val="̂"/>
+                          <m:ctrlPr>
+                            <a:rPr lang="en-US" b="0" i="1" smtClean="0">
+                              <a:latin typeface="Cambria Math" panose="02040503050406030204" pitchFamily="18" charset="0"/>
+                            </a:rPr>
+                          </m:ctrlPr>
+                        </m:accPr>
+                        <m:e>
+                          <m:sSub>
+                            <m:sSubPr>
+                              <m:ctrlPr>
+                                <a:rPr lang="en-US" b="0" i="1" smtClean="0">
+                                  <a:latin typeface="Cambria Math" panose="02040503050406030204" pitchFamily="18" charset="0"/>
+                                </a:rPr>
+                              </m:ctrlPr>
+                            </m:sSubPr>
+                            <m:e>
+                              <m:r>
+                                <a:rPr lang="en-US" b="0" i="1" smtClean="0">
+                                  <a:latin typeface="Cambria Math" panose="02040503050406030204" pitchFamily="18" charset="0"/>
+                                </a:rPr>
+                                <m:t>𝑠</m:t>
+                              </m:r>
+                            </m:e>
+                            <m:sub>
+                              <m:r>
+                                <a:rPr lang="en-US" b="0" i="1" smtClean="0">
+                                  <a:latin typeface="Cambria Math" panose="02040503050406030204" pitchFamily="18" charset="0"/>
+                                </a:rPr>
+                                <m:t>𝑗</m:t>
+                              </m:r>
+                            </m:sub>
+                          </m:sSub>
+                        </m:e>
+                      </m:acc>
+                      <m:r>
+                        <a:rPr lang="en-US" b="0" i="1" dirty="0" smtClean="0">
+                          <a:latin typeface="Cambria Math" panose="02040503050406030204" pitchFamily="18" charset="0"/>
+                        </a:rPr>
+                        <m:t>≔</m:t>
+                      </m:r>
+                      <m:r>
+                        <a:rPr lang="en-US" b="0" i="1" dirty="0" smtClean="0">
+                          <a:latin typeface="Cambria Math" panose="02040503050406030204" pitchFamily="18" charset="0"/>
+                        </a:rPr>
+                        <m:t>𝑚𝑒𝑑𝑖𝑎</m:t>
+                      </m:r>
+                      <m:sSub>
+                        <m:sSubPr>
+                          <m:ctrlPr>
+                            <a:rPr lang="en-US" b="0" i="1" dirty="0" smtClean="0">
+                              <a:latin typeface="Cambria Math" panose="02040503050406030204" pitchFamily="18" charset="0"/>
+                            </a:rPr>
+                          </m:ctrlPr>
+                        </m:sSubPr>
+                        <m:e>
+                          <m:r>
+                            <a:rPr lang="en-US" b="0" i="1" dirty="0" smtClean="0">
+                              <a:latin typeface="Cambria Math" panose="02040503050406030204" pitchFamily="18" charset="0"/>
+                            </a:rPr>
+                            <m:t>𝑛</m:t>
+                          </m:r>
+                        </m:e>
+                        <m:sub>
+                          <m:r>
+                            <a:rPr lang="en-US" b="0" i="1" dirty="0" smtClean="0">
+                              <a:latin typeface="Cambria Math" panose="02040503050406030204" pitchFamily="18" charset="0"/>
+                            </a:rPr>
+                            <m:t>𝑔</m:t>
+                          </m:r>
+                        </m:sub>
+                      </m:sSub>
+                      <m:d>
+                        <m:dPr>
+                          <m:begChr m:val="{"/>
+                          <m:endChr m:val="}"/>
+                          <m:ctrlPr>
+                            <a:rPr lang="en-US" b="0" i="1" dirty="0" smtClean="0">
+                              <a:latin typeface="Cambria Math" panose="02040503050406030204" pitchFamily="18" charset="0"/>
+                            </a:rPr>
+                          </m:ctrlPr>
+                        </m:dPr>
+                        <m:e>
+                          <m:f>
+                            <m:fPr>
+                              <m:ctrlPr>
+                                <a:rPr lang="en-US" b="0" i="1" dirty="0" smtClean="0">
+                                  <a:latin typeface="Cambria Math" panose="02040503050406030204" pitchFamily="18" charset="0"/>
+                                </a:rPr>
+                              </m:ctrlPr>
+                            </m:fPr>
+                            <m:num>
+                              <m:acc>
+                                <m:accPr>
+                                  <m:chr m:val="̂"/>
+                                  <m:ctrlPr>
+                                    <a:rPr lang="en-US" b="0" i="1" dirty="0" smtClean="0">
+                                      <a:latin typeface="Cambria Math" panose="02040503050406030204" pitchFamily="18" charset="0"/>
+                                    </a:rPr>
+                                  </m:ctrlPr>
+                                </m:accPr>
+                                <m:e>
+                                  <m:sSub>
+                                    <m:sSubPr>
+                                      <m:ctrlPr>
+                                        <a:rPr lang="en-US" b="0" i="1" dirty="0" smtClean="0">
+                                          <a:latin typeface="Cambria Math" panose="02040503050406030204" pitchFamily="18" charset="0"/>
+                                        </a:rPr>
+                                      </m:ctrlPr>
+                                    </m:sSubPr>
+                                    <m:e>
+                                      <m:r>
+                                        <a:rPr lang="en-US" b="0" i="1" dirty="0" smtClean="0">
+                                          <a:latin typeface="Cambria Math" panose="02040503050406030204" pitchFamily="18" charset="0"/>
+                                        </a:rPr>
+                                        <m:t>𝑦</m:t>
+                                      </m:r>
+                                    </m:e>
+                                    <m:sub>
+                                      <m:r>
+                                        <a:rPr lang="en-US" b="0" i="1" dirty="0" smtClean="0">
+                                          <a:latin typeface="Cambria Math" panose="02040503050406030204" pitchFamily="18" charset="0"/>
+                                        </a:rPr>
+                                        <m:t>𝑔𝑗</m:t>
+                                      </m:r>
+                                    </m:sub>
+                                  </m:sSub>
+                                </m:e>
+                              </m:acc>
+                            </m:num>
+                            <m:den>
+                              <m:r>
+                                <a:rPr lang="en-US" b="0" i="1" dirty="0" smtClean="0">
+                                  <a:latin typeface="Cambria Math" panose="02040503050406030204" pitchFamily="18" charset="0"/>
+                                </a:rPr>
+                                <m:t>(</m:t>
+                              </m:r>
+                              <m:sSup>
+                                <m:sSupPr>
+                                  <m:ctrlPr>
+                                    <a:rPr lang="en-US" b="0" i="1" dirty="0" smtClean="0">
+                                      <a:latin typeface="Cambria Math" panose="02040503050406030204" pitchFamily="18" charset="0"/>
+                                    </a:rPr>
+                                  </m:ctrlPr>
+                                </m:sSupPr>
+                                <m:e>
+                                  <m:nary>
+                                    <m:naryPr>
+                                      <m:chr m:val="∏"/>
+                                      <m:ctrlPr>
+                                        <a:rPr lang="en-US" b="0" i="1" dirty="0" smtClean="0">
+                                          <a:latin typeface="Cambria Math" panose="02040503050406030204" pitchFamily="18" charset="0"/>
+                                        </a:rPr>
+                                      </m:ctrlPr>
+                                    </m:naryPr>
+                                    <m:sub>
+                                      <m:r>
+                                        <a:rPr lang="en-US" b="0" i="1" dirty="0" smtClean="0">
+                                          <a:latin typeface="Cambria Math" panose="02040503050406030204" pitchFamily="18" charset="0"/>
+                                        </a:rPr>
+                                        <m:t>𝑔</m:t>
+                                      </m:r>
+                                    </m:sub>
+                                    <m:sup>
+                                      <m:r>
+                                        <a:rPr lang="en-US" b="0" i="1" dirty="0" smtClean="0">
+                                          <a:latin typeface="Cambria Math" panose="02040503050406030204" pitchFamily="18" charset="0"/>
+                                        </a:rPr>
+                                        <m:t>𝐺</m:t>
+                                      </m:r>
+                                    </m:sup>
+                                    <m:e>
+                                      <m:acc>
+                                        <m:accPr>
+                                          <m:chr m:val="̂"/>
+                                          <m:ctrlPr>
+                                            <a:rPr lang="en-US" b="0" i="1" dirty="0" smtClean="0">
+                                              <a:latin typeface="Cambria Math" panose="02040503050406030204" pitchFamily="18" charset="0"/>
+                                            </a:rPr>
+                                          </m:ctrlPr>
+                                        </m:accPr>
+                                        <m:e>
+                                          <m:sSub>
+                                            <m:sSubPr>
+                                              <m:ctrlPr>
+                                                <a:rPr lang="en-US" b="0" i="1" dirty="0" smtClean="0">
+                                                  <a:latin typeface="Cambria Math" panose="02040503050406030204" pitchFamily="18" charset="0"/>
+                                                </a:rPr>
+                                              </m:ctrlPr>
+                                            </m:sSubPr>
+                                            <m:e>
+                                              <m:r>
+                                                <a:rPr lang="en-US" b="0" i="1" dirty="0" smtClean="0">
+                                                  <a:latin typeface="Cambria Math" panose="02040503050406030204" pitchFamily="18" charset="0"/>
+                                                </a:rPr>
+                                                <m:t>𝑦</m:t>
+                                              </m:r>
+                                            </m:e>
+                                            <m:sub>
+                                              <m:r>
+                                                <a:rPr lang="en-US" b="0" i="1" dirty="0" smtClean="0">
+                                                  <a:latin typeface="Cambria Math" panose="02040503050406030204" pitchFamily="18" charset="0"/>
+                                                </a:rPr>
+                                                <m:t>𝑔𝑗</m:t>
+                                              </m:r>
+                                            </m:sub>
+                                          </m:sSub>
+                                        </m:e>
+                                      </m:acc>
+                                      <m:r>
+                                        <a:rPr lang="en-US" b="0" i="1" dirty="0" smtClean="0">
+                                          <a:latin typeface="Cambria Math" panose="02040503050406030204" pitchFamily="18" charset="0"/>
+                                        </a:rPr>
+                                        <m:t>)</m:t>
+                                      </m:r>
+                                    </m:e>
+                                  </m:nary>
+                                </m:e>
+                                <m:sup>
+                                  <m:f>
+                                    <m:fPr>
+                                      <m:ctrlPr>
+                                        <a:rPr lang="en-US" b="0" i="1" dirty="0" smtClean="0">
+                                          <a:latin typeface="Cambria Math" panose="02040503050406030204" pitchFamily="18" charset="0"/>
+                                        </a:rPr>
+                                      </m:ctrlPr>
+                                    </m:fPr>
+                                    <m:num>
+                                      <m:r>
+                                        <a:rPr lang="en-US" b="0" i="1" dirty="0" smtClean="0">
+                                          <a:latin typeface="Cambria Math" panose="02040503050406030204" pitchFamily="18" charset="0"/>
+                                        </a:rPr>
+                                        <m:t>1</m:t>
+                                      </m:r>
+                                    </m:num>
+                                    <m:den>
+                                      <m:r>
+                                        <a:rPr lang="en-US" b="0" i="1" dirty="0" smtClean="0">
+                                          <a:latin typeface="Cambria Math" panose="02040503050406030204" pitchFamily="18" charset="0"/>
+                                        </a:rPr>
+                                        <m:t>𝐺</m:t>
+                                      </m:r>
+                                    </m:den>
+                                  </m:f>
+                                </m:sup>
+                              </m:sSup>
+                            </m:den>
+                          </m:f>
+                        </m:e>
+                      </m:d>
+                      <m:r>
+                        <a:rPr lang="en-US" b="0" i="1" dirty="0" smtClean="0">
+                          <a:latin typeface="Cambria Math" panose="02040503050406030204" pitchFamily="18" charset="0"/>
+                        </a:rPr>
+                        <m:t>=</m:t>
+                      </m:r>
+                      <m:r>
+                        <a:rPr lang="en-US" b="0" i="1" dirty="0" smtClean="0">
+                          <a:latin typeface="Cambria Math" panose="02040503050406030204" pitchFamily="18" charset="0"/>
+                        </a:rPr>
+                        <m:t>𝑚𝑒𝑑𝑖𝑎</m:t>
+                      </m:r>
+                      <m:sSub>
+                        <m:sSubPr>
+                          <m:ctrlPr>
+                            <a:rPr lang="en-US" b="0" i="1" dirty="0" smtClean="0">
+                              <a:latin typeface="Cambria Math" panose="02040503050406030204" pitchFamily="18" charset="0"/>
+                            </a:rPr>
+                          </m:ctrlPr>
+                        </m:sSubPr>
+                        <m:e>
+                          <m:r>
+                            <a:rPr lang="en-US" b="0" i="1" dirty="0" smtClean="0">
+                              <a:latin typeface="Cambria Math" panose="02040503050406030204" pitchFamily="18" charset="0"/>
+                            </a:rPr>
+                            <m:t>𝑛</m:t>
+                          </m:r>
+                        </m:e>
+                        <m:sub>
+                          <m:r>
+                            <a:rPr lang="en-US" b="0" i="1" dirty="0" smtClean="0">
+                              <a:latin typeface="Cambria Math" panose="02040503050406030204" pitchFamily="18" charset="0"/>
+                            </a:rPr>
+                            <m:t>𝑔</m:t>
+                          </m:r>
+                        </m:sub>
+                      </m:sSub>
+                      <m:d>
+                        <m:dPr>
+                          <m:begChr m:val="{"/>
+                          <m:endChr m:val="}"/>
+                          <m:ctrlPr>
+                            <a:rPr lang="en-US" b="0" i="1" dirty="0" smtClean="0">
+                              <a:latin typeface="Cambria Math" panose="02040503050406030204" pitchFamily="18" charset="0"/>
+                            </a:rPr>
+                          </m:ctrlPr>
+                        </m:dPr>
+                        <m:e>
+                          <m:f>
+                            <m:fPr>
+                              <m:ctrlPr>
+                                <a:rPr lang="en-US" b="0" i="1" dirty="0" smtClean="0">
+                                  <a:latin typeface="Cambria Math" panose="02040503050406030204" pitchFamily="18" charset="0"/>
+                                </a:rPr>
+                              </m:ctrlPr>
+                            </m:fPr>
+                            <m:num>
+                              <m:acc>
+                                <m:accPr>
+                                  <m:chr m:val="̂"/>
+                                  <m:ctrlPr>
+                                    <a:rPr lang="en-US" b="0" i="1" dirty="0" smtClean="0">
+                                      <a:latin typeface="Cambria Math" panose="02040503050406030204" pitchFamily="18" charset="0"/>
+                                    </a:rPr>
+                                  </m:ctrlPr>
+                                </m:accPr>
+                                <m:e>
+                                  <m:sSub>
+                                    <m:sSubPr>
+                                      <m:ctrlPr>
+                                        <a:rPr lang="en-US" b="0" i="1" dirty="0" smtClean="0">
+                                          <a:latin typeface="Cambria Math" panose="02040503050406030204" pitchFamily="18" charset="0"/>
+                                        </a:rPr>
+                                      </m:ctrlPr>
+                                    </m:sSubPr>
+                                    <m:e>
+                                      <m:r>
+                                        <a:rPr lang="en-US" b="0" i="1" dirty="0" smtClean="0">
+                                          <a:latin typeface="Cambria Math" panose="02040503050406030204" pitchFamily="18" charset="0"/>
+                                        </a:rPr>
+                                        <m:t>𝑦</m:t>
+                                      </m:r>
+                                    </m:e>
+                                    <m:sub>
+                                      <m:r>
+                                        <a:rPr lang="en-US" b="0" i="1" dirty="0" smtClean="0">
+                                          <a:latin typeface="Cambria Math" panose="02040503050406030204" pitchFamily="18" charset="0"/>
+                                        </a:rPr>
+                                        <m:t>𝑔𝑗</m:t>
+                                      </m:r>
+                                    </m:sub>
+                                  </m:sSub>
+                                </m:e>
+                              </m:acc>
+                            </m:num>
+                            <m:den>
+                              <m:func>
+                                <m:funcPr>
+                                  <m:ctrlPr>
+                                    <a:rPr lang="en-US" b="0" i="1" dirty="0" smtClean="0">
+                                      <a:latin typeface="Cambria Math" panose="02040503050406030204" pitchFamily="18" charset="0"/>
+                                    </a:rPr>
+                                  </m:ctrlPr>
+                                </m:funcPr>
+                                <m:fName>
+                                  <m:r>
+                                    <m:rPr>
+                                      <m:sty m:val="p"/>
+                                    </m:rPr>
+                                    <a:rPr lang="en-US" b="0" i="0" dirty="0" smtClean="0">
+                                      <a:latin typeface="Cambria Math" panose="02040503050406030204" pitchFamily="18" charset="0"/>
+                                    </a:rPr>
+                                    <m:t>exp</m:t>
+                                  </m:r>
+                                </m:fName>
+                                <m:e>
+                                  <m:d>
+                                    <m:dPr>
+                                      <m:begChr m:val="["/>
+                                      <m:endChr m:val="]"/>
+                                      <m:ctrlPr>
+                                        <a:rPr lang="en-US" b="0" i="1" dirty="0" smtClean="0">
+                                          <a:latin typeface="Cambria Math" panose="02040503050406030204" pitchFamily="18" charset="0"/>
+                                        </a:rPr>
+                                      </m:ctrlPr>
+                                    </m:dPr>
+                                    <m:e>
+                                      <m:f>
+                                        <m:fPr>
+                                          <m:ctrlPr>
+                                            <a:rPr lang="en-US" b="0" i="1" dirty="0" smtClean="0">
+                                              <a:latin typeface="Cambria Math" panose="02040503050406030204" pitchFamily="18" charset="0"/>
+                                            </a:rPr>
+                                          </m:ctrlPr>
+                                        </m:fPr>
+                                        <m:num>
+                                          <m:r>
+                                            <a:rPr lang="en-US" b="0" i="1" dirty="0" smtClean="0">
+                                              <a:latin typeface="Cambria Math" panose="02040503050406030204" pitchFamily="18" charset="0"/>
+                                            </a:rPr>
+                                            <m:t>1</m:t>
+                                          </m:r>
+                                        </m:num>
+                                        <m:den>
+                                          <m:r>
+                                            <a:rPr lang="en-US" b="0" i="1" dirty="0" smtClean="0">
+                                              <a:latin typeface="Cambria Math" panose="02040503050406030204" pitchFamily="18" charset="0"/>
+                                            </a:rPr>
+                                            <m:t>𝐺</m:t>
+                                          </m:r>
+                                        </m:den>
+                                      </m:f>
+                                      <m:nary>
+                                        <m:naryPr>
+                                          <m:chr m:val="∑"/>
+                                          <m:ctrlPr>
+                                            <a:rPr lang="en-US" b="0" i="1" dirty="0" smtClean="0">
+                                              <a:latin typeface="Cambria Math" panose="02040503050406030204" pitchFamily="18" charset="0"/>
+                                            </a:rPr>
+                                          </m:ctrlPr>
+                                        </m:naryPr>
+                                        <m:sub>
+                                          <m:r>
+                                            <a:rPr lang="en-US" b="0" i="1" dirty="0" smtClean="0">
+                                              <a:latin typeface="Cambria Math" panose="02040503050406030204" pitchFamily="18" charset="0"/>
+                                            </a:rPr>
+                                            <m:t>𝑔</m:t>
+                                          </m:r>
+                                        </m:sub>
+                                        <m:sup>
+                                          <m:r>
+                                            <a:rPr lang="en-US" b="0" i="1" dirty="0" smtClean="0">
+                                              <a:latin typeface="Cambria Math" panose="02040503050406030204" pitchFamily="18" charset="0"/>
+                                            </a:rPr>
+                                            <m:t>𝐺</m:t>
+                                          </m:r>
+                                        </m:sup>
+                                        <m:e>
+                                          <m:func>
+                                            <m:funcPr>
+                                              <m:ctrlPr>
+                                                <a:rPr lang="en-US" b="0" i="1" dirty="0" smtClean="0">
+                                                  <a:latin typeface="Cambria Math" panose="02040503050406030204" pitchFamily="18" charset="0"/>
+                                                </a:rPr>
+                                              </m:ctrlPr>
+                                            </m:funcPr>
+                                            <m:fName>
+                                              <m:r>
+                                                <m:rPr>
+                                                  <m:sty m:val="p"/>
+                                                </m:rPr>
+                                                <a:rPr lang="en-US" b="0" i="0" dirty="0" smtClean="0">
+                                                  <a:latin typeface="Cambria Math" panose="02040503050406030204" pitchFamily="18" charset="0"/>
+                                                </a:rPr>
+                                                <m:t>log</m:t>
+                                              </m:r>
+                                            </m:fName>
+                                            <m:e>
+                                              <m:d>
+                                                <m:dPr>
+                                                  <m:ctrlPr>
+                                                    <a:rPr lang="en-US" b="0" i="1" dirty="0" smtClean="0">
+                                                      <a:latin typeface="Cambria Math" panose="02040503050406030204" pitchFamily="18" charset="0"/>
+                                                    </a:rPr>
+                                                  </m:ctrlPr>
+                                                </m:dPr>
+                                                <m:e>
+                                                  <m:acc>
+                                                    <m:accPr>
+                                                      <m:chr m:val="̂"/>
+                                                      <m:ctrlPr>
+                                                        <a:rPr lang="en-US" b="0" i="1" dirty="0" smtClean="0">
+                                                          <a:latin typeface="Cambria Math" panose="02040503050406030204" pitchFamily="18" charset="0"/>
+                                                        </a:rPr>
+                                                      </m:ctrlPr>
+                                                    </m:accPr>
+                                                    <m:e>
+                                                      <m:sSub>
+                                                        <m:sSubPr>
+                                                          <m:ctrlPr>
+                                                            <a:rPr lang="en-US" b="0" i="1" dirty="0" smtClean="0">
+                                                              <a:latin typeface="Cambria Math" panose="02040503050406030204" pitchFamily="18" charset="0"/>
+                                                            </a:rPr>
+                                                          </m:ctrlPr>
+                                                        </m:sSubPr>
+                                                        <m:e>
+                                                          <m:r>
+                                                            <a:rPr lang="en-US" b="0" i="1" dirty="0" smtClean="0">
+                                                              <a:latin typeface="Cambria Math" panose="02040503050406030204" pitchFamily="18" charset="0"/>
+                                                            </a:rPr>
+                                                            <m:t>𝑦</m:t>
+                                                          </m:r>
+                                                        </m:e>
+                                                        <m:sub>
+                                                          <m:r>
+                                                            <a:rPr lang="en-US" b="0" i="1" dirty="0" smtClean="0">
+                                                              <a:latin typeface="Cambria Math" panose="02040503050406030204" pitchFamily="18" charset="0"/>
+                                                            </a:rPr>
+                                                            <m:t>𝑔𝑗</m:t>
+                                                          </m:r>
+                                                        </m:sub>
+                                                      </m:sSub>
+                                                    </m:e>
+                                                  </m:acc>
+                                                </m:e>
+                                              </m:d>
+                                            </m:e>
+                                          </m:func>
+                                        </m:e>
+                                      </m:nary>
+                                    </m:e>
+                                  </m:d>
+                                </m:e>
+                              </m:func>
+                            </m:den>
+                          </m:f>
+                        </m:e>
+                      </m:d>
+                    </m:oMath>
+                  </m:oMathPara>
+                </a14:m>
+                <a:endParaRPr lang="en-US" dirty="0"/>
+              </a:p>
+              <a:p>
+                <a:pPr marL="0" indent="0">
+                  <a:buNone/>
+                </a:pPr>
+                <a:endParaRPr lang="en-US" sz="1200" dirty="0"/>
+              </a:p>
+              <a:p>
+                <a:pPr marL="0" indent="0">
+                  <a:buNone/>
+                </a:pPr>
+                <a:r>
+                  <a:rPr lang="en-US" dirty="0"/>
+                  <a:t>For MR, </a:t>
+                </a:r>
+                <a14:m>
+                  <m:oMath xmlns:m="http://schemas.openxmlformats.org/officeDocument/2006/math">
+                    <m:acc>
+                      <m:accPr>
+                        <m:chr m:val="̂"/>
+                        <m:ctrlPr>
+                          <a:rPr lang="en-US" b="0" i="1" smtClean="0">
+                            <a:latin typeface="Cambria Math" panose="02040503050406030204" pitchFamily="18" charset="0"/>
+                          </a:rPr>
+                        </m:ctrlPr>
+                      </m:accPr>
+                      <m:e>
+                        <m:sSub>
+                          <m:sSubPr>
+                            <m:ctrlPr>
+                              <a:rPr lang="en-US" b="0" i="1" smtClean="0">
+                                <a:latin typeface="Cambria Math" panose="02040503050406030204" pitchFamily="18" charset="0"/>
+                              </a:rPr>
+                            </m:ctrlPr>
+                          </m:sSubPr>
+                          <m:e>
+                            <m:r>
+                              <a:rPr lang="en-US" b="0" i="1" smtClean="0">
+                                <a:latin typeface="Cambria Math" panose="02040503050406030204" pitchFamily="18" charset="0"/>
+                              </a:rPr>
+                              <m:t>𝑦</m:t>
+                            </m:r>
+                          </m:e>
+                          <m:sub>
+                            <m:r>
+                              <a:rPr lang="en-US" b="0" i="1" smtClean="0">
+                                <a:latin typeface="Cambria Math" panose="02040503050406030204" pitchFamily="18" charset="0"/>
+                              </a:rPr>
+                              <m:t>𝑔𝑗</m:t>
+                            </m:r>
+                          </m:sub>
+                        </m:sSub>
+                      </m:e>
+                    </m:acc>
+                    <m:r>
+                      <a:rPr lang="en-US" b="0" i="1" dirty="0" smtClean="0">
+                        <a:latin typeface="Cambria Math" panose="02040503050406030204" pitchFamily="18" charset="0"/>
+                      </a:rPr>
+                      <m:t>=</m:t>
+                    </m:r>
+                    <m:sSub>
+                      <m:sSubPr>
+                        <m:ctrlPr>
+                          <a:rPr lang="en-US" b="0" i="1" dirty="0" smtClean="0">
+                            <a:latin typeface="Cambria Math" panose="02040503050406030204" pitchFamily="18" charset="0"/>
+                          </a:rPr>
+                        </m:ctrlPr>
+                      </m:sSubPr>
+                      <m:e>
+                        <m:r>
+                          <a:rPr lang="en-US" b="0" i="1" dirty="0" smtClean="0">
+                            <a:latin typeface="Cambria Math" panose="02040503050406030204" pitchFamily="18" charset="0"/>
+                          </a:rPr>
+                          <m:t>𝑦</m:t>
+                        </m:r>
+                      </m:e>
+                      <m:sub>
+                        <m:r>
+                          <a:rPr lang="en-US" b="0" i="1" dirty="0" smtClean="0">
+                            <a:latin typeface="Cambria Math" panose="02040503050406030204" pitchFamily="18" charset="0"/>
+                          </a:rPr>
+                          <m:t>𝑔𝑗</m:t>
+                        </m:r>
+                      </m:sub>
+                    </m:sSub>
+                  </m:oMath>
+                </a14:m>
+                <a:r>
+                  <a:rPr lang="en-US" dirty="0"/>
+                  <a:t> and </a:t>
+                </a:r>
+                <a14:m>
+                  <m:oMath xmlns:m="http://schemas.openxmlformats.org/officeDocument/2006/math">
+                    <m:sSub>
+                      <m:sSubPr>
+                        <m:ctrlPr>
+                          <a:rPr lang="en-US" b="0" i="1" smtClean="0">
+                            <a:latin typeface="Cambria Math" panose="02040503050406030204" pitchFamily="18" charset="0"/>
+                          </a:rPr>
+                        </m:ctrlPr>
+                      </m:sSubPr>
+                      <m:e>
+                        <m:r>
+                          <a:rPr lang="en-US" b="0" i="1" smtClean="0">
+                            <a:latin typeface="Cambria Math" panose="02040503050406030204" pitchFamily="18" charset="0"/>
+                          </a:rPr>
+                          <m:t>𝑠</m:t>
+                        </m:r>
+                      </m:e>
+                      <m:sub>
+                        <m:r>
+                          <a:rPr lang="en-US" b="0" i="1" smtClean="0">
+                            <a:latin typeface="Cambria Math" panose="02040503050406030204" pitchFamily="18" charset="0"/>
+                          </a:rPr>
+                          <m:t>𝑗</m:t>
+                        </m:r>
+                      </m:sub>
+                    </m:sSub>
+                    <m:r>
+                      <a:rPr lang="en-US" b="0" i="1" smtClean="0">
+                        <a:latin typeface="Cambria Math" panose="02040503050406030204" pitchFamily="18" charset="0"/>
+                      </a:rPr>
+                      <m:t>=</m:t>
+                    </m:r>
+                    <m:acc>
+                      <m:accPr>
+                        <m:chr m:val="̂"/>
+                        <m:ctrlPr>
+                          <a:rPr lang="en-US" b="0" i="1" smtClean="0">
+                            <a:latin typeface="Cambria Math" panose="02040503050406030204" pitchFamily="18" charset="0"/>
+                          </a:rPr>
+                        </m:ctrlPr>
+                      </m:accPr>
+                      <m:e>
+                        <m:sSub>
+                          <m:sSubPr>
+                            <m:ctrlPr>
+                              <a:rPr lang="en-US" b="0" i="1" smtClean="0">
+                                <a:latin typeface="Cambria Math" panose="02040503050406030204" pitchFamily="18" charset="0"/>
+                              </a:rPr>
+                            </m:ctrlPr>
+                          </m:sSubPr>
+                          <m:e>
+                            <m:r>
+                              <a:rPr lang="en-US" b="0" i="1" smtClean="0">
+                                <a:latin typeface="Cambria Math" panose="02040503050406030204" pitchFamily="18" charset="0"/>
+                              </a:rPr>
+                              <m:t>𝑠</m:t>
+                            </m:r>
+                          </m:e>
+                          <m:sub>
+                            <m:r>
+                              <a:rPr lang="en-US" b="0" i="1" smtClean="0">
+                                <a:latin typeface="Cambria Math" panose="02040503050406030204" pitchFamily="18" charset="0"/>
+                              </a:rPr>
+                              <m:t>𝑗</m:t>
+                            </m:r>
+                          </m:sub>
+                        </m:sSub>
+                      </m:e>
+                    </m:acc>
+                  </m:oMath>
+                </a14:m>
+                <a:endParaRPr lang="en-US" b="0" dirty="0"/>
+              </a:p>
+              <a:p>
+                <a:pPr marL="0" indent="0">
+                  <a:buNone/>
+                </a:pPr>
+                <a:r>
+                  <a:rPr lang="en-US" dirty="0"/>
+                  <a:t>For Scran, </a:t>
+                </a:r>
+                <a14:m>
+                  <m:oMath xmlns:m="http://schemas.openxmlformats.org/officeDocument/2006/math">
+                    <m:acc>
+                      <m:accPr>
+                        <m:chr m:val="̂"/>
+                        <m:ctrlPr>
+                          <a:rPr lang="en-US" b="0" i="1" smtClean="0">
+                            <a:latin typeface="Cambria Math" panose="02040503050406030204" pitchFamily="18" charset="0"/>
+                          </a:rPr>
+                        </m:ctrlPr>
+                      </m:accPr>
+                      <m:e>
+                        <m:sSub>
+                          <m:sSubPr>
+                            <m:ctrlPr>
+                              <a:rPr lang="en-US" b="0" i="1" smtClean="0">
+                                <a:latin typeface="Cambria Math" panose="02040503050406030204" pitchFamily="18" charset="0"/>
+                              </a:rPr>
+                            </m:ctrlPr>
+                          </m:sSubPr>
+                          <m:e>
+                            <m:r>
+                              <a:rPr lang="en-US" b="0" i="1" smtClean="0">
+                                <a:latin typeface="Cambria Math" panose="02040503050406030204" pitchFamily="18" charset="0"/>
+                              </a:rPr>
+                              <m:t>𝑦</m:t>
+                            </m:r>
+                          </m:e>
+                          <m:sub>
+                            <m:r>
+                              <a:rPr lang="en-US" b="0" i="1" smtClean="0">
+                                <a:latin typeface="Cambria Math" panose="02040503050406030204" pitchFamily="18" charset="0"/>
+                              </a:rPr>
+                              <m:t>𝑔𝑗</m:t>
+                            </m:r>
+                          </m:sub>
+                        </m:sSub>
+                      </m:e>
+                    </m:acc>
+                  </m:oMath>
+                </a14:m>
+                <a:r>
+                  <a:rPr lang="en-US" dirty="0"/>
+                  <a:t> is based on a pooling of cells and </a:t>
+                </a:r>
+                <a14:m>
+                  <m:oMath xmlns:m="http://schemas.openxmlformats.org/officeDocument/2006/math">
+                    <m:sSub>
+                      <m:sSubPr>
+                        <m:ctrlPr>
+                          <a:rPr lang="en-US" b="0" i="1" smtClean="0">
+                            <a:latin typeface="Cambria Math" panose="02040503050406030204" pitchFamily="18" charset="0"/>
+                          </a:rPr>
+                        </m:ctrlPr>
+                      </m:sSubPr>
+                      <m:e>
+                        <m:r>
+                          <a:rPr lang="en-US" b="0" i="1" smtClean="0">
+                            <a:latin typeface="Cambria Math" panose="02040503050406030204" pitchFamily="18" charset="0"/>
+                          </a:rPr>
+                          <m:t>𝑠</m:t>
+                        </m:r>
+                      </m:e>
+                      <m:sub>
+                        <m:r>
+                          <a:rPr lang="en-US" b="0" i="1" smtClean="0">
+                            <a:latin typeface="Cambria Math" panose="02040503050406030204" pitchFamily="18" charset="0"/>
+                          </a:rPr>
+                          <m:t>𝑗</m:t>
+                        </m:r>
+                      </m:sub>
+                    </m:sSub>
+                  </m:oMath>
+                </a14:m>
+                <a:r>
+                  <a:rPr lang="en-US" dirty="0"/>
+                  <a:t> is derived from a deconvolution of (multiple) estimates </a:t>
+                </a:r>
+                <a14:m>
+                  <m:oMath xmlns:m="http://schemas.openxmlformats.org/officeDocument/2006/math">
+                    <m:acc>
+                      <m:accPr>
+                        <m:chr m:val="̂"/>
+                        <m:ctrlPr>
+                          <a:rPr lang="en-US" b="0" i="1" smtClean="0">
+                            <a:latin typeface="Cambria Math" panose="02040503050406030204" pitchFamily="18" charset="0"/>
+                          </a:rPr>
+                        </m:ctrlPr>
+                      </m:accPr>
+                      <m:e>
+                        <m:sSub>
+                          <m:sSubPr>
+                            <m:ctrlPr>
+                              <a:rPr lang="en-US" b="0" i="1" smtClean="0">
+                                <a:latin typeface="Cambria Math" panose="02040503050406030204" pitchFamily="18" charset="0"/>
+                              </a:rPr>
+                            </m:ctrlPr>
+                          </m:sSubPr>
+                          <m:e>
+                            <m:r>
+                              <a:rPr lang="en-US" b="0" i="1" smtClean="0">
+                                <a:latin typeface="Cambria Math" panose="02040503050406030204" pitchFamily="18" charset="0"/>
+                              </a:rPr>
+                              <m:t>𝑠</m:t>
+                            </m:r>
+                          </m:e>
+                          <m:sub>
+                            <m:r>
+                              <a:rPr lang="en-US" b="0" i="1" smtClean="0">
+                                <a:latin typeface="Cambria Math" panose="02040503050406030204" pitchFamily="18" charset="0"/>
+                              </a:rPr>
+                              <m:t>𝑗</m:t>
+                            </m:r>
+                          </m:sub>
+                        </m:sSub>
+                      </m:e>
+                    </m:acc>
+                  </m:oMath>
+                </a14:m>
+                <a:r>
+                  <a:rPr lang="en-US" dirty="0"/>
+                  <a:t> that are based on sample </a:t>
+                </a:r>
+                <a14:m>
+                  <m:oMath xmlns:m="http://schemas.openxmlformats.org/officeDocument/2006/math">
+                    <m:r>
+                      <a:rPr lang="en-US" b="0" i="1" smtClean="0">
+                        <a:latin typeface="Cambria Math" panose="02040503050406030204" pitchFamily="18" charset="0"/>
+                      </a:rPr>
+                      <m:t>𝑗</m:t>
+                    </m:r>
+                  </m:oMath>
+                </a14:m>
+                <a:endParaRPr lang="en-US" dirty="0"/>
+              </a:p>
+            </p:txBody>
+          </p:sp>
+        </mc:Choice>
+        <mc:Fallback>
+          <p:sp>
+            <p:nvSpPr>
+              <p:cNvPr id="3" name="Content Placeholder 2">
+                <a:extLst>
+                  <a:ext uri="{FF2B5EF4-FFF2-40B4-BE49-F238E27FC236}">
+                    <a16:creationId xmlns:a16="http://schemas.microsoft.com/office/drawing/2014/main" id="{A45FC376-AA5E-6B9C-D237-22850DDB7B02}"/>
+                  </a:ext>
+                </a:extLst>
+              </p:cNvPr>
+              <p:cNvSpPr>
+                <a:spLocks noGrp="1" noRot="1" noChangeAspect="1" noMove="1" noResize="1" noEditPoints="1" noAdjustHandles="1" noChangeArrowheads="1" noChangeShapeType="1" noTextEdit="1"/>
+              </p:cNvSpPr>
+              <p:nvPr>
+                <p:ph idx="1"/>
+              </p:nvPr>
+            </p:nvSpPr>
+            <p:spPr>
+              <a:blipFill>
+                <a:blip r:embed="rId2"/>
+                <a:stretch>
+                  <a:fillRect l="-1041" t="-2088"/>
+                </a:stretch>
+              </a:blipFill>
+            </p:spPr>
+            <p:txBody>
+              <a:bodyPr/>
+              <a:lstStyle/>
+              <a:p>
+                <a:r>
+                  <a:rPr lang="en-US">
+                    <a:noFill/>
+                  </a:rPr>
+                  <a:t> </a:t>
+                </a:r>
+              </a:p>
+            </p:txBody>
+          </p:sp>
+        </mc:Fallback>
+      </mc:AlternateContent>
+      <p:sp>
+        <p:nvSpPr>
+          <p:cNvPr id="4" name="Date Placeholder 3">
+            <a:extLst>
+              <a:ext uri="{FF2B5EF4-FFF2-40B4-BE49-F238E27FC236}">
+                <a16:creationId xmlns:a16="http://schemas.microsoft.com/office/drawing/2014/main" id="{878F0E33-192E-FD3F-6428-716D58D68CF3}"/>
+              </a:ext>
+            </a:extLst>
+          </p:cNvPr>
+          <p:cNvSpPr>
+            <a:spLocks noGrp="1"/>
+          </p:cNvSpPr>
+          <p:nvPr>
+            <p:ph type="dt" sz="half" idx="10"/>
+          </p:nvPr>
+        </p:nvSpPr>
+        <p:spPr/>
+        <p:txBody>
+          <a:bodyPr/>
+          <a:lstStyle/>
+          <a:p>
+            <a:fld id="{C341F050-1748-B641-BEF7-F0B05D683DF2}" type="datetime1">
+              <a:rPr lang="en-US" smtClean="0"/>
+              <a:t>5/20/24</a:t>
+            </a:fld>
+            <a:endParaRPr lang="en-US"/>
+          </a:p>
+        </p:txBody>
+      </p:sp>
+      <p:sp>
+        <p:nvSpPr>
+          <p:cNvPr id="5" name="Footer Placeholder 4">
+            <a:extLst>
+              <a:ext uri="{FF2B5EF4-FFF2-40B4-BE49-F238E27FC236}">
+                <a16:creationId xmlns:a16="http://schemas.microsoft.com/office/drawing/2014/main" id="{2261CD9A-A214-0B29-CBA0-12334B7FCCE6}"/>
+              </a:ext>
+            </a:extLst>
+          </p:cNvPr>
+          <p:cNvSpPr>
+            <a:spLocks noGrp="1"/>
+          </p:cNvSpPr>
+          <p:nvPr>
+            <p:ph type="ftr" sz="quarter" idx="11"/>
+          </p:nvPr>
+        </p:nvSpPr>
+        <p:spPr/>
+        <p:txBody>
+          <a:bodyPr/>
+          <a:lstStyle/>
+          <a:p>
+            <a:r>
+              <a:rPr lang="en-US"/>
+              <a:t>Jared Brown · Postdoctoral research fellow · DFCI Lab of Rafael Irizarry jbrown@ds.dfci.harvard.edu · github.com/JBrownBiostat</a:t>
+            </a:r>
+          </a:p>
+        </p:txBody>
+      </p:sp>
+      <p:sp>
+        <p:nvSpPr>
+          <p:cNvPr id="6" name="Slide Number Placeholder 5">
+            <a:extLst>
+              <a:ext uri="{FF2B5EF4-FFF2-40B4-BE49-F238E27FC236}">
+                <a16:creationId xmlns:a16="http://schemas.microsoft.com/office/drawing/2014/main" id="{84FCC437-3E9F-63D3-53EF-D813882F2A12}"/>
+              </a:ext>
+            </a:extLst>
+          </p:cNvPr>
+          <p:cNvSpPr>
+            <a:spLocks noGrp="1"/>
+          </p:cNvSpPr>
+          <p:nvPr>
+            <p:ph type="sldNum" sz="quarter" idx="12"/>
+          </p:nvPr>
+        </p:nvSpPr>
+        <p:spPr/>
+        <p:txBody>
+          <a:bodyPr/>
+          <a:lstStyle/>
+          <a:p>
+            <a:fld id="{2C8BF43B-81B9-DD48-8FF8-6AE31485DC69}" type="slidenum">
+              <a:rPr lang="en-US" smtClean="0"/>
+              <a:t>10</a:t>
+            </a:fld>
+            <a:endParaRPr lang="en-US"/>
+          </a:p>
+        </p:txBody>
+      </p:sp>
+    </p:spTree>
+    <p:extLst>
+      <p:ext uri="{BB962C8B-B14F-4D97-AF65-F5344CB8AC3E}">
+        <p14:creationId xmlns:p14="http://schemas.microsoft.com/office/powerpoint/2010/main" val="3275617303"/>
+      </p:ext>
+    </p:extLst>
+  </p:cSld>
+  <p:clrMapOvr>
+    <a:masterClrMapping/>
+  </p:clrMapOvr>
+</p:sld>
+</file>
+
+<file path=ppt/slides/slide12.xml><?xml version="1.0" encoding="utf-8"?>
+<p:sld xmlns:a="http://schemas.openxmlformats.org/drawingml/2006/main" xmlns:r="http://schemas.openxmlformats.org/officeDocument/2006/relationships" xmlns:p="http://schemas.openxmlformats.org/presentationml/2006/main">
+  <p:cSld>
+    <p:spTree>
+      <p:nvGrpSpPr>
+        <p:cNvPr id="1" name=""/>
+        <p:cNvGrpSpPr/>
+        <p:nvPr/>
+      </p:nvGrpSpPr>
+      <p:grpSpPr>
+        <a:xfrm>
+          <a:off x="0" y="0"/>
+          <a:ext cx="0" cy="0"/>
+          <a:chOff x="0" y="0"/>
+          <a:chExt cx="0" cy="0"/>
+        </a:xfrm>
+      </p:grpSpPr>
+      <p:sp>
+        <p:nvSpPr>
+          <p:cNvPr id="2" name="Title 1">
+            <a:extLst>
+              <a:ext uri="{FF2B5EF4-FFF2-40B4-BE49-F238E27FC236}">
+                <a16:creationId xmlns:a16="http://schemas.microsoft.com/office/drawing/2014/main" id="{60109DF8-98D8-12F1-2994-B823521F0D09}"/>
+              </a:ext>
+            </a:extLst>
+          </p:cNvPr>
+          <p:cNvSpPr>
+            <a:spLocks noGrp="1"/>
+          </p:cNvSpPr>
+          <p:nvPr>
+            <p:ph type="title"/>
+          </p:nvPr>
+        </p:nvSpPr>
+        <p:spPr/>
+        <p:txBody>
+          <a:bodyPr/>
+          <a:lstStyle/>
+          <a:p>
+            <a:r>
+              <a:rPr lang="en-US" dirty="0"/>
+              <a:t>DESeq2 bulk custom size factors</a:t>
+            </a:r>
+          </a:p>
+        </p:txBody>
+      </p:sp>
+      <p:sp>
+        <p:nvSpPr>
+          <p:cNvPr id="3" name="Content Placeholder 2">
+            <a:extLst>
+              <a:ext uri="{FF2B5EF4-FFF2-40B4-BE49-F238E27FC236}">
+                <a16:creationId xmlns:a16="http://schemas.microsoft.com/office/drawing/2014/main" id="{616B6337-33E0-E5D7-CE25-52B4570B63A8}"/>
+              </a:ext>
+            </a:extLst>
+          </p:cNvPr>
+          <p:cNvSpPr>
+            <a:spLocks noGrp="1"/>
+          </p:cNvSpPr>
+          <p:nvPr>
+            <p:ph idx="1"/>
+          </p:nvPr>
+        </p:nvSpPr>
+        <p:spPr>
+          <a:xfrm>
+            <a:off x="6927" y="3429000"/>
+            <a:ext cx="12185073" cy="2911736"/>
+          </a:xfrm>
+        </p:spPr>
+        <p:txBody>
+          <a:bodyPr/>
+          <a:lstStyle/>
+          <a:p>
+            <a:pPr marL="0" indent="0" algn="ctr">
+              <a:buNone/>
+            </a:pPr>
+            <a:r>
+              <a:rPr lang="en-US" dirty="0"/>
+              <a:t>Switch over to </a:t>
+            </a:r>
+            <a:r>
+              <a:rPr lang="en-US" dirty="0" err="1">
+                <a:latin typeface="Monaco" pitchFamily="2" charset="77"/>
+              </a:rPr>
+              <a:t>bulkRNA_AnalysisScript.R</a:t>
+            </a:r>
+            <a:endParaRPr lang="en-US" dirty="0">
+              <a:latin typeface="Monaco" pitchFamily="2" charset="77"/>
+            </a:endParaRPr>
+          </a:p>
+        </p:txBody>
+      </p:sp>
+      <p:sp>
+        <p:nvSpPr>
+          <p:cNvPr id="4" name="Date Placeholder 3">
+            <a:extLst>
+              <a:ext uri="{FF2B5EF4-FFF2-40B4-BE49-F238E27FC236}">
+                <a16:creationId xmlns:a16="http://schemas.microsoft.com/office/drawing/2014/main" id="{6B6F5D2F-D04A-815D-D09E-579F81E21C8D}"/>
+              </a:ext>
+            </a:extLst>
+          </p:cNvPr>
+          <p:cNvSpPr>
+            <a:spLocks noGrp="1"/>
+          </p:cNvSpPr>
+          <p:nvPr>
+            <p:ph type="dt" sz="half" idx="10"/>
+          </p:nvPr>
+        </p:nvSpPr>
+        <p:spPr/>
+        <p:txBody>
+          <a:bodyPr/>
+          <a:lstStyle/>
+          <a:p>
+            <a:fld id="{C341F050-1748-B641-BEF7-F0B05D683DF2}" type="datetime1">
+              <a:rPr lang="en-US" smtClean="0"/>
+              <a:t>5/20/24</a:t>
+            </a:fld>
+            <a:endParaRPr lang="en-US"/>
+          </a:p>
+        </p:txBody>
+      </p:sp>
+      <p:sp>
+        <p:nvSpPr>
+          <p:cNvPr id="5" name="Footer Placeholder 4">
+            <a:extLst>
+              <a:ext uri="{FF2B5EF4-FFF2-40B4-BE49-F238E27FC236}">
+                <a16:creationId xmlns:a16="http://schemas.microsoft.com/office/drawing/2014/main" id="{B99584B6-42B9-A5F0-A829-9D9CDB673AB2}"/>
+              </a:ext>
+            </a:extLst>
+          </p:cNvPr>
+          <p:cNvSpPr>
+            <a:spLocks noGrp="1"/>
+          </p:cNvSpPr>
+          <p:nvPr>
+            <p:ph type="ftr" sz="quarter" idx="11"/>
+          </p:nvPr>
+        </p:nvSpPr>
+        <p:spPr/>
+        <p:txBody>
+          <a:bodyPr/>
+          <a:lstStyle/>
+          <a:p>
+            <a:r>
+              <a:rPr lang="en-US"/>
+              <a:t>Jared Brown · Postdoctoral research fellow · DFCI Lab of Rafael Irizarry jbrown@ds.dfci.harvard.edu · github.com/JBrownBiostat</a:t>
+            </a:r>
+          </a:p>
+        </p:txBody>
+      </p:sp>
+      <p:sp>
+        <p:nvSpPr>
+          <p:cNvPr id="6" name="Slide Number Placeholder 5">
+            <a:extLst>
+              <a:ext uri="{FF2B5EF4-FFF2-40B4-BE49-F238E27FC236}">
+                <a16:creationId xmlns:a16="http://schemas.microsoft.com/office/drawing/2014/main" id="{D7BE855F-1D3E-BC7F-79AC-9E6AF36C7D4F}"/>
+              </a:ext>
+            </a:extLst>
+          </p:cNvPr>
+          <p:cNvSpPr>
+            <a:spLocks noGrp="1"/>
+          </p:cNvSpPr>
+          <p:nvPr>
+            <p:ph type="sldNum" sz="quarter" idx="12"/>
+          </p:nvPr>
+        </p:nvSpPr>
+        <p:spPr/>
+        <p:txBody>
+          <a:bodyPr/>
+          <a:lstStyle/>
+          <a:p>
+            <a:fld id="{2C8BF43B-81B9-DD48-8FF8-6AE31485DC69}" type="slidenum">
+              <a:rPr lang="en-US" smtClean="0"/>
+              <a:t>11</a:t>
+            </a:fld>
+            <a:endParaRPr lang="en-US"/>
+          </a:p>
+        </p:txBody>
+      </p:sp>
+    </p:spTree>
+    <p:extLst>
+      <p:ext uri="{BB962C8B-B14F-4D97-AF65-F5344CB8AC3E}">
+        <p14:creationId xmlns:p14="http://schemas.microsoft.com/office/powerpoint/2010/main" val="2950873655"/>
+      </p:ext>
+    </p:extLst>
+  </p:cSld>
+  <p:clrMapOvr>
+    <a:masterClrMapping/>
+  </p:clrMapOvr>
+</p:sld>
+</file>
+
+<file path=ppt/slides/slide13.xml><?xml version="1.0" encoding="utf-8"?>
+<p:sld xmlns:a="http://schemas.openxmlformats.org/drawingml/2006/main" xmlns:r="http://schemas.openxmlformats.org/officeDocument/2006/relationships" xmlns:p="http://schemas.openxmlformats.org/presentationml/2006/main">
+  <p:cSld>
+    <p:spTree>
+      <p:nvGrpSpPr>
+        <p:cNvPr id="1" name=""/>
+        <p:cNvGrpSpPr/>
+        <p:nvPr/>
+      </p:nvGrpSpPr>
+      <p:grpSpPr>
+        <a:xfrm>
+          <a:off x="0" y="0"/>
+          <a:ext cx="0" cy="0"/>
+          <a:chOff x="0" y="0"/>
+          <a:chExt cx="0" cy="0"/>
+        </a:xfrm>
+      </p:grpSpPr>
+      <p:sp>
+        <p:nvSpPr>
+          <p:cNvPr id="2" name="Title 1">
+            <a:extLst>
+              <a:ext uri="{FF2B5EF4-FFF2-40B4-BE49-F238E27FC236}">
+                <a16:creationId xmlns:a16="http://schemas.microsoft.com/office/drawing/2014/main" id="{394C8065-83CB-DCCB-5F6C-846B313C7114}"/>
+              </a:ext>
+            </a:extLst>
+          </p:cNvPr>
+          <p:cNvSpPr>
+            <a:spLocks noGrp="1"/>
+          </p:cNvSpPr>
+          <p:nvPr>
+            <p:ph type="title"/>
+          </p:nvPr>
+        </p:nvSpPr>
+        <p:spPr/>
+        <p:txBody>
+          <a:bodyPr/>
+          <a:lstStyle/>
+          <a:p>
+            <a:r>
+              <a:rPr lang="en-US" dirty="0"/>
+              <a:t>NB GLM: Dispersion estimates</a:t>
+            </a:r>
+          </a:p>
+        </p:txBody>
+      </p:sp>
+      <mc:AlternateContent xmlns:mc="http://schemas.openxmlformats.org/markup-compatibility/2006">
+        <mc:Choice xmlns:a14="http://schemas.microsoft.com/office/drawing/2010/main" Requires="a14">
+          <p:sp>
+            <p:nvSpPr>
+              <p:cNvPr id="3" name="Content Placeholder 2">
+                <a:extLst>
+                  <a:ext uri="{FF2B5EF4-FFF2-40B4-BE49-F238E27FC236}">
+                    <a16:creationId xmlns:a16="http://schemas.microsoft.com/office/drawing/2014/main" id="{C70545CE-BA32-C5D2-12B5-D3371164B522}"/>
+                  </a:ext>
+                </a:extLst>
+              </p:cNvPr>
+              <p:cNvSpPr>
+                <a:spLocks noGrp="1"/>
+              </p:cNvSpPr>
+              <p:nvPr>
+                <p:ph idx="1"/>
+              </p:nvPr>
+            </p:nvSpPr>
+            <p:spPr/>
+            <p:txBody>
+              <a:bodyPr/>
+              <a:lstStyle/>
+              <a:p>
+                <a:pPr marL="0" indent="0">
+                  <a:buNone/>
+                </a:pPr>
+                <a:r>
+                  <a:rPr lang="en-US" dirty="0"/>
+                  <a:t>Dispersion is analogous to variance, specifically:</a:t>
+                </a:r>
+              </a:p>
+              <a:p>
+                <a:pPr marL="0" indent="0">
+                  <a:buNone/>
+                </a:pPr>
+                <a14:m>
+                  <m:oMathPara xmlns:m="http://schemas.openxmlformats.org/officeDocument/2006/math">
+                    <m:oMathParaPr>
+                      <m:jc m:val="centerGroup"/>
+                    </m:oMathParaPr>
+                    <m:oMath xmlns:m="http://schemas.openxmlformats.org/officeDocument/2006/math">
+                      <m:r>
+                        <a:rPr lang="en-US" b="0" i="1" smtClean="0">
+                          <a:latin typeface="Cambria Math" panose="02040503050406030204" pitchFamily="18" charset="0"/>
+                        </a:rPr>
+                        <m:t>𝑦</m:t>
+                      </m:r>
+                      <m:r>
+                        <a:rPr lang="en-US" b="0" i="1" smtClean="0">
+                          <a:latin typeface="Cambria Math" panose="02040503050406030204" pitchFamily="18" charset="0"/>
+                        </a:rPr>
+                        <m:t>∼</m:t>
+                      </m:r>
+                      <m:r>
+                        <a:rPr lang="en-US" b="0" i="1" smtClean="0">
+                          <a:latin typeface="Cambria Math" panose="02040503050406030204" pitchFamily="18" charset="0"/>
+                        </a:rPr>
+                        <m:t>𝑁𝐵</m:t>
+                      </m:r>
+                      <m:d>
+                        <m:dPr>
+                          <m:ctrlPr>
+                            <a:rPr lang="en-US" b="0" i="1" smtClean="0">
+                              <a:latin typeface="Cambria Math" panose="02040503050406030204" pitchFamily="18" charset="0"/>
+                            </a:rPr>
+                          </m:ctrlPr>
+                        </m:dPr>
+                        <m:e>
+                          <m:r>
+                            <a:rPr lang="en-US" b="0" i="1" smtClean="0">
+                              <a:latin typeface="Cambria Math" panose="02040503050406030204" pitchFamily="18" charset="0"/>
+                            </a:rPr>
+                            <m:t>𝜇</m:t>
+                          </m:r>
+                          <m:r>
+                            <a:rPr lang="en-US" b="0" i="1" smtClean="0">
+                              <a:latin typeface="Cambria Math" panose="02040503050406030204" pitchFamily="18" charset="0"/>
+                            </a:rPr>
+                            <m:t>,</m:t>
+                          </m:r>
+                          <m:r>
+                            <a:rPr lang="en-US" b="0" i="1" smtClean="0">
+                              <a:latin typeface="Cambria Math" panose="02040503050406030204" pitchFamily="18" charset="0"/>
+                            </a:rPr>
+                            <m:t>𝜙</m:t>
+                          </m:r>
+                        </m:e>
+                      </m:d>
+                      <m:r>
+                        <a:rPr lang="en-US" b="0" i="1" smtClean="0">
+                          <a:latin typeface="Cambria Math" panose="02040503050406030204" pitchFamily="18" charset="0"/>
+                        </a:rPr>
+                        <m:t>⇒</m:t>
+                      </m:r>
+                      <m:r>
+                        <a:rPr lang="en-US" b="0" i="1" smtClean="0">
+                          <a:latin typeface="Cambria Math" panose="02040503050406030204" pitchFamily="18" charset="0"/>
+                        </a:rPr>
+                        <m:t>𝔼</m:t>
+                      </m:r>
+                      <m:d>
+                        <m:dPr>
+                          <m:begChr m:val="["/>
+                          <m:endChr m:val="]"/>
+                          <m:ctrlPr>
+                            <a:rPr lang="en-US" b="0" i="1" smtClean="0">
+                              <a:latin typeface="Cambria Math" panose="02040503050406030204" pitchFamily="18" charset="0"/>
+                            </a:rPr>
+                          </m:ctrlPr>
+                        </m:dPr>
+                        <m:e>
+                          <m:r>
+                            <a:rPr lang="en-US" b="0" i="1" smtClean="0">
+                              <a:latin typeface="Cambria Math" panose="02040503050406030204" pitchFamily="18" charset="0"/>
+                            </a:rPr>
+                            <m:t>𝑦</m:t>
+                          </m:r>
+                        </m:e>
+                      </m:d>
+                      <m:r>
+                        <a:rPr lang="en-US" b="0" i="1" smtClean="0">
+                          <a:latin typeface="Cambria Math" panose="02040503050406030204" pitchFamily="18" charset="0"/>
+                        </a:rPr>
+                        <m:t>=</m:t>
+                      </m:r>
+                      <m:r>
+                        <a:rPr lang="en-US" b="0" i="1" smtClean="0">
+                          <a:latin typeface="Cambria Math" panose="02040503050406030204" pitchFamily="18" charset="0"/>
+                        </a:rPr>
+                        <m:t>𝜇</m:t>
+                      </m:r>
+                      <m:r>
+                        <a:rPr lang="en-US" b="0" i="1" smtClean="0">
+                          <a:latin typeface="Cambria Math" panose="02040503050406030204" pitchFamily="18" charset="0"/>
+                        </a:rPr>
+                        <m:t>; </m:t>
+                      </m:r>
+                      <m:r>
+                        <a:rPr lang="en-US" b="0" i="1" smtClean="0">
+                          <a:latin typeface="Cambria Math" panose="02040503050406030204" pitchFamily="18" charset="0"/>
+                        </a:rPr>
+                        <m:t>𝕍</m:t>
+                      </m:r>
+                      <m:d>
+                        <m:dPr>
+                          <m:begChr m:val="["/>
+                          <m:endChr m:val="]"/>
+                          <m:ctrlPr>
+                            <a:rPr lang="en-US" b="0" i="1" smtClean="0">
+                              <a:latin typeface="Cambria Math" panose="02040503050406030204" pitchFamily="18" charset="0"/>
+                            </a:rPr>
+                          </m:ctrlPr>
+                        </m:dPr>
+                        <m:e>
+                          <m:r>
+                            <a:rPr lang="en-US" b="0" i="1" smtClean="0">
+                              <a:latin typeface="Cambria Math" panose="02040503050406030204" pitchFamily="18" charset="0"/>
+                            </a:rPr>
+                            <m:t>𝑦</m:t>
+                          </m:r>
+                        </m:e>
+                      </m:d>
+                      <m:r>
+                        <a:rPr lang="en-US" b="0" i="1" smtClean="0">
+                          <a:latin typeface="Cambria Math" panose="02040503050406030204" pitchFamily="18" charset="0"/>
+                        </a:rPr>
+                        <m:t>=</m:t>
+                      </m:r>
+                      <m:r>
+                        <a:rPr lang="en-US" b="0" i="1" smtClean="0">
+                          <a:latin typeface="Cambria Math" panose="02040503050406030204" pitchFamily="18" charset="0"/>
+                        </a:rPr>
+                        <m:t>𝜇</m:t>
+                      </m:r>
+                      <m:r>
+                        <a:rPr lang="en-US" b="0" i="1" smtClean="0">
+                          <a:latin typeface="Cambria Math" panose="02040503050406030204" pitchFamily="18" charset="0"/>
+                        </a:rPr>
+                        <m:t>+</m:t>
+                      </m:r>
+                      <m:r>
+                        <a:rPr lang="en-US" b="0" i="1" smtClean="0">
+                          <a:latin typeface="Cambria Math" panose="02040503050406030204" pitchFamily="18" charset="0"/>
+                        </a:rPr>
+                        <m:t>𝜙</m:t>
+                      </m:r>
+                      <m:sSup>
+                        <m:sSupPr>
+                          <m:ctrlPr>
+                            <a:rPr lang="en-US" b="0" i="1" smtClean="0">
+                              <a:latin typeface="Cambria Math" panose="02040503050406030204" pitchFamily="18" charset="0"/>
+                            </a:rPr>
+                          </m:ctrlPr>
+                        </m:sSupPr>
+                        <m:e>
+                          <m:r>
+                            <a:rPr lang="en-US" b="0" i="1" smtClean="0">
+                              <a:latin typeface="Cambria Math" panose="02040503050406030204" pitchFamily="18" charset="0"/>
+                            </a:rPr>
+                            <m:t>𝜇</m:t>
+                          </m:r>
+                        </m:e>
+                        <m:sup>
+                          <m:r>
+                            <a:rPr lang="en-US" b="0" i="1" smtClean="0">
+                              <a:latin typeface="Cambria Math" panose="02040503050406030204" pitchFamily="18" charset="0"/>
+                            </a:rPr>
+                            <m:t>2</m:t>
+                          </m:r>
+                        </m:sup>
+                      </m:sSup>
+                    </m:oMath>
+                  </m:oMathPara>
+                </a14:m>
+                <a:endParaRPr lang="en-US" dirty="0"/>
+              </a:p>
+              <a:p>
+                <a:pPr marL="0" indent="0">
+                  <a:buNone/>
+                </a:pPr>
+                <a:endParaRPr lang="en-US" sz="1200" dirty="0"/>
+              </a:p>
+              <a:p>
+                <a:pPr marL="0" indent="0">
+                  <a:buNone/>
+                </a:pPr>
+                <a:r>
+                  <a:rPr lang="en-US" dirty="0"/>
+                  <a:t>In typical bulk experiments, replicate counts are low:</a:t>
+                </a:r>
+              </a:p>
+              <a:p>
+                <a:r>
+                  <a:rPr lang="en-US" dirty="0"/>
+                  <a:t>High standard error on fitted </a:t>
+                </a:r>
+                <a14:m>
+                  <m:oMath xmlns:m="http://schemas.openxmlformats.org/officeDocument/2006/math">
+                    <m:r>
+                      <a:rPr lang="en-US" b="0" i="1" smtClean="0">
+                        <a:latin typeface="Cambria Math" panose="02040503050406030204" pitchFamily="18" charset="0"/>
+                      </a:rPr>
+                      <m:t>𝜙</m:t>
+                    </m:r>
+                  </m:oMath>
+                </a14:m>
+                <a:endParaRPr lang="en-US" dirty="0"/>
+              </a:p>
+              <a:p>
+                <a:r>
+                  <a:rPr lang="en-US" dirty="0"/>
+                  <a:t>Reduced power to identify significant </a:t>
+                </a:r>
+                <a14:m>
+                  <m:oMath xmlns:m="http://schemas.openxmlformats.org/officeDocument/2006/math">
+                    <m:sSub>
+                      <m:sSubPr>
+                        <m:ctrlPr>
+                          <a:rPr lang="en-US" b="0" i="1" smtClean="0">
+                            <a:latin typeface="Cambria Math" panose="02040503050406030204" pitchFamily="18" charset="0"/>
+                          </a:rPr>
+                        </m:ctrlPr>
+                      </m:sSubPr>
+                      <m:e>
+                        <m:r>
+                          <a:rPr lang="en-US" b="0" i="1" smtClean="0">
+                            <a:latin typeface="Cambria Math" panose="02040503050406030204" pitchFamily="18" charset="0"/>
+                          </a:rPr>
+                          <m:t>𝛽</m:t>
+                        </m:r>
+                      </m:e>
+                      <m:sub>
+                        <m:r>
+                          <a:rPr lang="en-US" b="0" i="1" smtClean="0">
+                            <a:latin typeface="Cambria Math" panose="02040503050406030204" pitchFamily="18" charset="0"/>
+                          </a:rPr>
+                          <m:t>𝑔𝑘</m:t>
+                        </m:r>
+                      </m:sub>
+                    </m:sSub>
+                  </m:oMath>
+                </a14:m>
+                <a:endParaRPr lang="en-US" dirty="0"/>
+              </a:p>
+              <a:p>
+                <a:endParaRPr lang="en-US" sz="1200" dirty="0"/>
+              </a:p>
+              <a:p>
+                <a:pPr marL="0" indent="0">
+                  <a:buNone/>
+                </a:pPr>
+                <a:r>
+                  <a:rPr lang="en-US" dirty="0"/>
+                  <a:t>So pool information across genes with similar expression levels…</a:t>
+                </a:r>
+              </a:p>
+              <a:p>
+                <a:pPr marL="0" indent="0">
+                  <a:buNone/>
+                </a:pPr>
+                <a:endParaRPr lang="en-US" dirty="0"/>
+              </a:p>
+              <a:p>
+                <a:pPr marL="0" indent="0">
+                  <a:buNone/>
+                </a:pPr>
+                <a:r>
+                  <a:rPr lang="en-US" i="1" dirty="0"/>
+                  <a:t>Note:</a:t>
+                </a:r>
+                <a:r>
+                  <a:rPr lang="en-US" dirty="0"/>
+                  <a:t> MLE of </a:t>
+                </a:r>
+                <a14:m>
+                  <m:oMath xmlns:m="http://schemas.openxmlformats.org/officeDocument/2006/math">
+                    <m:r>
+                      <m:rPr>
+                        <m:sty m:val="p"/>
+                      </m:rPr>
+                      <a:rPr lang="en-US" b="0" i="0" smtClean="0">
+                        <a:latin typeface="Cambria Math" panose="02040503050406030204" pitchFamily="18" charset="0"/>
+                      </a:rPr>
+                      <m:t>ϕ</m:t>
+                    </m:r>
+                  </m:oMath>
+                </a14:m>
+                <a:r>
+                  <a:rPr lang="en-US" dirty="0"/>
+                  <a:t> only exists when sample variance is greater than </a:t>
+                </a:r>
+                <a:r>
+                  <a:rPr lang="en-US"/>
+                  <a:t>sample mean…</a:t>
+                </a:r>
+                <a:endParaRPr lang="en-US" dirty="0"/>
+              </a:p>
+            </p:txBody>
+          </p:sp>
+        </mc:Choice>
+        <mc:Fallback>
+          <p:sp>
+            <p:nvSpPr>
+              <p:cNvPr id="3" name="Content Placeholder 2">
+                <a:extLst>
+                  <a:ext uri="{FF2B5EF4-FFF2-40B4-BE49-F238E27FC236}">
+                    <a16:creationId xmlns:a16="http://schemas.microsoft.com/office/drawing/2014/main" id="{C70545CE-BA32-C5D2-12B5-D3371164B522}"/>
+                  </a:ext>
+                </a:extLst>
+              </p:cNvPr>
+              <p:cNvSpPr>
+                <a:spLocks noGrp="1" noRot="1" noChangeAspect="1" noMove="1" noResize="1" noEditPoints="1" noAdjustHandles="1" noChangeArrowheads="1" noChangeShapeType="1" noTextEdit="1"/>
+              </p:cNvSpPr>
+              <p:nvPr>
+                <p:ph idx="1"/>
+              </p:nvPr>
+            </p:nvSpPr>
+            <p:spPr>
+              <a:blipFill>
+                <a:blip r:embed="rId2"/>
+                <a:stretch>
+                  <a:fillRect l="-1041" t="-2088"/>
+                </a:stretch>
+              </a:blipFill>
+            </p:spPr>
+            <p:txBody>
+              <a:bodyPr/>
+              <a:lstStyle/>
+              <a:p>
+                <a:r>
+                  <a:rPr lang="en-US">
+                    <a:noFill/>
+                  </a:rPr>
+                  <a:t> </a:t>
+                </a:r>
+              </a:p>
+            </p:txBody>
+          </p:sp>
+        </mc:Fallback>
+      </mc:AlternateContent>
+      <p:sp>
+        <p:nvSpPr>
+          <p:cNvPr id="4" name="Date Placeholder 3">
+            <a:extLst>
+              <a:ext uri="{FF2B5EF4-FFF2-40B4-BE49-F238E27FC236}">
+                <a16:creationId xmlns:a16="http://schemas.microsoft.com/office/drawing/2014/main" id="{B3FF5AF7-A86B-227A-66D7-85645BAF39A6}"/>
+              </a:ext>
+            </a:extLst>
+          </p:cNvPr>
+          <p:cNvSpPr>
+            <a:spLocks noGrp="1"/>
+          </p:cNvSpPr>
+          <p:nvPr>
+            <p:ph type="dt" sz="half" idx="10"/>
+          </p:nvPr>
+        </p:nvSpPr>
+        <p:spPr/>
+        <p:txBody>
+          <a:bodyPr/>
+          <a:lstStyle/>
+          <a:p>
+            <a:fld id="{C341F050-1748-B641-BEF7-F0B05D683DF2}" type="datetime1">
+              <a:rPr lang="en-US" smtClean="0"/>
+              <a:t>5/20/24</a:t>
+            </a:fld>
+            <a:endParaRPr lang="en-US"/>
+          </a:p>
+        </p:txBody>
+      </p:sp>
+      <p:sp>
+        <p:nvSpPr>
+          <p:cNvPr id="5" name="Footer Placeholder 4">
+            <a:extLst>
+              <a:ext uri="{FF2B5EF4-FFF2-40B4-BE49-F238E27FC236}">
+                <a16:creationId xmlns:a16="http://schemas.microsoft.com/office/drawing/2014/main" id="{65C61C04-9267-C106-3F76-FC12E6AF71BE}"/>
+              </a:ext>
+            </a:extLst>
+          </p:cNvPr>
+          <p:cNvSpPr>
+            <a:spLocks noGrp="1"/>
+          </p:cNvSpPr>
+          <p:nvPr>
+            <p:ph type="ftr" sz="quarter" idx="11"/>
+          </p:nvPr>
+        </p:nvSpPr>
+        <p:spPr/>
+        <p:txBody>
+          <a:bodyPr/>
+          <a:lstStyle/>
+          <a:p>
+            <a:r>
+              <a:rPr lang="en-US"/>
+              <a:t>Jared Brown · Postdoctoral research fellow · DFCI Lab of Rafael Irizarry jbrown@ds.dfci.harvard.edu · github.com/JBrownBiostat</a:t>
+            </a:r>
+          </a:p>
+        </p:txBody>
+      </p:sp>
+      <p:sp>
+        <p:nvSpPr>
+          <p:cNvPr id="6" name="Slide Number Placeholder 5">
+            <a:extLst>
+              <a:ext uri="{FF2B5EF4-FFF2-40B4-BE49-F238E27FC236}">
+                <a16:creationId xmlns:a16="http://schemas.microsoft.com/office/drawing/2014/main" id="{57ED1A4A-B240-F687-9E1E-B593C27E4CC7}"/>
+              </a:ext>
+            </a:extLst>
+          </p:cNvPr>
+          <p:cNvSpPr>
+            <a:spLocks noGrp="1"/>
+          </p:cNvSpPr>
+          <p:nvPr>
+            <p:ph type="sldNum" sz="quarter" idx="12"/>
+          </p:nvPr>
+        </p:nvSpPr>
+        <p:spPr/>
+        <p:txBody>
+          <a:bodyPr/>
+          <a:lstStyle/>
+          <a:p>
+            <a:fld id="{2C8BF43B-81B9-DD48-8FF8-6AE31485DC69}" type="slidenum">
+              <a:rPr lang="en-US" smtClean="0"/>
+              <a:t>12</a:t>
+            </a:fld>
+            <a:endParaRPr lang="en-US"/>
+          </a:p>
+        </p:txBody>
+      </p:sp>
+    </p:spTree>
+    <p:extLst>
+      <p:ext uri="{BB962C8B-B14F-4D97-AF65-F5344CB8AC3E}">
+        <p14:creationId xmlns:p14="http://schemas.microsoft.com/office/powerpoint/2010/main" val="3459626620"/>
+      </p:ext>
+    </p:extLst>
+  </p:cSld>
+  <p:clrMapOvr>
+    <a:masterClrMapping/>
+  </p:clrMapOvr>
+</p:sld>
+</file>
+
+<file path=ppt/slides/slide14.xml><?xml version="1.0" encoding="utf-8"?>
+<p:sld xmlns:a="http://schemas.openxmlformats.org/drawingml/2006/main" xmlns:r="http://schemas.openxmlformats.org/officeDocument/2006/relationships" xmlns:p="http://schemas.openxmlformats.org/presentationml/2006/main">
+  <p:cSld>
+    <p:spTree>
+      <p:nvGrpSpPr>
+        <p:cNvPr id="1" name=""/>
+        <p:cNvGrpSpPr/>
+        <p:nvPr/>
+      </p:nvGrpSpPr>
+      <p:grpSpPr>
+        <a:xfrm>
+          <a:off x="0" y="0"/>
+          <a:ext cx="0" cy="0"/>
+          <a:chOff x="0" y="0"/>
+          <a:chExt cx="0" cy="0"/>
+        </a:xfrm>
+      </p:grpSpPr>
+      <p:sp>
+        <p:nvSpPr>
+          <p:cNvPr id="2" name="Title 1">
+            <a:extLst>
+              <a:ext uri="{FF2B5EF4-FFF2-40B4-BE49-F238E27FC236}">
+                <a16:creationId xmlns:a16="http://schemas.microsoft.com/office/drawing/2014/main" id="{60109DF8-98D8-12F1-2994-B823521F0D09}"/>
+              </a:ext>
+            </a:extLst>
+          </p:cNvPr>
+          <p:cNvSpPr>
+            <a:spLocks noGrp="1"/>
+          </p:cNvSpPr>
+          <p:nvPr>
+            <p:ph type="title"/>
+          </p:nvPr>
+        </p:nvSpPr>
+        <p:spPr/>
+        <p:txBody>
+          <a:bodyPr/>
+          <a:lstStyle/>
+          <a:p>
+            <a:r>
+              <a:rPr lang="en-US" dirty="0"/>
+              <a:t>DESeq2 dispersion visualization</a:t>
+            </a:r>
+          </a:p>
+        </p:txBody>
+      </p:sp>
+      <p:sp>
+        <p:nvSpPr>
+          <p:cNvPr id="3" name="Content Placeholder 2">
+            <a:extLst>
+              <a:ext uri="{FF2B5EF4-FFF2-40B4-BE49-F238E27FC236}">
+                <a16:creationId xmlns:a16="http://schemas.microsoft.com/office/drawing/2014/main" id="{616B6337-33E0-E5D7-CE25-52B4570B63A8}"/>
+              </a:ext>
+            </a:extLst>
+          </p:cNvPr>
+          <p:cNvSpPr>
+            <a:spLocks noGrp="1"/>
+          </p:cNvSpPr>
+          <p:nvPr>
+            <p:ph idx="1"/>
+          </p:nvPr>
+        </p:nvSpPr>
+        <p:spPr>
+          <a:xfrm>
+            <a:off x="6927" y="3429000"/>
+            <a:ext cx="12185073" cy="2911736"/>
+          </a:xfrm>
+        </p:spPr>
+        <p:txBody>
+          <a:bodyPr/>
+          <a:lstStyle/>
+          <a:p>
+            <a:pPr marL="0" indent="0" algn="ctr">
+              <a:buNone/>
+            </a:pPr>
+            <a:r>
+              <a:rPr lang="en-US" dirty="0"/>
+              <a:t>Switch over to </a:t>
+            </a:r>
+            <a:r>
+              <a:rPr lang="en-US" dirty="0" err="1">
+                <a:latin typeface="Monaco" pitchFamily="2" charset="77"/>
+              </a:rPr>
+              <a:t>bulkRNA_AnalysisScript.R</a:t>
+            </a:r>
+            <a:endParaRPr lang="en-US" dirty="0">
+              <a:latin typeface="Monaco" pitchFamily="2" charset="77"/>
+            </a:endParaRPr>
+          </a:p>
+        </p:txBody>
+      </p:sp>
+      <p:sp>
+        <p:nvSpPr>
+          <p:cNvPr id="4" name="Date Placeholder 3">
+            <a:extLst>
+              <a:ext uri="{FF2B5EF4-FFF2-40B4-BE49-F238E27FC236}">
+                <a16:creationId xmlns:a16="http://schemas.microsoft.com/office/drawing/2014/main" id="{6B6F5D2F-D04A-815D-D09E-579F81E21C8D}"/>
+              </a:ext>
+            </a:extLst>
+          </p:cNvPr>
+          <p:cNvSpPr>
+            <a:spLocks noGrp="1"/>
+          </p:cNvSpPr>
+          <p:nvPr>
+            <p:ph type="dt" sz="half" idx="10"/>
+          </p:nvPr>
+        </p:nvSpPr>
+        <p:spPr/>
+        <p:txBody>
+          <a:bodyPr/>
+          <a:lstStyle/>
+          <a:p>
+            <a:fld id="{C341F050-1748-B641-BEF7-F0B05D683DF2}" type="datetime1">
+              <a:rPr lang="en-US" smtClean="0"/>
+              <a:t>5/20/24</a:t>
+            </a:fld>
+            <a:endParaRPr lang="en-US"/>
+          </a:p>
+        </p:txBody>
+      </p:sp>
+      <p:sp>
+        <p:nvSpPr>
+          <p:cNvPr id="5" name="Footer Placeholder 4">
+            <a:extLst>
+              <a:ext uri="{FF2B5EF4-FFF2-40B4-BE49-F238E27FC236}">
+                <a16:creationId xmlns:a16="http://schemas.microsoft.com/office/drawing/2014/main" id="{B99584B6-42B9-A5F0-A829-9D9CDB673AB2}"/>
+              </a:ext>
+            </a:extLst>
+          </p:cNvPr>
+          <p:cNvSpPr>
+            <a:spLocks noGrp="1"/>
+          </p:cNvSpPr>
+          <p:nvPr>
+            <p:ph type="ftr" sz="quarter" idx="11"/>
+          </p:nvPr>
+        </p:nvSpPr>
+        <p:spPr/>
+        <p:txBody>
+          <a:bodyPr/>
+          <a:lstStyle/>
+          <a:p>
+            <a:r>
+              <a:rPr lang="en-US"/>
+              <a:t>Jared Brown · Postdoctoral research fellow · DFCI Lab of Rafael Irizarry jbrown@ds.dfci.harvard.edu · github.com/JBrownBiostat</a:t>
+            </a:r>
+          </a:p>
+        </p:txBody>
+      </p:sp>
+      <p:sp>
+        <p:nvSpPr>
+          <p:cNvPr id="6" name="Slide Number Placeholder 5">
+            <a:extLst>
+              <a:ext uri="{FF2B5EF4-FFF2-40B4-BE49-F238E27FC236}">
+                <a16:creationId xmlns:a16="http://schemas.microsoft.com/office/drawing/2014/main" id="{D7BE855F-1D3E-BC7F-79AC-9E6AF36C7D4F}"/>
+              </a:ext>
+            </a:extLst>
+          </p:cNvPr>
+          <p:cNvSpPr>
+            <a:spLocks noGrp="1"/>
+          </p:cNvSpPr>
+          <p:nvPr>
+            <p:ph type="sldNum" sz="quarter" idx="12"/>
+          </p:nvPr>
+        </p:nvSpPr>
+        <p:spPr/>
+        <p:txBody>
+          <a:bodyPr/>
+          <a:lstStyle/>
+          <a:p>
+            <a:fld id="{2C8BF43B-81B9-DD48-8FF8-6AE31485DC69}" type="slidenum">
+              <a:rPr lang="en-US" smtClean="0"/>
+              <a:t>13</a:t>
+            </a:fld>
+            <a:endParaRPr lang="en-US"/>
+          </a:p>
+        </p:txBody>
+      </p:sp>
+    </p:spTree>
+    <p:extLst>
+      <p:ext uri="{BB962C8B-B14F-4D97-AF65-F5344CB8AC3E}">
+        <p14:creationId xmlns:p14="http://schemas.microsoft.com/office/powerpoint/2010/main" val="1821436276"/>
+      </p:ext>
+    </p:extLst>
+  </p:cSld>
+  <p:clrMapOvr>
+    <a:masterClrMapping/>
+  </p:clrMapOvr>
+</p:sld>
+</file>
+
 <file path=ppt/slides/slide2.xml><?xml version="1.0" encoding="utf-8"?>
 <p:sld xmlns:a="http://schemas.openxmlformats.org/drawingml/2006/main" xmlns:r="http://schemas.openxmlformats.org/officeDocument/2006/relationships" xmlns:p="http://schemas.openxmlformats.org/presentationml/2006/main">
   <p:cSld>
@@ -4202,7 +6636,7 @@
               <a:rPr lang="en-US" sz="2000" dirty="0">
                 <a:latin typeface="Monaco" pitchFamily="2" charset="77"/>
               </a:rPr>
-              <a:t>”))</a:t>
+              <a:t>”, “ggplot2”))</a:t>
             </a:r>
           </a:p>
           <a:p>
@@ -4227,27 +6661,33 @@
               <a:rPr lang="en-US" sz="2400" dirty="0">
                 <a:hlinkClick r:id="rId4"/>
               </a:rPr>
-              <a:t>https://github.com/JBrownBiostat/DESeq_Workshop/</a:t>
+              <a:t>https://</a:t>
+            </a:r>
+            <a:r>
+              <a:rPr lang="en-US" sz="2400" dirty="0" err="1">
+                <a:hlinkClick r:id="rId4"/>
+              </a:rPr>
+              <a:t>github.com</a:t>
+            </a:r>
+            <a:r>
+              <a:rPr lang="en-US" sz="2400" dirty="0">
+                <a:hlinkClick r:id="rId4"/>
+              </a:rPr>
+              <a:t>/</a:t>
+            </a:r>
+            <a:r>
+              <a:rPr lang="en-US" sz="2400" dirty="0" err="1">
+                <a:hlinkClick r:id="rId4"/>
+              </a:rPr>
+              <a:t>JBrownBiostat</a:t>
+            </a:r>
+            <a:r>
+              <a:rPr lang="en-US" sz="2400" dirty="0">
+                <a:hlinkClick r:id="rId4"/>
+              </a:rPr>
+              <a:t>/DifferentialExpressionTraining_May2024</a:t>
             </a:r>
             <a:endParaRPr lang="en-US" sz="2400" dirty="0"/>
-          </a:p>
-          <a:p>
-            <a:endParaRPr lang="en-US" sz="1200" dirty="0"/>
-          </a:p>
-          <a:p>
-            <a:pPr marL="0" indent="0">
-              <a:buNone/>
-            </a:pPr>
-            <a:r>
-              <a:rPr lang="en-US" dirty="0"/>
-              <a:t>Data:</a:t>
-            </a:r>
-          </a:p>
-          <a:p>
-            <a:r>
-              <a:rPr lang="en-US" sz="2400" dirty="0"/>
-              <a:t>Temp</a:t>
-            </a:r>
           </a:p>
         </p:txBody>
       </p:sp>
@@ -7077,6 +9517,21 @@
                         </a:rPr>
                         <m:t>+</m:t>
                       </m:r>
+                      <m:r>
+                        <m:rPr>
+                          <m:sty m:val="p"/>
+                        </m:rPr>
+                        <a:rPr lang="en-US" b="0" i="0" smtClean="0">
+                          <a:latin typeface="Cambria Math" panose="02040503050406030204" pitchFamily="18" charset="0"/>
+                        </a:rPr>
+                        <m:t>log</m:t>
+                      </m:r>
+                      <m:r>
+                        <a:rPr lang="en-US" b="0" i="1" smtClean="0">
+                          <a:latin typeface="Cambria Math" panose="02040503050406030204" pitchFamily="18" charset="0"/>
+                        </a:rPr>
+                        <m:t>⁡(</m:t>
+                      </m:r>
                       <m:sSub>
                         <m:sSubPr>
                           <m:ctrlPr>
@@ -7102,6 +9557,12 @@
                           </m:r>
                         </m:sub>
                       </m:sSub>
+                      <m:r>
+                        <a:rPr lang="en-US" b="0" i="1" smtClean="0">
+                          <a:latin typeface="Cambria Math" panose="02040503050406030204" pitchFamily="18" charset="0"/>
+                        </a:rPr>
+                        <m:t>)</m:t>
+                      </m:r>
                     </m:oMath>
                   </m:oMathPara>
                 </a14:m>
@@ -7394,6 +9855,1737 @@
     <p:extLst>
       <p:ext uri="{BB962C8B-B14F-4D97-AF65-F5344CB8AC3E}">
         <p14:creationId xmlns:p14="http://schemas.microsoft.com/office/powerpoint/2010/main" val="3932990116"/>
+      </p:ext>
+    </p:extLst>
+  </p:cSld>
+  <p:clrMapOvr>
+    <a:masterClrMapping/>
+  </p:clrMapOvr>
+</p:sld>
+</file>
+
+<file path=ppt/slides/slide8.xml><?xml version="1.0" encoding="utf-8"?>
+<p:sld xmlns:a="http://schemas.openxmlformats.org/drawingml/2006/main" xmlns:r="http://schemas.openxmlformats.org/officeDocument/2006/relationships" xmlns:p="http://schemas.openxmlformats.org/presentationml/2006/main">
+  <p:cSld>
+    <p:spTree>
+      <p:nvGrpSpPr>
+        <p:cNvPr id="1" name=""/>
+        <p:cNvGrpSpPr/>
+        <p:nvPr/>
+      </p:nvGrpSpPr>
+      <p:grpSpPr>
+        <a:xfrm>
+          <a:off x="0" y="0"/>
+          <a:ext cx="0" cy="0"/>
+          <a:chOff x="0" y="0"/>
+          <a:chExt cx="0" cy="0"/>
+        </a:xfrm>
+      </p:grpSpPr>
+      <p:sp>
+        <p:nvSpPr>
+          <p:cNvPr id="2" name="Title 1">
+            <a:extLst>
+              <a:ext uri="{FF2B5EF4-FFF2-40B4-BE49-F238E27FC236}">
+                <a16:creationId xmlns:a16="http://schemas.microsoft.com/office/drawing/2014/main" id="{A0D06DE8-2A99-7545-2A50-C86476330246}"/>
+              </a:ext>
+            </a:extLst>
+          </p:cNvPr>
+          <p:cNvSpPr>
+            <a:spLocks noGrp="1"/>
+          </p:cNvSpPr>
+          <p:nvPr>
+            <p:ph type="title"/>
+          </p:nvPr>
+        </p:nvSpPr>
+        <p:spPr/>
+        <p:txBody>
+          <a:bodyPr/>
+          <a:lstStyle/>
+          <a:p>
+            <a:r>
+              <a:rPr lang="en-US" dirty="0"/>
+              <a:t>NB GLM: Comp. to linear regression</a:t>
+            </a:r>
+          </a:p>
+        </p:txBody>
+      </p:sp>
+      <mc:AlternateContent xmlns:mc="http://schemas.openxmlformats.org/markup-compatibility/2006">
+        <mc:Choice xmlns:a14="http://schemas.microsoft.com/office/drawing/2010/main" Requires="a14">
+          <p:sp>
+            <p:nvSpPr>
+              <p:cNvPr id="3" name="Content Placeholder 2">
+                <a:extLst>
+                  <a:ext uri="{FF2B5EF4-FFF2-40B4-BE49-F238E27FC236}">
+                    <a16:creationId xmlns:a16="http://schemas.microsoft.com/office/drawing/2014/main" id="{89227651-3D30-252D-ED39-7327D198791E}"/>
+                  </a:ext>
+                </a:extLst>
+              </p:cNvPr>
+              <p:cNvSpPr>
+                <a:spLocks noGrp="1"/>
+              </p:cNvSpPr>
+              <p:nvPr>
+                <p:ph idx="1"/>
+              </p:nvPr>
+            </p:nvSpPr>
+            <p:spPr/>
+            <p:txBody>
+              <a:bodyPr/>
+              <a:lstStyle/>
+              <a:p>
+                <a:pPr marL="0" indent="0">
+                  <a:buNone/>
+                </a:pPr>
+                <a:r>
+                  <a:rPr lang="en-US" dirty="0"/>
+                  <a:t>Traditional “simple linear regression” can be written as a Normal GLM:</a:t>
+                </a:r>
+              </a:p>
+              <a:p>
+                <a:pPr marL="0" indent="0">
+                  <a:buNone/>
+                </a:pPr>
+                <a14:m>
+                  <m:oMathPara xmlns:m="http://schemas.openxmlformats.org/officeDocument/2006/math">
+                    <m:oMathParaPr>
+                      <m:jc m:val="centerGroup"/>
+                    </m:oMathParaPr>
+                    <m:oMath xmlns:m="http://schemas.openxmlformats.org/officeDocument/2006/math">
+                      <m:sSub>
+                        <m:sSubPr>
+                          <m:ctrlPr>
+                            <a:rPr lang="en-US" b="0" i="1" smtClean="0">
+                              <a:latin typeface="Cambria Math" panose="02040503050406030204" pitchFamily="18" charset="0"/>
+                            </a:rPr>
+                          </m:ctrlPr>
+                        </m:sSubPr>
+                        <m:e>
+                          <m:r>
+                            <a:rPr lang="en-US" b="0" i="1" smtClean="0">
+                              <a:latin typeface="Cambria Math" panose="02040503050406030204" pitchFamily="18" charset="0"/>
+                            </a:rPr>
+                            <m:t>𝑦</m:t>
+                          </m:r>
+                        </m:e>
+                        <m:sub>
+                          <m:r>
+                            <a:rPr lang="en-US" b="0" i="1" smtClean="0">
+                              <a:latin typeface="Cambria Math" panose="02040503050406030204" pitchFamily="18" charset="0"/>
+                            </a:rPr>
+                            <m:t>𝑔𝑗</m:t>
+                          </m:r>
+                        </m:sub>
+                      </m:sSub>
+                      <m:r>
+                        <a:rPr lang="en-US" b="0" i="1" smtClean="0">
+                          <a:latin typeface="Cambria Math" panose="02040503050406030204" pitchFamily="18" charset="0"/>
+                        </a:rPr>
+                        <m:t>=</m:t>
+                      </m:r>
+                      <m:sSub>
+                        <m:sSubPr>
+                          <m:ctrlPr>
+                            <a:rPr lang="en-US" b="0" i="1" smtClean="0">
+                              <a:latin typeface="Cambria Math" panose="02040503050406030204" pitchFamily="18" charset="0"/>
+                            </a:rPr>
+                          </m:ctrlPr>
+                        </m:sSubPr>
+                        <m:e>
+                          <m:d>
+                            <m:dPr>
+                              <m:begChr m:val="["/>
+                              <m:endChr m:val="]"/>
+                              <m:ctrlPr>
+                                <a:rPr lang="en-US" b="0" i="1" smtClean="0">
+                                  <a:latin typeface="Cambria Math" panose="02040503050406030204" pitchFamily="18" charset="0"/>
+                                </a:rPr>
+                              </m:ctrlPr>
+                            </m:dPr>
+                            <m:e>
+                              <m:r>
+                                <a:rPr lang="en-US" b="0" i="1" smtClean="0">
+                                  <a:latin typeface="Cambria Math" panose="02040503050406030204" pitchFamily="18" charset="0"/>
+                                </a:rPr>
+                                <m:t>𝑋</m:t>
+                              </m:r>
+                              <m:acc>
+                                <m:accPr>
+                                  <m:chr m:val="⃗"/>
+                                  <m:ctrlPr>
+                                    <a:rPr lang="en-US" b="0" i="1" smtClean="0">
+                                      <a:latin typeface="Cambria Math" panose="02040503050406030204" pitchFamily="18" charset="0"/>
+                                    </a:rPr>
+                                  </m:ctrlPr>
+                                </m:accPr>
+                                <m:e>
+                                  <m:r>
+                                    <a:rPr lang="en-US" b="0" i="1" smtClean="0">
+                                      <a:latin typeface="Cambria Math" panose="02040503050406030204" pitchFamily="18" charset="0"/>
+                                    </a:rPr>
+                                    <m:t>𝛽</m:t>
+                                  </m:r>
+                                </m:e>
+                              </m:acc>
+                            </m:e>
+                          </m:d>
+                        </m:e>
+                        <m:sub>
+                          <m:r>
+                            <a:rPr lang="en-US" b="0" i="1" smtClean="0">
+                              <a:latin typeface="Cambria Math" panose="02040503050406030204" pitchFamily="18" charset="0"/>
+                            </a:rPr>
+                            <m:t>𝑔𝑗</m:t>
+                          </m:r>
+                        </m:sub>
+                      </m:sSub>
+                      <m:r>
+                        <a:rPr lang="en-US" b="0" i="1" smtClean="0">
+                          <a:latin typeface="Cambria Math" panose="02040503050406030204" pitchFamily="18" charset="0"/>
+                        </a:rPr>
+                        <m:t>+</m:t>
+                      </m:r>
+                      <m:sSub>
+                        <m:sSubPr>
+                          <m:ctrlPr>
+                            <a:rPr lang="en-US" b="0" i="1" smtClean="0">
+                              <a:latin typeface="Cambria Math" panose="02040503050406030204" pitchFamily="18" charset="0"/>
+                            </a:rPr>
+                          </m:ctrlPr>
+                        </m:sSubPr>
+                        <m:e>
+                          <m:r>
+                            <a:rPr lang="en-US" b="0" i="1" smtClean="0">
+                              <a:latin typeface="Cambria Math" panose="02040503050406030204" pitchFamily="18" charset="0"/>
+                            </a:rPr>
+                            <m:t>𝜖</m:t>
+                          </m:r>
+                        </m:e>
+                        <m:sub>
+                          <m:r>
+                            <a:rPr lang="en-US" b="0" i="1" smtClean="0">
+                              <a:latin typeface="Cambria Math" panose="02040503050406030204" pitchFamily="18" charset="0"/>
+                            </a:rPr>
+                            <m:t>𝑔𝑗</m:t>
+                          </m:r>
+                        </m:sub>
+                      </m:sSub>
+                      <m:r>
+                        <a:rPr lang="en-US" b="0" i="1" smtClean="0">
+                          <a:latin typeface="Cambria Math" panose="02040503050406030204" pitchFamily="18" charset="0"/>
+                        </a:rPr>
+                        <m:t>  </m:t>
+                      </m:r>
+                      <m:r>
+                        <a:rPr lang="en-US" b="0" i="1" smtClean="0">
+                          <a:latin typeface="Cambria Math" panose="02040503050406030204" pitchFamily="18" charset="0"/>
+                        </a:rPr>
+                        <m:t>𝑠</m:t>
+                      </m:r>
+                      <m:r>
+                        <a:rPr lang="en-US" b="0" i="1" smtClean="0">
+                          <a:latin typeface="Cambria Math" panose="02040503050406030204" pitchFamily="18" charset="0"/>
+                        </a:rPr>
+                        <m:t>.</m:t>
+                      </m:r>
+                      <m:r>
+                        <a:rPr lang="en-US" b="0" i="1" smtClean="0">
+                          <a:latin typeface="Cambria Math" panose="02040503050406030204" pitchFamily="18" charset="0"/>
+                        </a:rPr>
+                        <m:t>𝑡</m:t>
+                      </m:r>
+                      <m:r>
+                        <a:rPr lang="en-US" b="0" i="1" smtClean="0">
+                          <a:latin typeface="Cambria Math" panose="02040503050406030204" pitchFamily="18" charset="0"/>
+                        </a:rPr>
+                        <m:t>.  </m:t>
+                      </m:r>
+                      <m:sSub>
+                        <m:sSubPr>
+                          <m:ctrlPr>
+                            <a:rPr lang="en-US" b="0" i="1" smtClean="0">
+                              <a:latin typeface="Cambria Math" panose="02040503050406030204" pitchFamily="18" charset="0"/>
+                            </a:rPr>
+                          </m:ctrlPr>
+                        </m:sSubPr>
+                        <m:e>
+                          <m:r>
+                            <a:rPr lang="en-US" b="0" i="1" smtClean="0">
+                              <a:latin typeface="Cambria Math" panose="02040503050406030204" pitchFamily="18" charset="0"/>
+                            </a:rPr>
+                            <m:t>𝜖</m:t>
+                          </m:r>
+                        </m:e>
+                        <m:sub>
+                          <m:r>
+                            <a:rPr lang="en-US" b="0" i="1" smtClean="0">
+                              <a:latin typeface="Cambria Math" panose="02040503050406030204" pitchFamily="18" charset="0"/>
+                            </a:rPr>
+                            <m:t>𝑔𝑗</m:t>
+                          </m:r>
+                        </m:sub>
+                      </m:sSub>
+                      <m:r>
+                        <a:rPr lang="en-US" b="0" i="1" smtClean="0">
+                          <a:latin typeface="Cambria Math" panose="02040503050406030204" pitchFamily="18" charset="0"/>
+                        </a:rPr>
+                        <m:t>∼</m:t>
+                      </m:r>
+                      <m:r>
+                        <a:rPr lang="en-US" b="0" i="1" smtClean="0">
+                          <a:latin typeface="Cambria Math" panose="02040503050406030204" pitchFamily="18" charset="0"/>
+                        </a:rPr>
+                        <m:t>𝑁</m:t>
+                      </m:r>
+                      <m:d>
+                        <m:dPr>
+                          <m:ctrlPr>
+                            <a:rPr lang="en-US" b="0" i="1" smtClean="0">
+                              <a:latin typeface="Cambria Math" panose="02040503050406030204" pitchFamily="18" charset="0"/>
+                            </a:rPr>
+                          </m:ctrlPr>
+                        </m:dPr>
+                        <m:e>
+                          <m:r>
+                            <a:rPr lang="en-US" b="0" i="1" smtClean="0">
+                              <a:latin typeface="Cambria Math" panose="02040503050406030204" pitchFamily="18" charset="0"/>
+                            </a:rPr>
+                            <m:t>0,</m:t>
+                          </m:r>
+                          <m:sSubSup>
+                            <m:sSubSupPr>
+                              <m:ctrlPr>
+                                <a:rPr lang="en-US" b="0" i="1" smtClean="0">
+                                  <a:latin typeface="Cambria Math" panose="02040503050406030204" pitchFamily="18" charset="0"/>
+                                </a:rPr>
+                              </m:ctrlPr>
+                            </m:sSubSupPr>
+                            <m:e>
+                              <m:r>
+                                <a:rPr lang="en-US" b="0" i="1" smtClean="0">
+                                  <a:latin typeface="Cambria Math" panose="02040503050406030204" pitchFamily="18" charset="0"/>
+                                </a:rPr>
+                                <m:t>𝜎</m:t>
+                              </m:r>
+                            </m:e>
+                            <m:sub>
+                              <m:r>
+                                <a:rPr lang="en-US" b="0" i="1" smtClean="0">
+                                  <a:latin typeface="Cambria Math" panose="02040503050406030204" pitchFamily="18" charset="0"/>
+                                </a:rPr>
+                                <m:t>𝑔</m:t>
+                              </m:r>
+                            </m:sub>
+                            <m:sup>
+                              <m:r>
+                                <a:rPr lang="en-US" b="0" i="1" smtClean="0">
+                                  <a:latin typeface="Cambria Math" panose="02040503050406030204" pitchFamily="18" charset="0"/>
+                                </a:rPr>
+                                <m:t>2</m:t>
+                              </m:r>
+                            </m:sup>
+                          </m:sSubSup>
+                        </m:e>
+                      </m:d>
+                    </m:oMath>
+                  </m:oMathPara>
+                </a14:m>
+                <a:endParaRPr lang="en-US" dirty="0"/>
+              </a:p>
+              <a:p>
+                <a:pPr marL="0" indent="0">
+                  <a:buNone/>
+                </a:pPr>
+                <a:endParaRPr lang="en-US" sz="1200" dirty="0"/>
+              </a:p>
+              <a:p>
+                <a:pPr marL="0" indent="0">
+                  <a:buNone/>
+                </a:pPr>
+                <a:r>
+                  <a:rPr lang="en-US" dirty="0"/>
+                  <a:t>is equivalent to:</a:t>
+                </a:r>
+              </a:p>
+              <a:p>
+                <a:pPr marL="0" indent="0">
+                  <a:buNone/>
+                </a:pPr>
+                <a14:m>
+                  <m:oMathPara xmlns:m="http://schemas.openxmlformats.org/officeDocument/2006/math">
+                    <m:oMathParaPr>
+                      <m:jc m:val="centerGroup"/>
+                    </m:oMathParaPr>
+                    <m:oMath xmlns:m="http://schemas.openxmlformats.org/officeDocument/2006/math">
+                      <m:sSub>
+                        <m:sSubPr>
+                          <m:ctrlPr>
+                            <a:rPr lang="en-US" b="0" i="1" smtClean="0">
+                              <a:latin typeface="Cambria Math" panose="02040503050406030204" pitchFamily="18" charset="0"/>
+                            </a:rPr>
+                          </m:ctrlPr>
+                        </m:sSubPr>
+                        <m:e>
+                          <m:r>
+                            <a:rPr lang="en-US" b="0" i="1" smtClean="0">
+                              <a:latin typeface="Cambria Math" panose="02040503050406030204" pitchFamily="18" charset="0"/>
+                            </a:rPr>
+                            <m:t>𝑦</m:t>
+                          </m:r>
+                        </m:e>
+                        <m:sub>
+                          <m:r>
+                            <a:rPr lang="en-US" b="0" i="1" smtClean="0">
+                              <a:latin typeface="Cambria Math" panose="02040503050406030204" pitchFamily="18" charset="0"/>
+                            </a:rPr>
+                            <m:t>𝑔𝑗</m:t>
+                          </m:r>
+                        </m:sub>
+                      </m:sSub>
+                      <m:r>
+                        <a:rPr lang="en-US" b="0" i="1" smtClean="0">
+                          <a:latin typeface="Cambria Math" panose="02040503050406030204" pitchFamily="18" charset="0"/>
+                        </a:rPr>
+                        <m:t>∼</m:t>
+                      </m:r>
+                      <m:r>
+                        <a:rPr lang="en-US" b="0" i="1" smtClean="0">
+                          <a:latin typeface="Cambria Math" panose="02040503050406030204" pitchFamily="18" charset="0"/>
+                        </a:rPr>
+                        <m:t>𝑁</m:t>
+                      </m:r>
+                      <m:d>
+                        <m:dPr>
+                          <m:ctrlPr>
+                            <a:rPr lang="en-US" b="0" i="1" smtClean="0">
+                              <a:latin typeface="Cambria Math" panose="02040503050406030204" pitchFamily="18" charset="0"/>
+                            </a:rPr>
+                          </m:ctrlPr>
+                        </m:dPr>
+                        <m:e>
+                          <m:sSub>
+                            <m:sSubPr>
+                              <m:ctrlPr>
+                                <a:rPr lang="en-US" b="0" i="1" smtClean="0">
+                                  <a:latin typeface="Cambria Math" panose="02040503050406030204" pitchFamily="18" charset="0"/>
+                                </a:rPr>
+                              </m:ctrlPr>
+                            </m:sSubPr>
+                            <m:e>
+                              <m:r>
+                                <a:rPr lang="en-US" b="0" i="1" smtClean="0">
+                                  <a:latin typeface="Cambria Math" panose="02040503050406030204" pitchFamily="18" charset="0"/>
+                                </a:rPr>
+                                <m:t>𝜇</m:t>
+                              </m:r>
+                            </m:e>
+                            <m:sub>
+                              <m:r>
+                                <a:rPr lang="en-US" b="0" i="1" smtClean="0">
+                                  <a:latin typeface="Cambria Math" panose="02040503050406030204" pitchFamily="18" charset="0"/>
+                                </a:rPr>
+                                <m:t>𝑔𝑗</m:t>
+                              </m:r>
+                            </m:sub>
+                          </m:sSub>
+                          <m:r>
+                            <a:rPr lang="en-US" b="0" i="1" smtClean="0">
+                              <a:latin typeface="Cambria Math" panose="02040503050406030204" pitchFamily="18" charset="0"/>
+                            </a:rPr>
+                            <m:t>, </m:t>
+                          </m:r>
+                          <m:sSubSup>
+                            <m:sSubSupPr>
+                              <m:ctrlPr>
+                                <a:rPr lang="en-US" b="0" i="1" smtClean="0">
+                                  <a:latin typeface="Cambria Math" panose="02040503050406030204" pitchFamily="18" charset="0"/>
+                                </a:rPr>
+                              </m:ctrlPr>
+                            </m:sSubSupPr>
+                            <m:e>
+                              <m:r>
+                                <a:rPr lang="en-US" b="0" i="1" smtClean="0">
+                                  <a:latin typeface="Cambria Math" panose="02040503050406030204" pitchFamily="18" charset="0"/>
+                                </a:rPr>
+                                <m:t>𝜎</m:t>
+                              </m:r>
+                            </m:e>
+                            <m:sub>
+                              <m:r>
+                                <a:rPr lang="en-US" b="0" i="1" smtClean="0">
+                                  <a:latin typeface="Cambria Math" panose="02040503050406030204" pitchFamily="18" charset="0"/>
+                                </a:rPr>
+                                <m:t>𝑔</m:t>
+                              </m:r>
+                            </m:sub>
+                            <m:sup>
+                              <m:r>
+                                <a:rPr lang="en-US" b="0" i="1" smtClean="0">
+                                  <a:latin typeface="Cambria Math" panose="02040503050406030204" pitchFamily="18" charset="0"/>
+                                </a:rPr>
+                                <m:t>2</m:t>
+                              </m:r>
+                            </m:sup>
+                          </m:sSubSup>
+                        </m:e>
+                      </m:d>
+                    </m:oMath>
+                    <m:oMath xmlns:m="http://schemas.openxmlformats.org/officeDocument/2006/math">
+                      <m:sSub>
+                        <m:sSubPr>
+                          <m:ctrlPr>
+                            <a:rPr lang="en-US" b="0" i="1" smtClean="0">
+                              <a:latin typeface="Cambria Math" panose="02040503050406030204" pitchFamily="18" charset="0"/>
+                            </a:rPr>
+                          </m:ctrlPr>
+                        </m:sSubPr>
+                        <m:e>
+                          <m:r>
+                            <a:rPr lang="en-US" b="0" i="1" smtClean="0">
+                              <a:latin typeface="Cambria Math" panose="02040503050406030204" pitchFamily="18" charset="0"/>
+                            </a:rPr>
+                            <m:t>𝜇</m:t>
+                          </m:r>
+                        </m:e>
+                        <m:sub>
+                          <m:r>
+                            <a:rPr lang="en-US" b="0" i="1" smtClean="0">
+                              <a:latin typeface="Cambria Math" panose="02040503050406030204" pitchFamily="18" charset="0"/>
+                            </a:rPr>
+                            <m:t>𝑔𝑗</m:t>
+                          </m:r>
+                        </m:sub>
+                      </m:sSub>
+                      <m:r>
+                        <a:rPr lang="en-US" b="0" i="1" smtClean="0">
+                          <a:latin typeface="Cambria Math" panose="02040503050406030204" pitchFamily="18" charset="0"/>
+                        </a:rPr>
+                        <m:t>≔</m:t>
+                      </m:r>
+                      <m:sSub>
+                        <m:sSubPr>
+                          <m:ctrlPr>
+                            <a:rPr lang="en-US" b="0" i="1" smtClean="0">
+                              <a:latin typeface="Cambria Math" panose="02040503050406030204" pitchFamily="18" charset="0"/>
+                            </a:rPr>
+                          </m:ctrlPr>
+                        </m:sSubPr>
+                        <m:e>
+                          <m:d>
+                            <m:dPr>
+                              <m:begChr m:val="["/>
+                              <m:endChr m:val="]"/>
+                              <m:ctrlPr>
+                                <a:rPr lang="en-US" b="0" i="1" smtClean="0">
+                                  <a:latin typeface="Cambria Math" panose="02040503050406030204" pitchFamily="18" charset="0"/>
+                                </a:rPr>
+                              </m:ctrlPr>
+                            </m:dPr>
+                            <m:e>
+                              <m:r>
+                                <a:rPr lang="en-US" b="0" i="1" smtClean="0">
+                                  <a:latin typeface="Cambria Math" panose="02040503050406030204" pitchFamily="18" charset="0"/>
+                                </a:rPr>
+                                <m:t>𝑋</m:t>
+                              </m:r>
+                              <m:acc>
+                                <m:accPr>
+                                  <m:chr m:val="⃗"/>
+                                  <m:ctrlPr>
+                                    <a:rPr lang="en-US" b="0" i="1" smtClean="0">
+                                      <a:latin typeface="Cambria Math" panose="02040503050406030204" pitchFamily="18" charset="0"/>
+                                    </a:rPr>
+                                  </m:ctrlPr>
+                                </m:accPr>
+                                <m:e>
+                                  <m:r>
+                                    <a:rPr lang="en-US" b="0" i="1" smtClean="0">
+                                      <a:latin typeface="Cambria Math" panose="02040503050406030204" pitchFamily="18" charset="0"/>
+                                    </a:rPr>
+                                    <m:t>𝛽</m:t>
+                                  </m:r>
+                                </m:e>
+                              </m:acc>
+                            </m:e>
+                          </m:d>
+                        </m:e>
+                        <m:sub>
+                          <m:r>
+                            <a:rPr lang="en-US" b="0" i="1" smtClean="0">
+                              <a:latin typeface="Cambria Math" panose="02040503050406030204" pitchFamily="18" charset="0"/>
+                            </a:rPr>
+                            <m:t>𝑔𝑗</m:t>
+                          </m:r>
+                        </m:sub>
+                      </m:sSub>
+                    </m:oMath>
+                  </m:oMathPara>
+                </a14:m>
+                <a:endParaRPr lang="en-US" dirty="0"/>
+              </a:p>
+            </p:txBody>
+          </p:sp>
+        </mc:Choice>
+        <mc:Fallback>
+          <p:sp>
+            <p:nvSpPr>
+              <p:cNvPr id="3" name="Content Placeholder 2">
+                <a:extLst>
+                  <a:ext uri="{FF2B5EF4-FFF2-40B4-BE49-F238E27FC236}">
+                    <a16:creationId xmlns:a16="http://schemas.microsoft.com/office/drawing/2014/main" id="{89227651-3D30-252D-ED39-7327D198791E}"/>
+                  </a:ext>
+                </a:extLst>
+              </p:cNvPr>
+              <p:cNvSpPr>
+                <a:spLocks noGrp="1" noRot="1" noChangeAspect="1" noMove="1" noResize="1" noEditPoints="1" noAdjustHandles="1" noChangeArrowheads="1" noChangeShapeType="1" noTextEdit="1"/>
+              </p:cNvSpPr>
+              <p:nvPr>
+                <p:ph idx="1"/>
+              </p:nvPr>
+            </p:nvSpPr>
+            <p:spPr>
+              <a:blipFill>
+                <a:blip r:embed="rId2"/>
+                <a:stretch>
+                  <a:fillRect l="-1041" t="-2088"/>
+                </a:stretch>
+              </a:blipFill>
+            </p:spPr>
+            <p:txBody>
+              <a:bodyPr/>
+              <a:lstStyle/>
+              <a:p>
+                <a:r>
+                  <a:rPr lang="en-US">
+                    <a:noFill/>
+                  </a:rPr>
+                  <a:t> </a:t>
+                </a:r>
+              </a:p>
+            </p:txBody>
+          </p:sp>
+        </mc:Fallback>
+      </mc:AlternateContent>
+      <p:sp>
+        <p:nvSpPr>
+          <p:cNvPr id="4" name="Date Placeholder 3">
+            <a:extLst>
+              <a:ext uri="{FF2B5EF4-FFF2-40B4-BE49-F238E27FC236}">
+                <a16:creationId xmlns:a16="http://schemas.microsoft.com/office/drawing/2014/main" id="{7F895A21-C7A4-6361-6B09-BED4728D2FD1}"/>
+              </a:ext>
+            </a:extLst>
+          </p:cNvPr>
+          <p:cNvSpPr>
+            <a:spLocks noGrp="1"/>
+          </p:cNvSpPr>
+          <p:nvPr>
+            <p:ph type="dt" sz="half" idx="10"/>
+          </p:nvPr>
+        </p:nvSpPr>
+        <p:spPr/>
+        <p:txBody>
+          <a:bodyPr/>
+          <a:lstStyle/>
+          <a:p>
+            <a:fld id="{C341F050-1748-B641-BEF7-F0B05D683DF2}" type="datetime1">
+              <a:rPr lang="en-US" smtClean="0"/>
+              <a:t>5/20/24</a:t>
+            </a:fld>
+            <a:endParaRPr lang="en-US"/>
+          </a:p>
+        </p:txBody>
+      </p:sp>
+      <p:sp>
+        <p:nvSpPr>
+          <p:cNvPr id="5" name="Footer Placeholder 4">
+            <a:extLst>
+              <a:ext uri="{FF2B5EF4-FFF2-40B4-BE49-F238E27FC236}">
+                <a16:creationId xmlns:a16="http://schemas.microsoft.com/office/drawing/2014/main" id="{FE816C4B-5867-5F08-CE72-AD716A36A810}"/>
+              </a:ext>
+            </a:extLst>
+          </p:cNvPr>
+          <p:cNvSpPr>
+            <a:spLocks noGrp="1"/>
+          </p:cNvSpPr>
+          <p:nvPr>
+            <p:ph type="ftr" sz="quarter" idx="11"/>
+          </p:nvPr>
+        </p:nvSpPr>
+        <p:spPr/>
+        <p:txBody>
+          <a:bodyPr/>
+          <a:lstStyle/>
+          <a:p>
+            <a:r>
+              <a:rPr lang="en-US"/>
+              <a:t>Jared Brown · Postdoctoral research fellow · DFCI Lab of Rafael Irizarry jbrown@ds.dfci.harvard.edu · github.com/JBrownBiostat</a:t>
+            </a:r>
+          </a:p>
+        </p:txBody>
+      </p:sp>
+      <p:sp>
+        <p:nvSpPr>
+          <p:cNvPr id="6" name="Slide Number Placeholder 5">
+            <a:extLst>
+              <a:ext uri="{FF2B5EF4-FFF2-40B4-BE49-F238E27FC236}">
+                <a16:creationId xmlns:a16="http://schemas.microsoft.com/office/drawing/2014/main" id="{DC946E47-A27D-5FC2-6F04-2066C4F4C3F0}"/>
+              </a:ext>
+            </a:extLst>
+          </p:cNvPr>
+          <p:cNvSpPr>
+            <a:spLocks noGrp="1"/>
+          </p:cNvSpPr>
+          <p:nvPr>
+            <p:ph type="sldNum" sz="quarter" idx="12"/>
+          </p:nvPr>
+        </p:nvSpPr>
+        <p:spPr/>
+        <p:txBody>
+          <a:bodyPr/>
+          <a:lstStyle/>
+          <a:p>
+            <a:fld id="{2C8BF43B-81B9-DD48-8FF8-6AE31485DC69}" type="slidenum">
+              <a:rPr lang="en-US" smtClean="0"/>
+              <a:t>7</a:t>
+            </a:fld>
+            <a:endParaRPr lang="en-US"/>
+          </a:p>
+        </p:txBody>
+      </p:sp>
+    </p:spTree>
+    <p:extLst>
+      <p:ext uri="{BB962C8B-B14F-4D97-AF65-F5344CB8AC3E}">
+        <p14:creationId xmlns:p14="http://schemas.microsoft.com/office/powerpoint/2010/main" val="2157103533"/>
+      </p:ext>
+    </p:extLst>
+  </p:cSld>
+  <p:clrMapOvr>
+    <a:masterClrMapping/>
+  </p:clrMapOvr>
+</p:sld>
+</file>
+
+<file path=ppt/slides/slide9.xml><?xml version="1.0" encoding="utf-8"?>
+<p:sld xmlns:a="http://schemas.openxmlformats.org/drawingml/2006/main" xmlns:r="http://schemas.openxmlformats.org/officeDocument/2006/relationships" xmlns:p="http://schemas.openxmlformats.org/presentationml/2006/main">
+  <p:cSld>
+    <p:spTree>
+      <p:nvGrpSpPr>
+        <p:cNvPr id="1" name=""/>
+        <p:cNvGrpSpPr/>
+        <p:nvPr/>
+      </p:nvGrpSpPr>
+      <p:grpSpPr>
+        <a:xfrm>
+          <a:off x="0" y="0"/>
+          <a:ext cx="0" cy="0"/>
+          <a:chOff x="0" y="0"/>
+          <a:chExt cx="0" cy="0"/>
+        </a:xfrm>
+      </p:grpSpPr>
+      <p:sp>
+        <p:nvSpPr>
+          <p:cNvPr id="2" name="Title 1">
+            <a:extLst>
+              <a:ext uri="{FF2B5EF4-FFF2-40B4-BE49-F238E27FC236}">
+                <a16:creationId xmlns:a16="http://schemas.microsoft.com/office/drawing/2014/main" id="{502E38E3-07D9-BF77-227A-9BC0809743AC}"/>
+              </a:ext>
+            </a:extLst>
+          </p:cNvPr>
+          <p:cNvSpPr>
+            <a:spLocks noGrp="1"/>
+          </p:cNvSpPr>
+          <p:nvPr>
+            <p:ph type="title"/>
+          </p:nvPr>
+        </p:nvSpPr>
+        <p:spPr/>
+        <p:txBody>
+          <a:bodyPr/>
+          <a:lstStyle/>
+          <a:p>
+            <a:r>
+              <a:rPr lang="en-US" dirty="0"/>
+              <a:t>NB GLM: Link function</a:t>
+            </a:r>
+          </a:p>
+        </p:txBody>
+      </p:sp>
+      <mc:AlternateContent xmlns:mc="http://schemas.openxmlformats.org/markup-compatibility/2006">
+        <mc:Choice xmlns:a14="http://schemas.microsoft.com/office/drawing/2010/main" Requires="a14">
+          <p:sp>
+            <p:nvSpPr>
+              <p:cNvPr id="3" name="Content Placeholder 2">
+                <a:extLst>
+                  <a:ext uri="{FF2B5EF4-FFF2-40B4-BE49-F238E27FC236}">
+                    <a16:creationId xmlns:a16="http://schemas.microsoft.com/office/drawing/2014/main" id="{C5FA6D45-E5E0-DFBF-DE59-7E20802E6811}"/>
+                  </a:ext>
+                </a:extLst>
+              </p:cNvPr>
+              <p:cNvSpPr>
+                <a:spLocks noGrp="1"/>
+              </p:cNvSpPr>
+              <p:nvPr>
+                <p:ph idx="1"/>
+              </p:nvPr>
+            </p:nvSpPr>
+            <p:spPr/>
+            <p:txBody>
+              <a:bodyPr/>
+              <a:lstStyle/>
+              <a:p>
+                <a:pPr marL="0" indent="0">
+                  <a:buNone/>
+                </a:pPr>
+                <a:r>
+                  <a:rPr lang="en-US" dirty="0"/>
+                  <a:t>Identity link (Normal):</a:t>
+                </a:r>
+              </a:p>
+              <a:p>
+                <a:pPr marL="0" indent="0">
+                  <a:buNone/>
+                </a:pPr>
+                <a14:m>
+                  <m:oMathPara xmlns:m="http://schemas.openxmlformats.org/officeDocument/2006/math">
+                    <m:oMathParaPr>
+                      <m:jc m:val="centerGroup"/>
+                    </m:oMathParaPr>
+                    <m:oMath xmlns:m="http://schemas.openxmlformats.org/officeDocument/2006/math">
+                      <m:sSub>
+                        <m:sSubPr>
+                          <m:ctrlPr>
+                            <a:rPr lang="en-US" b="0" i="1" smtClean="0">
+                              <a:latin typeface="Cambria Math" panose="02040503050406030204" pitchFamily="18" charset="0"/>
+                            </a:rPr>
+                          </m:ctrlPr>
+                        </m:sSubPr>
+                        <m:e>
+                          <m:r>
+                            <a:rPr lang="en-US" b="0" i="1" smtClean="0">
+                              <a:latin typeface="Cambria Math" panose="02040503050406030204" pitchFamily="18" charset="0"/>
+                            </a:rPr>
+                            <m:t>𝜇</m:t>
+                          </m:r>
+                        </m:e>
+                        <m:sub>
+                          <m:r>
+                            <a:rPr lang="en-US" b="0" i="1" smtClean="0">
+                              <a:latin typeface="Cambria Math" panose="02040503050406030204" pitchFamily="18" charset="0"/>
+                            </a:rPr>
+                            <m:t>𝑔𝑗</m:t>
+                          </m:r>
+                        </m:sub>
+                      </m:sSub>
+                      <m:r>
+                        <a:rPr lang="en-US" b="0" i="1" smtClean="0">
+                          <a:latin typeface="Cambria Math" panose="02040503050406030204" pitchFamily="18" charset="0"/>
+                        </a:rPr>
+                        <m:t>=</m:t>
+                      </m:r>
+                      <m:sSub>
+                        <m:sSubPr>
+                          <m:ctrlPr>
+                            <a:rPr lang="en-US" b="0" i="1" smtClean="0">
+                              <a:latin typeface="Cambria Math" panose="02040503050406030204" pitchFamily="18" charset="0"/>
+                            </a:rPr>
+                          </m:ctrlPr>
+                        </m:sSubPr>
+                        <m:e>
+                          <m:d>
+                            <m:dPr>
+                              <m:begChr m:val="["/>
+                              <m:endChr m:val="]"/>
+                              <m:ctrlPr>
+                                <a:rPr lang="en-US" b="0" i="1" smtClean="0">
+                                  <a:latin typeface="Cambria Math" panose="02040503050406030204" pitchFamily="18" charset="0"/>
+                                </a:rPr>
+                              </m:ctrlPr>
+                            </m:dPr>
+                            <m:e>
+                              <m:r>
+                                <a:rPr lang="en-US" b="0" i="1" smtClean="0">
+                                  <a:latin typeface="Cambria Math" panose="02040503050406030204" pitchFamily="18" charset="0"/>
+                                </a:rPr>
+                                <m:t>𝑋</m:t>
+                              </m:r>
+                              <m:acc>
+                                <m:accPr>
+                                  <m:chr m:val="⃗"/>
+                                  <m:ctrlPr>
+                                    <a:rPr lang="en-US" b="0" i="1" smtClean="0">
+                                      <a:latin typeface="Cambria Math" panose="02040503050406030204" pitchFamily="18" charset="0"/>
+                                    </a:rPr>
+                                  </m:ctrlPr>
+                                </m:accPr>
+                                <m:e>
+                                  <m:r>
+                                    <a:rPr lang="en-US" b="0" i="1" smtClean="0">
+                                      <a:latin typeface="Cambria Math" panose="02040503050406030204" pitchFamily="18" charset="0"/>
+                                    </a:rPr>
+                                    <m:t>𝛽</m:t>
+                                  </m:r>
+                                </m:e>
+                              </m:acc>
+                            </m:e>
+                          </m:d>
+                        </m:e>
+                        <m:sub>
+                          <m:r>
+                            <a:rPr lang="en-US" b="0" i="1" smtClean="0">
+                              <a:latin typeface="Cambria Math" panose="02040503050406030204" pitchFamily="18" charset="0"/>
+                            </a:rPr>
+                            <m:t>𝑔𝑗</m:t>
+                          </m:r>
+                        </m:sub>
+                      </m:sSub>
+                      <m:r>
+                        <a:rPr lang="en-US" b="0" i="1" smtClean="0">
+                          <a:latin typeface="Cambria Math" panose="02040503050406030204" pitchFamily="18" charset="0"/>
+                        </a:rPr>
+                        <m:t>=</m:t>
+                      </m:r>
+                      <m:sSub>
+                        <m:sSubPr>
+                          <m:ctrlPr>
+                            <a:rPr lang="en-US" b="0" i="1" smtClean="0">
+                              <a:latin typeface="Cambria Math" panose="02040503050406030204" pitchFamily="18" charset="0"/>
+                            </a:rPr>
+                          </m:ctrlPr>
+                        </m:sSubPr>
+                        <m:e>
+                          <m:r>
+                            <a:rPr lang="en-US" b="0" i="1" smtClean="0">
+                              <a:latin typeface="Cambria Math" panose="02040503050406030204" pitchFamily="18" charset="0"/>
+                            </a:rPr>
+                            <m:t>𝑥</m:t>
+                          </m:r>
+                        </m:e>
+                        <m:sub>
+                          <m:r>
+                            <a:rPr lang="en-US" b="0" i="1" smtClean="0">
+                              <a:latin typeface="Cambria Math" panose="02040503050406030204" pitchFamily="18" charset="0"/>
+                            </a:rPr>
+                            <m:t>𝑔</m:t>
+                          </m:r>
+                          <m:r>
+                            <a:rPr lang="en-US" b="0" i="1" smtClean="0">
+                              <a:latin typeface="Cambria Math" panose="02040503050406030204" pitchFamily="18" charset="0"/>
+                            </a:rPr>
+                            <m:t>0</m:t>
+                          </m:r>
+                        </m:sub>
+                      </m:sSub>
+                      <m:sSub>
+                        <m:sSubPr>
+                          <m:ctrlPr>
+                            <a:rPr lang="en-US" b="0" i="1" smtClean="0">
+                              <a:latin typeface="Cambria Math" panose="02040503050406030204" pitchFamily="18" charset="0"/>
+                            </a:rPr>
+                          </m:ctrlPr>
+                        </m:sSubPr>
+                        <m:e>
+                          <m:r>
+                            <a:rPr lang="en-US" b="0" i="1" smtClean="0">
+                              <a:latin typeface="Cambria Math" panose="02040503050406030204" pitchFamily="18" charset="0"/>
+                            </a:rPr>
+                            <m:t>𝛽</m:t>
+                          </m:r>
+                        </m:e>
+                        <m:sub>
+                          <m:r>
+                            <a:rPr lang="en-US" b="0" i="1" smtClean="0">
+                              <a:latin typeface="Cambria Math" panose="02040503050406030204" pitchFamily="18" charset="0"/>
+                            </a:rPr>
+                            <m:t>0</m:t>
+                          </m:r>
+                        </m:sub>
+                      </m:sSub>
+                      <m:r>
+                        <a:rPr lang="en-US" b="0" i="1" smtClean="0">
+                          <a:latin typeface="Cambria Math" panose="02040503050406030204" pitchFamily="18" charset="0"/>
+                        </a:rPr>
+                        <m:t>+</m:t>
+                      </m:r>
+                      <m:sSub>
+                        <m:sSubPr>
+                          <m:ctrlPr>
+                            <a:rPr lang="en-US" b="0" i="1" smtClean="0">
+                              <a:latin typeface="Cambria Math" panose="02040503050406030204" pitchFamily="18" charset="0"/>
+                            </a:rPr>
+                          </m:ctrlPr>
+                        </m:sSubPr>
+                        <m:e>
+                          <m:r>
+                            <a:rPr lang="en-US" b="0" i="1" smtClean="0">
+                              <a:latin typeface="Cambria Math" panose="02040503050406030204" pitchFamily="18" charset="0"/>
+                            </a:rPr>
+                            <m:t>𝑥</m:t>
+                          </m:r>
+                        </m:e>
+                        <m:sub>
+                          <m:r>
+                            <a:rPr lang="en-US" b="0" i="1" smtClean="0">
+                              <a:latin typeface="Cambria Math" panose="02040503050406030204" pitchFamily="18" charset="0"/>
+                            </a:rPr>
+                            <m:t>𝑔</m:t>
+                          </m:r>
+                          <m:r>
+                            <a:rPr lang="en-US" b="0" i="1" smtClean="0">
+                              <a:latin typeface="Cambria Math" panose="02040503050406030204" pitchFamily="18" charset="0"/>
+                            </a:rPr>
+                            <m:t>1</m:t>
+                          </m:r>
+                        </m:sub>
+                      </m:sSub>
+                      <m:sSub>
+                        <m:sSubPr>
+                          <m:ctrlPr>
+                            <a:rPr lang="en-US" b="0" i="1" smtClean="0">
+                              <a:latin typeface="Cambria Math" panose="02040503050406030204" pitchFamily="18" charset="0"/>
+                            </a:rPr>
+                          </m:ctrlPr>
+                        </m:sSubPr>
+                        <m:e>
+                          <m:r>
+                            <a:rPr lang="en-US" b="0" i="1" smtClean="0">
+                              <a:latin typeface="Cambria Math" panose="02040503050406030204" pitchFamily="18" charset="0"/>
+                            </a:rPr>
+                            <m:t>𝛽</m:t>
+                          </m:r>
+                        </m:e>
+                        <m:sub>
+                          <m:r>
+                            <a:rPr lang="en-US" b="0" i="1" smtClean="0">
+                              <a:latin typeface="Cambria Math" panose="02040503050406030204" pitchFamily="18" charset="0"/>
+                            </a:rPr>
+                            <m:t>1</m:t>
+                          </m:r>
+                        </m:sub>
+                      </m:sSub>
+                      <m:r>
+                        <a:rPr lang="en-US" b="0" i="1" smtClean="0">
+                          <a:latin typeface="Cambria Math" panose="02040503050406030204" pitchFamily="18" charset="0"/>
+                        </a:rPr>
+                        <m:t>⋯+</m:t>
+                      </m:r>
+                      <m:sSub>
+                        <m:sSubPr>
+                          <m:ctrlPr>
+                            <a:rPr lang="en-US" b="0" i="1" smtClean="0">
+                              <a:latin typeface="Cambria Math" panose="02040503050406030204" pitchFamily="18" charset="0"/>
+                            </a:rPr>
+                          </m:ctrlPr>
+                        </m:sSubPr>
+                        <m:e>
+                          <m:r>
+                            <a:rPr lang="en-US" b="0" i="1" smtClean="0">
+                              <a:latin typeface="Cambria Math" panose="02040503050406030204" pitchFamily="18" charset="0"/>
+                            </a:rPr>
+                            <m:t>𝑥</m:t>
+                          </m:r>
+                        </m:e>
+                        <m:sub>
+                          <m:r>
+                            <a:rPr lang="en-US" b="0" i="1" smtClean="0">
+                              <a:latin typeface="Cambria Math" panose="02040503050406030204" pitchFamily="18" charset="0"/>
+                            </a:rPr>
+                            <m:t>𝑔𝐾</m:t>
+                          </m:r>
+                        </m:sub>
+                      </m:sSub>
+                      <m:sSub>
+                        <m:sSubPr>
+                          <m:ctrlPr>
+                            <a:rPr lang="en-US" b="0" i="1" smtClean="0">
+                              <a:latin typeface="Cambria Math" panose="02040503050406030204" pitchFamily="18" charset="0"/>
+                            </a:rPr>
+                          </m:ctrlPr>
+                        </m:sSubPr>
+                        <m:e>
+                          <m:r>
+                            <a:rPr lang="en-US" b="0" i="1" smtClean="0">
+                              <a:latin typeface="Cambria Math" panose="02040503050406030204" pitchFamily="18" charset="0"/>
+                            </a:rPr>
+                            <m:t>𝛽</m:t>
+                          </m:r>
+                        </m:e>
+                        <m:sub>
+                          <m:r>
+                            <a:rPr lang="en-US" b="0" i="1" smtClean="0">
+                              <a:latin typeface="Cambria Math" panose="02040503050406030204" pitchFamily="18" charset="0"/>
+                            </a:rPr>
+                            <m:t>𝐾</m:t>
+                          </m:r>
+                        </m:sub>
+                      </m:sSub>
+                    </m:oMath>
+                  </m:oMathPara>
+                </a14:m>
+                <a:endParaRPr lang="en-US" dirty="0"/>
+              </a:p>
+              <a:p>
+                <a:pPr marL="0" indent="0">
+                  <a:buNone/>
+                </a:pPr>
+                <a:endParaRPr lang="en-US" dirty="0"/>
+              </a:p>
+              <a:p>
+                <a:pPr marL="0" indent="0">
+                  <a:buNone/>
+                </a:pPr>
+                <a:r>
+                  <a:rPr lang="en-US" dirty="0"/>
+                  <a:t>Log link (Negative Binomial):</a:t>
+                </a:r>
+              </a:p>
+              <a:p>
+                <a:pPr marL="0" indent="0">
+                  <a:buNone/>
+                </a:pPr>
+                <a14:m>
+                  <m:oMathPara xmlns:m="http://schemas.openxmlformats.org/officeDocument/2006/math">
+                    <m:oMathParaPr>
+                      <m:jc m:val="centerGroup"/>
+                    </m:oMathParaPr>
+                    <m:oMath xmlns:m="http://schemas.openxmlformats.org/officeDocument/2006/math">
+                      <m:func>
+                        <m:funcPr>
+                          <m:ctrlPr>
+                            <a:rPr lang="en-US" b="0" i="1" smtClean="0">
+                              <a:latin typeface="Cambria Math" panose="02040503050406030204" pitchFamily="18" charset="0"/>
+                            </a:rPr>
+                          </m:ctrlPr>
+                        </m:funcPr>
+                        <m:fName>
+                          <m:r>
+                            <m:rPr>
+                              <m:sty m:val="p"/>
+                            </m:rPr>
+                            <a:rPr lang="en-US" b="0" i="0" smtClean="0">
+                              <a:latin typeface="Cambria Math" panose="02040503050406030204" pitchFamily="18" charset="0"/>
+                            </a:rPr>
+                            <m:t>log</m:t>
+                          </m:r>
+                        </m:fName>
+                        <m:e>
+                          <m:d>
+                            <m:dPr>
+                              <m:ctrlPr>
+                                <a:rPr lang="en-US" b="0" i="1" smtClean="0">
+                                  <a:latin typeface="Cambria Math" panose="02040503050406030204" pitchFamily="18" charset="0"/>
+                                </a:rPr>
+                              </m:ctrlPr>
+                            </m:dPr>
+                            <m:e>
+                              <m:sSub>
+                                <m:sSubPr>
+                                  <m:ctrlPr>
+                                    <a:rPr lang="en-US" b="0" i="1" smtClean="0">
+                                      <a:latin typeface="Cambria Math" panose="02040503050406030204" pitchFamily="18" charset="0"/>
+                                    </a:rPr>
+                                  </m:ctrlPr>
+                                </m:sSubPr>
+                                <m:e>
+                                  <m:r>
+                                    <a:rPr lang="en-US" b="0" i="1" smtClean="0">
+                                      <a:latin typeface="Cambria Math" panose="02040503050406030204" pitchFamily="18" charset="0"/>
+                                    </a:rPr>
+                                    <m:t>𝜇</m:t>
+                                  </m:r>
+                                </m:e>
+                                <m:sub>
+                                  <m:r>
+                                    <a:rPr lang="en-US" b="0" i="1" smtClean="0">
+                                      <a:latin typeface="Cambria Math" panose="02040503050406030204" pitchFamily="18" charset="0"/>
+                                    </a:rPr>
+                                    <m:t>𝑔𝑗</m:t>
+                                  </m:r>
+                                </m:sub>
+                              </m:sSub>
+                            </m:e>
+                          </m:d>
+                        </m:e>
+                      </m:func>
+                      <m:r>
+                        <a:rPr lang="en-US" b="0" i="1" smtClean="0">
+                          <a:latin typeface="Cambria Math" panose="02040503050406030204" pitchFamily="18" charset="0"/>
+                        </a:rPr>
+                        <m:t>=</m:t>
+                      </m:r>
+                      <m:sSub>
+                        <m:sSubPr>
+                          <m:ctrlPr>
+                            <a:rPr lang="en-US" b="0" i="1" smtClean="0">
+                              <a:latin typeface="Cambria Math" panose="02040503050406030204" pitchFamily="18" charset="0"/>
+                            </a:rPr>
+                          </m:ctrlPr>
+                        </m:sSubPr>
+                        <m:e>
+                          <m:d>
+                            <m:dPr>
+                              <m:begChr m:val="["/>
+                              <m:endChr m:val="]"/>
+                              <m:ctrlPr>
+                                <a:rPr lang="en-US" b="0" i="1" smtClean="0">
+                                  <a:latin typeface="Cambria Math" panose="02040503050406030204" pitchFamily="18" charset="0"/>
+                                </a:rPr>
+                              </m:ctrlPr>
+                            </m:dPr>
+                            <m:e>
+                              <m:r>
+                                <a:rPr lang="en-US" b="0" i="1" smtClean="0">
+                                  <a:latin typeface="Cambria Math" panose="02040503050406030204" pitchFamily="18" charset="0"/>
+                                </a:rPr>
+                                <m:t>𝑋</m:t>
+                              </m:r>
+                              <m:acc>
+                                <m:accPr>
+                                  <m:chr m:val="⃗"/>
+                                  <m:ctrlPr>
+                                    <a:rPr lang="en-US" b="0" i="1" smtClean="0">
+                                      <a:latin typeface="Cambria Math" panose="02040503050406030204" pitchFamily="18" charset="0"/>
+                                    </a:rPr>
+                                  </m:ctrlPr>
+                                </m:accPr>
+                                <m:e>
+                                  <m:r>
+                                    <a:rPr lang="en-US" b="0" i="1" smtClean="0">
+                                      <a:latin typeface="Cambria Math" panose="02040503050406030204" pitchFamily="18" charset="0"/>
+                                    </a:rPr>
+                                    <m:t>𝛽</m:t>
+                                  </m:r>
+                                </m:e>
+                              </m:acc>
+                            </m:e>
+                          </m:d>
+                        </m:e>
+                        <m:sub>
+                          <m:r>
+                            <a:rPr lang="en-US" b="0" i="1" smtClean="0">
+                              <a:latin typeface="Cambria Math" panose="02040503050406030204" pitchFamily="18" charset="0"/>
+                            </a:rPr>
+                            <m:t>𝑔𝑗</m:t>
+                          </m:r>
+                        </m:sub>
+                      </m:sSub>
+                      <m:r>
+                        <a:rPr lang="en-US" b="0" i="1" smtClean="0">
+                          <a:latin typeface="Cambria Math" panose="02040503050406030204" pitchFamily="18" charset="0"/>
+                        </a:rPr>
+                        <m:t>+</m:t>
+                      </m:r>
+                      <m:r>
+                        <m:rPr>
+                          <m:sty m:val="p"/>
+                        </m:rPr>
+                        <a:rPr lang="en-US" b="0" i="0" smtClean="0">
+                          <a:latin typeface="Cambria Math" panose="02040503050406030204" pitchFamily="18" charset="0"/>
+                        </a:rPr>
+                        <m:t>log</m:t>
+                      </m:r>
+                      <m:r>
+                        <a:rPr lang="en-US" b="0" i="1" smtClean="0">
+                          <a:latin typeface="Cambria Math" panose="02040503050406030204" pitchFamily="18" charset="0"/>
+                        </a:rPr>
+                        <m:t>⁡(</m:t>
+                      </m:r>
+                      <m:sSub>
+                        <m:sSubPr>
+                          <m:ctrlPr>
+                            <a:rPr lang="en-US" b="0" i="1" smtClean="0">
+                              <a:latin typeface="Cambria Math" panose="02040503050406030204" pitchFamily="18" charset="0"/>
+                            </a:rPr>
+                          </m:ctrlPr>
+                        </m:sSubPr>
+                        <m:e>
+                          <m:r>
+                            <a:rPr lang="en-US" b="0" i="1" smtClean="0">
+                              <a:latin typeface="Cambria Math" panose="02040503050406030204" pitchFamily="18" charset="0"/>
+                            </a:rPr>
+                            <m:t>𝑠</m:t>
+                          </m:r>
+                        </m:e>
+                        <m:sub>
+                          <m:r>
+                            <a:rPr lang="en-US" b="0" i="1" smtClean="0">
+                              <a:latin typeface="Cambria Math" panose="02040503050406030204" pitchFamily="18" charset="0"/>
+                            </a:rPr>
+                            <m:t>𝑗</m:t>
+                          </m:r>
+                        </m:sub>
+                      </m:sSub>
+                      <m:r>
+                        <a:rPr lang="en-US" b="0" i="1" smtClean="0">
+                          <a:latin typeface="Cambria Math" panose="02040503050406030204" pitchFamily="18" charset="0"/>
+                        </a:rPr>
+                        <m:t>)</m:t>
+                      </m:r>
+                    </m:oMath>
+                    <m:oMath xmlns:m="http://schemas.openxmlformats.org/officeDocument/2006/math">
+                      <m:r>
+                        <a:rPr lang="en-US" b="0" i="1" smtClean="0">
+                          <a:latin typeface="Cambria Math" panose="02040503050406030204" pitchFamily="18" charset="0"/>
+                        </a:rPr>
+                        <m:t>⇒</m:t>
+                      </m:r>
+                      <m:sSub>
+                        <m:sSubPr>
+                          <m:ctrlPr>
+                            <a:rPr lang="en-US" b="0" i="1" smtClean="0">
+                              <a:latin typeface="Cambria Math" panose="02040503050406030204" pitchFamily="18" charset="0"/>
+                            </a:rPr>
+                          </m:ctrlPr>
+                        </m:sSubPr>
+                        <m:e>
+                          <m:r>
+                            <a:rPr lang="en-US" b="0" i="1" smtClean="0">
+                              <a:latin typeface="Cambria Math" panose="02040503050406030204" pitchFamily="18" charset="0"/>
+                            </a:rPr>
+                            <m:t>𝜇</m:t>
+                          </m:r>
+                        </m:e>
+                        <m:sub>
+                          <m:r>
+                            <a:rPr lang="en-US" b="0" i="1" smtClean="0">
+                              <a:latin typeface="Cambria Math" panose="02040503050406030204" pitchFamily="18" charset="0"/>
+                            </a:rPr>
+                            <m:t>𝑔𝑗</m:t>
+                          </m:r>
+                        </m:sub>
+                      </m:sSub>
+                      <m:r>
+                        <a:rPr lang="en-US" b="0" i="1" smtClean="0">
+                          <a:latin typeface="Cambria Math" panose="02040503050406030204" pitchFamily="18" charset="0"/>
+                        </a:rPr>
+                        <m:t>=</m:t>
+                      </m:r>
+                      <m:sSup>
+                        <m:sSupPr>
+                          <m:ctrlPr>
+                            <a:rPr lang="en-US" b="0" i="1" smtClean="0">
+                              <a:latin typeface="Cambria Math" panose="02040503050406030204" pitchFamily="18" charset="0"/>
+                            </a:rPr>
+                          </m:ctrlPr>
+                        </m:sSupPr>
+                        <m:e>
+                          <m:r>
+                            <a:rPr lang="en-US" b="0" i="1" smtClean="0">
+                              <a:latin typeface="Cambria Math" panose="02040503050406030204" pitchFamily="18" charset="0"/>
+                            </a:rPr>
+                            <m:t>(</m:t>
+                          </m:r>
+                          <m:r>
+                            <a:rPr lang="en-US" b="0" i="1" smtClean="0">
+                              <a:latin typeface="Cambria Math" panose="02040503050406030204" pitchFamily="18" charset="0"/>
+                            </a:rPr>
+                            <m:t>𝑒</m:t>
+                          </m:r>
+                        </m:e>
+                        <m:sup>
+                          <m:sSub>
+                            <m:sSubPr>
+                              <m:ctrlPr>
+                                <a:rPr lang="en-US" b="0" i="1" smtClean="0">
+                                  <a:latin typeface="Cambria Math" panose="02040503050406030204" pitchFamily="18" charset="0"/>
+                                </a:rPr>
+                              </m:ctrlPr>
+                            </m:sSubPr>
+                            <m:e>
+                              <m:r>
+                                <a:rPr lang="en-US" b="0" i="1" smtClean="0">
+                                  <a:latin typeface="Cambria Math" panose="02040503050406030204" pitchFamily="18" charset="0"/>
+                                </a:rPr>
+                                <m:t>𝑥</m:t>
+                              </m:r>
+                            </m:e>
+                            <m:sub>
+                              <m:r>
+                                <a:rPr lang="en-US" b="0" i="1" smtClean="0">
+                                  <a:latin typeface="Cambria Math" panose="02040503050406030204" pitchFamily="18" charset="0"/>
+                                </a:rPr>
+                                <m:t>𝑔</m:t>
+                              </m:r>
+                              <m:r>
+                                <a:rPr lang="en-US" b="0" i="1" smtClean="0">
+                                  <a:latin typeface="Cambria Math" panose="02040503050406030204" pitchFamily="18" charset="0"/>
+                                </a:rPr>
+                                <m:t>0</m:t>
+                              </m:r>
+                            </m:sub>
+                          </m:sSub>
+                          <m:sSub>
+                            <m:sSubPr>
+                              <m:ctrlPr>
+                                <a:rPr lang="en-US" b="0" i="1" smtClean="0">
+                                  <a:latin typeface="Cambria Math" panose="02040503050406030204" pitchFamily="18" charset="0"/>
+                                </a:rPr>
+                              </m:ctrlPr>
+                            </m:sSubPr>
+                            <m:e>
+                              <m:r>
+                                <a:rPr lang="en-US" b="0" i="1" smtClean="0">
+                                  <a:latin typeface="Cambria Math" panose="02040503050406030204" pitchFamily="18" charset="0"/>
+                                </a:rPr>
+                                <m:t>𝛽</m:t>
+                              </m:r>
+                            </m:e>
+                            <m:sub>
+                              <m:r>
+                                <a:rPr lang="en-US" b="0" i="1" smtClean="0">
+                                  <a:latin typeface="Cambria Math" panose="02040503050406030204" pitchFamily="18" charset="0"/>
+                                </a:rPr>
+                                <m:t>0</m:t>
+                              </m:r>
+                            </m:sub>
+                          </m:sSub>
+                        </m:sup>
+                      </m:sSup>
+                      <m:sSup>
+                        <m:sSupPr>
+                          <m:ctrlPr>
+                            <a:rPr lang="en-US" b="0" i="1" smtClean="0">
+                              <a:latin typeface="Cambria Math" panose="02040503050406030204" pitchFamily="18" charset="0"/>
+                            </a:rPr>
+                          </m:ctrlPr>
+                        </m:sSupPr>
+                        <m:e>
+                          <m:r>
+                            <a:rPr lang="en-US" b="0" i="1" smtClean="0">
+                              <a:latin typeface="Cambria Math" panose="02040503050406030204" pitchFamily="18" charset="0"/>
+                            </a:rPr>
+                            <m:t>𝑒</m:t>
+                          </m:r>
+                        </m:e>
+                        <m:sup>
+                          <m:sSub>
+                            <m:sSubPr>
+                              <m:ctrlPr>
+                                <a:rPr lang="en-US" b="0" i="1" smtClean="0">
+                                  <a:latin typeface="Cambria Math" panose="02040503050406030204" pitchFamily="18" charset="0"/>
+                                </a:rPr>
+                              </m:ctrlPr>
+                            </m:sSubPr>
+                            <m:e>
+                              <m:r>
+                                <a:rPr lang="en-US" b="0" i="1" smtClean="0">
+                                  <a:latin typeface="Cambria Math" panose="02040503050406030204" pitchFamily="18" charset="0"/>
+                                </a:rPr>
+                                <m:t>𝑥</m:t>
+                              </m:r>
+                            </m:e>
+                            <m:sub>
+                              <m:r>
+                                <a:rPr lang="en-US" b="0" i="1" smtClean="0">
+                                  <a:latin typeface="Cambria Math" panose="02040503050406030204" pitchFamily="18" charset="0"/>
+                                </a:rPr>
+                                <m:t>𝑔</m:t>
+                              </m:r>
+                              <m:r>
+                                <a:rPr lang="en-US" b="0" i="1" smtClean="0">
+                                  <a:latin typeface="Cambria Math" panose="02040503050406030204" pitchFamily="18" charset="0"/>
+                                </a:rPr>
+                                <m:t>1</m:t>
+                              </m:r>
+                            </m:sub>
+                          </m:sSub>
+                          <m:sSub>
+                            <m:sSubPr>
+                              <m:ctrlPr>
+                                <a:rPr lang="en-US" b="0" i="1" smtClean="0">
+                                  <a:latin typeface="Cambria Math" panose="02040503050406030204" pitchFamily="18" charset="0"/>
+                                </a:rPr>
+                              </m:ctrlPr>
+                            </m:sSubPr>
+                            <m:e>
+                              <m:r>
+                                <a:rPr lang="en-US" b="0" i="1" smtClean="0">
+                                  <a:latin typeface="Cambria Math" panose="02040503050406030204" pitchFamily="18" charset="0"/>
+                                </a:rPr>
+                                <m:t>𝛽</m:t>
+                              </m:r>
+                            </m:e>
+                            <m:sub>
+                              <m:r>
+                                <a:rPr lang="en-US" b="0" i="1" smtClean="0">
+                                  <a:latin typeface="Cambria Math" panose="02040503050406030204" pitchFamily="18" charset="0"/>
+                                </a:rPr>
+                                <m:t>1</m:t>
+                              </m:r>
+                            </m:sub>
+                          </m:sSub>
+                        </m:sup>
+                      </m:sSup>
+                      <m:r>
+                        <a:rPr lang="en-US" b="0" i="1" smtClean="0">
+                          <a:latin typeface="Cambria Math" panose="02040503050406030204" pitchFamily="18" charset="0"/>
+                        </a:rPr>
+                        <m:t>⋯</m:t>
+                      </m:r>
+                      <m:sSup>
+                        <m:sSupPr>
+                          <m:ctrlPr>
+                            <a:rPr lang="en-US" b="0" i="1" smtClean="0">
+                              <a:latin typeface="Cambria Math" panose="02040503050406030204" pitchFamily="18" charset="0"/>
+                            </a:rPr>
+                          </m:ctrlPr>
+                        </m:sSupPr>
+                        <m:e>
+                          <m:r>
+                            <a:rPr lang="en-US" b="0" i="1" smtClean="0">
+                              <a:latin typeface="Cambria Math" panose="02040503050406030204" pitchFamily="18" charset="0"/>
+                            </a:rPr>
+                            <m:t>𝑒</m:t>
+                          </m:r>
+                        </m:e>
+                        <m:sup>
+                          <m:sSub>
+                            <m:sSubPr>
+                              <m:ctrlPr>
+                                <a:rPr lang="en-US" b="0" i="1" smtClean="0">
+                                  <a:latin typeface="Cambria Math" panose="02040503050406030204" pitchFamily="18" charset="0"/>
+                                </a:rPr>
+                              </m:ctrlPr>
+                            </m:sSubPr>
+                            <m:e>
+                              <m:r>
+                                <a:rPr lang="en-US" b="0" i="1" smtClean="0">
+                                  <a:latin typeface="Cambria Math" panose="02040503050406030204" pitchFamily="18" charset="0"/>
+                                </a:rPr>
+                                <m:t>𝑥</m:t>
+                              </m:r>
+                            </m:e>
+                            <m:sub>
+                              <m:r>
+                                <a:rPr lang="en-US" b="0" i="1" smtClean="0">
+                                  <a:latin typeface="Cambria Math" panose="02040503050406030204" pitchFamily="18" charset="0"/>
+                                </a:rPr>
+                                <m:t>𝑔𝐾</m:t>
+                              </m:r>
+                            </m:sub>
+                          </m:sSub>
+                          <m:sSub>
+                            <m:sSubPr>
+                              <m:ctrlPr>
+                                <a:rPr lang="en-US" b="0" i="1" smtClean="0">
+                                  <a:latin typeface="Cambria Math" panose="02040503050406030204" pitchFamily="18" charset="0"/>
+                                </a:rPr>
+                              </m:ctrlPr>
+                            </m:sSubPr>
+                            <m:e>
+                              <m:r>
+                                <a:rPr lang="en-US" b="0" i="1" smtClean="0">
+                                  <a:latin typeface="Cambria Math" panose="02040503050406030204" pitchFamily="18" charset="0"/>
+                                </a:rPr>
+                                <m:t>𝛽</m:t>
+                              </m:r>
+                            </m:e>
+                            <m:sub>
+                              <m:r>
+                                <a:rPr lang="en-US" b="0" i="1" smtClean="0">
+                                  <a:latin typeface="Cambria Math" panose="02040503050406030204" pitchFamily="18" charset="0"/>
+                                </a:rPr>
+                                <m:t>𝐾</m:t>
+                              </m:r>
+                            </m:sub>
+                          </m:sSub>
+                        </m:sup>
+                      </m:sSup>
+                      <m:r>
+                        <a:rPr lang="en-US" b="0" i="1" smtClean="0">
+                          <a:latin typeface="Cambria Math" panose="02040503050406030204" pitchFamily="18" charset="0"/>
+                        </a:rPr>
+                        <m:t>)</m:t>
+                      </m:r>
+                      <m:sSub>
+                        <m:sSubPr>
+                          <m:ctrlPr>
+                            <a:rPr lang="en-US" b="0" i="1" smtClean="0">
+                              <a:latin typeface="Cambria Math" panose="02040503050406030204" pitchFamily="18" charset="0"/>
+                            </a:rPr>
+                          </m:ctrlPr>
+                        </m:sSubPr>
+                        <m:e>
+                          <m:r>
+                            <a:rPr lang="en-US" b="0" i="1" smtClean="0">
+                              <a:latin typeface="Cambria Math" panose="02040503050406030204" pitchFamily="18" charset="0"/>
+                            </a:rPr>
+                            <m:t>𝑠</m:t>
+                          </m:r>
+                        </m:e>
+                        <m:sub>
+                          <m:r>
+                            <a:rPr lang="en-US" b="0" i="1" smtClean="0">
+                              <a:latin typeface="Cambria Math" panose="02040503050406030204" pitchFamily="18" charset="0"/>
+                            </a:rPr>
+                            <m:t>𝑗</m:t>
+                          </m:r>
+                        </m:sub>
+                      </m:sSub>
+                    </m:oMath>
+                  </m:oMathPara>
+                </a14:m>
+                <a:endParaRPr lang="en-US" dirty="0"/>
+              </a:p>
+              <a:p>
+                <a:pPr marL="0" indent="0">
+                  <a:buNone/>
+                </a:pPr>
+                <a:endParaRPr lang="en-US" dirty="0"/>
+              </a:p>
+              <a:p>
+                <a:pPr marL="0" indent="0">
+                  <a:buNone/>
+                </a:pPr>
+                <a:r>
+                  <a:rPr lang="en-US" dirty="0"/>
+                  <a:t>Action of log link indicates data </a:t>
+                </a:r>
+                <a14:m>
+                  <m:oMath xmlns:m="http://schemas.openxmlformats.org/officeDocument/2006/math">
+                    <m:r>
+                      <a:rPr lang="en-US" b="0" i="1" smtClean="0">
+                        <a:latin typeface="Cambria Math" panose="02040503050406030204" pitchFamily="18" charset="0"/>
+                      </a:rPr>
+                      <m:t>𝑌</m:t>
+                    </m:r>
+                  </m:oMath>
+                </a14:m>
+                <a:r>
+                  <a:rPr lang="en-US" dirty="0"/>
+                  <a:t> should be raw expression and not normalized expression</a:t>
+                </a:r>
+              </a:p>
+            </p:txBody>
+          </p:sp>
+        </mc:Choice>
+        <mc:Fallback>
+          <p:sp>
+            <p:nvSpPr>
+              <p:cNvPr id="3" name="Content Placeholder 2">
+                <a:extLst>
+                  <a:ext uri="{FF2B5EF4-FFF2-40B4-BE49-F238E27FC236}">
+                    <a16:creationId xmlns:a16="http://schemas.microsoft.com/office/drawing/2014/main" id="{C5FA6D45-E5E0-DFBF-DE59-7E20802E6811}"/>
+                  </a:ext>
+                </a:extLst>
+              </p:cNvPr>
+              <p:cNvSpPr>
+                <a:spLocks noGrp="1" noRot="1" noChangeAspect="1" noMove="1" noResize="1" noEditPoints="1" noAdjustHandles="1" noChangeArrowheads="1" noChangeShapeType="1" noTextEdit="1"/>
+              </p:cNvSpPr>
+              <p:nvPr>
+                <p:ph idx="1"/>
+              </p:nvPr>
+            </p:nvSpPr>
+            <p:spPr>
+              <a:blipFill>
+                <a:blip r:embed="rId2"/>
+                <a:stretch>
+                  <a:fillRect l="-1041" t="-2088"/>
+                </a:stretch>
+              </a:blipFill>
+            </p:spPr>
+            <p:txBody>
+              <a:bodyPr/>
+              <a:lstStyle/>
+              <a:p>
+                <a:r>
+                  <a:rPr lang="en-US">
+                    <a:noFill/>
+                  </a:rPr>
+                  <a:t> </a:t>
+                </a:r>
+              </a:p>
+            </p:txBody>
+          </p:sp>
+        </mc:Fallback>
+      </mc:AlternateContent>
+      <p:sp>
+        <p:nvSpPr>
+          <p:cNvPr id="4" name="Date Placeholder 3">
+            <a:extLst>
+              <a:ext uri="{FF2B5EF4-FFF2-40B4-BE49-F238E27FC236}">
+                <a16:creationId xmlns:a16="http://schemas.microsoft.com/office/drawing/2014/main" id="{AC3C1F09-BA8C-7A0C-044B-0BBDCA486585}"/>
+              </a:ext>
+            </a:extLst>
+          </p:cNvPr>
+          <p:cNvSpPr>
+            <a:spLocks noGrp="1"/>
+          </p:cNvSpPr>
+          <p:nvPr>
+            <p:ph type="dt" sz="half" idx="10"/>
+          </p:nvPr>
+        </p:nvSpPr>
+        <p:spPr/>
+        <p:txBody>
+          <a:bodyPr/>
+          <a:lstStyle/>
+          <a:p>
+            <a:fld id="{C341F050-1748-B641-BEF7-F0B05D683DF2}" type="datetime1">
+              <a:rPr lang="en-US" smtClean="0"/>
+              <a:t>5/20/24</a:t>
+            </a:fld>
+            <a:endParaRPr lang="en-US"/>
+          </a:p>
+        </p:txBody>
+      </p:sp>
+      <p:sp>
+        <p:nvSpPr>
+          <p:cNvPr id="5" name="Footer Placeholder 4">
+            <a:extLst>
+              <a:ext uri="{FF2B5EF4-FFF2-40B4-BE49-F238E27FC236}">
+                <a16:creationId xmlns:a16="http://schemas.microsoft.com/office/drawing/2014/main" id="{F1D9590F-2D07-FA47-A6F3-BFCA1DD10A31}"/>
+              </a:ext>
+            </a:extLst>
+          </p:cNvPr>
+          <p:cNvSpPr>
+            <a:spLocks noGrp="1"/>
+          </p:cNvSpPr>
+          <p:nvPr>
+            <p:ph type="ftr" sz="quarter" idx="11"/>
+          </p:nvPr>
+        </p:nvSpPr>
+        <p:spPr/>
+        <p:txBody>
+          <a:bodyPr/>
+          <a:lstStyle/>
+          <a:p>
+            <a:r>
+              <a:rPr lang="en-US"/>
+              <a:t>Jared Brown · Postdoctoral research fellow · DFCI Lab of Rafael Irizarry jbrown@ds.dfci.harvard.edu · github.com/JBrownBiostat</a:t>
+            </a:r>
+          </a:p>
+        </p:txBody>
+      </p:sp>
+      <p:sp>
+        <p:nvSpPr>
+          <p:cNvPr id="6" name="Slide Number Placeholder 5">
+            <a:extLst>
+              <a:ext uri="{FF2B5EF4-FFF2-40B4-BE49-F238E27FC236}">
+                <a16:creationId xmlns:a16="http://schemas.microsoft.com/office/drawing/2014/main" id="{6FEB3D66-6CF6-0DF8-15B8-A404D0913BEB}"/>
+              </a:ext>
+            </a:extLst>
+          </p:cNvPr>
+          <p:cNvSpPr>
+            <a:spLocks noGrp="1"/>
+          </p:cNvSpPr>
+          <p:nvPr>
+            <p:ph type="sldNum" sz="quarter" idx="12"/>
+          </p:nvPr>
+        </p:nvSpPr>
+        <p:spPr/>
+        <p:txBody>
+          <a:bodyPr/>
+          <a:lstStyle/>
+          <a:p>
+            <a:fld id="{2C8BF43B-81B9-DD48-8FF8-6AE31485DC69}" type="slidenum">
+              <a:rPr lang="en-US" smtClean="0"/>
+              <a:t>8</a:t>
+            </a:fld>
+            <a:endParaRPr lang="en-US"/>
+          </a:p>
+        </p:txBody>
+      </p:sp>
+    </p:spTree>
+    <p:extLst>
+      <p:ext uri="{BB962C8B-B14F-4D97-AF65-F5344CB8AC3E}">
+        <p14:creationId xmlns:p14="http://schemas.microsoft.com/office/powerpoint/2010/main" val="1847062862"/>
       </p:ext>
     </p:extLst>
   </p:cSld>

--- a/DeeperDESeqWithShrinkage.pptx
+++ b/DeeperDESeqWithShrinkage.pptx
@@ -5,7 +5,7 @@
     <p:sldMasterId id="2147483648" r:id="rId1"/>
   </p:sldMasterIdLst>
   <p:notesMasterIdLst>
-    <p:notesMasterId r:id="rId16"/>
+    <p:notesMasterId r:id="rId27"/>
   </p:notesMasterIdLst>
   <p:sldIdLst>
     <p:sldId id="256" r:id="rId2"/>
@@ -22,6 +22,17 @@
     <p:sldId id="267" r:id="rId13"/>
     <p:sldId id="268" r:id="rId14"/>
     <p:sldId id="269" r:id="rId15"/>
+    <p:sldId id="272" r:id="rId16"/>
+    <p:sldId id="273" r:id="rId17"/>
+    <p:sldId id="274" r:id="rId18"/>
+    <p:sldId id="270" r:id="rId19"/>
+    <p:sldId id="271" r:id="rId20"/>
+    <p:sldId id="275" r:id="rId21"/>
+    <p:sldId id="276" r:id="rId22"/>
+    <p:sldId id="277" r:id="rId23"/>
+    <p:sldId id="278" r:id="rId24"/>
+    <p:sldId id="279" r:id="rId25"/>
+    <p:sldId id="280" r:id="rId26"/>
   </p:sldIdLst>
   <p:sldSz cx="12192000" cy="6858000"/>
   <p:notesSz cx="6858000" cy="9144000"/>
@@ -210,7 +221,7 @@
           <a:p>
             <a:fld id="{CE795AB4-E347-D74B-91EF-79B14783F6EE}" type="datetimeFigureOut">
               <a:rPr lang="en-US" smtClean="0"/>
-              <a:t>5/20/24</a:t>
+              <a:t>5/21/24</a:t>
             </a:fld>
             <a:endParaRPr lang="en-US"/>
           </a:p>
@@ -477,6 +488,174 @@
 </p:notesMaster>
 </file>
 
+<file path=ppt/notesSlides/notesSlide1.xml><?xml version="1.0" encoding="utf-8"?>
+<p:notes xmlns:a="http://schemas.openxmlformats.org/drawingml/2006/main" xmlns:r="http://schemas.openxmlformats.org/officeDocument/2006/relationships" xmlns:p="http://schemas.openxmlformats.org/presentationml/2006/main">
+  <p:cSld>
+    <p:spTree>
+      <p:nvGrpSpPr>
+        <p:cNvPr id="1" name=""/>
+        <p:cNvGrpSpPr/>
+        <p:nvPr/>
+      </p:nvGrpSpPr>
+      <p:grpSpPr>
+        <a:xfrm>
+          <a:off x="0" y="0"/>
+          <a:ext cx="0" cy="0"/>
+          <a:chOff x="0" y="0"/>
+          <a:chExt cx="0" cy="0"/>
+        </a:xfrm>
+      </p:grpSpPr>
+      <p:sp>
+        <p:nvSpPr>
+          <p:cNvPr id="2" name="Slide Image Placeholder 1"/>
+          <p:cNvSpPr>
+            <a:spLocks noGrp="1" noRot="1" noChangeAspect="1"/>
+          </p:cNvSpPr>
+          <p:nvPr>
+            <p:ph type="sldImg"/>
+          </p:nvPr>
+        </p:nvSpPr>
+        <p:spPr/>
+      </p:sp>
+      <p:sp>
+        <p:nvSpPr>
+          <p:cNvPr id="3" name="Notes Placeholder 2"/>
+          <p:cNvSpPr>
+            <a:spLocks noGrp="1"/>
+          </p:cNvSpPr>
+          <p:nvPr>
+            <p:ph type="body" idx="1"/>
+          </p:nvPr>
+        </p:nvSpPr>
+        <p:spPr/>
+        <p:txBody>
+          <a:bodyPr/>
+          <a:lstStyle/>
+          <a:p>
+            <a:endParaRPr lang="en-US" dirty="0"/>
+          </a:p>
+        </p:txBody>
+      </p:sp>
+      <p:sp>
+        <p:nvSpPr>
+          <p:cNvPr id="4" name="Slide Number Placeholder 3"/>
+          <p:cNvSpPr>
+            <a:spLocks noGrp="1"/>
+          </p:cNvSpPr>
+          <p:nvPr>
+            <p:ph type="sldNum" sz="quarter" idx="5"/>
+          </p:nvPr>
+        </p:nvSpPr>
+        <p:spPr/>
+        <p:txBody>
+          <a:bodyPr/>
+          <a:lstStyle/>
+          <a:p>
+            <a:fld id="{8B4412F0-8FCF-9145-83AF-86463C3384BB}" type="slidenum">
+              <a:rPr lang="en-US" smtClean="0"/>
+              <a:t>16</a:t>
+            </a:fld>
+            <a:endParaRPr lang="en-US"/>
+          </a:p>
+        </p:txBody>
+      </p:sp>
+    </p:spTree>
+    <p:extLst>
+      <p:ext uri="{BB962C8B-B14F-4D97-AF65-F5344CB8AC3E}">
+        <p14:creationId xmlns:p14="http://schemas.microsoft.com/office/powerpoint/2010/main" val="713385879"/>
+      </p:ext>
+    </p:extLst>
+  </p:cSld>
+  <p:clrMapOvr>
+    <a:masterClrMapping/>
+  </p:clrMapOvr>
+</p:notes>
+</file>
+
+<file path=ppt/notesSlides/notesSlide2.xml><?xml version="1.0" encoding="utf-8"?>
+<p:notes xmlns:a="http://schemas.openxmlformats.org/drawingml/2006/main" xmlns:r="http://schemas.openxmlformats.org/officeDocument/2006/relationships" xmlns:p="http://schemas.openxmlformats.org/presentationml/2006/main">
+  <p:cSld>
+    <p:spTree>
+      <p:nvGrpSpPr>
+        <p:cNvPr id="1" name=""/>
+        <p:cNvGrpSpPr/>
+        <p:nvPr/>
+      </p:nvGrpSpPr>
+      <p:grpSpPr>
+        <a:xfrm>
+          <a:off x="0" y="0"/>
+          <a:ext cx="0" cy="0"/>
+          <a:chOff x="0" y="0"/>
+          <a:chExt cx="0" cy="0"/>
+        </a:xfrm>
+      </p:grpSpPr>
+      <p:sp>
+        <p:nvSpPr>
+          <p:cNvPr id="2" name="Slide Image Placeholder 1"/>
+          <p:cNvSpPr>
+            <a:spLocks noGrp="1" noRot="1" noChangeAspect="1"/>
+          </p:cNvSpPr>
+          <p:nvPr>
+            <p:ph type="sldImg"/>
+          </p:nvPr>
+        </p:nvSpPr>
+        <p:spPr/>
+      </p:sp>
+      <p:sp>
+        <p:nvSpPr>
+          <p:cNvPr id="3" name="Notes Placeholder 2"/>
+          <p:cNvSpPr>
+            <a:spLocks noGrp="1"/>
+          </p:cNvSpPr>
+          <p:nvPr>
+            <p:ph type="body" idx="1"/>
+          </p:nvPr>
+        </p:nvSpPr>
+        <p:spPr/>
+        <p:txBody>
+          <a:bodyPr/>
+          <a:lstStyle/>
+          <a:p>
+            <a:endParaRPr lang="en-US" dirty="0"/>
+          </a:p>
+        </p:txBody>
+      </p:sp>
+      <p:sp>
+        <p:nvSpPr>
+          <p:cNvPr id="4" name="Slide Number Placeholder 3"/>
+          <p:cNvSpPr>
+            <a:spLocks noGrp="1"/>
+          </p:cNvSpPr>
+          <p:nvPr>
+            <p:ph type="sldNum" sz="quarter" idx="5"/>
+          </p:nvPr>
+        </p:nvSpPr>
+        <p:spPr/>
+        <p:txBody>
+          <a:bodyPr/>
+          <a:lstStyle/>
+          <a:p>
+            <a:fld id="{8B4412F0-8FCF-9145-83AF-86463C3384BB}" type="slidenum">
+              <a:rPr lang="en-US" smtClean="0"/>
+              <a:t>23</a:t>
+            </a:fld>
+            <a:endParaRPr lang="en-US"/>
+          </a:p>
+        </p:txBody>
+      </p:sp>
+    </p:spTree>
+    <p:extLst>
+      <p:ext uri="{BB962C8B-B14F-4D97-AF65-F5344CB8AC3E}">
+        <p14:creationId xmlns:p14="http://schemas.microsoft.com/office/powerpoint/2010/main" val="1803455222"/>
+      </p:ext>
+    </p:extLst>
+  </p:cSld>
+  <p:clrMapOvr>
+    <a:masterClrMapping/>
+  </p:clrMapOvr>
+</p:notes>
+</file>
+
 <file path=ppt/slideLayouts/slideLayout1.xml><?xml version="1.0" encoding="utf-8"?>
 <p:sldLayout xmlns:a="http://schemas.openxmlformats.org/drawingml/2006/main" xmlns:r="http://schemas.openxmlformats.org/officeDocument/2006/relationships" xmlns:p="http://schemas.openxmlformats.org/presentationml/2006/main" type="title" preserve="1">
   <p:cSld name="Title Slide">
@@ -654,7 +833,7 @@
           <a:p>
             <a:fld id="{0A065C5F-3D9E-9A42-A321-C1127711531E}" type="datetime1">
               <a:rPr lang="en-US" smtClean="0"/>
-              <a:t>5/20/24</a:t>
+              <a:t>5/21/24</a:t>
             </a:fld>
             <a:endParaRPr lang="en-US" dirty="0"/>
           </a:p>
@@ -886,7 +1065,7 @@
           <a:p>
             <a:fld id="{B22C8C0D-3B0B-DD46-9C67-3EAD1F01ADA2}" type="datetime1">
               <a:rPr lang="en-US" smtClean="0"/>
-              <a:t>5/20/24</a:t>
+              <a:t>5/21/24</a:t>
             </a:fld>
             <a:endParaRPr lang="en-US"/>
           </a:p>
@@ -1097,7 +1276,7 @@
           <a:p>
             <a:fld id="{3DD42383-4BAE-6849-A00F-7880004EDF8D}" type="datetime1">
               <a:rPr lang="en-US" smtClean="0"/>
-              <a:t>5/20/24</a:t>
+              <a:t>5/21/24</a:t>
             </a:fld>
             <a:endParaRPr lang="en-US"/>
           </a:p>
@@ -1298,7 +1477,7 @@
           <a:p>
             <a:fld id="{C341F050-1748-B641-BEF7-F0B05D683DF2}" type="datetime1">
               <a:rPr lang="en-US" smtClean="0"/>
-              <a:t>5/20/24</a:t>
+              <a:t>5/21/24</a:t>
             </a:fld>
             <a:endParaRPr lang="en-US"/>
           </a:p>
@@ -1613,7 +1792,7 @@
           <a:p>
             <a:fld id="{703E1E6A-003E-5143-ACDC-9F51F85D9F12}" type="datetime1">
               <a:rPr lang="en-US" smtClean="0"/>
-              <a:t>5/20/24</a:t>
+              <a:t>5/21/24</a:t>
             </a:fld>
             <a:endParaRPr lang="en-US"/>
           </a:p>
@@ -1881,7 +2060,7 @@
           <a:p>
             <a:fld id="{319D976A-6AB4-2C43-8C0E-82CBE45DDD8F}" type="datetime1">
               <a:rPr lang="en-US" smtClean="0"/>
-              <a:t>5/20/24</a:t>
+              <a:t>5/21/24</a:t>
             </a:fld>
             <a:endParaRPr lang="en-US"/>
           </a:p>
@@ -2296,7 +2475,7 @@
           <a:p>
             <a:fld id="{53778A50-3F54-FC49-8AE5-81DE52D311B3}" type="datetime1">
               <a:rPr lang="en-US" smtClean="0"/>
-              <a:t>5/20/24</a:t>
+              <a:t>5/21/24</a:t>
             </a:fld>
             <a:endParaRPr lang="en-US"/>
           </a:p>
@@ -2440,7 +2619,7 @@
           <a:p>
             <a:fld id="{27B0E617-F9E8-3647-992E-DBB2D4E16B8E}" type="datetime1">
               <a:rPr lang="en-US" smtClean="0"/>
-              <a:t>5/20/24</a:t>
+              <a:t>5/21/24</a:t>
             </a:fld>
             <a:endParaRPr lang="en-US"/>
           </a:p>
@@ -2556,7 +2735,7 @@
           <a:p>
             <a:fld id="{D8240C70-7AD2-C648-BDF7-75B269C82AA5}" type="datetime1">
               <a:rPr lang="en-US" smtClean="0"/>
-              <a:t>5/20/24</a:t>
+              <a:t>5/21/24</a:t>
             </a:fld>
             <a:endParaRPr lang="en-US"/>
           </a:p>
@@ -2870,7 +3049,7 @@
           <a:p>
             <a:fld id="{BA0D14EE-7A21-3C4C-8EE8-3CC7F1EAD774}" type="datetime1">
               <a:rPr lang="en-US" smtClean="0"/>
-              <a:t>5/20/24</a:t>
+              <a:t>5/21/24</a:t>
             </a:fld>
             <a:endParaRPr lang="en-US"/>
           </a:p>
@@ -3164,7 +3343,7 @@
           <a:p>
             <a:fld id="{E8C3EEDC-1A29-BC43-920D-31DB5FB50C83}" type="datetime1">
               <a:rPr lang="en-US" smtClean="0"/>
-              <a:t>5/20/24</a:t>
+              <a:t>5/21/24</a:t>
             </a:fld>
             <a:endParaRPr lang="en-US"/>
           </a:p>
@@ -3411,7 +3590,7 @@
           <a:p>
             <a:fld id="{E4F9FEA8-61D2-B549-8D39-BC9C7133AA99}" type="datetime1">
               <a:rPr lang="en-US" smtClean="0"/>
-              <a:t>5/20/24</a:t>
+              <a:t>5/21/24</a:t>
             </a:fld>
             <a:endParaRPr lang="en-US"/>
           </a:p>
@@ -4026,7 +4205,7 @@
           <a:p>
             <a:r>
               <a:rPr lang="en-US" dirty="0"/>
-              <a:t>20 May 2024</a:t>
+              <a:t>21 May 2024</a:t>
             </a:r>
           </a:p>
         </p:txBody>
@@ -4089,8 +4268,8 @@
           </a:p>
         </p:txBody>
       </p:sp>
-      <mc:AlternateContent xmlns:mc="http://schemas.openxmlformats.org/markup-compatibility/2006">
-        <mc:Choice xmlns:a14="http://schemas.microsoft.com/office/drawing/2010/main" Requires="a14">
+      <mc:AlternateContent xmlns:mc="http://schemas.openxmlformats.org/markup-compatibility/2006" xmlns:a14="http://schemas.microsoft.com/office/drawing/2010/main">
+        <mc:Choice Requires="a14">
           <p:sp>
             <p:nvSpPr>
               <p:cNvPr id="3" name="Content Placeholder 2">
@@ -4329,7 +4508,7 @@
             </p:txBody>
           </p:sp>
         </mc:Choice>
-        <mc:Fallback>
+        <mc:Fallback xmlns="">
           <p:sp>
             <p:nvSpPr>
               <p:cNvPr id="3" name="Content Placeholder 2">
@@ -4392,7 +4571,7 @@
           <a:p>
             <a:fld id="{C341F050-1748-B641-BEF7-F0B05D683DF2}" type="datetime1">
               <a:rPr lang="en-US" smtClean="0"/>
-              <a:t>5/20/24</a:t>
+              <a:t>5/21/24</a:t>
             </a:fld>
             <a:endParaRPr lang="en-US"/>
           </a:p>
@@ -4513,8 +4692,8 @@
           </a:p>
         </p:txBody>
       </p:sp>
-      <mc:AlternateContent xmlns:mc="http://schemas.openxmlformats.org/markup-compatibility/2006">
-        <mc:Choice xmlns:a14="http://schemas.microsoft.com/office/drawing/2010/main" Requires="a14">
+      <mc:AlternateContent xmlns:mc="http://schemas.openxmlformats.org/markup-compatibility/2006" xmlns:a14="http://schemas.microsoft.com/office/drawing/2010/main">
+        <mc:Choice Requires="a14">
           <p:sp>
             <p:nvSpPr>
               <p:cNvPr id="3" name="Content Placeholder 2">
@@ -5430,7 +5609,7 @@
             </p:txBody>
           </p:sp>
         </mc:Choice>
-        <mc:Fallback>
+        <mc:Fallback xmlns="">
           <p:sp>
             <p:nvSpPr>
               <p:cNvPr id="3" name="Content Placeholder 2">
@@ -5493,7 +5672,7 @@
           <a:p>
             <a:fld id="{C341F050-1748-B641-BEF7-F0B05D683DF2}" type="datetime1">
               <a:rPr lang="en-US" smtClean="0"/>
-              <a:t>5/20/24</a:t>
+              <a:t>5/21/24</a:t>
             </a:fld>
             <a:endParaRPr lang="en-US"/>
           </a:p>
@@ -5682,7 +5861,7 @@
           <a:p>
             <a:fld id="{C341F050-1748-B641-BEF7-F0B05D683DF2}" type="datetime1">
               <a:rPr lang="en-US" smtClean="0"/>
-              <a:t>5/20/24</a:t>
+              <a:t>5/21/24</a:t>
             </a:fld>
             <a:endParaRPr lang="en-US"/>
           </a:p>
@@ -5803,8 +5982,8 @@
           </a:p>
         </p:txBody>
       </p:sp>
-      <mc:AlternateContent xmlns:mc="http://schemas.openxmlformats.org/markup-compatibility/2006">
-        <mc:Choice xmlns:a14="http://schemas.microsoft.com/office/drawing/2010/main" Requires="a14">
+      <mc:AlternateContent xmlns:mc="http://schemas.openxmlformats.org/markup-compatibility/2006" xmlns:a14="http://schemas.microsoft.com/office/drawing/2010/main">
+        <mc:Choice Requires="a14">
           <p:sp>
             <p:nvSpPr>
               <p:cNvPr id="3" name="Content Placeholder 2">
@@ -6132,18 +6311,13 @@
                 </a14:m>
                 <a:r>
                   <a:rPr lang="en-US" dirty="0"/>
-                  <a:t> only exists when sample variance is greater than </a:t>
+                  <a:t> only exists when sample variance is greater than sample mean…</a:t>
                 </a:r>
-                <a:r>
-                  <a:rPr lang="en-US"/>
-                  <a:t>sample mean…</a:t>
-                </a:r>
-                <a:endParaRPr lang="en-US" dirty="0"/>
               </a:p>
             </p:txBody>
           </p:sp>
         </mc:Choice>
-        <mc:Fallback>
+        <mc:Fallback xmlns="">
           <p:sp>
             <p:nvSpPr>
               <p:cNvPr id="3" name="Content Placeholder 2">
@@ -6206,7 +6380,7 @@
           <a:p>
             <a:fld id="{C341F050-1748-B641-BEF7-F0B05D683DF2}" type="datetime1">
               <a:rPr lang="en-US" smtClean="0"/>
-              <a:t>5/20/24</a:t>
+              <a:t>5/21/24</a:t>
             </a:fld>
             <a:endParaRPr lang="en-US"/>
           </a:p>
@@ -6395,7 +6569,7 @@
           <a:p>
             <a:fld id="{C341F050-1748-B641-BEF7-F0B05D683DF2}" type="datetime1">
               <a:rPr lang="en-US" smtClean="0"/>
-              <a:t>5/20/24</a:t>
+              <a:t>5/21/24</a:t>
             </a:fld>
             <a:endParaRPr lang="en-US"/>
           </a:p>
@@ -6462,6 +6636,3931 @@
     <p:extLst>
       <p:ext uri="{BB962C8B-B14F-4D97-AF65-F5344CB8AC3E}">
         <p14:creationId xmlns:p14="http://schemas.microsoft.com/office/powerpoint/2010/main" val="1821436276"/>
+      </p:ext>
+    </p:extLst>
+  </p:cSld>
+  <p:clrMapOvr>
+    <a:masterClrMapping/>
+  </p:clrMapOvr>
+</p:sld>
+</file>
+
+<file path=ppt/slides/slide15.xml><?xml version="1.0" encoding="utf-8"?>
+<p:sld xmlns:a="http://schemas.openxmlformats.org/drawingml/2006/main" xmlns:r="http://schemas.openxmlformats.org/officeDocument/2006/relationships" xmlns:p="http://schemas.openxmlformats.org/presentationml/2006/main">
+  <p:cSld>
+    <p:spTree>
+      <p:nvGrpSpPr>
+        <p:cNvPr id="1" name=""/>
+        <p:cNvGrpSpPr/>
+        <p:nvPr/>
+      </p:nvGrpSpPr>
+      <p:grpSpPr>
+        <a:xfrm>
+          <a:off x="0" y="0"/>
+          <a:ext cx="0" cy="0"/>
+          <a:chOff x="0" y="0"/>
+          <a:chExt cx="0" cy="0"/>
+        </a:xfrm>
+      </p:grpSpPr>
+      <p:sp>
+        <p:nvSpPr>
+          <p:cNvPr id="2" name="Title 1">
+            <a:extLst>
+              <a:ext uri="{FF2B5EF4-FFF2-40B4-BE49-F238E27FC236}">
+                <a16:creationId xmlns:a16="http://schemas.microsoft.com/office/drawing/2014/main" id="{BFBD416E-981C-3EBB-2E16-E67BBFAB2725}"/>
+              </a:ext>
+            </a:extLst>
+          </p:cNvPr>
+          <p:cNvSpPr>
+            <a:spLocks noGrp="1"/>
+          </p:cNvSpPr>
+          <p:nvPr>
+            <p:ph type="title"/>
+          </p:nvPr>
+        </p:nvSpPr>
+        <p:spPr/>
+        <p:txBody>
+          <a:bodyPr/>
+          <a:lstStyle/>
+          <a:p>
+            <a:r>
+              <a:rPr lang="en-US" dirty="0"/>
+              <a:t>Multiple covariates</a:t>
+            </a:r>
+          </a:p>
+        </p:txBody>
+      </p:sp>
+      <mc:AlternateContent xmlns:mc="http://schemas.openxmlformats.org/markup-compatibility/2006">
+        <mc:Choice xmlns:a14="http://schemas.microsoft.com/office/drawing/2010/main" Requires="a14">
+          <p:sp>
+            <p:nvSpPr>
+              <p:cNvPr id="3" name="Content Placeholder 2">
+                <a:extLst>
+                  <a:ext uri="{FF2B5EF4-FFF2-40B4-BE49-F238E27FC236}">
+                    <a16:creationId xmlns:a16="http://schemas.microsoft.com/office/drawing/2014/main" id="{70B27180-75F8-5752-43D3-B7E3E83841E1}"/>
+                  </a:ext>
+                </a:extLst>
+              </p:cNvPr>
+              <p:cNvSpPr>
+                <a:spLocks noGrp="1"/>
+              </p:cNvSpPr>
+              <p:nvPr>
+                <p:ph idx="1"/>
+              </p:nvPr>
+            </p:nvSpPr>
+            <p:spPr/>
+            <p:txBody>
+              <a:bodyPr/>
+              <a:lstStyle/>
+              <a:p>
+                <a:pPr marL="0" indent="0">
+                  <a:buNone/>
+                </a:pPr>
+                <a:r>
+                  <a:rPr lang="en-US" dirty="0"/>
+                  <a:t>Standard multiple-regression is encoded in the design matrix </a:t>
+                </a:r>
+                <a14:m>
+                  <m:oMath xmlns:m="http://schemas.openxmlformats.org/officeDocument/2006/math">
+                    <m:r>
+                      <a:rPr lang="en-US" b="0" i="1" smtClean="0">
+                        <a:latin typeface="Cambria Math" panose="02040503050406030204" pitchFamily="18" charset="0"/>
+                      </a:rPr>
+                      <m:t>𝑋</m:t>
+                    </m:r>
+                  </m:oMath>
+                </a14:m>
+                <a:r>
+                  <a:rPr lang="en-US" dirty="0"/>
+                  <a:t> as:</a:t>
+                </a:r>
+              </a:p>
+              <a:p>
+                <a:pPr marL="0" indent="0">
+                  <a:buNone/>
+                </a:pPr>
+                <a14:m>
+                  <m:oMathPara xmlns:m="http://schemas.openxmlformats.org/officeDocument/2006/math">
+                    <m:oMathParaPr>
+                      <m:jc m:val="centerGroup"/>
+                    </m:oMathParaPr>
+                    <m:oMath xmlns:m="http://schemas.openxmlformats.org/officeDocument/2006/math">
+                      <m:func>
+                        <m:funcPr>
+                          <m:ctrlPr>
+                            <a:rPr lang="en-US" b="0" i="1" smtClean="0">
+                              <a:latin typeface="Cambria Math" panose="02040503050406030204" pitchFamily="18" charset="0"/>
+                            </a:rPr>
+                          </m:ctrlPr>
+                        </m:funcPr>
+                        <m:fName>
+                          <m:r>
+                            <m:rPr>
+                              <m:sty m:val="p"/>
+                            </m:rPr>
+                            <a:rPr lang="en-US" b="0" i="0" smtClean="0">
+                              <a:latin typeface="Cambria Math" panose="02040503050406030204" pitchFamily="18" charset="0"/>
+                            </a:rPr>
+                            <m:t>log</m:t>
+                          </m:r>
+                        </m:fName>
+                        <m:e>
+                          <m:d>
+                            <m:dPr>
+                              <m:ctrlPr>
+                                <a:rPr lang="en-US" b="0" i="1" smtClean="0">
+                                  <a:latin typeface="Cambria Math" panose="02040503050406030204" pitchFamily="18" charset="0"/>
+                                </a:rPr>
+                              </m:ctrlPr>
+                            </m:dPr>
+                            <m:e>
+                              <m:sSub>
+                                <m:sSubPr>
+                                  <m:ctrlPr>
+                                    <a:rPr lang="en-US" b="0" i="1" smtClean="0">
+                                      <a:latin typeface="Cambria Math" panose="02040503050406030204" pitchFamily="18" charset="0"/>
+                                    </a:rPr>
+                                  </m:ctrlPr>
+                                </m:sSubPr>
+                                <m:e>
+                                  <m:r>
+                                    <a:rPr lang="en-US" b="0" i="1" smtClean="0">
+                                      <a:latin typeface="Cambria Math" panose="02040503050406030204" pitchFamily="18" charset="0"/>
+                                    </a:rPr>
+                                    <m:t>𝜇</m:t>
+                                  </m:r>
+                                </m:e>
+                                <m:sub>
+                                  <m:r>
+                                    <a:rPr lang="en-US" b="0" i="1" smtClean="0">
+                                      <a:latin typeface="Cambria Math" panose="02040503050406030204" pitchFamily="18" charset="0"/>
+                                    </a:rPr>
+                                    <m:t>𝑔𝑗</m:t>
+                                  </m:r>
+                                </m:sub>
+                              </m:sSub>
+                            </m:e>
+                          </m:d>
+                        </m:e>
+                      </m:func>
+                      <m:r>
+                        <a:rPr lang="en-US" b="0" i="1" smtClean="0">
+                          <a:latin typeface="Cambria Math" panose="02040503050406030204" pitchFamily="18" charset="0"/>
+                        </a:rPr>
+                        <m:t>=</m:t>
+                      </m:r>
+                      <m:sSub>
+                        <m:sSubPr>
+                          <m:ctrlPr>
+                            <a:rPr lang="en-US" b="0" i="1" smtClean="0">
+                              <a:latin typeface="Cambria Math" panose="02040503050406030204" pitchFamily="18" charset="0"/>
+                            </a:rPr>
+                          </m:ctrlPr>
+                        </m:sSubPr>
+                        <m:e>
+                          <m:d>
+                            <m:dPr>
+                              <m:begChr m:val="["/>
+                              <m:endChr m:val="]"/>
+                              <m:ctrlPr>
+                                <a:rPr lang="en-US" b="0" i="1" smtClean="0">
+                                  <a:latin typeface="Cambria Math" panose="02040503050406030204" pitchFamily="18" charset="0"/>
+                                </a:rPr>
+                              </m:ctrlPr>
+                            </m:dPr>
+                            <m:e>
+                              <m:r>
+                                <a:rPr lang="en-US" b="0" i="1" smtClean="0">
+                                  <a:latin typeface="Cambria Math" panose="02040503050406030204" pitchFamily="18" charset="0"/>
+                                </a:rPr>
+                                <m:t>𝑋</m:t>
+                              </m:r>
+                              <m:acc>
+                                <m:accPr>
+                                  <m:chr m:val="⃗"/>
+                                  <m:ctrlPr>
+                                    <a:rPr lang="en-US" b="0" i="1" smtClean="0">
+                                      <a:latin typeface="Cambria Math" panose="02040503050406030204" pitchFamily="18" charset="0"/>
+                                    </a:rPr>
+                                  </m:ctrlPr>
+                                </m:accPr>
+                                <m:e>
+                                  <m:r>
+                                    <a:rPr lang="en-US" b="0" i="1" smtClean="0">
+                                      <a:latin typeface="Cambria Math" panose="02040503050406030204" pitchFamily="18" charset="0"/>
+                                    </a:rPr>
+                                    <m:t>𝛽</m:t>
+                                  </m:r>
+                                </m:e>
+                              </m:acc>
+                            </m:e>
+                          </m:d>
+                        </m:e>
+                        <m:sub>
+                          <m:r>
+                            <a:rPr lang="en-US" b="0" i="1" smtClean="0">
+                              <a:latin typeface="Cambria Math" panose="02040503050406030204" pitchFamily="18" charset="0"/>
+                            </a:rPr>
+                            <m:t>𝑔𝑗</m:t>
+                          </m:r>
+                        </m:sub>
+                      </m:sSub>
+                      <m:r>
+                        <a:rPr lang="en-US" b="0" i="1" smtClean="0">
+                          <a:latin typeface="Cambria Math" panose="02040503050406030204" pitchFamily="18" charset="0"/>
+                        </a:rPr>
+                        <m:t>+</m:t>
+                      </m:r>
+                      <m:func>
+                        <m:funcPr>
+                          <m:ctrlPr>
+                            <a:rPr lang="en-US" b="0" i="1" smtClean="0">
+                              <a:latin typeface="Cambria Math" panose="02040503050406030204" pitchFamily="18" charset="0"/>
+                            </a:rPr>
+                          </m:ctrlPr>
+                        </m:funcPr>
+                        <m:fName>
+                          <m:r>
+                            <m:rPr>
+                              <m:sty m:val="p"/>
+                            </m:rPr>
+                            <a:rPr lang="en-US" b="0" i="0" smtClean="0">
+                              <a:latin typeface="Cambria Math" panose="02040503050406030204" pitchFamily="18" charset="0"/>
+                            </a:rPr>
+                            <m:t>log</m:t>
+                          </m:r>
+                        </m:fName>
+                        <m:e>
+                          <m:d>
+                            <m:dPr>
+                              <m:ctrlPr>
+                                <a:rPr lang="en-US" b="0" i="1" smtClean="0">
+                                  <a:latin typeface="Cambria Math" panose="02040503050406030204" pitchFamily="18" charset="0"/>
+                                </a:rPr>
+                              </m:ctrlPr>
+                            </m:dPr>
+                            <m:e>
+                              <m:sSub>
+                                <m:sSubPr>
+                                  <m:ctrlPr>
+                                    <a:rPr lang="en-US" b="0" i="1" smtClean="0">
+                                      <a:latin typeface="Cambria Math" panose="02040503050406030204" pitchFamily="18" charset="0"/>
+                                    </a:rPr>
+                                  </m:ctrlPr>
+                                </m:sSubPr>
+                                <m:e>
+                                  <m:r>
+                                    <a:rPr lang="en-US" b="0" i="1" smtClean="0">
+                                      <a:latin typeface="Cambria Math" panose="02040503050406030204" pitchFamily="18" charset="0"/>
+                                    </a:rPr>
+                                    <m:t>𝑠</m:t>
+                                  </m:r>
+                                </m:e>
+                                <m:sub>
+                                  <m:r>
+                                    <a:rPr lang="en-US" b="0" i="1" smtClean="0">
+                                      <a:latin typeface="Cambria Math" panose="02040503050406030204" pitchFamily="18" charset="0"/>
+                                    </a:rPr>
+                                    <m:t>𝑗</m:t>
+                                  </m:r>
+                                </m:sub>
+                              </m:sSub>
+                            </m:e>
+                          </m:d>
+                        </m:e>
+                      </m:func>
+                    </m:oMath>
+                  </m:oMathPara>
+                </a14:m>
+                <a:endParaRPr lang="en-US" dirty="0"/>
+              </a:p>
+              <a:p>
+                <a:pPr marL="0" indent="0">
+                  <a:buNone/>
+                </a:pPr>
+                <a:endParaRPr lang="en-US" sz="1200" dirty="0"/>
+              </a:p>
+              <a:p>
+                <a:r>
+                  <a:rPr lang="en-US" dirty="0"/>
+                  <a:t>Factors encoded in usual “dummy variable” format</a:t>
+                </a:r>
+              </a:p>
+              <a:p>
+                <a:r>
+                  <a:rPr lang="en-US" dirty="0"/>
+                  <a:t>Default model specification chooses first factor as intercept</a:t>
+                </a:r>
+              </a:p>
+              <a:p>
+                <a:r>
+                  <a:rPr lang="en-US" dirty="0"/>
+                  <a:t>For three group model, encoded as:</a:t>
+                </a:r>
+              </a:p>
+              <a:p>
+                <a:pPr marL="0" indent="0">
+                  <a:buNone/>
+                </a:pPr>
+                <a14:m>
+                  <m:oMathPara xmlns:m="http://schemas.openxmlformats.org/officeDocument/2006/math">
+                    <m:oMathParaPr>
+                      <m:jc m:val="centerGroup"/>
+                    </m:oMathParaPr>
+                    <m:oMath xmlns:m="http://schemas.openxmlformats.org/officeDocument/2006/math">
+                      <m:func>
+                        <m:funcPr>
+                          <m:ctrlPr>
+                            <a:rPr lang="en-US" b="0" i="1" smtClean="0">
+                              <a:latin typeface="Cambria Math" panose="02040503050406030204" pitchFamily="18" charset="0"/>
+                            </a:rPr>
+                          </m:ctrlPr>
+                        </m:funcPr>
+                        <m:fName>
+                          <m:r>
+                            <m:rPr>
+                              <m:sty m:val="p"/>
+                            </m:rPr>
+                            <a:rPr lang="en-US" b="0" i="0" smtClean="0">
+                              <a:latin typeface="Cambria Math" panose="02040503050406030204" pitchFamily="18" charset="0"/>
+                            </a:rPr>
+                            <m:t>log</m:t>
+                          </m:r>
+                        </m:fName>
+                        <m:e>
+                          <m:d>
+                            <m:dPr>
+                              <m:ctrlPr>
+                                <a:rPr lang="en-US" b="0" i="1" smtClean="0">
+                                  <a:latin typeface="Cambria Math" panose="02040503050406030204" pitchFamily="18" charset="0"/>
+                                </a:rPr>
+                              </m:ctrlPr>
+                            </m:dPr>
+                            <m:e>
+                              <m:sSub>
+                                <m:sSubPr>
+                                  <m:ctrlPr>
+                                    <a:rPr lang="en-US" b="0" i="1" smtClean="0">
+                                      <a:latin typeface="Cambria Math" panose="02040503050406030204" pitchFamily="18" charset="0"/>
+                                    </a:rPr>
+                                  </m:ctrlPr>
+                                </m:sSubPr>
+                                <m:e>
+                                  <m:r>
+                                    <a:rPr lang="en-US" b="0" i="1" smtClean="0">
+                                      <a:latin typeface="Cambria Math" panose="02040503050406030204" pitchFamily="18" charset="0"/>
+                                    </a:rPr>
+                                    <m:t>𝜇</m:t>
+                                  </m:r>
+                                </m:e>
+                                <m:sub>
+                                  <m:r>
+                                    <a:rPr lang="en-US" b="0" i="1" smtClean="0">
+                                      <a:latin typeface="Cambria Math" panose="02040503050406030204" pitchFamily="18" charset="0"/>
+                                    </a:rPr>
+                                    <m:t>𝑔𝑗</m:t>
+                                  </m:r>
+                                </m:sub>
+                              </m:sSub>
+                            </m:e>
+                          </m:d>
+                          <m:r>
+                            <a:rPr lang="en-US" b="0" i="1" smtClean="0">
+                              <a:latin typeface="Cambria Math" panose="02040503050406030204" pitchFamily="18" charset="0"/>
+                            </a:rPr>
+                            <m:t>=</m:t>
+                          </m:r>
+                          <m:sSub>
+                            <m:sSubPr>
+                              <m:ctrlPr>
+                                <a:rPr lang="en-US" b="0" i="1" smtClean="0">
+                                  <a:latin typeface="Cambria Math" panose="02040503050406030204" pitchFamily="18" charset="0"/>
+                                </a:rPr>
+                              </m:ctrlPr>
+                            </m:sSubPr>
+                            <m:e>
+                              <m:r>
+                                <a:rPr lang="en-US" b="0" i="1" smtClean="0">
+                                  <a:latin typeface="Cambria Math" panose="02040503050406030204" pitchFamily="18" charset="0"/>
+                                </a:rPr>
+                                <m:t>𝑥</m:t>
+                              </m:r>
+                            </m:e>
+                            <m:sub>
+                              <m:r>
+                                <a:rPr lang="en-US" b="0" i="1" smtClean="0">
+                                  <a:latin typeface="Cambria Math" panose="02040503050406030204" pitchFamily="18" charset="0"/>
+                                </a:rPr>
+                                <m:t>𝑔</m:t>
+                              </m:r>
+                              <m:r>
+                                <a:rPr lang="en-US" b="0" i="1" smtClean="0">
+                                  <a:latin typeface="Cambria Math" panose="02040503050406030204" pitchFamily="18" charset="0"/>
+                                </a:rPr>
+                                <m:t>1</m:t>
+                              </m:r>
+                            </m:sub>
+                          </m:sSub>
+                          <m:sSub>
+                            <m:sSubPr>
+                              <m:ctrlPr>
+                                <a:rPr lang="en-US" b="0" i="1" smtClean="0">
+                                  <a:latin typeface="Cambria Math" panose="02040503050406030204" pitchFamily="18" charset="0"/>
+                                </a:rPr>
+                              </m:ctrlPr>
+                            </m:sSubPr>
+                            <m:e>
+                              <m:r>
+                                <a:rPr lang="en-US" b="0" i="1" smtClean="0">
+                                  <a:latin typeface="Cambria Math" panose="02040503050406030204" pitchFamily="18" charset="0"/>
+                                </a:rPr>
+                                <m:t>𝛽</m:t>
+                              </m:r>
+                            </m:e>
+                            <m:sub>
+                              <m:r>
+                                <a:rPr lang="en-US" b="0" i="1" smtClean="0">
+                                  <a:latin typeface="Cambria Math" panose="02040503050406030204" pitchFamily="18" charset="0"/>
+                                </a:rPr>
+                                <m:t>1</m:t>
+                              </m:r>
+                            </m:sub>
+                          </m:sSub>
+                          <m:r>
+                            <a:rPr lang="en-US" b="0" i="1" smtClean="0">
+                              <a:latin typeface="Cambria Math" panose="02040503050406030204" pitchFamily="18" charset="0"/>
+                            </a:rPr>
+                            <m:t>+</m:t>
+                          </m:r>
+                          <m:sSub>
+                            <m:sSubPr>
+                              <m:ctrlPr>
+                                <a:rPr lang="en-US" b="0" i="1" smtClean="0">
+                                  <a:latin typeface="Cambria Math" panose="02040503050406030204" pitchFamily="18" charset="0"/>
+                                </a:rPr>
+                              </m:ctrlPr>
+                            </m:sSubPr>
+                            <m:e>
+                              <m:r>
+                                <a:rPr lang="en-US" b="0" i="1" smtClean="0">
+                                  <a:latin typeface="Cambria Math" panose="02040503050406030204" pitchFamily="18" charset="0"/>
+                                </a:rPr>
+                                <m:t>𝑥</m:t>
+                              </m:r>
+                            </m:e>
+                            <m:sub>
+                              <m:r>
+                                <a:rPr lang="en-US" b="0" i="1" smtClean="0">
+                                  <a:latin typeface="Cambria Math" panose="02040503050406030204" pitchFamily="18" charset="0"/>
+                                </a:rPr>
+                                <m:t>𝑔</m:t>
+                              </m:r>
+                              <m:r>
+                                <a:rPr lang="en-US" b="0" i="1" smtClean="0">
+                                  <a:latin typeface="Cambria Math" panose="02040503050406030204" pitchFamily="18" charset="0"/>
+                                </a:rPr>
+                                <m:t>2</m:t>
+                              </m:r>
+                            </m:sub>
+                          </m:sSub>
+                          <m:sSub>
+                            <m:sSubPr>
+                              <m:ctrlPr>
+                                <a:rPr lang="en-US" b="0" i="1" smtClean="0">
+                                  <a:latin typeface="Cambria Math" panose="02040503050406030204" pitchFamily="18" charset="0"/>
+                                </a:rPr>
+                              </m:ctrlPr>
+                            </m:sSubPr>
+                            <m:e>
+                              <m:r>
+                                <a:rPr lang="en-US" b="0" i="1" smtClean="0">
+                                  <a:latin typeface="Cambria Math" panose="02040503050406030204" pitchFamily="18" charset="0"/>
+                                </a:rPr>
+                                <m:t>𝛽</m:t>
+                              </m:r>
+                            </m:e>
+                            <m:sub>
+                              <m:r>
+                                <a:rPr lang="en-US" b="0" i="1" smtClean="0">
+                                  <a:latin typeface="Cambria Math" panose="02040503050406030204" pitchFamily="18" charset="0"/>
+                                </a:rPr>
+                                <m:t>2</m:t>
+                              </m:r>
+                            </m:sub>
+                          </m:sSub>
+                          <m:r>
+                            <a:rPr lang="en-US" b="0" i="1" smtClean="0">
+                              <a:latin typeface="Cambria Math" panose="02040503050406030204" pitchFamily="18" charset="0"/>
+                            </a:rPr>
+                            <m:t>+</m:t>
+                          </m:r>
+                          <m:sSub>
+                            <m:sSubPr>
+                              <m:ctrlPr>
+                                <a:rPr lang="en-US" b="0" i="1" smtClean="0">
+                                  <a:latin typeface="Cambria Math" panose="02040503050406030204" pitchFamily="18" charset="0"/>
+                                </a:rPr>
+                              </m:ctrlPr>
+                            </m:sSubPr>
+                            <m:e>
+                              <m:r>
+                                <a:rPr lang="en-US" b="0" i="1" smtClean="0">
+                                  <a:latin typeface="Cambria Math" panose="02040503050406030204" pitchFamily="18" charset="0"/>
+                                </a:rPr>
+                                <m:t>𝑥</m:t>
+                              </m:r>
+                            </m:e>
+                            <m:sub>
+                              <m:r>
+                                <a:rPr lang="en-US" b="0" i="1" smtClean="0">
+                                  <a:latin typeface="Cambria Math" panose="02040503050406030204" pitchFamily="18" charset="0"/>
+                                </a:rPr>
+                                <m:t>𝑔</m:t>
+                              </m:r>
+                              <m:r>
+                                <a:rPr lang="en-US" b="0" i="1" smtClean="0">
+                                  <a:latin typeface="Cambria Math" panose="02040503050406030204" pitchFamily="18" charset="0"/>
+                                </a:rPr>
+                                <m:t>3</m:t>
+                              </m:r>
+                            </m:sub>
+                          </m:sSub>
+                          <m:sSub>
+                            <m:sSubPr>
+                              <m:ctrlPr>
+                                <a:rPr lang="en-US" b="0" i="1" smtClean="0">
+                                  <a:latin typeface="Cambria Math" panose="02040503050406030204" pitchFamily="18" charset="0"/>
+                                </a:rPr>
+                              </m:ctrlPr>
+                            </m:sSubPr>
+                            <m:e>
+                              <m:r>
+                                <a:rPr lang="en-US" b="0" i="1" smtClean="0">
+                                  <a:latin typeface="Cambria Math" panose="02040503050406030204" pitchFamily="18" charset="0"/>
+                                </a:rPr>
+                                <m:t>𝛽</m:t>
+                              </m:r>
+                            </m:e>
+                            <m:sub>
+                              <m:r>
+                                <a:rPr lang="en-US" b="0" i="1" smtClean="0">
+                                  <a:latin typeface="Cambria Math" panose="02040503050406030204" pitchFamily="18" charset="0"/>
+                                </a:rPr>
+                                <m:t>3</m:t>
+                              </m:r>
+                            </m:sub>
+                          </m:sSub>
+                          <m:r>
+                            <a:rPr lang="en-US" b="0" i="1" smtClean="0">
+                              <a:latin typeface="Cambria Math" panose="02040503050406030204" pitchFamily="18" charset="0"/>
+                            </a:rPr>
+                            <m:t>=</m:t>
+                          </m:r>
+                          <m:sSub>
+                            <m:sSubPr>
+                              <m:ctrlPr>
+                                <a:rPr lang="en-US" b="0" i="1" smtClean="0">
+                                  <a:latin typeface="Cambria Math" panose="02040503050406030204" pitchFamily="18" charset="0"/>
+                                </a:rPr>
+                              </m:ctrlPr>
+                            </m:sSubPr>
+                            <m:e>
+                              <m:r>
+                                <a:rPr lang="en-US" b="0" i="1" smtClean="0">
+                                  <a:latin typeface="Cambria Math" panose="02040503050406030204" pitchFamily="18" charset="0"/>
+                                </a:rPr>
+                                <m:t>𝛽</m:t>
+                              </m:r>
+                            </m:e>
+                            <m:sub>
+                              <m:r>
+                                <a:rPr lang="en-US" b="0" i="1" smtClean="0">
+                                  <a:latin typeface="Cambria Math" panose="02040503050406030204" pitchFamily="18" charset="0"/>
+                                </a:rPr>
+                                <m:t>1</m:t>
+                              </m:r>
+                            </m:sub>
+                          </m:sSub>
+                        </m:e>
+                      </m:func>
+                      <m:r>
+                        <a:rPr lang="en-US" b="0" i="1" smtClean="0">
+                          <a:latin typeface="Cambria Math" panose="02040503050406030204" pitchFamily="18" charset="0"/>
+                        </a:rPr>
+                        <m:t>| </m:t>
+                      </m:r>
+                      <m:r>
+                        <a:rPr lang="en-US" b="0" i="1" smtClean="0">
+                          <a:latin typeface="Cambria Math" panose="02040503050406030204" pitchFamily="18" charset="0"/>
+                        </a:rPr>
+                        <m:t>𝑗</m:t>
+                      </m:r>
+                      <m:r>
+                        <a:rPr lang="en-US" b="0" i="1" smtClean="0">
+                          <a:latin typeface="Cambria Math" panose="02040503050406030204" pitchFamily="18" charset="0"/>
+                        </a:rPr>
+                        <m:t>∈</m:t>
+                      </m:r>
+                      <m:r>
+                        <a:rPr lang="en-US" b="0" i="1" smtClean="0">
+                          <a:latin typeface="Cambria Math" panose="02040503050406030204" pitchFamily="18" charset="0"/>
+                        </a:rPr>
+                        <m:t>𝒜</m:t>
+                      </m:r>
+                    </m:oMath>
+                    <m:oMath xmlns:m="http://schemas.openxmlformats.org/officeDocument/2006/math">
+                      <m:func>
+                        <m:funcPr>
+                          <m:ctrlPr>
+                            <a:rPr lang="en-US" i="1">
+                              <a:latin typeface="Cambria Math" panose="02040503050406030204" pitchFamily="18" charset="0"/>
+                            </a:rPr>
+                          </m:ctrlPr>
+                        </m:funcPr>
+                        <m:fName>
+                          <m:r>
+                            <m:rPr>
+                              <m:sty m:val="p"/>
+                            </m:rPr>
+                            <a:rPr lang="en-US">
+                              <a:latin typeface="Cambria Math" panose="02040503050406030204" pitchFamily="18" charset="0"/>
+                            </a:rPr>
+                            <m:t>log</m:t>
+                          </m:r>
+                        </m:fName>
+                        <m:e>
+                          <m:d>
+                            <m:dPr>
+                              <m:ctrlPr>
+                                <a:rPr lang="en-US" i="1">
+                                  <a:latin typeface="Cambria Math" panose="02040503050406030204" pitchFamily="18" charset="0"/>
+                                </a:rPr>
+                              </m:ctrlPr>
+                            </m:dPr>
+                            <m:e>
+                              <m:sSub>
+                                <m:sSubPr>
+                                  <m:ctrlPr>
+                                    <a:rPr lang="en-US" i="1">
+                                      <a:latin typeface="Cambria Math" panose="02040503050406030204" pitchFamily="18" charset="0"/>
+                                    </a:rPr>
+                                  </m:ctrlPr>
+                                </m:sSubPr>
+                                <m:e>
+                                  <m:r>
+                                    <a:rPr lang="en-US" i="1">
+                                      <a:latin typeface="Cambria Math" panose="02040503050406030204" pitchFamily="18" charset="0"/>
+                                    </a:rPr>
+                                    <m:t>𝜇</m:t>
+                                  </m:r>
+                                </m:e>
+                                <m:sub>
+                                  <m:r>
+                                    <a:rPr lang="en-US" i="1">
+                                      <a:latin typeface="Cambria Math" panose="02040503050406030204" pitchFamily="18" charset="0"/>
+                                    </a:rPr>
+                                    <m:t>𝑔𝑗</m:t>
+                                  </m:r>
+                                </m:sub>
+                              </m:sSub>
+                            </m:e>
+                          </m:d>
+                          <m:r>
+                            <a:rPr lang="en-US" i="1">
+                              <a:latin typeface="Cambria Math" panose="02040503050406030204" pitchFamily="18" charset="0"/>
+                            </a:rPr>
+                            <m:t>=</m:t>
+                          </m:r>
+                          <m:sSub>
+                            <m:sSubPr>
+                              <m:ctrlPr>
+                                <a:rPr lang="en-US" i="1">
+                                  <a:latin typeface="Cambria Math" panose="02040503050406030204" pitchFamily="18" charset="0"/>
+                                </a:rPr>
+                              </m:ctrlPr>
+                            </m:sSubPr>
+                            <m:e>
+                              <m:r>
+                                <a:rPr lang="en-US" i="1">
+                                  <a:latin typeface="Cambria Math" panose="02040503050406030204" pitchFamily="18" charset="0"/>
+                                </a:rPr>
+                                <m:t>𝑥</m:t>
+                              </m:r>
+                            </m:e>
+                            <m:sub>
+                              <m:r>
+                                <a:rPr lang="en-US" i="1">
+                                  <a:latin typeface="Cambria Math" panose="02040503050406030204" pitchFamily="18" charset="0"/>
+                                </a:rPr>
+                                <m:t>𝑔</m:t>
+                              </m:r>
+                              <m:r>
+                                <a:rPr lang="en-US" i="1">
+                                  <a:latin typeface="Cambria Math" panose="02040503050406030204" pitchFamily="18" charset="0"/>
+                                </a:rPr>
+                                <m:t>1</m:t>
+                              </m:r>
+                            </m:sub>
+                          </m:sSub>
+                          <m:sSub>
+                            <m:sSubPr>
+                              <m:ctrlPr>
+                                <a:rPr lang="en-US" i="1">
+                                  <a:latin typeface="Cambria Math" panose="02040503050406030204" pitchFamily="18" charset="0"/>
+                                </a:rPr>
+                              </m:ctrlPr>
+                            </m:sSubPr>
+                            <m:e>
+                              <m:r>
+                                <a:rPr lang="en-US" i="1">
+                                  <a:latin typeface="Cambria Math" panose="02040503050406030204" pitchFamily="18" charset="0"/>
+                                </a:rPr>
+                                <m:t>𝛽</m:t>
+                              </m:r>
+                            </m:e>
+                            <m:sub>
+                              <m:r>
+                                <a:rPr lang="en-US" i="1">
+                                  <a:latin typeface="Cambria Math" panose="02040503050406030204" pitchFamily="18" charset="0"/>
+                                </a:rPr>
+                                <m:t>1</m:t>
+                              </m:r>
+                            </m:sub>
+                          </m:sSub>
+                          <m:r>
+                            <a:rPr lang="en-US" i="1">
+                              <a:latin typeface="Cambria Math" panose="02040503050406030204" pitchFamily="18" charset="0"/>
+                            </a:rPr>
+                            <m:t>+</m:t>
+                          </m:r>
+                          <m:sSub>
+                            <m:sSubPr>
+                              <m:ctrlPr>
+                                <a:rPr lang="en-US" i="1">
+                                  <a:latin typeface="Cambria Math" panose="02040503050406030204" pitchFamily="18" charset="0"/>
+                                </a:rPr>
+                              </m:ctrlPr>
+                            </m:sSubPr>
+                            <m:e>
+                              <m:r>
+                                <a:rPr lang="en-US" i="1">
+                                  <a:latin typeface="Cambria Math" panose="02040503050406030204" pitchFamily="18" charset="0"/>
+                                </a:rPr>
+                                <m:t>𝑥</m:t>
+                              </m:r>
+                            </m:e>
+                            <m:sub>
+                              <m:r>
+                                <a:rPr lang="en-US" i="1">
+                                  <a:latin typeface="Cambria Math" panose="02040503050406030204" pitchFamily="18" charset="0"/>
+                                </a:rPr>
+                                <m:t>𝑔</m:t>
+                              </m:r>
+                              <m:r>
+                                <a:rPr lang="en-US" i="1">
+                                  <a:latin typeface="Cambria Math" panose="02040503050406030204" pitchFamily="18" charset="0"/>
+                                </a:rPr>
+                                <m:t>2</m:t>
+                              </m:r>
+                            </m:sub>
+                          </m:sSub>
+                          <m:sSub>
+                            <m:sSubPr>
+                              <m:ctrlPr>
+                                <a:rPr lang="en-US" i="1">
+                                  <a:latin typeface="Cambria Math" panose="02040503050406030204" pitchFamily="18" charset="0"/>
+                                </a:rPr>
+                              </m:ctrlPr>
+                            </m:sSubPr>
+                            <m:e>
+                              <m:r>
+                                <a:rPr lang="en-US" i="1">
+                                  <a:latin typeface="Cambria Math" panose="02040503050406030204" pitchFamily="18" charset="0"/>
+                                </a:rPr>
+                                <m:t>𝛽</m:t>
+                              </m:r>
+                            </m:e>
+                            <m:sub>
+                              <m:r>
+                                <a:rPr lang="en-US" i="1">
+                                  <a:latin typeface="Cambria Math" panose="02040503050406030204" pitchFamily="18" charset="0"/>
+                                </a:rPr>
+                                <m:t>2</m:t>
+                              </m:r>
+                            </m:sub>
+                          </m:sSub>
+                          <m:r>
+                            <a:rPr lang="en-US" i="1">
+                              <a:latin typeface="Cambria Math" panose="02040503050406030204" pitchFamily="18" charset="0"/>
+                            </a:rPr>
+                            <m:t>+</m:t>
+                          </m:r>
+                          <m:sSub>
+                            <m:sSubPr>
+                              <m:ctrlPr>
+                                <a:rPr lang="en-US" i="1">
+                                  <a:latin typeface="Cambria Math" panose="02040503050406030204" pitchFamily="18" charset="0"/>
+                                </a:rPr>
+                              </m:ctrlPr>
+                            </m:sSubPr>
+                            <m:e>
+                              <m:r>
+                                <a:rPr lang="en-US" i="1">
+                                  <a:latin typeface="Cambria Math" panose="02040503050406030204" pitchFamily="18" charset="0"/>
+                                </a:rPr>
+                                <m:t>𝑥</m:t>
+                              </m:r>
+                            </m:e>
+                            <m:sub>
+                              <m:r>
+                                <a:rPr lang="en-US" i="1">
+                                  <a:latin typeface="Cambria Math" panose="02040503050406030204" pitchFamily="18" charset="0"/>
+                                </a:rPr>
+                                <m:t>𝑔</m:t>
+                              </m:r>
+                              <m:r>
+                                <a:rPr lang="en-US" i="1">
+                                  <a:latin typeface="Cambria Math" panose="02040503050406030204" pitchFamily="18" charset="0"/>
+                                </a:rPr>
+                                <m:t>3</m:t>
+                              </m:r>
+                            </m:sub>
+                          </m:sSub>
+                          <m:sSub>
+                            <m:sSubPr>
+                              <m:ctrlPr>
+                                <a:rPr lang="en-US" i="1">
+                                  <a:latin typeface="Cambria Math" panose="02040503050406030204" pitchFamily="18" charset="0"/>
+                                </a:rPr>
+                              </m:ctrlPr>
+                            </m:sSubPr>
+                            <m:e>
+                              <m:r>
+                                <a:rPr lang="en-US" i="1">
+                                  <a:latin typeface="Cambria Math" panose="02040503050406030204" pitchFamily="18" charset="0"/>
+                                </a:rPr>
+                                <m:t>𝛽</m:t>
+                              </m:r>
+                            </m:e>
+                            <m:sub>
+                              <m:r>
+                                <a:rPr lang="en-US" i="1">
+                                  <a:latin typeface="Cambria Math" panose="02040503050406030204" pitchFamily="18" charset="0"/>
+                                </a:rPr>
+                                <m:t>3</m:t>
+                              </m:r>
+                            </m:sub>
+                          </m:sSub>
+                          <m:r>
+                            <a:rPr lang="en-US" i="1">
+                              <a:latin typeface="Cambria Math" panose="02040503050406030204" pitchFamily="18" charset="0"/>
+                            </a:rPr>
+                            <m:t>=</m:t>
+                          </m:r>
+                          <m:sSub>
+                            <m:sSubPr>
+                              <m:ctrlPr>
+                                <a:rPr lang="en-US" i="1">
+                                  <a:latin typeface="Cambria Math" panose="02040503050406030204" pitchFamily="18" charset="0"/>
+                                </a:rPr>
+                              </m:ctrlPr>
+                            </m:sSubPr>
+                            <m:e>
+                              <m:r>
+                                <a:rPr lang="en-US" i="1">
+                                  <a:latin typeface="Cambria Math" panose="02040503050406030204" pitchFamily="18" charset="0"/>
+                                </a:rPr>
+                                <m:t>𝛽</m:t>
+                              </m:r>
+                            </m:e>
+                            <m:sub>
+                              <m:r>
+                                <a:rPr lang="en-US" i="1">
+                                  <a:latin typeface="Cambria Math" panose="02040503050406030204" pitchFamily="18" charset="0"/>
+                                </a:rPr>
+                                <m:t>1</m:t>
+                              </m:r>
+                            </m:sub>
+                          </m:sSub>
+                          <m:r>
+                            <a:rPr lang="en-US" b="0" i="1" smtClean="0">
+                              <a:latin typeface="Cambria Math" panose="02040503050406030204" pitchFamily="18" charset="0"/>
+                            </a:rPr>
+                            <m:t>+</m:t>
+                          </m:r>
+                          <m:sSub>
+                            <m:sSubPr>
+                              <m:ctrlPr>
+                                <a:rPr lang="en-US" b="0" i="1" smtClean="0">
+                                  <a:latin typeface="Cambria Math" panose="02040503050406030204" pitchFamily="18" charset="0"/>
+                                </a:rPr>
+                              </m:ctrlPr>
+                            </m:sSubPr>
+                            <m:e>
+                              <m:r>
+                                <a:rPr lang="en-US" b="0" i="1" smtClean="0">
+                                  <a:latin typeface="Cambria Math" panose="02040503050406030204" pitchFamily="18" charset="0"/>
+                                </a:rPr>
+                                <m:t>𝛽</m:t>
+                              </m:r>
+                            </m:e>
+                            <m:sub>
+                              <m:r>
+                                <a:rPr lang="en-US" b="0" i="1" smtClean="0">
+                                  <a:latin typeface="Cambria Math" panose="02040503050406030204" pitchFamily="18" charset="0"/>
+                                </a:rPr>
+                                <m:t>2</m:t>
+                              </m:r>
+                            </m:sub>
+                          </m:sSub>
+                        </m:e>
+                      </m:func>
+                      <m:r>
+                        <a:rPr lang="en-US" i="1">
+                          <a:latin typeface="Cambria Math" panose="02040503050406030204" pitchFamily="18" charset="0"/>
+                        </a:rPr>
+                        <m:t>| </m:t>
+                      </m:r>
+                      <m:r>
+                        <a:rPr lang="en-US" i="1">
+                          <a:latin typeface="Cambria Math" panose="02040503050406030204" pitchFamily="18" charset="0"/>
+                        </a:rPr>
+                        <m:t>𝑗</m:t>
+                      </m:r>
+                      <m:r>
+                        <a:rPr lang="en-US" i="1">
+                          <a:latin typeface="Cambria Math" panose="02040503050406030204" pitchFamily="18" charset="0"/>
+                        </a:rPr>
+                        <m:t>∈</m:t>
+                      </m:r>
+                      <m:r>
+                        <a:rPr lang="en-US" b="0" i="1" smtClean="0">
+                          <a:latin typeface="Cambria Math" panose="02040503050406030204" pitchFamily="18" charset="0"/>
+                        </a:rPr>
+                        <m:t>ℬ</m:t>
+                      </m:r>
+                    </m:oMath>
+                    <m:oMath xmlns:m="http://schemas.openxmlformats.org/officeDocument/2006/math">
+                      <m:func>
+                        <m:funcPr>
+                          <m:ctrlPr>
+                            <a:rPr lang="en-US" i="1">
+                              <a:latin typeface="Cambria Math" panose="02040503050406030204" pitchFamily="18" charset="0"/>
+                            </a:rPr>
+                          </m:ctrlPr>
+                        </m:funcPr>
+                        <m:fName>
+                          <m:r>
+                            <m:rPr>
+                              <m:sty m:val="p"/>
+                            </m:rPr>
+                            <a:rPr lang="en-US">
+                              <a:latin typeface="Cambria Math" panose="02040503050406030204" pitchFamily="18" charset="0"/>
+                            </a:rPr>
+                            <m:t>log</m:t>
+                          </m:r>
+                        </m:fName>
+                        <m:e>
+                          <m:d>
+                            <m:dPr>
+                              <m:ctrlPr>
+                                <a:rPr lang="en-US" i="1">
+                                  <a:latin typeface="Cambria Math" panose="02040503050406030204" pitchFamily="18" charset="0"/>
+                                </a:rPr>
+                              </m:ctrlPr>
+                            </m:dPr>
+                            <m:e>
+                              <m:sSub>
+                                <m:sSubPr>
+                                  <m:ctrlPr>
+                                    <a:rPr lang="en-US" i="1">
+                                      <a:latin typeface="Cambria Math" panose="02040503050406030204" pitchFamily="18" charset="0"/>
+                                    </a:rPr>
+                                  </m:ctrlPr>
+                                </m:sSubPr>
+                                <m:e>
+                                  <m:r>
+                                    <a:rPr lang="en-US" i="1">
+                                      <a:latin typeface="Cambria Math" panose="02040503050406030204" pitchFamily="18" charset="0"/>
+                                    </a:rPr>
+                                    <m:t>𝜇</m:t>
+                                  </m:r>
+                                </m:e>
+                                <m:sub>
+                                  <m:r>
+                                    <a:rPr lang="en-US" i="1">
+                                      <a:latin typeface="Cambria Math" panose="02040503050406030204" pitchFamily="18" charset="0"/>
+                                    </a:rPr>
+                                    <m:t>𝑔𝑗</m:t>
+                                  </m:r>
+                                </m:sub>
+                              </m:sSub>
+                            </m:e>
+                          </m:d>
+                          <m:r>
+                            <a:rPr lang="en-US" i="1">
+                              <a:latin typeface="Cambria Math" panose="02040503050406030204" pitchFamily="18" charset="0"/>
+                            </a:rPr>
+                            <m:t>=</m:t>
+                          </m:r>
+                          <m:sSub>
+                            <m:sSubPr>
+                              <m:ctrlPr>
+                                <a:rPr lang="en-US" i="1">
+                                  <a:latin typeface="Cambria Math" panose="02040503050406030204" pitchFamily="18" charset="0"/>
+                                </a:rPr>
+                              </m:ctrlPr>
+                            </m:sSubPr>
+                            <m:e>
+                              <m:r>
+                                <a:rPr lang="en-US" i="1">
+                                  <a:latin typeface="Cambria Math" panose="02040503050406030204" pitchFamily="18" charset="0"/>
+                                </a:rPr>
+                                <m:t>𝑥</m:t>
+                              </m:r>
+                            </m:e>
+                            <m:sub>
+                              <m:r>
+                                <a:rPr lang="en-US" i="1">
+                                  <a:latin typeface="Cambria Math" panose="02040503050406030204" pitchFamily="18" charset="0"/>
+                                </a:rPr>
+                                <m:t>𝑔</m:t>
+                              </m:r>
+                              <m:r>
+                                <a:rPr lang="en-US" i="1">
+                                  <a:latin typeface="Cambria Math" panose="02040503050406030204" pitchFamily="18" charset="0"/>
+                                </a:rPr>
+                                <m:t>1</m:t>
+                              </m:r>
+                            </m:sub>
+                          </m:sSub>
+                          <m:sSub>
+                            <m:sSubPr>
+                              <m:ctrlPr>
+                                <a:rPr lang="en-US" i="1">
+                                  <a:latin typeface="Cambria Math" panose="02040503050406030204" pitchFamily="18" charset="0"/>
+                                </a:rPr>
+                              </m:ctrlPr>
+                            </m:sSubPr>
+                            <m:e>
+                              <m:r>
+                                <a:rPr lang="en-US" i="1">
+                                  <a:latin typeface="Cambria Math" panose="02040503050406030204" pitchFamily="18" charset="0"/>
+                                </a:rPr>
+                                <m:t>𝛽</m:t>
+                              </m:r>
+                            </m:e>
+                            <m:sub>
+                              <m:r>
+                                <a:rPr lang="en-US" i="1">
+                                  <a:latin typeface="Cambria Math" panose="02040503050406030204" pitchFamily="18" charset="0"/>
+                                </a:rPr>
+                                <m:t>1</m:t>
+                              </m:r>
+                            </m:sub>
+                          </m:sSub>
+                          <m:r>
+                            <a:rPr lang="en-US" i="1">
+                              <a:latin typeface="Cambria Math" panose="02040503050406030204" pitchFamily="18" charset="0"/>
+                            </a:rPr>
+                            <m:t>+</m:t>
+                          </m:r>
+                          <m:sSub>
+                            <m:sSubPr>
+                              <m:ctrlPr>
+                                <a:rPr lang="en-US" i="1">
+                                  <a:latin typeface="Cambria Math" panose="02040503050406030204" pitchFamily="18" charset="0"/>
+                                </a:rPr>
+                              </m:ctrlPr>
+                            </m:sSubPr>
+                            <m:e>
+                              <m:r>
+                                <a:rPr lang="en-US" i="1">
+                                  <a:latin typeface="Cambria Math" panose="02040503050406030204" pitchFamily="18" charset="0"/>
+                                </a:rPr>
+                                <m:t>𝑥</m:t>
+                              </m:r>
+                            </m:e>
+                            <m:sub>
+                              <m:r>
+                                <a:rPr lang="en-US" i="1">
+                                  <a:latin typeface="Cambria Math" panose="02040503050406030204" pitchFamily="18" charset="0"/>
+                                </a:rPr>
+                                <m:t>𝑔</m:t>
+                              </m:r>
+                              <m:r>
+                                <a:rPr lang="en-US" i="1">
+                                  <a:latin typeface="Cambria Math" panose="02040503050406030204" pitchFamily="18" charset="0"/>
+                                </a:rPr>
+                                <m:t>2</m:t>
+                              </m:r>
+                            </m:sub>
+                          </m:sSub>
+                          <m:sSub>
+                            <m:sSubPr>
+                              <m:ctrlPr>
+                                <a:rPr lang="en-US" i="1">
+                                  <a:latin typeface="Cambria Math" panose="02040503050406030204" pitchFamily="18" charset="0"/>
+                                </a:rPr>
+                              </m:ctrlPr>
+                            </m:sSubPr>
+                            <m:e>
+                              <m:r>
+                                <a:rPr lang="en-US" i="1">
+                                  <a:latin typeface="Cambria Math" panose="02040503050406030204" pitchFamily="18" charset="0"/>
+                                </a:rPr>
+                                <m:t>𝛽</m:t>
+                              </m:r>
+                            </m:e>
+                            <m:sub>
+                              <m:r>
+                                <a:rPr lang="en-US" i="1">
+                                  <a:latin typeface="Cambria Math" panose="02040503050406030204" pitchFamily="18" charset="0"/>
+                                </a:rPr>
+                                <m:t>2</m:t>
+                              </m:r>
+                            </m:sub>
+                          </m:sSub>
+                          <m:r>
+                            <a:rPr lang="en-US" i="1">
+                              <a:latin typeface="Cambria Math" panose="02040503050406030204" pitchFamily="18" charset="0"/>
+                            </a:rPr>
+                            <m:t>+</m:t>
+                          </m:r>
+                          <m:sSub>
+                            <m:sSubPr>
+                              <m:ctrlPr>
+                                <a:rPr lang="en-US" i="1">
+                                  <a:latin typeface="Cambria Math" panose="02040503050406030204" pitchFamily="18" charset="0"/>
+                                </a:rPr>
+                              </m:ctrlPr>
+                            </m:sSubPr>
+                            <m:e>
+                              <m:r>
+                                <a:rPr lang="en-US" i="1">
+                                  <a:latin typeface="Cambria Math" panose="02040503050406030204" pitchFamily="18" charset="0"/>
+                                </a:rPr>
+                                <m:t>𝑥</m:t>
+                              </m:r>
+                            </m:e>
+                            <m:sub>
+                              <m:r>
+                                <a:rPr lang="en-US" i="1">
+                                  <a:latin typeface="Cambria Math" panose="02040503050406030204" pitchFamily="18" charset="0"/>
+                                </a:rPr>
+                                <m:t>𝑔</m:t>
+                              </m:r>
+                              <m:r>
+                                <a:rPr lang="en-US" i="1">
+                                  <a:latin typeface="Cambria Math" panose="02040503050406030204" pitchFamily="18" charset="0"/>
+                                </a:rPr>
+                                <m:t>3</m:t>
+                              </m:r>
+                            </m:sub>
+                          </m:sSub>
+                          <m:sSub>
+                            <m:sSubPr>
+                              <m:ctrlPr>
+                                <a:rPr lang="en-US" i="1">
+                                  <a:latin typeface="Cambria Math" panose="02040503050406030204" pitchFamily="18" charset="0"/>
+                                </a:rPr>
+                              </m:ctrlPr>
+                            </m:sSubPr>
+                            <m:e>
+                              <m:r>
+                                <a:rPr lang="en-US" i="1">
+                                  <a:latin typeface="Cambria Math" panose="02040503050406030204" pitchFamily="18" charset="0"/>
+                                </a:rPr>
+                                <m:t>𝛽</m:t>
+                              </m:r>
+                            </m:e>
+                            <m:sub>
+                              <m:r>
+                                <a:rPr lang="en-US" i="1">
+                                  <a:latin typeface="Cambria Math" panose="02040503050406030204" pitchFamily="18" charset="0"/>
+                                </a:rPr>
+                                <m:t>3</m:t>
+                              </m:r>
+                            </m:sub>
+                          </m:sSub>
+                          <m:r>
+                            <a:rPr lang="en-US" i="1">
+                              <a:latin typeface="Cambria Math" panose="02040503050406030204" pitchFamily="18" charset="0"/>
+                            </a:rPr>
+                            <m:t>=</m:t>
+                          </m:r>
+                          <m:sSub>
+                            <m:sSubPr>
+                              <m:ctrlPr>
+                                <a:rPr lang="en-US" i="1">
+                                  <a:latin typeface="Cambria Math" panose="02040503050406030204" pitchFamily="18" charset="0"/>
+                                </a:rPr>
+                              </m:ctrlPr>
+                            </m:sSubPr>
+                            <m:e>
+                              <m:r>
+                                <a:rPr lang="en-US" i="1">
+                                  <a:latin typeface="Cambria Math" panose="02040503050406030204" pitchFamily="18" charset="0"/>
+                                </a:rPr>
+                                <m:t>𝛽</m:t>
+                              </m:r>
+                            </m:e>
+                            <m:sub>
+                              <m:r>
+                                <a:rPr lang="en-US" i="1">
+                                  <a:latin typeface="Cambria Math" panose="02040503050406030204" pitchFamily="18" charset="0"/>
+                                </a:rPr>
+                                <m:t>1</m:t>
+                              </m:r>
+                            </m:sub>
+                          </m:sSub>
+                          <m:r>
+                            <a:rPr lang="en-US" b="0" i="1" smtClean="0">
+                              <a:latin typeface="Cambria Math" panose="02040503050406030204" pitchFamily="18" charset="0"/>
+                            </a:rPr>
+                            <m:t>+</m:t>
+                          </m:r>
+                          <m:sSub>
+                            <m:sSubPr>
+                              <m:ctrlPr>
+                                <a:rPr lang="en-US" b="0" i="1" smtClean="0">
+                                  <a:latin typeface="Cambria Math" panose="02040503050406030204" pitchFamily="18" charset="0"/>
+                                </a:rPr>
+                              </m:ctrlPr>
+                            </m:sSubPr>
+                            <m:e>
+                              <m:r>
+                                <a:rPr lang="en-US" b="0" i="1" smtClean="0">
+                                  <a:latin typeface="Cambria Math" panose="02040503050406030204" pitchFamily="18" charset="0"/>
+                                </a:rPr>
+                                <m:t>𝛽</m:t>
+                              </m:r>
+                            </m:e>
+                            <m:sub>
+                              <m:r>
+                                <a:rPr lang="en-US" b="0" i="1" smtClean="0">
+                                  <a:latin typeface="Cambria Math" panose="02040503050406030204" pitchFamily="18" charset="0"/>
+                                </a:rPr>
+                                <m:t>3</m:t>
+                              </m:r>
+                            </m:sub>
+                          </m:sSub>
+                        </m:e>
+                      </m:func>
+                      <m:r>
+                        <a:rPr lang="en-US" i="1">
+                          <a:latin typeface="Cambria Math" panose="02040503050406030204" pitchFamily="18" charset="0"/>
+                        </a:rPr>
+                        <m:t>| </m:t>
+                      </m:r>
+                      <m:r>
+                        <a:rPr lang="en-US" i="1">
+                          <a:latin typeface="Cambria Math" panose="02040503050406030204" pitchFamily="18" charset="0"/>
+                        </a:rPr>
+                        <m:t>𝑗</m:t>
+                      </m:r>
+                      <m:r>
+                        <a:rPr lang="en-US" i="1">
+                          <a:latin typeface="Cambria Math" panose="02040503050406030204" pitchFamily="18" charset="0"/>
+                        </a:rPr>
+                        <m:t>∈</m:t>
+                      </m:r>
+                      <m:r>
+                        <a:rPr lang="en-US" b="0" i="1" smtClean="0">
+                          <a:latin typeface="Cambria Math" panose="02040503050406030204" pitchFamily="18" charset="0"/>
+                        </a:rPr>
+                        <m:t>𝒞</m:t>
+                      </m:r>
+                    </m:oMath>
+                  </m:oMathPara>
+                </a14:m>
+                <a:endParaRPr lang="en-US" dirty="0"/>
+              </a:p>
+              <a:p>
+                <a:pPr marL="0" indent="0">
+                  <a:buNone/>
+                </a:pPr>
+                <a:endParaRPr lang="en-US" dirty="0"/>
+              </a:p>
+              <a:p>
+                <a:pPr marL="0" indent="0">
+                  <a:buNone/>
+                </a:pPr>
+                <a:endParaRPr lang="en-US" dirty="0"/>
+              </a:p>
+            </p:txBody>
+          </p:sp>
+        </mc:Choice>
+        <mc:Fallback>
+          <p:sp>
+            <p:nvSpPr>
+              <p:cNvPr id="3" name="Content Placeholder 2">
+                <a:extLst>
+                  <a:ext uri="{FF2B5EF4-FFF2-40B4-BE49-F238E27FC236}">
+                    <a16:creationId xmlns:a16="http://schemas.microsoft.com/office/drawing/2014/main" id="{70B27180-75F8-5752-43D3-B7E3E83841E1}"/>
+                  </a:ext>
+                </a:extLst>
+              </p:cNvPr>
+              <p:cNvSpPr>
+                <a:spLocks noGrp="1" noRot="1" noChangeAspect="1" noMove="1" noResize="1" noEditPoints="1" noAdjustHandles="1" noChangeArrowheads="1" noChangeShapeType="1" noTextEdit="1"/>
+              </p:cNvSpPr>
+              <p:nvPr>
+                <p:ph idx="1"/>
+              </p:nvPr>
+            </p:nvSpPr>
+            <p:spPr>
+              <a:blipFill>
+                <a:blip r:embed="rId2"/>
+                <a:stretch>
+                  <a:fillRect l="-1041" t="-2088"/>
+                </a:stretch>
+              </a:blipFill>
+            </p:spPr>
+            <p:txBody>
+              <a:bodyPr/>
+              <a:lstStyle/>
+              <a:p>
+                <a:r>
+                  <a:rPr lang="en-US">
+                    <a:noFill/>
+                  </a:rPr>
+                  <a:t> </a:t>
+                </a:r>
+              </a:p>
+            </p:txBody>
+          </p:sp>
+        </mc:Fallback>
+      </mc:AlternateContent>
+      <p:sp>
+        <p:nvSpPr>
+          <p:cNvPr id="4" name="Date Placeholder 3">
+            <a:extLst>
+              <a:ext uri="{FF2B5EF4-FFF2-40B4-BE49-F238E27FC236}">
+                <a16:creationId xmlns:a16="http://schemas.microsoft.com/office/drawing/2014/main" id="{BC606AAB-F4C1-9F0C-8454-C64767C7FEB5}"/>
+              </a:ext>
+            </a:extLst>
+          </p:cNvPr>
+          <p:cNvSpPr>
+            <a:spLocks noGrp="1"/>
+          </p:cNvSpPr>
+          <p:nvPr>
+            <p:ph type="dt" sz="half" idx="10"/>
+          </p:nvPr>
+        </p:nvSpPr>
+        <p:spPr/>
+        <p:txBody>
+          <a:bodyPr/>
+          <a:lstStyle/>
+          <a:p>
+            <a:fld id="{C341F050-1748-B641-BEF7-F0B05D683DF2}" type="datetime1">
+              <a:rPr lang="en-US" smtClean="0"/>
+              <a:t>5/21/24</a:t>
+            </a:fld>
+            <a:endParaRPr lang="en-US"/>
+          </a:p>
+        </p:txBody>
+      </p:sp>
+      <p:sp>
+        <p:nvSpPr>
+          <p:cNvPr id="5" name="Footer Placeholder 4">
+            <a:extLst>
+              <a:ext uri="{FF2B5EF4-FFF2-40B4-BE49-F238E27FC236}">
+                <a16:creationId xmlns:a16="http://schemas.microsoft.com/office/drawing/2014/main" id="{CA972410-CBFE-6C08-9F57-B2FC0E90BFBA}"/>
+              </a:ext>
+            </a:extLst>
+          </p:cNvPr>
+          <p:cNvSpPr>
+            <a:spLocks noGrp="1"/>
+          </p:cNvSpPr>
+          <p:nvPr>
+            <p:ph type="ftr" sz="quarter" idx="11"/>
+          </p:nvPr>
+        </p:nvSpPr>
+        <p:spPr/>
+        <p:txBody>
+          <a:bodyPr/>
+          <a:lstStyle/>
+          <a:p>
+            <a:r>
+              <a:rPr lang="en-US"/>
+              <a:t>Jared Brown · Postdoctoral research fellow · DFCI Lab of Rafael Irizarry jbrown@ds.dfci.harvard.edu · github.com/JBrownBiostat</a:t>
+            </a:r>
+          </a:p>
+        </p:txBody>
+      </p:sp>
+      <p:sp>
+        <p:nvSpPr>
+          <p:cNvPr id="6" name="Slide Number Placeholder 5">
+            <a:extLst>
+              <a:ext uri="{FF2B5EF4-FFF2-40B4-BE49-F238E27FC236}">
+                <a16:creationId xmlns:a16="http://schemas.microsoft.com/office/drawing/2014/main" id="{AF8BAD1E-090A-0DAD-EF12-6A34F5B1BB58}"/>
+              </a:ext>
+            </a:extLst>
+          </p:cNvPr>
+          <p:cNvSpPr>
+            <a:spLocks noGrp="1"/>
+          </p:cNvSpPr>
+          <p:nvPr>
+            <p:ph type="sldNum" sz="quarter" idx="12"/>
+          </p:nvPr>
+        </p:nvSpPr>
+        <p:spPr/>
+        <p:txBody>
+          <a:bodyPr/>
+          <a:lstStyle/>
+          <a:p>
+            <a:fld id="{2C8BF43B-81B9-DD48-8FF8-6AE31485DC69}" type="slidenum">
+              <a:rPr lang="en-US" smtClean="0"/>
+              <a:t>14</a:t>
+            </a:fld>
+            <a:endParaRPr lang="en-US"/>
+          </a:p>
+        </p:txBody>
+      </p:sp>
+    </p:spTree>
+    <p:extLst>
+      <p:ext uri="{BB962C8B-B14F-4D97-AF65-F5344CB8AC3E}">
+        <p14:creationId xmlns:p14="http://schemas.microsoft.com/office/powerpoint/2010/main" val="1591528468"/>
+      </p:ext>
+    </p:extLst>
+  </p:cSld>
+  <p:clrMapOvr>
+    <a:masterClrMapping/>
+  </p:clrMapOvr>
+</p:sld>
+</file>
+
+<file path=ppt/slides/slide16.xml><?xml version="1.0" encoding="utf-8"?>
+<p:sld xmlns:a="http://schemas.openxmlformats.org/drawingml/2006/main" xmlns:r="http://schemas.openxmlformats.org/officeDocument/2006/relationships" xmlns:p="http://schemas.openxmlformats.org/presentationml/2006/main">
+  <p:cSld>
+    <p:spTree>
+      <p:nvGrpSpPr>
+        <p:cNvPr id="1" name=""/>
+        <p:cNvGrpSpPr/>
+        <p:nvPr/>
+      </p:nvGrpSpPr>
+      <p:grpSpPr>
+        <a:xfrm>
+          <a:off x="0" y="0"/>
+          <a:ext cx="0" cy="0"/>
+          <a:chOff x="0" y="0"/>
+          <a:chExt cx="0" cy="0"/>
+        </a:xfrm>
+      </p:grpSpPr>
+      <p:sp>
+        <p:nvSpPr>
+          <p:cNvPr id="2" name="Title 1">
+            <a:extLst>
+              <a:ext uri="{FF2B5EF4-FFF2-40B4-BE49-F238E27FC236}">
+                <a16:creationId xmlns:a16="http://schemas.microsoft.com/office/drawing/2014/main" id="{74DB2CB5-E387-9D36-B12B-58F59A1A4629}"/>
+              </a:ext>
+            </a:extLst>
+          </p:cNvPr>
+          <p:cNvSpPr>
+            <a:spLocks noGrp="1"/>
+          </p:cNvSpPr>
+          <p:nvPr>
+            <p:ph type="title"/>
+          </p:nvPr>
+        </p:nvSpPr>
+        <p:spPr/>
+        <p:txBody>
+          <a:bodyPr/>
+          <a:lstStyle/>
+          <a:p>
+            <a:r>
+              <a:rPr lang="en-US" dirty="0"/>
+              <a:t>Contrasts and complex comparisons</a:t>
+            </a:r>
+          </a:p>
+        </p:txBody>
+      </p:sp>
+      <mc:AlternateContent xmlns:mc="http://schemas.openxmlformats.org/markup-compatibility/2006">
+        <mc:Choice xmlns:a14="http://schemas.microsoft.com/office/drawing/2010/main" Requires="a14">
+          <p:sp>
+            <p:nvSpPr>
+              <p:cNvPr id="3" name="Content Placeholder 2">
+                <a:extLst>
+                  <a:ext uri="{FF2B5EF4-FFF2-40B4-BE49-F238E27FC236}">
+                    <a16:creationId xmlns:a16="http://schemas.microsoft.com/office/drawing/2014/main" id="{265FC4DA-17D7-A669-5733-E30F7FD72005}"/>
+                  </a:ext>
+                </a:extLst>
+              </p:cNvPr>
+              <p:cNvSpPr>
+                <a:spLocks noGrp="1"/>
+              </p:cNvSpPr>
+              <p:nvPr>
+                <p:ph idx="1"/>
+              </p:nvPr>
+            </p:nvSpPr>
+            <p:spPr/>
+            <p:txBody>
+              <a:bodyPr/>
+              <a:lstStyle/>
+              <a:p>
+                <a:pPr marL="0" indent="0">
+                  <a:buNone/>
+                </a:pPr>
+                <a:r>
+                  <a:rPr lang="en-US" dirty="0"/>
+                  <a:t>We can use “contrasts” or </a:t>
+                </a:r>
+                <a:r>
+                  <a:rPr lang="en-US" i="1" dirty="0"/>
+                  <a:t>linear combinations of coefficients</a:t>
+                </a:r>
+                <a:r>
+                  <a:rPr lang="en-US" dirty="0"/>
+                  <a:t> to test non-default or complex hypotheses</a:t>
+                </a:r>
+              </a:p>
+              <a:p>
+                <a:r>
+                  <a:rPr lang="en-US" dirty="0"/>
+                  <a:t>Typical DESeq2 reduces general </a:t>
+                </a:r>
+                <a:r>
+                  <a:rPr lang="en-US" i="1" dirty="0"/>
+                  <a:t>contrasts</a:t>
+                </a:r>
+                <a:r>
+                  <a:rPr lang="en-US" dirty="0"/>
+                  <a:t> to the difference between the sums of two groups of coefficients (general linear combination possible):</a:t>
+                </a:r>
+              </a:p>
+              <a:p>
+                <a:pPr marL="0" indent="0">
+                  <a:buNone/>
+                </a:pPr>
+                <a14:m>
+                  <m:oMathPara xmlns:m="http://schemas.openxmlformats.org/officeDocument/2006/math">
+                    <m:oMathParaPr>
+                      <m:jc m:val="centerGroup"/>
+                    </m:oMathParaPr>
+                    <m:oMath xmlns:m="http://schemas.openxmlformats.org/officeDocument/2006/math">
+                      <m:r>
+                        <a:rPr lang="en-US" b="0" i="1" smtClean="0">
+                          <a:latin typeface="Cambria Math" panose="02040503050406030204" pitchFamily="18" charset="0"/>
+                        </a:rPr>
+                        <m:t>𝑐</m:t>
+                      </m:r>
+                      <m:r>
+                        <a:rPr lang="en-US" b="0" i="1" smtClean="0">
+                          <a:latin typeface="Cambria Math" panose="02040503050406030204" pitchFamily="18" charset="0"/>
+                        </a:rPr>
+                        <m:t>=</m:t>
+                      </m:r>
+                      <m:nary>
+                        <m:naryPr>
+                          <m:chr m:val="∑"/>
+                          <m:supHide m:val="on"/>
+                          <m:ctrlPr>
+                            <a:rPr lang="en-US" b="0" i="1" smtClean="0">
+                              <a:latin typeface="Cambria Math" panose="02040503050406030204" pitchFamily="18" charset="0"/>
+                            </a:rPr>
+                          </m:ctrlPr>
+                        </m:naryPr>
+                        <m:sub>
+                          <m:r>
+                            <a:rPr lang="en-US" b="0" i="1" smtClean="0">
+                              <a:latin typeface="Cambria Math" panose="02040503050406030204" pitchFamily="18" charset="0"/>
+                            </a:rPr>
+                            <m:t>𝑘</m:t>
+                          </m:r>
+                          <m:r>
+                            <a:rPr lang="en-US" b="0" i="1" smtClean="0">
+                              <a:latin typeface="Cambria Math" panose="02040503050406030204" pitchFamily="18" charset="0"/>
+                            </a:rPr>
+                            <m:t>∈</m:t>
+                          </m:r>
+                          <m:sSub>
+                            <m:sSubPr>
+                              <m:ctrlPr>
+                                <a:rPr lang="en-US" b="0" i="1" smtClean="0">
+                                  <a:latin typeface="Cambria Math" panose="02040503050406030204" pitchFamily="18" charset="0"/>
+                                </a:rPr>
+                              </m:ctrlPr>
+                            </m:sSubPr>
+                            <m:e>
+                              <m:r>
+                                <a:rPr lang="en-US" b="0" i="1" smtClean="0">
+                                  <a:latin typeface="Cambria Math" panose="02040503050406030204" pitchFamily="18" charset="0"/>
+                                </a:rPr>
+                                <m:t>𝒞</m:t>
+                              </m:r>
+                            </m:e>
+                            <m:sub>
+                              <m:r>
+                                <a:rPr lang="en-US" b="0" i="1" smtClean="0">
+                                  <a:latin typeface="Cambria Math" panose="02040503050406030204" pitchFamily="18" charset="0"/>
+                                </a:rPr>
+                                <m:t>1</m:t>
+                              </m:r>
+                            </m:sub>
+                          </m:sSub>
+                        </m:sub>
+                        <m:sup/>
+                        <m:e>
+                          <m:sSub>
+                            <m:sSubPr>
+                              <m:ctrlPr>
+                                <a:rPr lang="en-US" b="0" i="1" smtClean="0">
+                                  <a:latin typeface="Cambria Math" panose="02040503050406030204" pitchFamily="18" charset="0"/>
+                                </a:rPr>
+                              </m:ctrlPr>
+                            </m:sSubPr>
+                            <m:e>
+                              <m:r>
+                                <a:rPr lang="en-US" b="0" i="1" smtClean="0">
+                                  <a:latin typeface="Cambria Math" panose="02040503050406030204" pitchFamily="18" charset="0"/>
+                                </a:rPr>
+                                <m:t>𝛽</m:t>
+                              </m:r>
+                            </m:e>
+                            <m:sub>
+                              <m:r>
+                                <a:rPr lang="en-US" b="0" i="1" smtClean="0">
+                                  <a:latin typeface="Cambria Math" panose="02040503050406030204" pitchFamily="18" charset="0"/>
+                                </a:rPr>
+                                <m:t>𝑘</m:t>
+                              </m:r>
+                            </m:sub>
+                          </m:sSub>
+                        </m:e>
+                      </m:nary>
+                      <m:r>
+                        <a:rPr lang="en-US" b="0" i="1" smtClean="0">
+                          <a:latin typeface="Cambria Math" panose="02040503050406030204" pitchFamily="18" charset="0"/>
+                        </a:rPr>
+                        <m:t>−</m:t>
+                      </m:r>
+                      <m:nary>
+                        <m:naryPr>
+                          <m:chr m:val="∑"/>
+                          <m:supHide m:val="on"/>
+                          <m:ctrlPr>
+                            <a:rPr lang="en-US" b="0" i="1" smtClean="0">
+                              <a:latin typeface="Cambria Math" panose="02040503050406030204" pitchFamily="18" charset="0"/>
+                            </a:rPr>
+                          </m:ctrlPr>
+                        </m:naryPr>
+                        <m:sub>
+                          <m:r>
+                            <a:rPr lang="en-US" b="0" i="1" smtClean="0">
+                              <a:latin typeface="Cambria Math" panose="02040503050406030204" pitchFamily="18" charset="0"/>
+                            </a:rPr>
+                            <m:t>𝑘</m:t>
+                          </m:r>
+                          <m:r>
+                            <a:rPr lang="en-US" b="0" i="1" smtClean="0">
+                              <a:latin typeface="Cambria Math" panose="02040503050406030204" pitchFamily="18" charset="0"/>
+                            </a:rPr>
+                            <m:t>∈</m:t>
+                          </m:r>
+                          <m:sSub>
+                            <m:sSubPr>
+                              <m:ctrlPr>
+                                <a:rPr lang="en-US" b="0" i="1" smtClean="0">
+                                  <a:latin typeface="Cambria Math" panose="02040503050406030204" pitchFamily="18" charset="0"/>
+                                </a:rPr>
+                              </m:ctrlPr>
+                            </m:sSubPr>
+                            <m:e>
+                              <m:r>
+                                <a:rPr lang="en-US" b="0" i="1" smtClean="0">
+                                  <a:latin typeface="Cambria Math" panose="02040503050406030204" pitchFamily="18" charset="0"/>
+                                </a:rPr>
+                                <m:t>𝒞</m:t>
+                              </m:r>
+                            </m:e>
+                            <m:sub>
+                              <m:r>
+                                <a:rPr lang="en-US" b="0" i="1" smtClean="0">
+                                  <a:latin typeface="Cambria Math" panose="02040503050406030204" pitchFamily="18" charset="0"/>
+                                </a:rPr>
+                                <m:t>2</m:t>
+                              </m:r>
+                            </m:sub>
+                          </m:sSub>
+                        </m:sub>
+                        <m:sup/>
+                        <m:e>
+                          <m:sSub>
+                            <m:sSubPr>
+                              <m:ctrlPr>
+                                <a:rPr lang="en-US" b="0" i="1" smtClean="0">
+                                  <a:latin typeface="Cambria Math" panose="02040503050406030204" pitchFamily="18" charset="0"/>
+                                </a:rPr>
+                              </m:ctrlPr>
+                            </m:sSubPr>
+                            <m:e>
+                              <m:r>
+                                <a:rPr lang="en-US" b="0" i="1" smtClean="0">
+                                  <a:latin typeface="Cambria Math" panose="02040503050406030204" pitchFamily="18" charset="0"/>
+                                </a:rPr>
+                                <m:t>𝛽</m:t>
+                              </m:r>
+                            </m:e>
+                            <m:sub>
+                              <m:r>
+                                <a:rPr lang="en-US" b="0" i="1" smtClean="0">
+                                  <a:latin typeface="Cambria Math" panose="02040503050406030204" pitchFamily="18" charset="0"/>
+                                </a:rPr>
+                                <m:t>𝑘</m:t>
+                              </m:r>
+                            </m:sub>
+                          </m:sSub>
+                        </m:e>
+                      </m:nary>
+                    </m:oMath>
+                    <m:oMath xmlns:m="http://schemas.openxmlformats.org/officeDocument/2006/math">
+                      <m:sSub>
+                        <m:sSubPr>
+                          <m:ctrlPr>
+                            <a:rPr lang="en-US" b="0" i="1" smtClean="0">
+                              <a:latin typeface="Cambria Math" panose="02040503050406030204" pitchFamily="18" charset="0"/>
+                            </a:rPr>
+                          </m:ctrlPr>
+                        </m:sSubPr>
+                        <m:e>
+                          <m:r>
+                            <a:rPr lang="en-US" b="0" i="1" smtClean="0">
+                              <a:latin typeface="Cambria Math" panose="02040503050406030204" pitchFamily="18" charset="0"/>
+                            </a:rPr>
+                            <m:t>𝐻</m:t>
+                          </m:r>
+                        </m:e>
+                        <m:sub>
+                          <m:r>
+                            <a:rPr lang="en-US" b="0" i="1" smtClean="0">
+                              <a:latin typeface="Cambria Math" panose="02040503050406030204" pitchFamily="18" charset="0"/>
+                            </a:rPr>
+                            <m:t>0</m:t>
+                          </m:r>
+                        </m:sub>
+                      </m:sSub>
+                      <m:r>
+                        <a:rPr lang="en-US" b="0" i="1" smtClean="0">
+                          <a:latin typeface="Cambria Math" panose="02040503050406030204" pitchFamily="18" charset="0"/>
+                        </a:rPr>
+                        <m:t>:</m:t>
+                      </m:r>
+                      <m:r>
+                        <a:rPr lang="en-US" b="0" i="1" smtClean="0">
+                          <a:latin typeface="Cambria Math" panose="02040503050406030204" pitchFamily="18" charset="0"/>
+                        </a:rPr>
+                        <m:t>𝑐</m:t>
+                      </m:r>
+                      <m:r>
+                        <a:rPr lang="en-US" b="0" i="1" smtClean="0">
+                          <a:latin typeface="Cambria Math" panose="02040503050406030204" pitchFamily="18" charset="0"/>
+                        </a:rPr>
+                        <m:t>=0    </m:t>
+                      </m:r>
+                      <m:sSub>
+                        <m:sSubPr>
+                          <m:ctrlPr>
+                            <a:rPr lang="en-US" b="0" i="1" smtClean="0">
+                              <a:latin typeface="Cambria Math" panose="02040503050406030204" pitchFamily="18" charset="0"/>
+                            </a:rPr>
+                          </m:ctrlPr>
+                        </m:sSubPr>
+                        <m:e>
+                          <m:r>
+                            <a:rPr lang="en-US" b="0" i="1" smtClean="0">
+                              <a:latin typeface="Cambria Math" panose="02040503050406030204" pitchFamily="18" charset="0"/>
+                            </a:rPr>
+                            <m:t>𝐻</m:t>
+                          </m:r>
+                        </m:e>
+                        <m:sub>
+                          <m:r>
+                            <a:rPr lang="en-US" b="0" i="1" smtClean="0">
+                              <a:latin typeface="Cambria Math" panose="02040503050406030204" pitchFamily="18" charset="0"/>
+                            </a:rPr>
+                            <m:t>1</m:t>
+                          </m:r>
+                        </m:sub>
+                      </m:sSub>
+                      <m:r>
+                        <a:rPr lang="en-US" b="0" i="1" smtClean="0">
+                          <a:latin typeface="Cambria Math" panose="02040503050406030204" pitchFamily="18" charset="0"/>
+                        </a:rPr>
+                        <m:t>:</m:t>
+                      </m:r>
+                      <m:r>
+                        <a:rPr lang="en-US" b="0" i="1" smtClean="0">
+                          <a:latin typeface="Cambria Math" panose="02040503050406030204" pitchFamily="18" charset="0"/>
+                        </a:rPr>
+                        <m:t>𝑐</m:t>
+                      </m:r>
+                      <m:r>
+                        <a:rPr lang="en-US" b="0" i="1" smtClean="0">
+                          <a:latin typeface="Cambria Math" panose="02040503050406030204" pitchFamily="18" charset="0"/>
+                        </a:rPr>
+                        <m:t>≠0</m:t>
+                      </m:r>
+                    </m:oMath>
+                  </m:oMathPara>
+                </a14:m>
+                <a:endParaRPr lang="en-US" dirty="0"/>
+              </a:p>
+              <a:p>
+                <a:r>
+                  <a:rPr lang="en-US" dirty="0"/>
+                  <a:t>Equivalent to testing whether fold-change (ratio) between groups is different from 1; using groups from before:</a:t>
+                </a:r>
+              </a:p>
+              <a:p>
+                <a:pPr marL="0" indent="0">
+                  <a:buNone/>
+                </a:pPr>
+                <a14:m>
+                  <m:oMathPara xmlns:m="http://schemas.openxmlformats.org/officeDocument/2006/math">
+                    <m:oMathParaPr>
+                      <m:jc m:val="centerGroup"/>
+                    </m:oMathParaPr>
+                    <m:oMath xmlns:m="http://schemas.openxmlformats.org/officeDocument/2006/math">
+                      <m:f>
+                        <m:fPr>
+                          <m:ctrlPr>
+                            <a:rPr lang="en-US" b="0" i="1" smtClean="0">
+                              <a:latin typeface="Cambria Math" panose="02040503050406030204" pitchFamily="18" charset="0"/>
+                            </a:rPr>
+                          </m:ctrlPr>
+                        </m:fPr>
+                        <m:num>
+                          <m:sSub>
+                            <m:sSubPr>
+                              <m:ctrlPr>
+                                <a:rPr lang="en-US" b="0" i="1" smtClean="0">
+                                  <a:latin typeface="Cambria Math" panose="02040503050406030204" pitchFamily="18" charset="0"/>
+                                </a:rPr>
+                              </m:ctrlPr>
+                            </m:sSubPr>
+                            <m:e>
+                              <m:r>
+                                <a:rPr lang="en-US" b="0" i="1" smtClean="0">
+                                  <a:latin typeface="Cambria Math" panose="02040503050406030204" pitchFamily="18" charset="0"/>
+                                </a:rPr>
+                                <m:t>𝜇</m:t>
+                              </m:r>
+                            </m:e>
+                            <m:sub>
+                              <m:r>
+                                <a:rPr lang="en-US" b="0" i="1" smtClean="0">
+                                  <a:latin typeface="Cambria Math" panose="02040503050406030204" pitchFamily="18" charset="0"/>
+                                </a:rPr>
+                                <m:t>𝑔𝐵</m:t>
+                              </m:r>
+                            </m:sub>
+                          </m:sSub>
+                        </m:num>
+                        <m:den>
+                          <m:sSub>
+                            <m:sSubPr>
+                              <m:ctrlPr>
+                                <a:rPr lang="en-US" b="0" i="1" smtClean="0">
+                                  <a:latin typeface="Cambria Math" panose="02040503050406030204" pitchFamily="18" charset="0"/>
+                                </a:rPr>
+                              </m:ctrlPr>
+                            </m:sSubPr>
+                            <m:e>
+                              <m:r>
+                                <a:rPr lang="en-US" b="0" i="1" smtClean="0">
+                                  <a:latin typeface="Cambria Math" panose="02040503050406030204" pitchFamily="18" charset="0"/>
+                                </a:rPr>
+                                <m:t>𝜇</m:t>
+                              </m:r>
+                            </m:e>
+                            <m:sub>
+                              <m:r>
+                                <a:rPr lang="en-US" b="0" i="1" smtClean="0">
+                                  <a:latin typeface="Cambria Math" panose="02040503050406030204" pitchFamily="18" charset="0"/>
+                                </a:rPr>
+                                <m:t>𝑔𝐶</m:t>
+                              </m:r>
+                            </m:sub>
+                          </m:sSub>
+                        </m:den>
+                      </m:f>
+                      <m:r>
+                        <a:rPr lang="en-US" b="0" i="1" smtClean="0">
+                          <a:latin typeface="Cambria Math" panose="02040503050406030204" pitchFamily="18" charset="0"/>
+                        </a:rPr>
+                        <m:t>=</m:t>
+                      </m:r>
+                      <m:f>
+                        <m:fPr>
+                          <m:ctrlPr>
+                            <a:rPr lang="en-US" b="0" i="1" smtClean="0">
+                              <a:latin typeface="Cambria Math" panose="02040503050406030204" pitchFamily="18" charset="0"/>
+                            </a:rPr>
+                          </m:ctrlPr>
+                        </m:fPr>
+                        <m:num>
+                          <m:sSup>
+                            <m:sSupPr>
+                              <m:ctrlPr>
+                                <a:rPr lang="en-US" b="0" i="1" smtClean="0">
+                                  <a:latin typeface="Cambria Math" panose="02040503050406030204" pitchFamily="18" charset="0"/>
+                                </a:rPr>
+                              </m:ctrlPr>
+                            </m:sSupPr>
+                            <m:e>
+                              <m:r>
+                                <a:rPr lang="en-US" b="0" i="1" smtClean="0">
+                                  <a:latin typeface="Cambria Math" panose="02040503050406030204" pitchFamily="18" charset="0"/>
+                                </a:rPr>
+                                <m:t>𝑒</m:t>
+                              </m:r>
+                            </m:e>
+                            <m:sup>
+                              <m:sSub>
+                                <m:sSubPr>
+                                  <m:ctrlPr>
+                                    <a:rPr lang="en-US" b="0" i="1" smtClean="0">
+                                      <a:latin typeface="Cambria Math" panose="02040503050406030204" pitchFamily="18" charset="0"/>
+                                    </a:rPr>
+                                  </m:ctrlPr>
+                                </m:sSubPr>
+                                <m:e>
+                                  <m:r>
+                                    <a:rPr lang="en-US" b="0" i="1" smtClean="0">
+                                      <a:latin typeface="Cambria Math" panose="02040503050406030204" pitchFamily="18" charset="0"/>
+                                    </a:rPr>
+                                    <m:t>𝛽</m:t>
+                                  </m:r>
+                                </m:e>
+                                <m:sub>
+                                  <m:r>
+                                    <a:rPr lang="en-US" b="0" i="1" smtClean="0">
+                                      <a:latin typeface="Cambria Math" panose="02040503050406030204" pitchFamily="18" charset="0"/>
+                                    </a:rPr>
+                                    <m:t>1</m:t>
+                                  </m:r>
+                                </m:sub>
+                              </m:sSub>
+                              <m:r>
+                                <a:rPr lang="en-US" b="0" i="1" smtClean="0">
+                                  <a:latin typeface="Cambria Math" panose="02040503050406030204" pitchFamily="18" charset="0"/>
+                                </a:rPr>
+                                <m:t>+</m:t>
+                              </m:r>
+                              <m:sSub>
+                                <m:sSubPr>
+                                  <m:ctrlPr>
+                                    <a:rPr lang="en-US" b="0" i="1" smtClean="0">
+                                      <a:latin typeface="Cambria Math" panose="02040503050406030204" pitchFamily="18" charset="0"/>
+                                    </a:rPr>
+                                  </m:ctrlPr>
+                                </m:sSubPr>
+                                <m:e>
+                                  <m:r>
+                                    <a:rPr lang="en-US" b="0" i="1" smtClean="0">
+                                      <a:latin typeface="Cambria Math" panose="02040503050406030204" pitchFamily="18" charset="0"/>
+                                    </a:rPr>
+                                    <m:t>𝛽</m:t>
+                                  </m:r>
+                                </m:e>
+                                <m:sub>
+                                  <m:r>
+                                    <a:rPr lang="en-US" b="0" i="1" smtClean="0">
+                                      <a:latin typeface="Cambria Math" panose="02040503050406030204" pitchFamily="18" charset="0"/>
+                                    </a:rPr>
+                                    <m:t>2</m:t>
+                                  </m:r>
+                                </m:sub>
+                              </m:sSub>
+                            </m:sup>
+                          </m:sSup>
+                        </m:num>
+                        <m:den>
+                          <m:sSup>
+                            <m:sSupPr>
+                              <m:ctrlPr>
+                                <a:rPr lang="en-US" b="0" i="1" smtClean="0">
+                                  <a:latin typeface="Cambria Math" panose="02040503050406030204" pitchFamily="18" charset="0"/>
+                                </a:rPr>
+                              </m:ctrlPr>
+                            </m:sSupPr>
+                            <m:e>
+                              <m:r>
+                                <a:rPr lang="en-US" b="0" i="1" smtClean="0">
+                                  <a:latin typeface="Cambria Math" panose="02040503050406030204" pitchFamily="18" charset="0"/>
+                                </a:rPr>
+                                <m:t>𝑒</m:t>
+                              </m:r>
+                            </m:e>
+                            <m:sup>
+                              <m:sSub>
+                                <m:sSubPr>
+                                  <m:ctrlPr>
+                                    <a:rPr lang="en-US" b="0" i="1" smtClean="0">
+                                      <a:latin typeface="Cambria Math" panose="02040503050406030204" pitchFamily="18" charset="0"/>
+                                    </a:rPr>
+                                  </m:ctrlPr>
+                                </m:sSubPr>
+                                <m:e>
+                                  <m:r>
+                                    <a:rPr lang="en-US" b="0" i="1" smtClean="0">
+                                      <a:latin typeface="Cambria Math" panose="02040503050406030204" pitchFamily="18" charset="0"/>
+                                    </a:rPr>
+                                    <m:t>𝛽</m:t>
+                                  </m:r>
+                                </m:e>
+                                <m:sub>
+                                  <m:r>
+                                    <a:rPr lang="en-US" b="0" i="1" smtClean="0">
+                                      <a:latin typeface="Cambria Math" panose="02040503050406030204" pitchFamily="18" charset="0"/>
+                                    </a:rPr>
+                                    <m:t>1</m:t>
+                                  </m:r>
+                                </m:sub>
+                              </m:sSub>
+                              <m:r>
+                                <a:rPr lang="en-US" b="0" i="1" smtClean="0">
+                                  <a:latin typeface="Cambria Math" panose="02040503050406030204" pitchFamily="18" charset="0"/>
+                                </a:rPr>
+                                <m:t>+</m:t>
+                              </m:r>
+                              <m:sSub>
+                                <m:sSubPr>
+                                  <m:ctrlPr>
+                                    <a:rPr lang="en-US" b="0" i="1" smtClean="0">
+                                      <a:latin typeface="Cambria Math" panose="02040503050406030204" pitchFamily="18" charset="0"/>
+                                    </a:rPr>
+                                  </m:ctrlPr>
+                                </m:sSubPr>
+                                <m:e>
+                                  <m:r>
+                                    <a:rPr lang="en-US" b="0" i="1" smtClean="0">
+                                      <a:latin typeface="Cambria Math" panose="02040503050406030204" pitchFamily="18" charset="0"/>
+                                    </a:rPr>
+                                    <m:t>𝛽</m:t>
+                                  </m:r>
+                                </m:e>
+                                <m:sub>
+                                  <m:r>
+                                    <a:rPr lang="en-US" b="0" i="1" smtClean="0">
+                                      <a:latin typeface="Cambria Math" panose="02040503050406030204" pitchFamily="18" charset="0"/>
+                                    </a:rPr>
+                                    <m:t>3</m:t>
+                                  </m:r>
+                                </m:sub>
+                              </m:sSub>
+                            </m:sup>
+                          </m:sSup>
+                        </m:den>
+                      </m:f>
+                      <m:r>
+                        <a:rPr lang="en-US" b="0" i="1" smtClean="0">
+                          <a:latin typeface="Cambria Math" panose="02040503050406030204" pitchFamily="18" charset="0"/>
+                        </a:rPr>
+                        <m:t>=</m:t>
+                      </m:r>
+                      <m:sSup>
+                        <m:sSupPr>
+                          <m:ctrlPr>
+                            <a:rPr lang="en-US" b="0" i="1" smtClean="0">
+                              <a:latin typeface="Cambria Math" panose="02040503050406030204" pitchFamily="18" charset="0"/>
+                            </a:rPr>
+                          </m:ctrlPr>
+                        </m:sSupPr>
+                        <m:e>
+                          <m:r>
+                            <a:rPr lang="en-US" b="0" i="1" smtClean="0">
+                              <a:latin typeface="Cambria Math" panose="02040503050406030204" pitchFamily="18" charset="0"/>
+                            </a:rPr>
+                            <m:t>𝑒</m:t>
+                          </m:r>
+                        </m:e>
+                        <m:sup>
+                          <m:d>
+                            <m:dPr>
+                              <m:ctrlPr>
+                                <a:rPr lang="en-US" b="0" i="1" smtClean="0">
+                                  <a:latin typeface="Cambria Math" panose="02040503050406030204" pitchFamily="18" charset="0"/>
+                                </a:rPr>
+                              </m:ctrlPr>
+                            </m:dPr>
+                            <m:e>
+                              <m:sSub>
+                                <m:sSubPr>
+                                  <m:ctrlPr>
+                                    <a:rPr lang="en-US" b="0" i="1" smtClean="0">
+                                      <a:latin typeface="Cambria Math" panose="02040503050406030204" pitchFamily="18" charset="0"/>
+                                    </a:rPr>
+                                  </m:ctrlPr>
+                                </m:sSubPr>
+                                <m:e>
+                                  <m:r>
+                                    <a:rPr lang="en-US" b="0" i="1" smtClean="0">
+                                      <a:latin typeface="Cambria Math" panose="02040503050406030204" pitchFamily="18" charset="0"/>
+                                    </a:rPr>
+                                    <m:t>𝛽</m:t>
+                                  </m:r>
+                                </m:e>
+                                <m:sub>
+                                  <m:r>
+                                    <a:rPr lang="en-US" b="0" i="1" smtClean="0">
+                                      <a:latin typeface="Cambria Math" panose="02040503050406030204" pitchFamily="18" charset="0"/>
+                                    </a:rPr>
+                                    <m:t>1</m:t>
+                                  </m:r>
+                                </m:sub>
+                              </m:sSub>
+                              <m:r>
+                                <a:rPr lang="en-US" b="0" i="1" smtClean="0">
+                                  <a:latin typeface="Cambria Math" panose="02040503050406030204" pitchFamily="18" charset="0"/>
+                                </a:rPr>
+                                <m:t>+</m:t>
+                              </m:r>
+                              <m:sSub>
+                                <m:sSubPr>
+                                  <m:ctrlPr>
+                                    <a:rPr lang="en-US" b="0" i="1" smtClean="0">
+                                      <a:latin typeface="Cambria Math" panose="02040503050406030204" pitchFamily="18" charset="0"/>
+                                    </a:rPr>
+                                  </m:ctrlPr>
+                                </m:sSubPr>
+                                <m:e>
+                                  <m:r>
+                                    <a:rPr lang="en-US" b="0" i="1" smtClean="0">
+                                      <a:latin typeface="Cambria Math" panose="02040503050406030204" pitchFamily="18" charset="0"/>
+                                    </a:rPr>
+                                    <m:t>𝛽</m:t>
+                                  </m:r>
+                                </m:e>
+                                <m:sub>
+                                  <m:r>
+                                    <a:rPr lang="en-US" b="0" i="1" smtClean="0">
+                                      <a:latin typeface="Cambria Math" panose="02040503050406030204" pitchFamily="18" charset="0"/>
+                                    </a:rPr>
+                                    <m:t>2</m:t>
+                                  </m:r>
+                                </m:sub>
+                              </m:sSub>
+                            </m:e>
+                          </m:d>
+                          <m:r>
+                            <a:rPr lang="en-US" b="0" i="1" smtClean="0">
+                              <a:latin typeface="Cambria Math" panose="02040503050406030204" pitchFamily="18" charset="0"/>
+                            </a:rPr>
+                            <m:t>−(</m:t>
+                          </m:r>
+                          <m:sSub>
+                            <m:sSubPr>
+                              <m:ctrlPr>
+                                <a:rPr lang="en-US" b="0" i="1" smtClean="0">
+                                  <a:latin typeface="Cambria Math" panose="02040503050406030204" pitchFamily="18" charset="0"/>
+                                </a:rPr>
+                              </m:ctrlPr>
+                            </m:sSubPr>
+                            <m:e>
+                              <m:r>
+                                <a:rPr lang="en-US" b="0" i="1" smtClean="0">
+                                  <a:latin typeface="Cambria Math" panose="02040503050406030204" pitchFamily="18" charset="0"/>
+                                </a:rPr>
+                                <m:t>𝛽</m:t>
+                              </m:r>
+                            </m:e>
+                            <m:sub>
+                              <m:r>
+                                <a:rPr lang="en-US" b="0" i="1" smtClean="0">
+                                  <a:latin typeface="Cambria Math" panose="02040503050406030204" pitchFamily="18" charset="0"/>
+                                </a:rPr>
+                                <m:t>1</m:t>
+                              </m:r>
+                            </m:sub>
+                          </m:sSub>
+                          <m:r>
+                            <a:rPr lang="en-US" b="0" i="1" smtClean="0">
+                              <a:latin typeface="Cambria Math" panose="02040503050406030204" pitchFamily="18" charset="0"/>
+                            </a:rPr>
+                            <m:t>+</m:t>
+                          </m:r>
+                          <m:sSub>
+                            <m:sSubPr>
+                              <m:ctrlPr>
+                                <a:rPr lang="en-US" b="0" i="1" smtClean="0">
+                                  <a:latin typeface="Cambria Math" panose="02040503050406030204" pitchFamily="18" charset="0"/>
+                                </a:rPr>
+                              </m:ctrlPr>
+                            </m:sSubPr>
+                            <m:e>
+                              <m:r>
+                                <a:rPr lang="en-US" b="0" i="1" smtClean="0">
+                                  <a:latin typeface="Cambria Math" panose="02040503050406030204" pitchFamily="18" charset="0"/>
+                                </a:rPr>
+                                <m:t>𝛽</m:t>
+                              </m:r>
+                            </m:e>
+                            <m:sub>
+                              <m:r>
+                                <a:rPr lang="en-US" b="0" i="1" smtClean="0">
+                                  <a:latin typeface="Cambria Math" panose="02040503050406030204" pitchFamily="18" charset="0"/>
+                                </a:rPr>
+                                <m:t>3</m:t>
+                              </m:r>
+                            </m:sub>
+                          </m:sSub>
+                          <m:r>
+                            <a:rPr lang="en-US" b="0" i="1" smtClean="0">
+                              <a:latin typeface="Cambria Math" panose="02040503050406030204" pitchFamily="18" charset="0"/>
+                            </a:rPr>
+                            <m:t>)</m:t>
+                          </m:r>
+                        </m:sup>
+                      </m:sSup>
+                      <m:r>
+                        <a:rPr lang="en-US" b="0" i="1" smtClean="0">
+                          <a:latin typeface="Cambria Math" panose="02040503050406030204" pitchFamily="18" charset="0"/>
+                        </a:rPr>
+                        <m:t>=</m:t>
+                      </m:r>
+                      <m:sSup>
+                        <m:sSupPr>
+                          <m:ctrlPr>
+                            <a:rPr lang="en-US" b="0" i="1" smtClean="0">
+                              <a:latin typeface="Cambria Math" panose="02040503050406030204" pitchFamily="18" charset="0"/>
+                            </a:rPr>
+                          </m:ctrlPr>
+                        </m:sSupPr>
+                        <m:e>
+                          <m:r>
+                            <a:rPr lang="en-US" b="0" i="1" smtClean="0">
+                              <a:latin typeface="Cambria Math" panose="02040503050406030204" pitchFamily="18" charset="0"/>
+                            </a:rPr>
+                            <m:t>𝑒</m:t>
+                          </m:r>
+                        </m:e>
+                        <m:sup>
+                          <m:sSub>
+                            <m:sSubPr>
+                              <m:ctrlPr>
+                                <a:rPr lang="en-US" b="0" i="1" smtClean="0">
+                                  <a:latin typeface="Cambria Math" panose="02040503050406030204" pitchFamily="18" charset="0"/>
+                                </a:rPr>
+                              </m:ctrlPr>
+                            </m:sSubPr>
+                            <m:e>
+                              <m:r>
+                                <a:rPr lang="en-US" b="0" i="1" smtClean="0">
+                                  <a:latin typeface="Cambria Math" panose="02040503050406030204" pitchFamily="18" charset="0"/>
+                                </a:rPr>
+                                <m:t>𝛽</m:t>
+                              </m:r>
+                            </m:e>
+                            <m:sub>
+                              <m:r>
+                                <a:rPr lang="en-US" b="0" i="1" smtClean="0">
+                                  <a:latin typeface="Cambria Math" panose="02040503050406030204" pitchFamily="18" charset="0"/>
+                                </a:rPr>
+                                <m:t>2</m:t>
+                              </m:r>
+                            </m:sub>
+                          </m:sSub>
+                          <m:r>
+                            <a:rPr lang="en-US" b="0" i="1" smtClean="0">
+                              <a:latin typeface="Cambria Math" panose="02040503050406030204" pitchFamily="18" charset="0"/>
+                            </a:rPr>
+                            <m:t>−</m:t>
+                          </m:r>
+                          <m:sSub>
+                            <m:sSubPr>
+                              <m:ctrlPr>
+                                <a:rPr lang="en-US" b="0" i="1" smtClean="0">
+                                  <a:latin typeface="Cambria Math" panose="02040503050406030204" pitchFamily="18" charset="0"/>
+                                </a:rPr>
+                              </m:ctrlPr>
+                            </m:sSubPr>
+                            <m:e>
+                              <m:r>
+                                <a:rPr lang="en-US" b="0" i="1" smtClean="0">
+                                  <a:latin typeface="Cambria Math" panose="02040503050406030204" pitchFamily="18" charset="0"/>
+                                </a:rPr>
+                                <m:t>𝛽</m:t>
+                              </m:r>
+                            </m:e>
+                            <m:sub>
+                              <m:r>
+                                <a:rPr lang="en-US" b="0" i="1" smtClean="0">
+                                  <a:latin typeface="Cambria Math" panose="02040503050406030204" pitchFamily="18" charset="0"/>
+                                </a:rPr>
+                                <m:t>3</m:t>
+                              </m:r>
+                            </m:sub>
+                          </m:sSub>
+                        </m:sup>
+                      </m:sSup>
+                      <m:r>
+                        <a:rPr lang="en-US" b="0" i="1" smtClean="0">
+                          <a:latin typeface="Cambria Math" panose="02040503050406030204" pitchFamily="18" charset="0"/>
+                        </a:rPr>
+                        <m:t>⇒</m:t>
+                      </m:r>
+                      <m:r>
+                        <a:rPr lang="en-US" b="0" i="1" smtClean="0">
+                          <a:latin typeface="Cambria Math" panose="02040503050406030204" pitchFamily="18" charset="0"/>
+                        </a:rPr>
+                        <m:t>𝑐</m:t>
+                      </m:r>
+                      <m:r>
+                        <a:rPr lang="en-US" b="0" i="1" smtClean="0">
+                          <a:latin typeface="Cambria Math" panose="02040503050406030204" pitchFamily="18" charset="0"/>
+                        </a:rPr>
+                        <m:t>=</m:t>
+                      </m:r>
+                      <m:sSub>
+                        <m:sSubPr>
+                          <m:ctrlPr>
+                            <a:rPr lang="en-US" b="0" i="1" smtClean="0">
+                              <a:latin typeface="Cambria Math" panose="02040503050406030204" pitchFamily="18" charset="0"/>
+                            </a:rPr>
+                          </m:ctrlPr>
+                        </m:sSubPr>
+                        <m:e>
+                          <m:r>
+                            <a:rPr lang="en-US" b="0" i="1" smtClean="0">
+                              <a:latin typeface="Cambria Math" panose="02040503050406030204" pitchFamily="18" charset="0"/>
+                            </a:rPr>
+                            <m:t>𝛽</m:t>
+                          </m:r>
+                        </m:e>
+                        <m:sub>
+                          <m:r>
+                            <a:rPr lang="en-US" b="0" i="1" smtClean="0">
+                              <a:latin typeface="Cambria Math" panose="02040503050406030204" pitchFamily="18" charset="0"/>
+                            </a:rPr>
+                            <m:t>2</m:t>
+                          </m:r>
+                        </m:sub>
+                      </m:sSub>
+                      <m:r>
+                        <a:rPr lang="en-US" b="0" i="1" smtClean="0">
+                          <a:latin typeface="Cambria Math" panose="02040503050406030204" pitchFamily="18" charset="0"/>
+                        </a:rPr>
+                        <m:t>−</m:t>
+                      </m:r>
+                      <m:sSub>
+                        <m:sSubPr>
+                          <m:ctrlPr>
+                            <a:rPr lang="en-US" b="0" i="1" smtClean="0">
+                              <a:latin typeface="Cambria Math" panose="02040503050406030204" pitchFamily="18" charset="0"/>
+                            </a:rPr>
+                          </m:ctrlPr>
+                        </m:sSubPr>
+                        <m:e>
+                          <m:r>
+                            <a:rPr lang="en-US" b="0" i="1" smtClean="0">
+                              <a:latin typeface="Cambria Math" panose="02040503050406030204" pitchFamily="18" charset="0"/>
+                            </a:rPr>
+                            <m:t>𝛽</m:t>
+                          </m:r>
+                        </m:e>
+                        <m:sub>
+                          <m:r>
+                            <a:rPr lang="en-US" b="0" i="1" smtClean="0">
+                              <a:latin typeface="Cambria Math" panose="02040503050406030204" pitchFamily="18" charset="0"/>
+                            </a:rPr>
+                            <m:t>3</m:t>
+                          </m:r>
+                        </m:sub>
+                      </m:sSub>
+                    </m:oMath>
+                  </m:oMathPara>
+                </a14:m>
+                <a:endParaRPr lang="en-US" dirty="0"/>
+              </a:p>
+            </p:txBody>
+          </p:sp>
+        </mc:Choice>
+        <mc:Fallback>
+          <p:sp>
+            <p:nvSpPr>
+              <p:cNvPr id="3" name="Content Placeholder 2">
+                <a:extLst>
+                  <a:ext uri="{FF2B5EF4-FFF2-40B4-BE49-F238E27FC236}">
+                    <a16:creationId xmlns:a16="http://schemas.microsoft.com/office/drawing/2014/main" id="{265FC4DA-17D7-A669-5733-E30F7FD72005}"/>
+                  </a:ext>
+                </a:extLst>
+              </p:cNvPr>
+              <p:cNvSpPr>
+                <a:spLocks noGrp="1" noRot="1" noChangeAspect="1" noMove="1" noResize="1" noEditPoints="1" noAdjustHandles="1" noChangeArrowheads="1" noChangeShapeType="1" noTextEdit="1"/>
+              </p:cNvSpPr>
+              <p:nvPr>
+                <p:ph idx="1"/>
+              </p:nvPr>
+            </p:nvSpPr>
+            <p:spPr>
+              <a:blipFill>
+                <a:blip r:embed="rId2"/>
+                <a:stretch>
+                  <a:fillRect l="-1041" t="-2088"/>
+                </a:stretch>
+              </a:blipFill>
+            </p:spPr>
+            <p:txBody>
+              <a:bodyPr/>
+              <a:lstStyle/>
+              <a:p>
+                <a:r>
+                  <a:rPr lang="en-US">
+                    <a:noFill/>
+                  </a:rPr>
+                  <a:t> </a:t>
+                </a:r>
+              </a:p>
+            </p:txBody>
+          </p:sp>
+        </mc:Fallback>
+      </mc:AlternateContent>
+      <p:sp>
+        <p:nvSpPr>
+          <p:cNvPr id="4" name="Date Placeholder 3">
+            <a:extLst>
+              <a:ext uri="{FF2B5EF4-FFF2-40B4-BE49-F238E27FC236}">
+                <a16:creationId xmlns:a16="http://schemas.microsoft.com/office/drawing/2014/main" id="{A5DDEB56-5739-E8CA-BF98-4954DFBD8D99}"/>
+              </a:ext>
+            </a:extLst>
+          </p:cNvPr>
+          <p:cNvSpPr>
+            <a:spLocks noGrp="1"/>
+          </p:cNvSpPr>
+          <p:nvPr>
+            <p:ph type="dt" sz="half" idx="10"/>
+          </p:nvPr>
+        </p:nvSpPr>
+        <p:spPr/>
+        <p:txBody>
+          <a:bodyPr/>
+          <a:lstStyle/>
+          <a:p>
+            <a:fld id="{C341F050-1748-B641-BEF7-F0B05D683DF2}" type="datetime1">
+              <a:rPr lang="en-US" smtClean="0"/>
+              <a:t>5/21/24</a:t>
+            </a:fld>
+            <a:endParaRPr lang="en-US"/>
+          </a:p>
+        </p:txBody>
+      </p:sp>
+      <p:sp>
+        <p:nvSpPr>
+          <p:cNvPr id="5" name="Footer Placeholder 4">
+            <a:extLst>
+              <a:ext uri="{FF2B5EF4-FFF2-40B4-BE49-F238E27FC236}">
+                <a16:creationId xmlns:a16="http://schemas.microsoft.com/office/drawing/2014/main" id="{15C69534-F196-B371-560E-66AA8F06221B}"/>
+              </a:ext>
+            </a:extLst>
+          </p:cNvPr>
+          <p:cNvSpPr>
+            <a:spLocks noGrp="1"/>
+          </p:cNvSpPr>
+          <p:nvPr>
+            <p:ph type="ftr" sz="quarter" idx="11"/>
+          </p:nvPr>
+        </p:nvSpPr>
+        <p:spPr/>
+        <p:txBody>
+          <a:bodyPr/>
+          <a:lstStyle/>
+          <a:p>
+            <a:r>
+              <a:rPr lang="en-US"/>
+              <a:t>Jared Brown · Postdoctoral research fellow · DFCI Lab of Rafael Irizarry jbrown@ds.dfci.harvard.edu · github.com/JBrownBiostat</a:t>
+            </a:r>
+          </a:p>
+        </p:txBody>
+      </p:sp>
+      <p:sp>
+        <p:nvSpPr>
+          <p:cNvPr id="6" name="Slide Number Placeholder 5">
+            <a:extLst>
+              <a:ext uri="{FF2B5EF4-FFF2-40B4-BE49-F238E27FC236}">
+                <a16:creationId xmlns:a16="http://schemas.microsoft.com/office/drawing/2014/main" id="{4C9CEAD8-F0D7-FBEC-3567-8744DA10CFCB}"/>
+              </a:ext>
+            </a:extLst>
+          </p:cNvPr>
+          <p:cNvSpPr>
+            <a:spLocks noGrp="1"/>
+          </p:cNvSpPr>
+          <p:nvPr>
+            <p:ph type="sldNum" sz="quarter" idx="12"/>
+          </p:nvPr>
+        </p:nvSpPr>
+        <p:spPr/>
+        <p:txBody>
+          <a:bodyPr/>
+          <a:lstStyle/>
+          <a:p>
+            <a:fld id="{2C8BF43B-81B9-DD48-8FF8-6AE31485DC69}" type="slidenum">
+              <a:rPr lang="en-US" smtClean="0"/>
+              <a:t>15</a:t>
+            </a:fld>
+            <a:endParaRPr lang="en-US"/>
+          </a:p>
+        </p:txBody>
+      </p:sp>
+    </p:spTree>
+    <p:extLst>
+      <p:ext uri="{BB962C8B-B14F-4D97-AF65-F5344CB8AC3E}">
+        <p14:creationId xmlns:p14="http://schemas.microsoft.com/office/powerpoint/2010/main" val="1954063928"/>
+      </p:ext>
+    </p:extLst>
+  </p:cSld>
+  <p:clrMapOvr>
+    <a:masterClrMapping/>
+  </p:clrMapOvr>
+</p:sld>
+</file>
+
+<file path=ppt/slides/slide17.xml><?xml version="1.0" encoding="utf-8"?>
+<p:sld xmlns:a="http://schemas.openxmlformats.org/drawingml/2006/main" xmlns:r="http://schemas.openxmlformats.org/officeDocument/2006/relationships" xmlns:p="http://schemas.openxmlformats.org/presentationml/2006/main">
+  <p:cSld>
+    <p:spTree>
+      <p:nvGrpSpPr>
+        <p:cNvPr id="1" name=""/>
+        <p:cNvGrpSpPr/>
+        <p:nvPr/>
+      </p:nvGrpSpPr>
+      <p:grpSpPr>
+        <a:xfrm>
+          <a:off x="0" y="0"/>
+          <a:ext cx="0" cy="0"/>
+          <a:chOff x="0" y="0"/>
+          <a:chExt cx="0" cy="0"/>
+        </a:xfrm>
+      </p:grpSpPr>
+      <p:sp>
+        <p:nvSpPr>
+          <p:cNvPr id="2" name="Title 1">
+            <a:extLst>
+              <a:ext uri="{FF2B5EF4-FFF2-40B4-BE49-F238E27FC236}">
+                <a16:creationId xmlns:a16="http://schemas.microsoft.com/office/drawing/2014/main" id="{60109DF8-98D8-12F1-2994-B823521F0D09}"/>
+              </a:ext>
+            </a:extLst>
+          </p:cNvPr>
+          <p:cNvSpPr>
+            <a:spLocks noGrp="1"/>
+          </p:cNvSpPr>
+          <p:nvPr>
+            <p:ph type="title"/>
+          </p:nvPr>
+        </p:nvSpPr>
+        <p:spPr/>
+        <p:txBody>
+          <a:bodyPr/>
+          <a:lstStyle/>
+          <a:p>
+            <a:r>
+              <a:rPr lang="en-US" dirty="0"/>
+              <a:t>DESeq2 design matrix and contrasts</a:t>
+            </a:r>
+          </a:p>
+        </p:txBody>
+      </p:sp>
+      <p:sp>
+        <p:nvSpPr>
+          <p:cNvPr id="3" name="Content Placeholder 2">
+            <a:extLst>
+              <a:ext uri="{FF2B5EF4-FFF2-40B4-BE49-F238E27FC236}">
+                <a16:creationId xmlns:a16="http://schemas.microsoft.com/office/drawing/2014/main" id="{616B6337-33E0-E5D7-CE25-52B4570B63A8}"/>
+              </a:ext>
+            </a:extLst>
+          </p:cNvPr>
+          <p:cNvSpPr>
+            <a:spLocks noGrp="1"/>
+          </p:cNvSpPr>
+          <p:nvPr>
+            <p:ph idx="1"/>
+          </p:nvPr>
+        </p:nvSpPr>
+        <p:spPr>
+          <a:xfrm>
+            <a:off x="6927" y="3429000"/>
+            <a:ext cx="12185073" cy="2911736"/>
+          </a:xfrm>
+        </p:spPr>
+        <p:txBody>
+          <a:bodyPr/>
+          <a:lstStyle/>
+          <a:p>
+            <a:pPr marL="0" indent="0" algn="ctr">
+              <a:buNone/>
+            </a:pPr>
+            <a:r>
+              <a:rPr lang="en-US" dirty="0"/>
+              <a:t>Switch over to </a:t>
+            </a:r>
+            <a:r>
+              <a:rPr lang="en-US" dirty="0" err="1">
+                <a:latin typeface="Monaco" pitchFamily="2" charset="77"/>
+              </a:rPr>
+              <a:t>bulkRNA_AnalysisScript.R</a:t>
+            </a:r>
+            <a:endParaRPr lang="en-US" dirty="0">
+              <a:latin typeface="Monaco" pitchFamily="2" charset="77"/>
+            </a:endParaRPr>
+          </a:p>
+        </p:txBody>
+      </p:sp>
+      <p:sp>
+        <p:nvSpPr>
+          <p:cNvPr id="4" name="Date Placeholder 3">
+            <a:extLst>
+              <a:ext uri="{FF2B5EF4-FFF2-40B4-BE49-F238E27FC236}">
+                <a16:creationId xmlns:a16="http://schemas.microsoft.com/office/drawing/2014/main" id="{6B6F5D2F-D04A-815D-D09E-579F81E21C8D}"/>
+              </a:ext>
+            </a:extLst>
+          </p:cNvPr>
+          <p:cNvSpPr>
+            <a:spLocks noGrp="1"/>
+          </p:cNvSpPr>
+          <p:nvPr>
+            <p:ph type="dt" sz="half" idx="10"/>
+          </p:nvPr>
+        </p:nvSpPr>
+        <p:spPr/>
+        <p:txBody>
+          <a:bodyPr/>
+          <a:lstStyle/>
+          <a:p>
+            <a:fld id="{C341F050-1748-B641-BEF7-F0B05D683DF2}" type="datetime1">
+              <a:rPr lang="en-US" smtClean="0"/>
+              <a:t>5/21/24</a:t>
+            </a:fld>
+            <a:endParaRPr lang="en-US"/>
+          </a:p>
+        </p:txBody>
+      </p:sp>
+      <p:sp>
+        <p:nvSpPr>
+          <p:cNvPr id="5" name="Footer Placeholder 4">
+            <a:extLst>
+              <a:ext uri="{FF2B5EF4-FFF2-40B4-BE49-F238E27FC236}">
+                <a16:creationId xmlns:a16="http://schemas.microsoft.com/office/drawing/2014/main" id="{B99584B6-42B9-A5F0-A829-9D9CDB673AB2}"/>
+              </a:ext>
+            </a:extLst>
+          </p:cNvPr>
+          <p:cNvSpPr>
+            <a:spLocks noGrp="1"/>
+          </p:cNvSpPr>
+          <p:nvPr>
+            <p:ph type="ftr" sz="quarter" idx="11"/>
+          </p:nvPr>
+        </p:nvSpPr>
+        <p:spPr/>
+        <p:txBody>
+          <a:bodyPr/>
+          <a:lstStyle/>
+          <a:p>
+            <a:r>
+              <a:rPr lang="en-US"/>
+              <a:t>Jared Brown · Postdoctoral research fellow · DFCI Lab of Rafael Irizarry jbrown@ds.dfci.harvard.edu · github.com/JBrownBiostat</a:t>
+            </a:r>
+          </a:p>
+        </p:txBody>
+      </p:sp>
+      <p:sp>
+        <p:nvSpPr>
+          <p:cNvPr id="6" name="Slide Number Placeholder 5">
+            <a:extLst>
+              <a:ext uri="{FF2B5EF4-FFF2-40B4-BE49-F238E27FC236}">
+                <a16:creationId xmlns:a16="http://schemas.microsoft.com/office/drawing/2014/main" id="{D7BE855F-1D3E-BC7F-79AC-9E6AF36C7D4F}"/>
+              </a:ext>
+            </a:extLst>
+          </p:cNvPr>
+          <p:cNvSpPr>
+            <a:spLocks noGrp="1"/>
+          </p:cNvSpPr>
+          <p:nvPr>
+            <p:ph type="sldNum" sz="quarter" idx="12"/>
+          </p:nvPr>
+        </p:nvSpPr>
+        <p:spPr/>
+        <p:txBody>
+          <a:bodyPr/>
+          <a:lstStyle/>
+          <a:p>
+            <a:fld id="{2C8BF43B-81B9-DD48-8FF8-6AE31485DC69}" type="slidenum">
+              <a:rPr lang="en-US" smtClean="0"/>
+              <a:t>16</a:t>
+            </a:fld>
+            <a:endParaRPr lang="en-US"/>
+          </a:p>
+        </p:txBody>
+      </p:sp>
+    </p:spTree>
+    <p:extLst>
+      <p:ext uri="{BB962C8B-B14F-4D97-AF65-F5344CB8AC3E}">
+        <p14:creationId xmlns:p14="http://schemas.microsoft.com/office/powerpoint/2010/main" val="3020976114"/>
+      </p:ext>
+    </p:extLst>
+  </p:cSld>
+  <p:clrMapOvr>
+    <a:masterClrMapping/>
+  </p:clrMapOvr>
+</p:sld>
+</file>
+
+<file path=ppt/slides/slide18.xml><?xml version="1.0" encoding="utf-8"?>
+<p:sld xmlns:a="http://schemas.openxmlformats.org/drawingml/2006/main" xmlns:r="http://schemas.openxmlformats.org/officeDocument/2006/relationships" xmlns:p="http://schemas.openxmlformats.org/presentationml/2006/main">
+  <p:cSld>
+    <p:spTree>
+      <p:nvGrpSpPr>
+        <p:cNvPr id="1" name=""/>
+        <p:cNvGrpSpPr/>
+        <p:nvPr/>
+      </p:nvGrpSpPr>
+      <p:grpSpPr>
+        <a:xfrm>
+          <a:off x="0" y="0"/>
+          <a:ext cx="0" cy="0"/>
+          <a:chOff x="0" y="0"/>
+          <a:chExt cx="0" cy="0"/>
+        </a:xfrm>
+      </p:grpSpPr>
+      <p:sp>
+        <p:nvSpPr>
+          <p:cNvPr id="2" name="Title 1">
+            <a:extLst>
+              <a:ext uri="{FF2B5EF4-FFF2-40B4-BE49-F238E27FC236}">
+                <a16:creationId xmlns:a16="http://schemas.microsoft.com/office/drawing/2014/main" id="{D942FB81-5FA5-4A0B-2FF4-52F07FA0A20D}"/>
+              </a:ext>
+            </a:extLst>
+          </p:cNvPr>
+          <p:cNvSpPr>
+            <a:spLocks noGrp="1"/>
+          </p:cNvSpPr>
+          <p:nvPr>
+            <p:ph type="title"/>
+          </p:nvPr>
+        </p:nvSpPr>
+        <p:spPr/>
+        <p:txBody>
+          <a:bodyPr/>
+          <a:lstStyle/>
+          <a:p>
+            <a:r>
+              <a:rPr lang="en-US" dirty="0"/>
+              <a:t>Shrinkage and calling sig. features</a:t>
+            </a:r>
+          </a:p>
+        </p:txBody>
+      </p:sp>
+      <p:sp>
+        <p:nvSpPr>
+          <p:cNvPr id="3" name="Content Placeholder 2">
+            <a:extLst>
+              <a:ext uri="{FF2B5EF4-FFF2-40B4-BE49-F238E27FC236}">
+                <a16:creationId xmlns:a16="http://schemas.microsoft.com/office/drawing/2014/main" id="{362167A7-0966-6603-5C65-BFA9341A5C1B}"/>
+              </a:ext>
+            </a:extLst>
+          </p:cNvPr>
+          <p:cNvSpPr>
+            <a:spLocks noGrp="1"/>
+          </p:cNvSpPr>
+          <p:nvPr>
+            <p:ph idx="1"/>
+          </p:nvPr>
+        </p:nvSpPr>
+        <p:spPr/>
+        <p:txBody>
+          <a:bodyPr/>
+          <a:lstStyle/>
+          <a:p>
+            <a:pPr marL="0" indent="0">
+              <a:buNone/>
+            </a:pPr>
+            <a:r>
+              <a:rPr lang="en-US" dirty="0"/>
+              <a:t>Goals:</a:t>
+            </a:r>
+          </a:p>
+          <a:p>
+            <a:r>
+              <a:rPr lang="en-US" sz="2400" dirty="0"/>
+              <a:t>Maximize power</a:t>
+            </a:r>
+          </a:p>
+          <a:p>
+            <a:r>
+              <a:rPr lang="en-US" sz="2400" dirty="0"/>
+              <a:t>Maintain control on FDR (or something like it…)</a:t>
+            </a:r>
+          </a:p>
+          <a:p>
+            <a:r>
+              <a:rPr lang="en-US" sz="2400" dirty="0"/>
+              <a:t>Improve interpretability/reliability</a:t>
+            </a:r>
+          </a:p>
+          <a:p>
+            <a:endParaRPr lang="en-US" sz="1200" dirty="0"/>
+          </a:p>
+          <a:p>
+            <a:pPr marL="0" indent="0">
+              <a:buNone/>
+            </a:pPr>
+            <a:r>
+              <a:rPr lang="en-US" sz="2400" i="1" dirty="0"/>
+              <a:t>Note 1:</a:t>
+            </a:r>
+            <a:r>
+              <a:rPr lang="en-US" sz="2400" dirty="0"/>
+              <a:t> traditional methods for controlling FDR tend to be under-powered</a:t>
+            </a:r>
+          </a:p>
+          <a:p>
+            <a:pPr marL="0" indent="0">
+              <a:buNone/>
+            </a:pPr>
+            <a:r>
+              <a:rPr lang="en-US" sz="2400" i="1" dirty="0"/>
+              <a:t>Note 2:</a:t>
+            </a:r>
+            <a:r>
+              <a:rPr lang="en-US" sz="2400" dirty="0"/>
+              <a:t> leveraging extra information can boost power</a:t>
+            </a:r>
+          </a:p>
+          <a:p>
+            <a:pPr marL="0" indent="0">
+              <a:buNone/>
+            </a:pPr>
+            <a:endParaRPr lang="en-US" sz="1200" i="1" dirty="0"/>
+          </a:p>
+        </p:txBody>
+      </p:sp>
+      <p:sp>
+        <p:nvSpPr>
+          <p:cNvPr id="4" name="Date Placeholder 3">
+            <a:extLst>
+              <a:ext uri="{FF2B5EF4-FFF2-40B4-BE49-F238E27FC236}">
+                <a16:creationId xmlns:a16="http://schemas.microsoft.com/office/drawing/2014/main" id="{9A4DD721-ED29-F50B-DB18-D56724A77EC6}"/>
+              </a:ext>
+            </a:extLst>
+          </p:cNvPr>
+          <p:cNvSpPr>
+            <a:spLocks noGrp="1"/>
+          </p:cNvSpPr>
+          <p:nvPr>
+            <p:ph type="dt" sz="half" idx="10"/>
+          </p:nvPr>
+        </p:nvSpPr>
+        <p:spPr/>
+        <p:txBody>
+          <a:bodyPr/>
+          <a:lstStyle/>
+          <a:p>
+            <a:fld id="{C341F050-1748-B641-BEF7-F0B05D683DF2}" type="datetime1">
+              <a:rPr lang="en-US" smtClean="0"/>
+              <a:t>5/21/24</a:t>
+            </a:fld>
+            <a:endParaRPr lang="en-US"/>
+          </a:p>
+        </p:txBody>
+      </p:sp>
+      <p:sp>
+        <p:nvSpPr>
+          <p:cNvPr id="5" name="Footer Placeholder 4">
+            <a:extLst>
+              <a:ext uri="{FF2B5EF4-FFF2-40B4-BE49-F238E27FC236}">
+                <a16:creationId xmlns:a16="http://schemas.microsoft.com/office/drawing/2014/main" id="{D08F23AE-4E76-1B21-764C-4210342A8B28}"/>
+              </a:ext>
+            </a:extLst>
+          </p:cNvPr>
+          <p:cNvSpPr>
+            <a:spLocks noGrp="1"/>
+          </p:cNvSpPr>
+          <p:nvPr>
+            <p:ph type="ftr" sz="quarter" idx="11"/>
+          </p:nvPr>
+        </p:nvSpPr>
+        <p:spPr/>
+        <p:txBody>
+          <a:bodyPr/>
+          <a:lstStyle/>
+          <a:p>
+            <a:r>
+              <a:rPr lang="en-US"/>
+              <a:t>Jared Brown · Postdoctoral research fellow · DFCI Lab of Rafael Irizarry jbrown@ds.dfci.harvard.edu · github.com/JBrownBiostat</a:t>
+            </a:r>
+          </a:p>
+        </p:txBody>
+      </p:sp>
+      <p:sp>
+        <p:nvSpPr>
+          <p:cNvPr id="6" name="Slide Number Placeholder 5">
+            <a:extLst>
+              <a:ext uri="{FF2B5EF4-FFF2-40B4-BE49-F238E27FC236}">
+                <a16:creationId xmlns:a16="http://schemas.microsoft.com/office/drawing/2014/main" id="{119E5106-5EDA-C712-00B5-2E5B8369B917}"/>
+              </a:ext>
+            </a:extLst>
+          </p:cNvPr>
+          <p:cNvSpPr>
+            <a:spLocks noGrp="1"/>
+          </p:cNvSpPr>
+          <p:nvPr>
+            <p:ph type="sldNum" sz="quarter" idx="12"/>
+          </p:nvPr>
+        </p:nvSpPr>
+        <p:spPr/>
+        <p:txBody>
+          <a:bodyPr/>
+          <a:lstStyle/>
+          <a:p>
+            <a:fld id="{2C8BF43B-81B9-DD48-8FF8-6AE31485DC69}" type="slidenum">
+              <a:rPr lang="en-US" smtClean="0"/>
+              <a:t>17</a:t>
+            </a:fld>
+            <a:endParaRPr lang="en-US"/>
+          </a:p>
+        </p:txBody>
+      </p:sp>
+    </p:spTree>
+    <p:extLst>
+      <p:ext uri="{BB962C8B-B14F-4D97-AF65-F5344CB8AC3E}">
+        <p14:creationId xmlns:p14="http://schemas.microsoft.com/office/powerpoint/2010/main" val="1078386212"/>
+      </p:ext>
+    </p:extLst>
+  </p:cSld>
+  <p:clrMapOvr>
+    <a:masterClrMapping/>
+  </p:clrMapOvr>
+</p:sld>
+</file>
+
+<file path=ppt/slides/slide19.xml><?xml version="1.0" encoding="utf-8"?>
+<p:sld xmlns:a="http://schemas.openxmlformats.org/drawingml/2006/main" xmlns:r="http://schemas.openxmlformats.org/officeDocument/2006/relationships" xmlns:p="http://schemas.openxmlformats.org/presentationml/2006/main">
+  <p:cSld>
+    <p:spTree>
+      <p:nvGrpSpPr>
+        <p:cNvPr id="1" name=""/>
+        <p:cNvGrpSpPr/>
+        <p:nvPr/>
+      </p:nvGrpSpPr>
+      <p:grpSpPr>
+        <a:xfrm>
+          <a:off x="0" y="0"/>
+          <a:ext cx="0" cy="0"/>
+          <a:chOff x="0" y="0"/>
+          <a:chExt cx="0" cy="0"/>
+        </a:xfrm>
+      </p:grpSpPr>
+      <p:sp>
+        <p:nvSpPr>
+          <p:cNvPr id="2" name="Title 1">
+            <a:extLst>
+              <a:ext uri="{FF2B5EF4-FFF2-40B4-BE49-F238E27FC236}">
+                <a16:creationId xmlns:a16="http://schemas.microsoft.com/office/drawing/2014/main" id="{C2D1A8A3-1864-26DF-6818-427CE7EABFA8}"/>
+              </a:ext>
+            </a:extLst>
+          </p:cNvPr>
+          <p:cNvSpPr>
+            <a:spLocks noGrp="1"/>
+          </p:cNvSpPr>
+          <p:nvPr>
+            <p:ph type="title"/>
+          </p:nvPr>
+        </p:nvSpPr>
+        <p:spPr/>
+        <p:txBody>
+          <a:bodyPr/>
+          <a:lstStyle/>
+          <a:p>
+            <a:r>
+              <a:rPr lang="en-US" dirty="0"/>
+              <a:t>q-value and local false discovery rate</a:t>
+            </a:r>
+          </a:p>
+        </p:txBody>
+      </p:sp>
+      <mc:AlternateContent xmlns:mc="http://schemas.openxmlformats.org/markup-compatibility/2006">
+        <mc:Choice xmlns:a14="http://schemas.microsoft.com/office/drawing/2010/main" Requires="a14">
+          <p:sp>
+            <p:nvSpPr>
+              <p:cNvPr id="3" name="Content Placeholder 2">
+                <a:extLst>
+                  <a:ext uri="{FF2B5EF4-FFF2-40B4-BE49-F238E27FC236}">
+                    <a16:creationId xmlns:a16="http://schemas.microsoft.com/office/drawing/2014/main" id="{07154009-EF84-DAF8-EC4B-55B7C00CA38F}"/>
+                  </a:ext>
+                </a:extLst>
+              </p:cNvPr>
+              <p:cNvSpPr>
+                <a:spLocks noGrp="1"/>
+              </p:cNvSpPr>
+              <p:nvPr>
+                <p:ph idx="1"/>
+              </p:nvPr>
+            </p:nvSpPr>
+            <p:spPr/>
+            <p:txBody>
+              <a:bodyPr/>
+              <a:lstStyle/>
+              <a:p>
+                <a:pPr marL="0" indent="0">
+                  <a:buNone/>
+                </a:pPr>
+                <a:r>
+                  <a:rPr lang="en-US" sz="2800" dirty="0"/>
+                  <a:t>q-value (Corollary 2, J. </a:t>
+                </a:r>
+                <a:r>
+                  <a:rPr lang="en-US" sz="2800" dirty="0" err="1"/>
+                  <a:t>Storey</a:t>
+                </a:r>
+                <a:r>
+                  <a:rPr lang="en-US" sz="2800" dirty="0"/>
+                  <a:t> 2003) for statistic </a:t>
+                </a:r>
+                <a14:m>
+                  <m:oMath xmlns:m="http://schemas.openxmlformats.org/officeDocument/2006/math">
+                    <m:r>
+                      <a:rPr lang="en-US" sz="2800" b="0" i="1" smtClean="0">
+                        <a:latin typeface="Cambria Math" panose="02040503050406030204" pitchFamily="18" charset="0"/>
+                      </a:rPr>
+                      <m:t>𝑡</m:t>
+                    </m:r>
+                  </m:oMath>
+                </a14:m>
+                <a:r>
+                  <a:rPr lang="en-US" sz="2800" dirty="0"/>
+                  <a:t> and rejection region </a:t>
+                </a:r>
+                <a14:m>
+                  <m:oMath xmlns:m="http://schemas.openxmlformats.org/officeDocument/2006/math">
+                    <m:sSub>
+                      <m:sSubPr>
+                        <m:ctrlPr>
+                          <a:rPr lang="en-US" sz="2800" b="0" i="1" smtClean="0">
+                            <a:latin typeface="Cambria Math" panose="02040503050406030204" pitchFamily="18" charset="0"/>
+                          </a:rPr>
+                        </m:ctrlPr>
+                      </m:sSubPr>
+                      <m:e>
+                        <m:r>
+                          <m:rPr>
+                            <m:sty m:val="p"/>
+                          </m:rPr>
+                          <a:rPr lang="en-US" sz="2800" b="0" i="0" smtClean="0">
+                            <a:latin typeface="Cambria Math" panose="02040503050406030204" pitchFamily="18" charset="0"/>
+                          </a:rPr>
+                          <m:t>Γ</m:t>
+                        </m:r>
+                      </m:e>
+                      <m:sub>
+                        <m:r>
+                          <a:rPr lang="en-US" sz="2800" b="0" i="1" smtClean="0">
+                            <a:latin typeface="Cambria Math" panose="02040503050406030204" pitchFamily="18" charset="0"/>
+                          </a:rPr>
+                          <m:t>𝛼</m:t>
+                        </m:r>
+                      </m:sub>
+                    </m:sSub>
+                  </m:oMath>
+                </a14:m>
+                <a:r>
+                  <a:rPr lang="en-US" sz="2800" dirty="0"/>
+                  <a:t>:</a:t>
+                </a:r>
+              </a:p>
+              <a:p>
+                <a:pPr marL="0" indent="0">
+                  <a:buNone/>
+                </a:pPr>
+                <a14:m>
+                  <m:oMathPara xmlns:m="http://schemas.openxmlformats.org/officeDocument/2006/math">
+                    <m:oMathParaPr>
+                      <m:jc m:val="centerGroup"/>
+                    </m:oMathParaPr>
+                    <m:oMath xmlns:m="http://schemas.openxmlformats.org/officeDocument/2006/math">
+                      <m:r>
+                        <a:rPr lang="en-US" sz="2800" b="0" i="1" smtClean="0">
+                          <a:latin typeface="Cambria Math" panose="02040503050406030204" pitchFamily="18" charset="0"/>
+                        </a:rPr>
+                        <m:t>𝑞</m:t>
+                      </m:r>
+                      <m:d>
+                        <m:dPr>
+                          <m:ctrlPr>
+                            <a:rPr lang="en-US" sz="2800" b="0" i="1" smtClean="0">
+                              <a:latin typeface="Cambria Math" panose="02040503050406030204" pitchFamily="18" charset="0"/>
+                            </a:rPr>
+                          </m:ctrlPr>
+                        </m:dPr>
+                        <m:e>
+                          <m:r>
+                            <a:rPr lang="en-US" sz="2800" b="0" i="1" smtClean="0">
+                              <a:latin typeface="Cambria Math" panose="02040503050406030204" pitchFamily="18" charset="0"/>
+                            </a:rPr>
+                            <m:t>𝑡</m:t>
+                          </m:r>
+                        </m:e>
+                      </m:d>
+                      <m:r>
+                        <a:rPr lang="en-US" sz="2800" b="0" i="1" smtClean="0">
+                          <a:latin typeface="Cambria Math" panose="02040503050406030204" pitchFamily="18" charset="0"/>
+                        </a:rPr>
+                        <m:t>≔</m:t>
+                      </m:r>
+                      <m:limLow>
+                        <m:limLowPr>
+                          <m:ctrlPr>
+                            <a:rPr lang="en-US" sz="2800" b="0" i="1" smtClean="0">
+                              <a:latin typeface="Cambria Math" panose="02040503050406030204" pitchFamily="18" charset="0"/>
+                            </a:rPr>
+                          </m:ctrlPr>
+                        </m:limLowPr>
+                        <m:e>
+                          <m:r>
+                            <m:rPr>
+                              <m:sty m:val="p"/>
+                            </m:rPr>
+                            <a:rPr lang="en-US" sz="2800" b="0" i="0" smtClean="0">
+                              <a:latin typeface="Cambria Math" panose="02040503050406030204" pitchFamily="18" charset="0"/>
+                            </a:rPr>
+                            <m:t>inf</m:t>
+                          </m:r>
+                        </m:e>
+                        <m:lim>
+                          <m:d>
+                            <m:dPr>
+                              <m:begChr m:val="{"/>
+                              <m:endChr m:val="}"/>
+                              <m:ctrlPr>
+                                <a:rPr lang="en-US" sz="2800" b="0" i="1" smtClean="0">
+                                  <a:latin typeface="Cambria Math" panose="02040503050406030204" pitchFamily="18" charset="0"/>
+                                </a:rPr>
+                              </m:ctrlPr>
+                            </m:dPr>
+                            <m:e>
+                              <m:sSub>
+                                <m:sSubPr>
+                                  <m:ctrlPr>
+                                    <a:rPr lang="en-US" sz="2800" b="0" i="1" smtClean="0">
+                                      <a:latin typeface="Cambria Math" panose="02040503050406030204" pitchFamily="18" charset="0"/>
+                                    </a:rPr>
+                                  </m:ctrlPr>
+                                </m:sSubPr>
+                                <m:e>
+                                  <m:r>
+                                    <m:rPr>
+                                      <m:sty m:val="p"/>
+                                    </m:rPr>
+                                    <a:rPr lang="en-US" sz="2800" b="0" i="0" smtClean="0">
+                                      <a:latin typeface="Cambria Math" panose="02040503050406030204" pitchFamily="18" charset="0"/>
+                                    </a:rPr>
+                                    <m:t>Γ</m:t>
+                                  </m:r>
+                                </m:e>
+                                <m:sub>
+                                  <m:r>
+                                    <a:rPr lang="en-US" sz="2800" b="0" i="1" smtClean="0">
+                                      <a:latin typeface="Cambria Math" panose="02040503050406030204" pitchFamily="18" charset="0"/>
+                                    </a:rPr>
+                                    <m:t>𝛼</m:t>
+                                  </m:r>
+                                </m:sub>
+                              </m:sSub>
+                              <m:r>
+                                <a:rPr lang="en-US" sz="2800" b="0" i="1" smtClean="0">
+                                  <a:latin typeface="Cambria Math" panose="02040503050406030204" pitchFamily="18" charset="0"/>
+                                </a:rPr>
+                                <m:t>:</m:t>
+                              </m:r>
+                              <m:r>
+                                <a:rPr lang="en-US" sz="2800" b="0" i="1" smtClean="0">
+                                  <a:latin typeface="Cambria Math" panose="02040503050406030204" pitchFamily="18" charset="0"/>
+                                </a:rPr>
+                                <m:t>𝑡</m:t>
+                              </m:r>
+                              <m:r>
+                                <a:rPr lang="en-US" sz="2800" b="0" i="1" smtClean="0">
+                                  <a:latin typeface="Cambria Math" panose="02040503050406030204" pitchFamily="18" charset="0"/>
+                                </a:rPr>
+                                <m:t>∈</m:t>
+                              </m:r>
+                              <m:sSub>
+                                <m:sSubPr>
+                                  <m:ctrlPr>
+                                    <a:rPr lang="en-US" sz="2800" b="0" i="1" smtClean="0">
+                                      <a:latin typeface="Cambria Math" panose="02040503050406030204" pitchFamily="18" charset="0"/>
+                                    </a:rPr>
+                                  </m:ctrlPr>
+                                </m:sSubPr>
+                                <m:e>
+                                  <m:r>
+                                    <m:rPr>
+                                      <m:sty m:val="p"/>
+                                    </m:rPr>
+                                    <a:rPr lang="en-US" sz="2800" b="0" i="0" smtClean="0">
+                                      <a:latin typeface="Cambria Math" panose="02040503050406030204" pitchFamily="18" charset="0"/>
+                                    </a:rPr>
+                                    <m:t>Γ</m:t>
+                                  </m:r>
+                                </m:e>
+                                <m:sub>
+                                  <m:r>
+                                    <a:rPr lang="en-US" sz="2800" b="0" i="1" smtClean="0">
+                                      <a:latin typeface="Cambria Math" panose="02040503050406030204" pitchFamily="18" charset="0"/>
+                                    </a:rPr>
+                                    <m:t>𝛼</m:t>
+                                  </m:r>
+                                </m:sub>
+                              </m:sSub>
+                            </m:e>
+                          </m:d>
+                        </m:lim>
+                      </m:limLow>
+                      <m:r>
+                        <a:rPr lang="en-US" sz="2800" b="0" i="1" smtClean="0">
+                          <a:latin typeface="Cambria Math" panose="02040503050406030204" pitchFamily="18" charset="0"/>
+                        </a:rPr>
+                        <m:t>ℙ</m:t>
+                      </m:r>
+                      <m:r>
+                        <a:rPr lang="en-US" sz="2800" b="0" i="1" smtClean="0">
+                          <a:latin typeface="Cambria Math" panose="02040503050406030204" pitchFamily="18" charset="0"/>
+                        </a:rPr>
+                        <m:t>(</m:t>
+                      </m:r>
+                      <m:r>
+                        <a:rPr lang="en-US" sz="2800" b="0" i="1" smtClean="0">
+                          <a:latin typeface="Cambria Math" panose="02040503050406030204" pitchFamily="18" charset="0"/>
+                        </a:rPr>
+                        <m:t>𝐻</m:t>
+                      </m:r>
+                      <m:r>
+                        <a:rPr lang="en-US" sz="2800" b="0" i="1" smtClean="0">
+                          <a:latin typeface="Cambria Math" panose="02040503050406030204" pitchFamily="18" charset="0"/>
+                        </a:rPr>
+                        <m:t>=0|</m:t>
+                      </m:r>
+                      <m:r>
+                        <a:rPr lang="en-US" sz="2800" b="0" i="1" smtClean="0">
+                          <a:latin typeface="Cambria Math" panose="02040503050406030204" pitchFamily="18" charset="0"/>
+                        </a:rPr>
+                        <m:t>𝑇</m:t>
+                      </m:r>
+                      <m:r>
+                        <a:rPr lang="en-US" sz="2800" b="0" i="1" smtClean="0">
+                          <a:latin typeface="Cambria Math" panose="02040503050406030204" pitchFamily="18" charset="0"/>
+                        </a:rPr>
+                        <m:t>∈</m:t>
+                      </m:r>
+                      <m:sSub>
+                        <m:sSubPr>
+                          <m:ctrlPr>
+                            <a:rPr lang="en-US" sz="2800" b="0" i="1" smtClean="0">
+                              <a:latin typeface="Cambria Math" panose="02040503050406030204" pitchFamily="18" charset="0"/>
+                            </a:rPr>
+                          </m:ctrlPr>
+                        </m:sSubPr>
+                        <m:e>
+                          <m:r>
+                            <m:rPr>
+                              <m:sty m:val="p"/>
+                            </m:rPr>
+                            <a:rPr lang="en-US" sz="2800" b="0" i="0" smtClean="0">
+                              <a:latin typeface="Cambria Math" panose="02040503050406030204" pitchFamily="18" charset="0"/>
+                            </a:rPr>
+                            <m:t>Γ</m:t>
+                          </m:r>
+                        </m:e>
+                        <m:sub>
+                          <m:r>
+                            <a:rPr lang="en-US" sz="2800" b="0" i="1" smtClean="0">
+                              <a:latin typeface="Cambria Math" panose="02040503050406030204" pitchFamily="18" charset="0"/>
+                            </a:rPr>
+                            <m:t>𝛼</m:t>
+                          </m:r>
+                        </m:sub>
+                      </m:sSub>
+                      <m:r>
+                        <a:rPr lang="en-US" sz="2800" b="0" i="1" smtClean="0">
+                          <a:latin typeface="Cambria Math" panose="02040503050406030204" pitchFamily="18" charset="0"/>
+                        </a:rPr>
+                        <m:t>)</m:t>
+                      </m:r>
+                    </m:oMath>
+                  </m:oMathPara>
+                </a14:m>
+                <a:endParaRPr lang="en-US" sz="2800" i="1" dirty="0"/>
+              </a:p>
+              <a:p>
+                <a:pPr marL="0" indent="0">
+                  <a:buNone/>
+                </a:pPr>
+                <a:endParaRPr lang="en-US" sz="1200" i="1" dirty="0"/>
+              </a:p>
+              <a:p>
+                <a:pPr marL="0" indent="0">
+                  <a:buNone/>
+                </a:pPr>
+                <a:r>
+                  <a:rPr lang="en-US" sz="2800" dirty="0" err="1"/>
+                  <a:t>lfdr</a:t>
+                </a:r>
+                <a:r>
+                  <a:rPr lang="en-US" sz="2800" dirty="0"/>
+                  <a:t> for a typical null hypothesis (</a:t>
+                </a:r>
+                <a14:m>
+                  <m:oMath xmlns:m="http://schemas.openxmlformats.org/officeDocument/2006/math">
+                    <m:sSub>
+                      <m:sSubPr>
+                        <m:ctrlPr>
+                          <a:rPr lang="en-US" sz="2800" b="0" i="1" smtClean="0">
+                            <a:latin typeface="Cambria Math" panose="02040503050406030204" pitchFamily="18" charset="0"/>
+                          </a:rPr>
+                        </m:ctrlPr>
+                      </m:sSubPr>
+                      <m:e>
+                        <m:r>
+                          <a:rPr lang="en-US" sz="2800" b="0" i="1" smtClean="0">
+                            <a:latin typeface="Cambria Math" panose="02040503050406030204" pitchFamily="18" charset="0"/>
+                          </a:rPr>
+                          <m:t>𝛽</m:t>
+                        </m:r>
+                      </m:e>
+                      <m:sub>
+                        <m:r>
+                          <a:rPr lang="en-US" sz="2800" b="0" i="1" smtClean="0">
+                            <a:latin typeface="Cambria Math" panose="02040503050406030204" pitchFamily="18" charset="0"/>
+                          </a:rPr>
+                          <m:t>𝑗</m:t>
+                        </m:r>
+                      </m:sub>
+                    </m:sSub>
+                    <m:r>
+                      <a:rPr lang="en-US" sz="2800" b="0" i="1" smtClean="0">
+                        <a:latin typeface="Cambria Math" panose="02040503050406030204" pitchFamily="18" charset="0"/>
+                      </a:rPr>
+                      <m:t>=0</m:t>
+                    </m:r>
+                  </m:oMath>
+                </a14:m>
+                <a:r>
+                  <a:rPr lang="en-US" sz="2800" dirty="0"/>
+                  <a:t>):</a:t>
+                </a:r>
+              </a:p>
+              <a:p>
+                <a:pPr marL="0" indent="0">
+                  <a:buNone/>
+                </a:pPr>
+                <a14:m>
+                  <m:oMathPara xmlns:m="http://schemas.openxmlformats.org/officeDocument/2006/math">
+                    <m:oMathParaPr>
+                      <m:jc m:val="centerGroup"/>
+                    </m:oMathParaPr>
+                    <m:oMath xmlns:m="http://schemas.openxmlformats.org/officeDocument/2006/math">
+                      <m:r>
+                        <a:rPr lang="en-US" sz="2800" b="0" i="1" smtClean="0">
+                          <a:latin typeface="Cambria Math" panose="02040503050406030204" pitchFamily="18" charset="0"/>
+                        </a:rPr>
+                        <m:t>𝑙𝑓𝑑</m:t>
+                      </m:r>
+                      <m:sSub>
+                        <m:sSubPr>
+                          <m:ctrlPr>
+                            <a:rPr lang="en-US" sz="2800" b="0" i="1" smtClean="0">
+                              <a:latin typeface="Cambria Math" panose="02040503050406030204" pitchFamily="18" charset="0"/>
+                            </a:rPr>
+                          </m:ctrlPr>
+                        </m:sSubPr>
+                        <m:e>
+                          <m:r>
+                            <a:rPr lang="en-US" sz="2800" b="0" i="1" smtClean="0">
+                              <a:latin typeface="Cambria Math" panose="02040503050406030204" pitchFamily="18" charset="0"/>
+                            </a:rPr>
+                            <m:t>𝑟</m:t>
+                          </m:r>
+                        </m:e>
+                        <m:sub>
+                          <m:r>
+                            <a:rPr lang="en-US" sz="2800" b="0" i="1" smtClean="0">
+                              <a:latin typeface="Cambria Math" panose="02040503050406030204" pitchFamily="18" charset="0"/>
+                            </a:rPr>
+                            <m:t>𝑗</m:t>
+                          </m:r>
+                        </m:sub>
+                      </m:sSub>
+                      <m:r>
+                        <a:rPr lang="en-US" sz="2800" b="0" i="1" smtClean="0">
+                          <a:latin typeface="Cambria Math" panose="02040503050406030204" pitchFamily="18" charset="0"/>
+                        </a:rPr>
+                        <m:t>≔</m:t>
+                      </m:r>
+                      <m:r>
+                        <a:rPr lang="en-US" sz="2800" b="0" i="1" smtClean="0">
+                          <a:latin typeface="Cambria Math" panose="02040503050406030204" pitchFamily="18" charset="0"/>
+                        </a:rPr>
+                        <m:t>ℙ</m:t>
+                      </m:r>
+                      <m:r>
+                        <a:rPr lang="en-US" sz="2800" b="0" i="1" smtClean="0">
+                          <a:latin typeface="Cambria Math" panose="02040503050406030204" pitchFamily="18" charset="0"/>
+                        </a:rPr>
+                        <m:t>(</m:t>
+                      </m:r>
+                      <m:sSub>
+                        <m:sSubPr>
+                          <m:ctrlPr>
+                            <a:rPr lang="en-US" sz="2800" b="0" i="1" smtClean="0">
+                              <a:latin typeface="Cambria Math" panose="02040503050406030204" pitchFamily="18" charset="0"/>
+                            </a:rPr>
+                          </m:ctrlPr>
+                        </m:sSubPr>
+                        <m:e>
+                          <m:r>
+                            <a:rPr lang="en-US" sz="2800" b="0" i="1" smtClean="0">
+                              <a:latin typeface="Cambria Math" panose="02040503050406030204" pitchFamily="18" charset="0"/>
+                            </a:rPr>
+                            <m:t>𝛽</m:t>
+                          </m:r>
+                        </m:e>
+                        <m:sub>
+                          <m:r>
+                            <a:rPr lang="en-US" sz="2800" b="0" i="1" smtClean="0">
+                              <a:latin typeface="Cambria Math" panose="02040503050406030204" pitchFamily="18" charset="0"/>
+                            </a:rPr>
+                            <m:t>𝑗</m:t>
+                          </m:r>
+                        </m:sub>
+                      </m:sSub>
+                      <m:r>
+                        <a:rPr lang="en-US" sz="2800" b="0" i="1" smtClean="0">
+                          <a:latin typeface="Cambria Math" panose="02040503050406030204" pitchFamily="18" charset="0"/>
+                        </a:rPr>
+                        <m:t>=0|</m:t>
+                      </m:r>
+                      <m:sSub>
+                        <m:sSubPr>
+                          <m:ctrlPr>
+                            <a:rPr lang="en-US" sz="2800" b="0" i="1" smtClean="0">
+                              <a:latin typeface="Cambria Math" panose="02040503050406030204" pitchFamily="18" charset="0"/>
+                            </a:rPr>
+                          </m:ctrlPr>
+                        </m:sSubPr>
+                        <m:e>
+                          <m:acc>
+                            <m:accPr>
+                              <m:chr m:val="̂"/>
+                              <m:ctrlPr>
+                                <a:rPr lang="en-US" sz="2800" b="0" i="1" smtClean="0">
+                                  <a:latin typeface="Cambria Math" panose="02040503050406030204" pitchFamily="18" charset="0"/>
+                                </a:rPr>
+                              </m:ctrlPr>
+                            </m:accPr>
+                            <m:e>
+                              <m:r>
+                                <a:rPr lang="en-US" sz="2800" b="0" i="1" smtClean="0">
+                                  <a:latin typeface="Cambria Math" panose="02040503050406030204" pitchFamily="18" charset="0"/>
+                                </a:rPr>
+                                <m:t>𝛽</m:t>
+                              </m:r>
+                            </m:e>
+                          </m:acc>
+                        </m:e>
+                        <m:sub>
+                          <m:r>
+                            <a:rPr lang="en-US" sz="2800" b="0" i="1" smtClean="0">
+                              <a:latin typeface="Cambria Math" panose="02040503050406030204" pitchFamily="18" charset="0"/>
+                            </a:rPr>
+                            <m:t>𝑗</m:t>
+                          </m:r>
+                        </m:sub>
+                      </m:sSub>
+                      <m:r>
+                        <a:rPr lang="en-US" sz="2800" b="0" i="1" smtClean="0">
+                          <a:latin typeface="Cambria Math" panose="02040503050406030204" pitchFamily="18" charset="0"/>
+                        </a:rPr>
+                        <m:t>,</m:t>
+                      </m:r>
+                      <m:sSub>
+                        <m:sSubPr>
+                          <m:ctrlPr>
+                            <a:rPr lang="en-US" sz="2800" b="0" i="1" smtClean="0">
+                              <a:latin typeface="Cambria Math" panose="02040503050406030204" pitchFamily="18" charset="0"/>
+                            </a:rPr>
+                          </m:ctrlPr>
+                        </m:sSubPr>
+                        <m:e>
+                          <m:acc>
+                            <m:accPr>
+                              <m:chr m:val="̂"/>
+                              <m:ctrlPr>
+                                <a:rPr lang="en-US" sz="2800" b="0" i="1" smtClean="0">
+                                  <a:latin typeface="Cambria Math" panose="02040503050406030204" pitchFamily="18" charset="0"/>
+                                </a:rPr>
+                              </m:ctrlPr>
+                            </m:accPr>
+                            <m:e>
+                              <m:r>
+                                <a:rPr lang="en-US" sz="2800" b="0" i="1" smtClean="0">
+                                  <a:latin typeface="Cambria Math" panose="02040503050406030204" pitchFamily="18" charset="0"/>
+                                </a:rPr>
+                                <m:t>𝑠</m:t>
+                              </m:r>
+                            </m:e>
+                          </m:acc>
+                        </m:e>
+                        <m:sub>
+                          <m:r>
+                            <a:rPr lang="en-US" sz="2800" b="0" i="1" smtClean="0">
+                              <a:latin typeface="Cambria Math" panose="02040503050406030204" pitchFamily="18" charset="0"/>
+                            </a:rPr>
+                            <m:t>𝑗</m:t>
+                          </m:r>
+                        </m:sub>
+                      </m:sSub>
+                      <m:r>
+                        <a:rPr lang="en-US" sz="2800" b="0" i="1" smtClean="0">
+                          <a:latin typeface="Cambria Math" panose="02040503050406030204" pitchFamily="18" charset="0"/>
+                        </a:rPr>
+                        <m:t>,</m:t>
+                      </m:r>
+                      <m:acc>
+                        <m:accPr>
+                          <m:chr m:val="̂"/>
+                          <m:ctrlPr>
+                            <a:rPr lang="en-US" sz="2800" b="0" i="1" smtClean="0">
+                              <a:latin typeface="Cambria Math" panose="02040503050406030204" pitchFamily="18" charset="0"/>
+                            </a:rPr>
+                          </m:ctrlPr>
+                        </m:accPr>
+                        <m:e>
+                          <m:r>
+                            <a:rPr lang="en-US" sz="2800" b="0" i="1" smtClean="0">
+                              <a:latin typeface="Cambria Math" panose="02040503050406030204" pitchFamily="18" charset="0"/>
+                            </a:rPr>
+                            <m:t>𝜋</m:t>
+                          </m:r>
+                        </m:e>
+                      </m:acc>
+                      <m:r>
+                        <a:rPr lang="en-US" sz="2800" b="0" i="1" smtClean="0">
+                          <a:latin typeface="Cambria Math" panose="02040503050406030204" pitchFamily="18" charset="0"/>
+                        </a:rPr>
+                        <m:t>)</m:t>
+                      </m:r>
+                    </m:oMath>
+                  </m:oMathPara>
+                </a14:m>
+                <a:endParaRPr lang="en-US" sz="2800" dirty="0"/>
+              </a:p>
+              <a:p>
+                <a:pPr marL="0" indent="0">
+                  <a:buNone/>
+                </a:pPr>
+                <a:endParaRPr lang="en-US" sz="1200" dirty="0"/>
+              </a:p>
+              <a:p>
+                <a:pPr marL="0" indent="0">
+                  <a:buNone/>
+                </a:pPr>
+                <a:r>
+                  <a:rPr lang="en-US" dirty="0"/>
+                  <a:t>For a particular set of observed effect sizes, ordered by </a:t>
+                </a:r>
+                <a:r>
+                  <a:rPr lang="en-US" dirty="0" err="1"/>
+                  <a:t>lfdr</a:t>
+                </a:r>
+                <a:r>
+                  <a:rPr lang="en-US" dirty="0"/>
+                  <a:t>,</a:t>
+                </a:r>
+              </a:p>
+              <a:p>
+                <a:pPr marL="0" indent="0">
+                  <a:buNone/>
+                </a:pPr>
+                <a14:m>
+                  <m:oMathPara xmlns:m="http://schemas.openxmlformats.org/officeDocument/2006/math">
+                    <m:oMathParaPr>
+                      <m:jc m:val="centerGroup"/>
+                    </m:oMathParaPr>
+                    <m:oMath xmlns:m="http://schemas.openxmlformats.org/officeDocument/2006/math">
+                      <m:r>
+                        <a:rPr lang="en-US" b="0" i="1" smtClean="0">
+                          <a:latin typeface="Cambria Math" panose="02040503050406030204" pitchFamily="18" charset="0"/>
+                        </a:rPr>
+                        <m:t>𝑞</m:t>
+                      </m:r>
+                      <m:d>
+                        <m:dPr>
+                          <m:ctrlPr>
+                            <a:rPr lang="en-US" b="0" i="1" smtClean="0">
+                              <a:latin typeface="Cambria Math" panose="02040503050406030204" pitchFamily="18" charset="0"/>
+                            </a:rPr>
+                          </m:ctrlPr>
+                        </m:dPr>
+                        <m:e>
+                          <m:sSub>
+                            <m:sSubPr>
+                              <m:ctrlPr>
+                                <a:rPr lang="en-US" b="0" i="1" smtClean="0">
+                                  <a:latin typeface="Cambria Math" panose="02040503050406030204" pitchFamily="18" charset="0"/>
+                                </a:rPr>
+                              </m:ctrlPr>
+                            </m:sSubPr>
+                            <m:e>
+                              <m:acc>
+                                <m:accPr>
+                                  <m:chr m:val="̂"/>
+                                  <m:ctrlPr>
+                                    <a:rPr lang="en-US" b="0" i="1" smtClean="0">
+                                      <a:latin typeface="Cambria Math" panose="02040503050406030204" pitchFamily="18" charset="0"/>
+                                    </a:rPr>
+                                  </m:ctrlPr>
+                                </m:accPr>
+                                <m:e>
+                                  <m:r>
+                                    <a:rPr lang="en-US" b="0" i="1" smtClean="0">
+                                      <a:latin typeface="Cambria Math" panose="02040503050406030204" pitchFamily="18" charset="0"/>
+                                    </a:rPr>
+                                    <m:t>𝛽</m:t>
+                                  </m:r>
+                                </m:e>
+                              </m:acc>
+                            </m:e>
+                            <m:sub>
+                              <m:d>
+                                <m:dPr>
+                                  <m:ctrlPr>
+                                    <a:rPr lang="en-US" b="0" i="1" smtClean="0">
+                                      <a:latin typeface="Cambria Math" panose="02040503050406030204" pitchFamily="18" charset="0"/>
+                                    </a:rPr>
+                                  </m:ctrlPr>
+                                </m:dPr>
+                                <m:e>
+                                  <m:r>
+                                    <a:rPr lang="en-US" b="0" i="1" smtClean="0">
+                                      <a:latin typeface="Cambria Math" panose="02040503050406030204" pitchFamily="18" charset="0"/>
+                                    </a:rPr>
+                                    <m:t>𝑗</m:t>
+                                  </m:r>
+                                </m:e>
+                              </m:d>
+                            </m:sub>
+                          </m:sSub>
+                        </m:e>
+                      </m:d>
+                      <m:r>
+                        <a:rPr lang="en-US" b="0" i="1" smtClean="0">
+                          <a:latin typeface="Cambria Math" panose="02040503050406030204" pitchFamily="18" charset="0"/>
+                        </a:rPr>
+                        <m:t>=</m:t>
+                      </m:r>
+                      <m:f>
+                        <m:fPr>
+                          <m:ctrlPr>
+                            <a:rPr lang="en-US" b="0" i="1" smtClean="0">
+                              <a:latin typeface="Cambria Math" panose="02040503050406030204" pitchFamily="18" charset="0"/>
+                            </a:rPr>
+                          </m:ctrlPr>
+                        </m:fPr>
+                        <m:num>
+                          <m:r>
+                            <a:rPr lang="en-US" b="0" i="1" smtClean="0">
+                              <a:latin typeface="Cambria Math" panose="02040503050406030204" pitchFamily="18" charset="0"/>
+                            </a:rPr>
+                            <m:t>1</m:t>
+                          </m:r>
+                        </m:num>
+                        <m:den>
+                          <m:r>
+                            <a:rPr lang="en-US" b="0" i="1" smtClean="0">
+                              <a:latin typeface="Cambria Math" panose="02040503050406030204" pitchFamily="18" charset="0"/>
+                            </a:rPr>
+                            <m:t>𝑗</m:t>
+                          </m:r>
+                        </m:den>
+                      </m:f>
+                      <m:nary>
+                        <m:naryPr>
+                          <m:chr m:val="∑"/>
+                          <m:ctrlPr>
+                            <a:rPr lang="en-US" b="0" i="1" smtClean="0">
+                              <a:latin typeface="Cambria Math" panose="02040503050406030204" pitchFamily="18" charset="0"/>
+                            </a:rPr>
+                          </m:ctrlPr>
+                        </m:naryPr>
+                        <m:sub>
+                          <m:r>
+                            <a:rPr lang="en-US" b="0" i="1" smtClean="0">
+                              <a:latin typeface="Cambria Math" panose="02040503050406030204" pitchFamily="18" charset="0"/>
+                            </a:rPr>
+                            <m:t>𝑖</m:t>
+                          </m:r>
+                          <m:r>
+                            <a:rPr lang="en-US" b="0" i="1" smtClean="0">
+                              <a:latin typeface="Cambria Math" panose="02040503050406030204" pitchFamily="18" charset="0"/>
+                            </a:rPr>
+                            <m:t>=1</m:t>
+                          </m:r>
+                        </m:sub>
+                        <m:sup>
+                          <m:r>
+                            <a:rPr lang="en-US" b="0" i="1" smtClean="0">
+                              <a:latin typeface="Cambria Math" panose="02040503050406030204" pitchFamily="18" charset="0"/>
+                            </a:rPr>
+                            <m:t>𝑗</m:t>
+                          </m:r>
+                        </m:sup>
+                        <m:e>
+                          <m:r>
+                            <a:rPr lang="en-US" b="0" i="1" smtClean="0">
+                              <a:latin typeface="Cambria Math" panose="02040503050406030204" pitchFamily="18" charset="0"/>
+                            </a:rPr>
+                            <m:t>𝑙𝑓𝑑</m:t>
+                          </m:r>
+                          <m:sSub>
+                            <m:sSubPr>
+                              <m:ctrlPr>
+                                <a:rPr lang="en-US" b="0" i="1" smtClean="0">
+                                  <a:latin typeface="Cambria Math" panose="02040503050406030204" pitchFamily="18" charset="0"/>
+                                </a:rPr>
+                              </m:ctrlPr>
+                            </m:sSubPr>
+                            <m:e>
+                              <m:r>
+                                <a:rPr lang="en-US" b="0" i="1" smtClean="0">
+                                  <a:latin typeface="Cambria Math" panose="02040503050406030204" pitchFamily="18" charset="0"/>
+                                </a:rPr>
+                                <m:t>𝑟</m:t>
+                              </m:r>
+                            </m:e>
+                            <m:sub>
+                              <m:d>
+                                <m:dPr>
+                                  <m:ctrlPr>
+                                    <a:rPr lang="en-US" b="0" i="1" smtClean="0">
+                                      <a:latin typeface="Cambria Math" panose="02040503050406030204" pitchFamily="18" charset="0"/>
+                                    </a:rPr>
+                                  </m:ctrlPr>
+                                </m:dPr>
+                                <m:e>
+                                  <m:r>
+                                    <a:rPr lang="en-US" b="0" i="1" smtClean="0">
+                                      <a:latin typeface="Cambria Math" panose="02040503050406030204" pitchFamily="18" charset="0"/>
+                                    </a:rPr>
+                                    <m:t>𝑖</m:t>
+                                  </m:r>
+                                </m:e>
+                              </m:d>
+                            </m:sub>
+                          </m:sSub>
+                        </m:e>
+                      </m:nary>
+                    </m:oMath>
+                  </m:oMathPara>
+                </a14:m>
+                <a:endParaRPr lang="en-US" dirty="0"/>
+              </a:p>
+              <a:p>
+                <a:pPr marL="0" indent="0">
+                  <a:buNone/>
+                </a:pPr>
+                <a:endParaRPr lang="en-US" dirty="0"/>
+              </a:p>
+            </p:txBody>
+          </p:sp>
+        </mc:Choice>
+        <mc:Fallback>
+          <p:sp>
+            <p:nvSpPr>
+              <p:cNvPr id="3" name="Content Placeholder 2">
+                <a:extLst>
+                  <a:ext uri="{FF2B5EF4-FFF2-40B4-BE49-F238E27FC236}">
+                    <a16:creationId xmlns:a16="http://schemas.microsoft.com/office/drawing/2014/main" id="{07154009-EF84-DAF8-EC4B-55B7C00CA38F}"/>
+                  </a:ext>
+                </a:extLst>
+              </p:cNvPr>
+              <p:cNvSpPr>
+                <a:spLocks noGrp="1" noRot="1" noChangeAspect="1" noMove="1" noResize="1" noEditPoints="1" noAdjustHandles="1" noChangeArrowheads="1" noChangeShapeType="1" noTextEdit="1"/>
+              </p:cNvSpPr>
+              <p:nvPr>
+                <p:ph idx="1"/>
+              </p:nvPr>
+            </p:nvSpPr>
+            <p:spPr>
+              <a:blipFill>
+                <a:blip r:embed="rId2"/>
+                <a:stretch>
+                  <a:fillRect l="-1041" t="-2088" b="-15545"/>
+                </a:stretch>
+              </a:blipFill>
+            </p:spPr>
+            <p:txBody>
+              <a:bodyPr/>
+              <a:lstStyle/>
+              <a:p>
+                <a:r>
+                  <a:rPr lang="en-US">
+                    <a:noFill/>
+                  </a:rPr>
+                  <a:t> </a:t>
+                </a:r>
+              </a:p>
+            </p:txBody>
+          </p:sp>
+        </mc:Fallback>
+      </mc:AlternateContent>
+      <p:sp>
+        <p:nvSpPr>
+          <p:cNvPr id="4" name="Date Placeholder 3">
+            <a:extLst>
+              <a:ext uri="{FF2B5EF4-FFF2-40B4-BE49-F238E27FC236}">
+                <a16:creationId xmlns:a16="http://schemas.microsoft.com/office/drawing/2014/main" id="{D546C2A4-D873-036B-129B-C3DB3E16C3EC}"/>
+              </a:ext>
+            </a:extLst>
+          </p:cNvPr>
+          <p:cNvSpPr>
+            <a:spLocks noGrp="1"/>
+          </p:cNvSpPr>
+          <p:nvPr>
+            <p:ph type="dt" sz="half" idx="10"/>
+          </p:nvPr>
+        </p:nvSpPr>
+        <p:spPr/>
+        <p:txBody>
+          <a:bodyPr/>
+          <a:lstStyle/>
+          <a:p>
+            <a:fld id="{C341F050-1748-B641-BEF7-F0B05D683DF2}" type="datetime1">
+              <a:rPr lang="en-US" smtClean="0"/>
+              <a:t>5/21/24</a:t>
+            </a:fld>
+            <a:endParaRPr lang="en-US"/>
+          </a:p>
+        </p:txBody>
+      </p:sp>
+      <p:sp>
+        <p:nvSpPr>
+          <p:cNvPr id="5" name="Footer Placeholder 4">
+            <a:extLst>
+              <a:ext uri="{FF2B5EF4-FFF2-40B4-BE49-F238E27FC236}">
+                <a16:creationId xmlns:a16="http://schemas.microsoft.com/office/drawing/2014/main" id="{C7D4BB4A-F8CE-9011-BED0-2BC6859E1C6F}"/>
+              </a:ext>
+            </a:extLst>
+          </p:cNvPr>
+          <p:cNvSpPr>
+            <a:spLocks noGrp="1"/>
+          </p:cNvSpPr>
+          <p:nvPr>
+            <p:ph type="ftr" sz="quarter" idx="11"/>
+          </p:nvPr>
+        </p:nvSpPr>
+        <p:spPr/>
+        <p:txBody>
+          <a:bodyPr/>
+          <a:lstStyle/>
+          <a:p>
+            <a:r>
+              <a:rPr lang="en-US"/>
+              <a:t>Jared Brown · Postdoctoral research fellow · DFCI Lab of Rafael Irizarry jbrown@ds.dfci.harvard.edu · github.com/JBrownBiostat</a:t>
+            </a:r>
+          </a:p>
+        </p:txBody>
+      </p:sp>
+      <p:sp>
+        <p:nvSpPr>
+          <p:cNvPr id="6" name="Slide Number Placeholder 5">
+            <a:extLst>
+              <a:ext uri="{FF2B5EF4-FFF2-40B4-BE49-F238E27FC236}">
+                <a16:creationId xmlns:a16="http://schemas.microsoft.com/office/drawing/2014/main" id="{5CAE2FB7-A377-A86F-DCAA-D52F6D732AC2}"/>
+              </a:ext>
+            </a:extLst>
+          </p:cNvPr>
+          <p:cNvSpPr>
+            <a:spLocks noGrp="1"/>
+          </p:cNvSpPr>
+          <p:nvPr>
+            <p:ph type="sldNum" sz="quarter" idx="12"/>
+          </p:nvPr>
+        </p:nvSpPr>
+        <p:spPr/>
+        <p:txBody>
+          <a:bodyPr/>
+          <a:lstStyle/>
+          <a:p>
+            <a:fld id="{2C8BF43B-81B9-DD48-8FF8-6AE31485DC69}" type="slidenum">
+              <a:rPr lang="en-US" smtClean="0"/>
+              <a:t>18</a:t>
+            </a:fld>
+            <a:endParaRPr lang="en-US"/>
+          </a:p>
+        </p:txBody>
+      </p:sp>
+    </p:spTree>
+    <p:extLst>
+      <p:ext uri="{BB962C8B-B14F-4D97-AF65-F5344CB8AC3E}">
+        <p14:creationId xmlns:p14="http://schemas.microsoft.com/office/powerpoint/2010/main" val="3015746480"/>
       </p:ext>
     </p:extLst>
   </p:cSld>
@@ -6636,8 +10735,105 @@
               <a:rPr lang="en-US" sz="2000" dirty="0">
                 <a:latin typeface="Monaco" pitchFamily="2" charset="77"/>
               </a:rPr>
-              <a:t>”, “ggplot2”))</a:t>
-            </a:r>
+              <a:t>”,…))</a:t>
+            </a:r>
+          </a:p>
+          <a:p>
+            <a:pPr marL="0" indent="0" algn="ctr">
+              <a:buNone/>
+            </a:pPr>
+            <a:r>
+              <a:rPr lang="en-US" sz="1600" dirty="0">
+                <a:latin typeface="Monaco" pitchFamily="2" charset="77"/>
+              </a:rPr>
+              <a:t>DESeq2, </a:t>
+            </a:r>
+            <a:r>
+              <a:rPr lang="en-US" sz="1600" dirty="0" err="1">
+                <a:latin typeface="Monaco" pitchFamily="2" charset="77"/>
+              </a:rPr>
+              <a:t>pasilla</a:t>
+            </a:r>
+            <a:r>
+              <a:rPr lang="en-US" sz="1600" dirty="0">
+                <a:latin typeface="Monaco" pitchFamily="2" charset="77"/>
+              </a:rPr>
+              <a:t>, ggplot2, </a:t>
+            </a:r>
+            <a:r>
+              <a:rPr lang="en-US" sz="1600" dirty="0" err="1">
+                <a:latin typeface="Monaco" pitchFamily="2" charset="77"/>
+              </a:rPr>
+              <a:t>matrixStats</a:t>
+            </a:r>
+            <a:r>
+              <a:rPr lang="en-US" sz="1600" dirty="0">
+                <a:latin typeface="Monaco" pitchFamily="2" charset="77"/>
+              </a:rPr>
+              <a:t>, </a:t>
+            </a:r>
+            <a:r>
+              <a:rPr lang="en-US" sz="1600" dirty="0" err="1">
+                <a:latin typeface="Monaco" pitchFamily="2" charset="77"/>
+              </a:rPr>
+              <a:t>apeglm</a:t>
+            </a:r>
+            <a:r>
+              <a:rPr lang="en-US" sz="1600" dirty="0">
+                <a:latin typeface="Monaco" pitchFamily="2" charset="77"/>
+              </a:rPr>
+              <a:t>, </a:t>
+            </a:r>
+            <a:r>
+              <a:rPr lang="en-US" sz="1600" dirty="0" err="1">
+                <a:latin typeface="Monaco" pitchFamily="2" charset="77"/>
+              </a:rPr>
+              <a:t>ashr</a:t>
+            </a:r>
+            <a:r>
+              <a:rPr lang="en-US" sz="1600" dirty="0">
+                <a:latin typeface="Monaco" pitchFamily="2" charset="77"/>
+              </a:rPr>
+              <a:t>, </a:t>
+            </a:r>
+            <a:r>
+              <a:rPr lang="en-US" sz="1600" dirty="0" err="1">
+                <a:latin typeface="Monaco" pitchFamily="2" charset="77"/>
+              </a:rPr>
+              <a:t>TENxPBMCData</a:t>
+            </a:r>
+            <a:r>
+              <a:rPr lang="en-US" sz="1600" dirty="0">
+                <a:latin typeface="Monaco" pitchFamily="2" charset="77"/>
+              </a:rPr>
+              <a:t>, Matrix, </a:t>
+            </a:r>
+          </a:p>
+          <a:p>
+            <a:pPr marL="0" indent="0" algn="ctr">
+              <a:buNone/>
+            </a:pPr>
+            <a:r>
+              <a:rPr lang="en-US" sz="1600" dirty="0" err="1">
+                <a:latin typeface="Monaco" pitchFamily="2" charset="77"/>
+              </a:rPr>
+              <a:t>irlba</a:t>
+            </a:r>
+            <a:r>
+              <a:rPr lang="en-US" sz="1600" dirty="0">
+                <a:latin typeface="Monaco" pitchFamily="2" charset="77"/>
+              </a:rPr>
+              <a:t>, scran, </a:t>
+            </a:r>
+            <a:r>
+              <a:rPr lang="en-US" sz="1600">
+                <a:latin typeface="Monaco" pitchFamily="2" charset="77"/>
+              </a:rPr>
+              <a:t>scater</a:t>
+            </a:r>
+            <a:endParaRPr lang="en-US" sz="1600" dirty="0">
+              <a:latin typeface="Monaco" pitchFamily="2" charset="77"/>
+            </a:endParaRPr>
           </a:p>
           <a:p>
             <a:pPr marL="0" indent="0">
@@ -6714,7 +10910,7 @@
           <a:p>
             <a:fld id="{C341F050-1748-B641-BEF7-F0B05D683DF2}" type="datetime1">
               <a:rPr lang="en-US" smtClean="0"/>
-              <a:t>5/20/24</a:t>
+              <a:t>5/21/24</a:t>
             </a:fld>
             <a:endParaRPr lang="en-US"/>
           </a:p>
@@ -6781,6 +10977,4267 @@
     <p:extLst>
       <p:ext uri="{BB962C8B-B14F-4D97-AF65-F5344CB8AC3E}">
         <p14:creationId xmlns:p14="http://schemas.microsoft.com/office/powerpoint/2010/main" val="4202363935"/>
+      </p:ext>
+    </p:extLst>
+  </p:cSld>
+  <p:clrMapOvr>
+    <a:masterClrMapping/>
+  </p:clrMapOvr>
+</p:sld>
+</file>
+
+<file path=ppt/slides/slide20.xml><?xml version="1.0" encoding="utf-8"?>
+<p:sld xmlns:a="http://schemas.openxmlformats.org/drawingml/2006/main" xmlns:r="http://schemas.openxmlformats.org/officeDocument/2006/relationships" xmlns:p="http://schemas.openxmlformats.org/presentationml/2006/main">
+  <p:cSld>
+    <p:spTree>
+      <p:nvGrpSpPr>
+        <p:cNvPr id="1" name=""/>
+        <p:cNvGrpSpPr/>
+        <p:nvPr/>
+      </p:nvGrpSpPr>
+      <p:grpSpPr>
+        <a:xfrm>
+          <a:off x="0" y="0"/>
+          <a:ext cx="0" cy="0"/>
+          <a:chOff x="0" y="0"/>
+          <a:chExt cx="0" cy="0"/>
+        </a:xfrm>
+      </p:grpSpPr>
+      <p:sp>
+        <p:nvSpPr>
+          <p:cNvPr id="2" name="Title 1">
+            <a:extLst>
+              <a:ext uri="{FF2B5EF4-FFF2-40B4-BE49-F238E27FC236}">
+                <a16:creationId xmlns:a16="http://schemas.microsoft.com/office/drawing/2014/main" id="{BC2FCDE2-92C9-633F-FAFA-A8CC765127BF}"/>
+              </a:ext>
+            </a:extLst>
+          </p:cNvPr>
+          <p:cNvSpPr>
+            <a:spLocks noGrp="1"/>
+          </p:cNvSpPr>
+          <p:nvPr>
+            <p:ph type="title"/>
+          </p:nvPr>
+        </p:nvSpPr>
+        <p:spPr/>
+        <p:txBody>
+          <a:bodyPr/>
+          <a:lstStyle/>
+          <a:p>
+            <a:r>
+              <a:rPr lang="en-US" dirty="0"/>
+              <a:t>Local false sign rate and s-value</a:t>
+            </a:r>
+          </a:p>
+        </p:txBody>
+      </p:sp>
+      <mc:AlternateContent xmlns:mc="http://schemas.openxmlformats.org/markup-compatibility/2006">
+        <mc:Choice xmlns:a14="http://schemas.microsoft.com/office/drawing/2010/main" Requires="a14">
+          <p:sp>
+            <p:nvSpPr>
+              <p:cNvPr id="3" name="Content Placeholder 2">
+                <a:extLst>
+                  <a:ext uri="{FF2B5EF4-FFF2-40B4-BE49-F238E27FC236}">
+                    <a16:creationId xmlns:a16="http://schemas.microsoft.com/office/drawing/2014/main" id="{66407FA0-411C-03F8-47B1-3D51212BE6CF}"/>
+                  </a:ext>
+                </a:extLst>
+              </p:cNvPr>
+              <p:cNvSpPr>
+                <a:spLocks noGrp="1"/>
+              </p:cNvSpPr>
+              <p:nvPr>
+                <p:ph idx="1"/>
+              </p:nvPr>
+            </p:nvSpPr>
+            <p:spPr/>
+            <p:txBody>
+              <a:bodyPr/>
+              <a:lstStyle/>
+              <a:p>
+                <a:pPr marL="0" indent="0">
+                  <a:buNone/>
+                </a:pPr>
+                <a:r>
+                  <a:rPr lang="en-US" dirty="0"/>
+                  <a:t>l</a:t>
+                </a:r>
+                <a:r>
+                  <a:rPr lang="en-US" dirty="0" err="1"/>
+                  <a:t>fsr</a:t>
+                </a:r>
+                <a:r>
+                  <a:rPr lang="en-US" dirty="0"/>
+                  <a:t> (Eqn. 2.7 from M. Stephens 2017):</a:t>
+                </a:r>
+              </a:p>
+              <a:p>
+                <a:pPr marL="0" indent="0">
+                  <a:buNone/>
+                </a:pPr>
+                <a14:m>
+                  <m:oMathPara xmlns:m="http://schemas.openxmlformats.org/officeDocument/2006/math">
+                    <m:oMathParaPr>
+                      <m:jc m:val="centerGroup"/>
+                    </m:oMathParaPr>
+                    <m:oMath xmlns:m="http://schemas.openxmlformats.org/officeDocument/2006/math">
+                      <m:r>
+                        <a:rPr lang="en-US" b="0" i="1" smtClean="0">
+                          <a:latin typeface="Cambria Math" panose="02040503050406030204" pitchFamily="18" charset="0"/>
+                        </a:rPr>
+                        <m:t>𝑙𝑓𝑠</m:t>
+                      </m:r>
+                      <m:sSub>
+                        <m:sSubPr>
+                          <m:ctrlPr>
+                            <a:rPr lang="en-US" b="0" i="1" smtClean="0">
+                              <a:latin typeface="Cambria Math" panose="02040503050406030204" pitchFamily="18" charset="0"/>
+                            </a:rPr>
+                          </m:ctrlPr>
+                        </m:sSubPr>
+                        <m:e>
+                          <m:r>
+                            <a:rPr lang="en-US" b="0" i="1" smtClean="0">
+                              <a:latin typeface="Cambria Math" panose="02040503050406030204" pitchFamily="18" charset="0"/>
+                            </a:rPr>
+                            <m:t>𝑟</m:t>
+                          </m:r>
+                        </m:e>
+                        <m:sub>
+                          <m:r>
+                            <a:rPr lang="en-US" b="0" i="1" smtClean="0">
+                              <a:latin typeface="Cambria Math" panose="02040503050406030204" pitchFamily="18" charset="0"/>
+                            </a:rPr>
+                            <m:t>𝑗</m:t>
+                          </m:r>
+                        </m:sub>
+                      </m:sSub>
+                      <m:r>
+                        <a:rPr lang="en-US" b="0" i="1" smtClean="0">
+                          <a:latin typeface="Cambria Math" panose="02040503050406030204" pitchFamily="18" charset="0"/>
+                        </a:rPr>
+                        <m:t>≔</m:t>
+                      </m:r>
+                      <m:func>
+                        <m:funcPr>
+                          <m:ctrlPr>
+                            <a:rPr lang="en-US" b="0" i="1" smtClean="0">
+                              <a:latin typeface="Cambria Math" panose="02040503050406030204" pitchFamily="18" charset="0"/>
+                            </a:rPr>
+                          </m:ctrlPr>
+                        </m:funcPr>
+                        <m:fName>
+                          <m:r>
+                            <m:rPr>
+                              <m:sty m:val="p"/>
+                            </m:rPr>
+                            <a:rPr lang="en-US" b="0" i="0" smtClean="0">
+                              <a:latin typeface="Cambria Math" panose="02040503050406030204" pitchFamily="18" charset="0"/>
+                            </a:rPr>
+                            <m:t>min</m:t>
+                          </m:r>
+                        </m:fName>
+                        <m:e>
+                          <m:d>
+                            <m:dPr>
+                              <m:begChr m:val="["/>
+                              <m:endChr m:val="]"/>
+                              <m:ctrlPr>
+                                <a:rPr lang="en-US" b="0" i="1" smtClean="0">
+                                  <a:latin typeface="Cambria Math" panose="02040503050406030204" pitchFamily="18" charset="0"/>
+                                </a:rPr>
+                              </m:ctrlPr>
+                            </m:dPr>
+                            <m:e>
+                              <m:r>
+                                <a:rPr lang="en-US" b="0" i="1" smtClean="0">
+                                  <a:latin typeface="Cambria Math" panose="02040503050406030204" pitchFamily="18" charset="0"/>
+                                </a:rPr>
+                                <m:t>ℙ</m:t>
+                              </m:r>
+                              <m:d>
+                                <m:dPr>
+                                  <m:ctrlPr>
+                                    <a:rPr lang="en-US" b="0" i="1" smtClean="0">
+                                      <a:latin typeface="Cambria Math" panose="02040503050406030204" pitchFamily="18" charset="0"/>
+                                    </a:rPr>
+                                  </m:ctrlPr>
+                                </m:dPr>
+                                <m:e>
+                                  <m:sSub>
+                                    <m:sSubPr>
+                                      <m:ctrlPr>
+                                        <a:rPr lang="en-US" b="0" i="1" smtClean="0">
+                                          <a:latin typeface="Cambria Math" panose="02040503050406030204" pitchFamily="18" charset="0"/>
+                                        </a:rPr>
+                                      </m:ctrlPr>
+                                    </m:sSubPr>
+                                    <m:e>
+                                      <m:r>
+                                        <a:rPr lang="en-US" b="0" i="1" smtClean="0">
+                                          <a:latin typeface="Cambria Math" panose="02040503050406030204" pitchFamily="18" charset="0"/>
+                                        </a:rPr>
+                                        <m:t>𝛽</m:t>
+                                      </m:r>
+                                    </m:e>
+                                    <m:sub>
+                                      <m:r>
+                                        <a:rPr lang="en-US" b="0" i="1" smtClean="0">
+                                          <a:latin typeface="Cambria Math" panose="02040503050406030204" pitchFamily="18" charset="0"/>
+                                        </a:rPr>
+                                        <m:t>𝑗</m:t>
+                                      </m:r>
+                                    </m:sub>
+                                  </m:sSub>
+                                  <m:r>
+                                    <a:rPr lang="en-US" b="0" i="1" smtClean="0">
+                                      <a:latin typeface="Cambria Math" panose="02040503050406030204" pitchFamily="18" charset="0"/>
+                                    </a:rPr>
+                                    <m:t>≥0</m:t>
+                                  </m:r>
+                                </m:e>
+                                <m:e>
+                                  <m:acc>
+                                    <m:accPr>
+                                      <m:chr m:val="̂"/>
+                                      <m:ctrlPr>
+                                        <a:rPr lang="en-US" b="0" i="1" smtClean="0">
+                                          <a:latin typeface="Cambria Math" panose="02040503050406030204" pitchFamily="18" charset="0"/>
+                                        </a:rPr>
+                                      </m:ctrlPr>
+                                    </m:accPr>
+                                    <m:e>
+                                      <m:r>
+                                        <a:rPr lang="en-US" b="0" i="1" smtClean="0">
+                                          <a:latin typeface="Cambria Math" panose="02040503050406030204" pitchFamily="18" charset="0"/>
+                                        </a:rPr>
+                                        <m:t>𝜋</m:t>
+                                      </m:r>
+                                    </m:e>
+                                  </m:acc>
+                                  <m:r>
+                                    <a:rPr lang="en-US" b="0" i="1" smtClean="0">
+                                      <a:latin typeface="Cambria Math" panose="02040503050406030204" pitchFamily="18" charset="0"/>
+                                    </a:rPr>
+                                    <m:t>,</m:t>
+                                  </m:r>
+                                  <m:acc>
+                                    <m:accPr>
+                                      <m:chr m:val="̂"/>
+                                      <m:ctrlPr>
+                                        <a:rPr lang="en-US" b="0" i="1" smtClean="0">
+                                          <a:latin typeface="Cambria Math" panose="02040503050406030204" pitchFamily="18" charset="0"/>
+                                        </a:rPr>
+                                      </m:ctrlPr>
+                                    </m:accPr>
+                                    <m:e>
+                                      <m:r>
+                                        <a:rPr lang="en-US" b="0" i="1" smtClean="0">
+                                          <a:latin typeface="Cambria Math" panose="02040503050406030204" pitchFamily="18" charset="0"/>
+                                        </a:rPr>
+                                        <m:t>𝛽</m:t>
+                                      </m:r>
+                                    </m:e>
+                                  </m:acc>
+                                  <m:r>
+                                    <a:rPr lang="en-US" b="0" i="1" smtClean="0">
+                                      <a:latin typeface="Cambria Math" panose="02040503050406030204" pitchFamily="18" charset="0"/>
+                                    </a:rPr>
+                                    <m:t>,</m:t>
+                                  </m:r>
+                                  <m:r>
+                                    <a:rPr lang="en-US" b="0" i="1" smtClean="0">
+                                      <a:latin typeface="Cambria Math" panose="02040503050406030204" pitchFamily="18" charset="0"/>
+                                    </a:rPr>
+                                    <m:t>𝑠</m:t>
+                                  </m:r>
+                                </m:e>
+                              </m:d>
+                              <m:r>
+                                <a:rPr lang="en-US" b="0" i="1" smtClean="0">
+                                  <a:latin typeface="Cambria Math" panose="02040503050406030204" pitchFamily="18" charset="0"/>
+                                </a:rPr>
+                                <m:t>,</m:t>
+                              </m:r>
+                              <m:r>
+                                <a:rPr lang="en-US" b="0" i="1" smtClean="0">
+                                  <a:latin typeface="Cambria Math" panose="02040503050406030204" pitchFamily="18" charset="0"/>
+                                </a:rPr>
+                                <m:t>ℙ</m:t>
+                              </m:r>
+                              <m:d>
+                                <m:dPr>
+                                  <m:ctrlPr>
+                                    <a:rPr lang="en-US" b="0" i="1" smtClean="0">
+                                      <a:latin typeface="Cambria Math" panose="02040503050406030204" pitchFamily="18" charset="0"/>
+                                    </a:rPr>
+                                  </m:ctrlPr>
+                                </m:dPr>
+                                <m:e>
+                                  <m:sSub>
+                                    <m:sSubPr>
+                                      <m:ctrlPr>
+                                        <a:rPr lang="en-US" b="0" i="1" smtClean="0">
+                                          <a:latin typeface="Cambria Math" panose="02040503050406030204" pitchFamily="18" charset="0"/>
+                                        </a:rPr>
+                                      </m:ctrlPr>
+                                    </m:sSubPr>
+                                    <m:e>
+                                      <m:r>
+                                        <a:rPr lang="en-US" b="0" i="1" smtClean="0">
+                                          <a:latin typeface="Cambria Math" panose="02040503050406030204" pitchFamily="18" charset="0"/>
+                                        </a:rPr>
+                                        <m:t>𝛽</m:t>
+                                      </m:r>
+                                    </m:e>
+                                    <m:sub>
+                                      <m:r>
+                                        <a:rPr lang="en-US" b="0" i="1" smtClean="0">
+                                          <a:latin typeface="Cambria Math" panose="02040503050406030204" pitchFamily="18" charset="0"/>
+                                        </a:rPr>
+                                        <m:t>𝑗</m:t>
+                                      </m:r>
+                                    </m:sub>
+                                  </m:sSub>
+                                  <m:r>
+                                    <a:rPr lang="en-US" b="0" i="1" smtClean="0">
+                                      <a:latin typeface="Cambria Math" panose="02040503050406030204" pitchFamily="18" charset="0"/>
+                                    </a:rPr>
+                                    <m:t>≤0</m:t>
+                                  </m:r>
+                                </m:e>
+                                <m:e>
+                                  <m:acc>
+                                    <m:accPr>
+                                      <m:chr m:val="̂"/>
+                                      <m:ctrlPr>
+                                        <a:rPr lang="en-US" b="0" i="1" smtClean="0">
+                                          <a:latin typeface="Cambria Math" panose="02040503050406030204" pitchFamily="18" charset="0"/>
+                                        </a:rPr>
+                                      </m:ctrlPr>
+                                    </m:accPr>
+                                    <m:e>
+                                      <m:r>
+                                        <a:rPr lang="en-US" b="0" i="1" smtClean="0">
+                                          <a:latin typeface="Cambria Math" panose="02040503050406030204" pitchFamily="18" charset="0"/>
+                                        </a:rPr>
+                                        <m:t>𝜋</m:t>
+                                      </m:r>
+                                    </m:e>
+                                  </m:acc>
+                                  <m:r>
+                                    <a:rPr lang="en-US" b="0" i="1" smtClean="0">
+                                      <a:latin typeface="Cambria Math" panose="02040503050406030204" pitchFamily="18" charset="0"/>
+                                    </a:rPr>
+                                    <m:t>,</m:t>
+                                  </m:r>
+                                  <m:acc>
+                                    <m:accPr>
+                                      <m:chr m:val="̂"/>
+                                      <m:ctrlPr>
+                                        <a:rPr lang="en-US" b="0" i="1" smtClean="0">
+                                          <a:latin typeface="Cambria Math" panose="02040503050406030204" pitchFamily="18" charset="0"/>
+                                        </a:rPr>
+                                      </m:ctrlPr>
+                                    </m:accPr>
+                                    <m:e>
+                                      <m:r>
+                                        <a:rPr lang="en-US" b="0" i="1" smtClean="0">
+                                          <a:latin typeface="Cambria Math" panose="02040503050406030204" pitchFamily="18" charset="0"/>
+                                        </a:rPr>
+                                        <m:t>𝛽</m:t>
+                                      </m:r>
+                                    </m:e>
+                                  </m:acc>
+                                  <m:r>
+                                    <a:rPr lang="en-US" b="0" i="1" smtClean="0">
+                                      <a:latin typeface="Cambria Math" panose="02040503050406030204" pitchFamily="18" charset="0"/>
+                                    </a:rPr>
+                                    <m:t>,</m:t>
+                                  </m:r>
+                                  <m:r>
+                                    <a:rPr lang="en-US" b="0" i="1" smtClean="0">
+                                      <a:latin typeface="Cambria Math" panose="02040503050406030204" pitchFamily="18" charset="0"/>
+                                    </a:rPr>
+                                    <m:t>𝑠</m:t>
+                                  </m:r>
+                                </m:e>
+                              </m:d>
+                            </m:e>
+                          </m:d>
+                        </m:e>
+                      </m:func>
+                    </m:oMath>
+                  </m:oMathPara>
+                </a14:m>
+                <a:endParaRPr lang="en-US" dirty="0"/>
+              </a:p>
+              <a:p>
+                <a:pPr marL="0" indent="0">
+                  <a:buNone/>
+                </a:pPr>
+                <a:r>
+                  <a:rPr lang="en-US" i="1" dirty="0"/>
+                  <a:t>Tukey (1991): “All we know about the world teaches us that the effects of A and B are always different – in some decimal place – for any A and B”</a:t>
+                </a:r>
+              </a:p>
+              <a:p>
+                <a:pPr marL="0" indent="0">
+                  <a:buNone/>
+                </a:pPr>
+                <a:endParaRPr lang="en-US" sz="1200" i="1" dirty="0"/>
+              </a:p>
+              <a:p>
+                <a:pPr marL="0" indent="0">
+                  <a:buNone/>
+                </a:pPr>
+                <a:r>
+                  <a:rPr lang="en-US" dirty="0"/>
+                  <a:t>For a particular set of observed effect sizes, ordered by </a:t>
+                </a:r>
+                <a:r>
+                  <a:rPr lang="en-US" dirty="0" err="1"/>
+                  <a:t>lfsr</a:t>
+                </a:r>
+                <a:r>
+                  <a:rPr lang="en-US" dirty="0"/>
+                  <a:t>,</a:t>
+                </a:r>
+              </a:p>
+              <a:p>
+                <a:pPr marL="0" indent="0">
+                  <a:buNone/>
+                </a:pPr>
+                <a14:m>
+                  <m:oMathPara xmlns:m="http://schemas.openxmlformats.org/officeDocument/2006/math">
+                    <m:oMathParaPr>
+                      <m:jc m:val="centerGroup"/>
+                    </m:oMathParaPr>
+                    <m:oMath xmlns:m="http://schemas.openxmlformats.org/officeDocument/2006/math">
+                      <m:r>
+                        <a:rPr lang="en-US" b="0" i="1" smtClean="0">
+                          <a:latin typeface="Cambria Math" panose="02040503050406030204" pitchFamily="18" charset="0"/>
+                        </a:rPr>
+                        <m:t>𝑠</m:t>
+                      </m:r>
+                      <m:d>
+                        <m:dPr>
+                          <m:ctrlPr>
+                            <a:rPr lang="en-US" b="0" i="1" smtClean="0">
+                              <a:latin typeface="Cambria Math" panose="02040503050406030204" pitchFamily="18" charset="0"/>
+                            </a:rPr>
+                          </m:ctrlPr>
+                        </m:dPr>
+                        <m:e>
+                          <m:sSub>
+                            <m:sSubPr>
+                              <m:ctrlPr>
+                                <a:rPr lang="en-US" b="0" i="1" smtClean="0">
+                                  <a:latin typeface="Cambria Math" panose="02040503050406030204" pitchFamily="18" charset="0"/>
+                                </a:rPr>
+                              </m:ctrlPr>
+                            </m:sSubPr>
+                            <m:e>
+                              <m:acc>
+                                <m:accPr>
+                                  <m:chr m:val="̂"/>
+                                  <m:ctrlPr>
+                                    <a:rPr lang="en-US" b="0" i="1" smtClean="0">
+                                      <a:latin typeface="Cambria Math" panose="02040503050406030204" pitchFamily="18" charset="0"/>
+                                    </a:rPr>
+                                  </m:ctrlPr>
+                                </m:accPr>
+                                <m:e>
+                                  <m:r>
+                                    <a:rPr lang="en-US" b="0" i="1" smtClean="0">
+                                      <a:latin typeface="Cambria Math" panose="02040503050406030204" pitchFamily="18" charset="0"/>
+                                    </a:rPr>
+                                    <m:t>𝛽</m:t>
+                                  </m:r>
+                                </m:e>
+                              </m:acc>
+                            </m:e>
+                            <m:sub>
+                              <m:d>
+                                <m:dPr>
+                                  <m:ctrlPr>
+                                    <a:rPr lang="en-US" b="0" i="1" smtClean="0">
+                                      <a:latin typeface="Cambria Math" panose="02040503050406030204" pitchFamily="18" charset="0"/>
+                                    </a:rPr>
+                                  </m:ctrlPr>
+                                </m:dPr>
+                                <m:e>
+                                  <m:r>
+                                    <a:rPr lang="en-US" b="0" i="1" smtClean="0">
+                                      <a:latin typeface="Cambria Math" panose="02040503050406030204" pitchFamily="18" charset="0"/>
+                                    </a:rPr>
+                                    <m:t>𝑗</m:t>
+                                  </m:r>
+                                </m:e>
+                              </m:d>
+                            </m:sub>
+                          </m:sSub>
+                        </m:e>
+                      </m:d>
+                      <m:r>
+                        <a:rPr lang="en-US" b="0" i="1" smtClean="0">
+                          <a:latin typeface="Cambria Math" panose="02040503050406030204" pitchFamily="18" charset="0"/>
+                        </a:rPr>
+                        <m:t>=</m:t>
+                      </m:r>
+                      <m:f>
+                        <m:fPr>
+                          <m:ctrlPr>
+                            <a:rPr lang="en-US" b="0" i="1" smtClean="0">
+                              <a:latin typeface="Cambria Math" panose="02040503050406030204" pitchFamily="18" charset="0"/>
+                            </a:rPr>
+                          </m:ctrlPr>
+                        </m:fPr>
+                        <m:num>
+                          <m:r>
+                            <a:rPr lang="en-US" b="0" i="1" smtClean="0">
+                              <a:latin typeface="Cambria Math" panose="02040503050406030204" pitchFamily="18" charset="0"/>
+                            </a:rPr>
+                            <m:t>1</m:t>
+                          </m:r>
+                        </m:num>
+                        <m:den>
+                          <m:r>
+                            <a:rPr lang="en-US" b="0" i="1" smtClean="0">
+                              <a:latin typeface="Cambria Math" panose="02040503050406030204" pitchFamily="18" charset="0"/>
+                            </a:rPr>
+                            <m:t>𝑗</m:t>
+                          </m:r>
+                        </m:den>
+                      </m:f>
+                      <m:nary>
+                        <m:naryPr>
+                          <m:chr m:val="∑"/>
+                          <m:ctrlPr>
+                            <a:rPr lang="en-US" b="0" i="1" smtClean="0">
+                              <a:latin typeface="Cambria Math" panose="02040503050406030204" pitchFamily="18" charset="0"/>
+                            </a:rPr>
+                          </m:ctrlPr>
+                        </m:naryPr>
+                        <m:sub>
+                          <m:r>
+                            <a:rPr lang="en-US" b="0" i="1" smtClean="0">
+                              <a:latin typeface="Cambria Math" panose="02040503050406030204" pitchFamily="18" charset="0"/>
+                            </a:rPr>
+                            <m:t>𝑖</m:t>
+                          </m:r>
+                          <m:r>
+                            <a:rPr lang="en-US" b="0" i="1" smtClean="0">
+                              <a:latin typeface="Cambria Math" panose="02040503050406030204" pitchFamily="18" charset="0"/>
+                            </a:rPr>
+                            <m:t>=1</m:t>
+                          </m:r>
+                        </m:sub>
+                        <m:sup>
+                          <m:r>
+                            <a:rPr lang="en-US" b="0" i="1" smtClean="0">
+                              <a:latin typeface="Cambria Math" panose="02040503050406030204" pitchFamily="18" charset="0"/>
+                            </a:rPr>
+                            <m:t>𝑗</m:t>
+                          </m:r>
+                        </m:sup>
+                        <m:e>
+                          <m:r>
+                            <a:rPr lang="en-US" b="0" i="1" smtClean="0">
+                              <a:latin typeface="Cambria Math" panose="02040503050406030204" pitchFamily="18" charset="0"/>
+                            </a:rPr>
+                            <m:t>𝑙𝑓</m:t>
+                          </m:r>
+                          <m:r>
+                            <a:rPr lang="en-US" b="0" i="1" smtClean="0">
+                              <a:latin typeface="Cambria Math" panose="02040503050406030204" pitchFamily="18" charset="0"/>
+                            </a:rPr>
+                            <m:t>𝑠</m:t>
+                          </m:r>
+                          <m:sSub>
+                            <m:sSubPr>
+                              <m:ctrlPr>
+                                <a:rPr lang="en-US" b="0" i="1" smtClean="0">
+                                  <a:latin typeface="Cambria Math" panose="02040503050406030204" pitchFamily="18" charset="0"/>
+                                </a:rPr>
+                              </m:ctrlPr>
+                            </m:sSubPr>
+                            <m:e>
+                              <m:r>
+                                <a:rPr lang="en-US" b="0" i="1" smtClean="0">
+                                  <a:latin typeface="Cambria Math" panose="02040503050406030204" pitchFamily="18" charset="0"/>
+                                </a:rPr>
+                                <m:t>𝑟</m:t>
+                              </m:r>
+                            </m:e>
+                            <m:sub>
+                              <m:d>
+                                <m:dPr>
+                                  <m:ctrlPr>
+                                    <a:rPr lang="en-US" b="0" i="1" smtClean="0">
+                                      <a:latin typeface="Cambria Math" panose="02040503050406030204" pitchFamily="18" charset="0"/>
+                                    </a:rPr>
+                                  </m:ctrlPr>
+                                </m:dPr>
+                                <m:e>
+                                  <m:r>
+                                    <a:rPr lang="en-US" b="0" i="1" smtClean="0">
+                                      <a:latin typeface="Cambria Math" panose="02040503050406030204" pitchFamily="18" charset="0"/>
+                                    </a:rPr>
+                                    <m:t>𝑖</m:t>
+                                  </m:r>
+                                </m:e>
+                              </m:d>
+                            </m:sub>
+                          </m:sSub>
+                        </m:e>
+                      </m:nary>
+                    </m:oMath>
+                  </m:oMathPara>
+                </a14:m>
+                <a:endParaRPr lang="en-US" dirty="0"/>
+              </a:p>
+              <a:p>
+                <a:pPr marL="0" indent="0">
+                  <a:buNone/>
+                </a:pPr>
+                <a:r>
+                  <a:rPr lang="en-US" dirty="0"/>
+                  <a:t>In practice </a:t>
+                </a:r>
+                <a:r>
+                  <a:rPr lang="en-US" dirty="0" err="1"/>
+                  <a:t>lfsr</a:t>
+                </a:r>
+                <a:r>
+                  <a:rPr lang="en-US" dirty="0"/>
+                  <a:t> can be more powerful than </a:t>
+                </a:r>
+                <a:r>
+                  <a:rPr lang="en-US" dirty="0" err="1"/>
+                  <a:t>lfdr</a:t>
+                </a:r>
+                <a:r>
+                  <a:rPr lang="en-US" dirty="0"/>
+                  <a:t> in the sense that calculated </a:t>
+                </a:r>
+                <a:r>
+                  <a:rPr lang="en-US" dirty="0" err="1"/>
+                  <a:t>lfsr</a:t>
+                </a:r>
+                <a:r>
+                  <a:rPr lang="en-US" dirty="0"/>
+                  <a:t> is closer to the true </a:t>
+                </a:r>
+                <a:r>
+                  <a:rPr lang="en-US" dirty="0" err="1"/>
+                  <a:t>lfsr</a:t>
+                </a:r>
+                <a:r>
+                  <a:rPr lang="en-US" dirty="0"/>
+                  <a:t> while still being conservative</a:t>
+                </a:r>
+              </a:p>
+            </p:txBody>
+          </p:sp>
+        </mc:Choice>
+        <mc:Fallback>
+          <p:sp>
+            <p:nvSpPr>
+              <p:cNvPr id="3" name="Content Placeholder 2">
+                <a:extLst>
+                  <a:ext uri="{FF2B5EF4-FFF2-40B4-BE49-F238E27FC236}">
+                    <a16:creationId xmlns:a16="http://schemas.microsoft.com/office/drawing/2014/main" id="{66407FA0-411C-03F8-47B1-3D51212BE6CF}"/>
+                  </a:ext>
+                </a:extLst>
+              </p:cNvPr>
+              <p:cNvSpPr>
+                <a:spLocks noGrp="1" noRot="1" noChangeAspect="1" noMove="1" noResize="1" noEditPoints="1" noAdjustHandles="1" noChangeArrowheads="1" noChangeShapeType="1" noTextEdit="1"/>
+              </p:cNvSpPr>
+              <p:nvPr>
+                <p:ph idx="1"/>
+              </p:nvPr>
+            </p:nvSpPr>
+            <p:spPr>
+              <a:blipFill>
+                <a:blip r:embed="rId2"/>
+                <a:stretch>
+                  <a:fillRect l="-1041" t="-2088" r="-208" b="-6729"/>
+                </a:stretch>
+              </a:blipFill>
+            </p:spPr>
+            <p:txBody>
+              <a:bodyPr/>
+              <a:lstStyle/>
+              <a:p>
+                <a:r>
+                  <a:rPr lang="en-US">
+                    <a:noFill/>
+                  </a:rPr>
+                  <a:t> </a:t>
+                </a:r>
+              </a:p>
+            </p:txBody>
+          </p:sp>
+        </mc:Fallback>
+      </mc:AlternateContent>
+      <p:sp>
+        <p:nvSpPr>
+          <p:cNvPr id="4" name="Date Placeholder 3">
+            <a:extLst>
+              <a:ext uri="{FF2B5EF4-FFF2-40B4-BE49-F238E27FC236}">
+                <a16:creationId xmlns:a16="http://schemas.microsoft.com/office/drawing/2014/main" id="{3160C481-489B-676E-4211-B0687E7E4F4E}"/>
+              </a:ext>
+            </a:extLst>
+          </p:cNvPr>
+          <p:cNvSpPr>
+            <a:spLocks noGrp="1"/>
+          </p:cNvSpPr>
+          <p:nvPr>
+            <p:ph type="dt" sz="half" idx="10"/>
+          </p:nvPr>
+        </p:nvSpPr>
+        <p:spPr/>
+        <p:txBody>
+          <a:bodyPr/>
+          <a:lstStyle/>
+          <a:p>
+            <a:fld id="{C341F050-1748-B641-BEF7-F0B05D683DF2}" type="datetime1">
+              <a:rPr lang="en-US" smtClean="0"/>
+              <a:t>5/21/24</a:t>
+            </a:fld>
+            <a:endParaRPr lang="en-US"/>
+          </a:p>
+        </p:txBody>
+      </p:sp>
+      <p:sp>
+        <p:nvSpPr>
+          <p:cNvPr id="5" name="Footer Placeholder 4">
+            <a:extLst>
+              <a:ext uri="{FF2B5EF4-FFF2-40B4-BE49-F238E27FC236}">
+                <a16:creationId xmlns:a16="http://schemas.microsoft.com/office/drawing/2014/main" id="{058313CE-E342-E1F4-9643-F64F6E56B62A}"/>
+              </a:ext>
+            </a:extLst>
+          </p:cNvPr>
+          <p:cNvSpPr>
+            <a:spLocks noGrp="1"/>
+          </p:cNvSpPr>
+          <p:nvPr>
+            <p:ph type="ftr" sz="quarter" idx="11"/>
+          </p:nvPr>
+        </p:nvSpPr>
+        <p:spPr/>
+        <p:txBody>
+          <a:bodyPr/>
+          <a:lstStyle/>
+          <a:p>
+            <a:r>
+              <a:rPr lang="en-US"/>
+              <a:t>Jared Brown · Postdoctoral research fellow · DFCI Lab of Rafael Irizarry jbrown@ds.dfci.harvard.edu · github.com/JBrownBiostat</a:t>
+            </a:r>
+          </a:p>
+        </p:txBody>
+      </p:sp>
+      <p:sp>
+        <p:nvSpPr>
+          <p:cNvPr id="6" name="Slide Number Placeholder 5">
+            <a:extLst>
+              <a:ext uri="{FF2B5EF4-FFF2-40B4-BE49-F238E27FC236}">
+                <a16:creationId xmlns:a16="http://schemas.microsoft.com/office/drawing/2014/main" id="{628AE4C9-948A-23A1-654B-52346A1607E7}"/>
+              </a:ext>
+            </a:extLst>
+          </p:cNvPr>
+          <p:cNvSpPr>
+            <a:spLocks noGrp="1"/>
+          </p:cNvSpPr>
+          <p:nvPr>
+            <p:ph type="sldNum" sz="quarter" idx="12"/>
+          </p:nvPr>
+        </p:nvSpPr>
+        <p:spPr/>
+        <p:txBody>
+          <a:bodyPr/>
+          <a:lstStyle/>
+          <a:p>
+            <a:fld id="{2C8BF43B-81B9-DD48-8FF8-6AE31485DC69}" type="slidenum">
+              <a:rPr lang="en-US" smtClean="0"/>
+              <a:t>19</a:t>
+            </a:fld>
+            <a:endParaRPr lang="en-US"/>
+          </a:p>
+        </p:txBody>
+      </p:sp>
+    </p:spTree>
+    <p:extLst>
+      <p:ext uri="{BB962C8B-B14F-4D97-AF65-F5344CB8AC3E}">
+        <p14:creationId xmlns:p14="http://schemas.microsoft.com/office/powerpoint/2010/main" val="1139472458"/>
+      </p:ext>
+    </p:extLst>
+  </p:cSld>
+  <p:clrMapOvr>
+    <a:masterClrMapping/>
+  </p:clrMapOvr>
+</p:sld>
+</file>
+
+<file path=ppt/slides/slide21.xml><?xml version="1.0" encoding="utf-8"?>
+<p:sld xmlns:a="http://schemas.openxmlformats.org/drawingml/2006/main" xmlns:r="http://schemas.openxmlformats.org/officeDocument/2006/relationships" xmlns:p="http://schemas.openxmlformats.org/presentationml/2006/main">
+  <p:cSld>
+    <p:spTree>
+      <p:nvGrpSpPr>
+        <p:cNvPr id="1" name=""/>
+        <p:cNvGrpSpPr/>
+        <p:nvPr/>
+      </p:nvGrpSpPr>
+      <p:grpSpPr>
+        <a:xfrm>
+          <a:off x="0" y="0"/>
+          <a:ext cx="0" cy="0"/>
+          <a:chOff x="0" y="0"/>
+          <a:chExt cx="0" cy="0"/>
+        </a:xfrm>
+      </p:grpSpPr>
+      <p:sp>
+        <p:nvSpPr>
+          <p:cNvPr id="2" name="Title 1">
+            <a:extLst>
+              <a:ext uri="{FF2B5EF4-FFF2-40B4-BE49-F238E27FC236}">
+                <a16:creationId xmlns:a16="http://schemas.microsoft.com/office/drawing/2014/main" id="{6B9ED954-C02E-F4CB-6ED0-A2E2D33A07D7}"/>
+              </a:ext>
+            </a:extLst>
+          </p:cNvPr>
+          <p:cNvSpPr>
+            <a:spLocks noGrp="1"/>
+          </p:cNvSpPr>
+          <p:nvPr>
+            <p:ph type="title"/>
+          </p:nvPr>
+        </p:nvSpPr>
+        <p:spPr/>
+        <p:txBody>
+          <a:bodyPr/>
+          <a:lstStyle/>
+          <a:p>
+            <a:r>
+              <a:rPr lang="en-US" u="sng" dirty="0" err="1"/>
+              <a:t>A</a:t>
+            </a:r>
+            <a:r>
+              <a:rPr lang="en-US" dirty="0" err="1"/>
+              <a:t>dapative</a:t>
+            </a:r>
+            <a:r>
+              <a:rPr lang="en-US" dirty="0"/>
+              <a:t> </a:t>
+            </a:r>
+            <a:r>
+              <a:rPr lang="en-US" u="sng" dirty="0" err="1"/>
+              <a:t>SH</a:t>
+            </a:r>
+            <a:r>
+              <a:rPr lang="en-US" dirty="0" err="1"/>
+              <a:t>rinkage</a:t>
+            </a:r>
+            <a:r>
+              <a:rPr lang="en-US" dirty="0"/>
+              <a:t> (ASH) model (1)</a:t>
+            </a:r>
+            <a:endParaRPr lang="en-US" u="sng" dirty="0"/>
+          </a:p>
+        </p:txBody>
+      </p:sp>
+      <mc:AlternateContent xmlns:mc="http://schemas.openxmlformats.org/markup-compatibility/2006">
+        <mc:Choice xmlns:a14="http://schemas.microsoft.com/office/drawing/2010/main" Requires="a14">
+          <p:sp>
+            <p:nvSpPr>
+              <p:cNvPr id="3" name="Content Placeholder 2">
+                <a:extLst>
+                  <a:ext uri="{FF2B5EF4-FFF2-40B4-BE49-F238E27FC236}">
+                    <a16:creationId xmlns:a16="http://schemas.microsoft.com/office/drawing/2014/main" id="{F10F01B7-0E10-7AFC-DE91-FBC60D4FAEA1}"/>
+                  </a:ext>
+                </a:extLst>
+              </p:cNvPr>
+              <p:cNvSpPr>
+                <a:spLocks noGrp="1"/>
+              </p:cNvSpPr>
+              <p:nvPr>
+                <p:ph idx="1"/>
+              </p:nvPr>
+            </p:nvSpPr>
+            <p:spPr/>
+            <p:txBody>
+              <a:bodyPr>
+                <a:normAutofit/>
+              </a:bodyPr>
+              <a:lstStyle/>
+              <a:p>
+                <a:pPr marL="0" indent="0">
+                  <a:buNone/>
+                </a:pPr>
+                <a:r>
+                  <a:rPr lang="en-US" sz="2000" dirty="0"/>
+                  <a:t>Model from </a:t>
+                </a:r>
+                <a:r>
+                  <a:rPr lang="en-US" sz="2000" i="1" dirty="0"/>
+                  <a:t>M. Stephens 2017</a:t>
+                </a:r>
+                <a:endParaRPr lang="en-US" sz="2000" dirty="0"/>
+              </a:p>
+              <a:p>
+                <a:pPr marL="0" indent="0">
+                  <a:buNone/>
+                </a:pPr>
+                <a:r>
+                  <a:rPr lang="en-US" sz="2000" dirty="0"/>
+                  <a:t>Consider </a:t>
+                </a:r>
+                <a:r>
+                  <a:rPr lang="en-US" sz="2000" i="1" dirty="0"/>
+                  <a:t>true</a:t>
+                </a:r>
+                <a:r>
+                  <a:rPr lang="en-US" sz="2000" dirty="0"/>
+                  <a:t> effects (model coefficients) </a:t>
+                </a:r>
+                <a14:m>
+                  <m:oMath xmlns:m="http://schemas.openxmlformats.org/officeDocument/2006/math">
+                    <m:r>
+                      <a:rPr lang="en-US" sz="2000" b="0" i="1" smtClean="0">
+                        <a:latin typeface="Cambria Math" panose="02040503050406030204" pitchFamily="18" charset="0"/>
+                      </a:rPr>
+                      <m:t>𝛽</m:t>
+                    </m:r>
+                    <m:r>
+                      <a:rPr lang="en-US" sz="2000" b="0" i="1" smtClean="0">
+                        <a:latin typeface="Cambria Math" panose="02040503050406030204" pitchFamily="18" charset="0"/>
+                      </a:rPr>
+                      <m:t>=</m:t>
+                    </m:r>
+                    <m:d>
+                      <m:dPr>
+                        <m:ctrlPr>
+                          <a:rPr lang="en-US" sz="2000" b="0" i="1" smtClean="0">
+                            <a:latin typeface="Cambria Math" panose="02040503050406030204" pitchFamily="18" charset="0"/>
+                          </a:rPr>
+                        </m:ctrlPr>
+                      </m:dPr>
+                      <m:e>
+                        <m:sSub>
+                          <m:sSubPr>
+                            <m:ctrlPr>
+                              <a:rPr lang="en-US" sz="2000" b="0" i="1" smtClean="0">
+                                <a:latin typeface="Cambria Math" panose="02040503050406030204" pitchFamily="18" charset="0"/>
+                              </a:rPr>
+                            </m:ctrlPr>
+                          </m:sSubPr>
+                          <m:e>
+                            <m:r>
+                              <a:rPr lang="en-US" sz="2000" b="0" i="1" smtClean="0">
+                                <a:latin typeface="Cambria Math" panose="02040503050406030204" pitchFamily="18" charset="0"/>
+                              </a:rPr>
+                              <m:t>𝛽</m:t>
+                            </m:r>
+                          </m:e>
+                          <m:sub>
+                            <m:r>
+                              <a:rPr lang="en-US" sz="2000" b="0" i="1" smtClean="0">
+                                <a:latin typeface="Cambria Math" panose="02040503050406030204" pitchFamily="18" charset="0"/>
+                              </a:rPr>
+                              <m:t>1</m:t>
+                            </m:r>
+                          </m:sub>
+                        </m:sSub>
+                        <m:r>
+                          <a:rPr lang="en-US" sz="2000" b="0" i="1" smtClean="0">
+                            <a:latin typeface="Cambria Math" panose="02040503050406030204" pitchFamily="18" charset="0"/>
+                          </a:rPr>
+                          <m:t>,…,</m:t>
+                        </m:r>
+                        <m:sSub>
+                          <m:sSubPr>
+                            <m:ctrlPr>
+                              <a:rPr lang="en-US" sz="2000" b="0" i="1" smtClean="0">
+                                <a:latin typeface="Cambria Math" panose="02040503050406030204" pitchFamily="18" charset="0"/>
+                              </a:rPr>
+                            </m:ctrlPr>
+                          </m:sSubPr>
+                          <m:e>
+                            <m:r>
+                              <a:rPr lang="en-US" sz="2000" b="0" i="1" smtClean="0">
+                                <a:latin typeface="Cambria Math" panose="02040503050406030204" pitchFamily="18" charset="0"/>
+                              </a:rPr>
+                              <m:t>𝛽</m:t>
+                            </m:r>
+                          </m:e>
+                          <m:sub>
+                            <m:r>
+                              <a:rPr lang="en-US" sz="2000" b="0" i="1" smtClean="0">
+                                <a:latin typeface="Cambria Math" panose="02040503050406030204" pitchFamily="18" charset="0"/>
+                              </a:rPr>
+                              <m:t>𝐽</m:t>
+                            </m:r>
+                          </m:sub>
+                        </m:sSub>
+                      </m:e>
+                    </m:d>
+                  </m:oMath>
+                </a14:m>
+                <a:r>
+                  <a:rPr lang="en-US" sz="2000" dirty="0"/>
+                  <a:t> and observed effect sizes </a:t>
+                </a:r>
+                <a14:m>
+                  <m:oMath xmlns:m="http://schemas.openxmlformats.org/officeDocument/2006/math">
+                    <m:acc>
+                      <m:accPr>
+                        <m:chr m:val="̂"/>
+                        <m:ctrlPr>
+                          <a:rPr lang="en-US" sz="2000" b="0" i="1" smtClean="0">
+                            <a:latin typeface="Cambria Math" panose="02040503050406030204" pitchFamily="18" charset="0"/>
+                          </a:rPr>
+                        </m:ctrlPr>
+                      </m:accPr>
+                      <m:e>
+                        <m:r>
+                          <a:rPr lang="en-US" sz="2000" b="0" i="1" smtClean="0">
+                            <a:latin typeface="Cambria Math" panose="02040503050406030204" pitchFamily="18" charset="0"/>
+                          </a:rPr>
+                          <m:t>𝛽</m:t>
+                        </m:r>
+                      </m:e>
+                    </m:acc>
+                    <m:r>
+                      <a:rPr lang="en-US" sz="2000" b="0" i="1" dirty="0" smtClean="0">
+                        <a:latin typeface="Cambria Math" panose="02040503050406030204" pitchFamily="18" charset="0"/>
+                      </a:rPr>
+                      <m:t>=</m:t>
+                    </m:r>
+                    <m:d>
+                      <m:dPr>
+                        <m:ctrlPr>
+                          <a:rPr lang="en-US" sz="2000" b="0" i="1" dirty="0" smtClean="0">
+                            <a:latin typeface="Cambria Math" panose="02040503050406030204" pitchFamily="18" charset="0"/>
+                          </a:rPr>
+                        </m:ctrlPr>
+                      </m:dPr>
+                      <m:e>
+                        <m:sSub>
+                          <m:sSubPr>
+                            <m:ctrlPr>
+                              <a:rPr lang="en-US" sz="2000" b="0" i="1" dirty="0" smtClean="0">
+                                <a:latin typeface="Cambria Math" panose="02040503050406030204" pitchFamily="18" charset="0"/>
+                              </a:rPr>
+                            </m:ctrlPr>
+                          </m:sSubPr>
+                          <m:e>
+                            <m:acc>
+                              <m:accPr>
+                                <m:chr m:val="̂"/>
+                                <m:ctrlPr>
+                                  <a:rPr lang="en-US" sz="2000" b="0" i="1" dirty="0" smtClean="0">
+                                    <a:latin typeface="Cambria Math" panose="02040503050406030204" pitchFamily="18" charset="0"/>
+                                  </a:rPr>
+                                </m:ctrlPr>
+                              </m:accPr>
+                              <m:e>
+                                <m:r>
+                                  <a:rPr lang="en-US" sz="2000" b="0" i="1" dirty="0" smtClean="0">
+                                    <a:latin typeface="Cambria Math" panose="02040503050406030204" pitchFamily="18" charset="0"/>
+                                  </a:rPr>
+                                  <m:t>𝛽</m:t>
+                                </m:r>
+                              </m:e>
+                            </m:acc>
+                          </m:e>
+                          <m:sub>
+                            <m:r>
+                              <a:rPr lang="en-US" sz="2000" b="0" i="1" dirty="0" smtClean="0">
+                                <a:latin typeface="Cambria Math" panose="02040503050406030204" pitchFamily="18" charset="0"/>
+                              </a:rPr>
+                              <m:t>1</m:t>
+                            </m:r>
+                          </m:sub>
+                        </m:sSub>
+                        <m:r>
+                          <a:rPr lang="en-US" sz="2000" b="0" i="1" dirty="0" smtClean="0">
+                            <a:latin typeface="Cambria Math" panose="02040503050406030204" pitchFamily="18" charset="0"/>
+                          </a:rPr>
+                          <m:t>,…,</m:t>
+                        </m:r>
+                        <m:sSub>
+                          <m:sSubPr>
+                            <m:ctrlPr>
+                              <a:rPr lang="en-US" sz="2000" b="0" i="1" dirty="0" smtClean="0">
+                                <a:latin typeface="Cambria Math" panose="02040503050406030204" pitchFamily="18" charset="0"/>
+                              </a:rPr>
+                            </m:ctrlPr>
+                          </m:sSubPr>
+                          <m:e>
+                            <m:acc>
+                              <m:accPr>
+                                <m:chr m:val="̂"/>
+                                <m:ctrlPr>
+                                  <a:rPr lang="en-US" sz="2000" b="0" i="1" dirty="0" smtClean="0">
+                                    <a:latin typeface="Cambria Math" panose="02040503050406030204" pitchFamily="18" charset="0"/>
+                                  </a:rPr>
+                                </m:ctrlPr>
+                              </m:accPr>
+                              <m:e>
+                                <m:r>
+                                  <a:rPr lang="en-US" sz="2000" b="0" i="1" dirty="0" smtClean="0">
+                                    <a:latin typeface="Cambria Math" panose="02040503050406030204" pitchFamily="18" charset="0"/>
+                                  </a:rPr>
+                                  <m:t>𝛽</m:t>
+                                </m:r>
+                              </m:e>
+                            </m:acc>
+                          </m:e>
+                          <m:sub>
+                            <m:r>
+                              <a:rPr lang="en-US" sz="2000" b="0" i="1" dirty="0" smtClean="0">
+                                <a:latin typeface="Cambria Math" panose="02040503050406030204" pitchFamily="18" charset="0"/>
+                              </a:rPr>
+                              <m:t>𝐽</m:t>
+                            </m:r>
+                          </m:sub>
+                        </m:sSub>
+                      </m:e>
+                    </m:d>
+                  </m:oMath>
+                </a14:m>
+                <a:r>
+                  <a:rPr lang="en-US" sz="2000" dirty="0"/>
+                  <a:t> with corresponding estimated standard errors </a:t>
+                </a:r>
+                <a14:m>
+                  <m:oMath xmlns:m="http://schemas.openxmlformats.org/officeDocument/2006/math">
+                    <m:acc>
+                      <m:accPr>
+                        <m:chr m:val="̂"/>
+                        <m:ctrlPr>
+                          <a:rPr lang="en-US" sz="2000" b="0" i="1" smtClean="0">
+                            <a:latin typeface="Cambria Math" panose="02040503050406030204" pitchFamily="18" charset="0"/>
+                          </a:rPr>
+                        </m:ctrlPr>
+                      </m:accPr>
+                      <m:e>
+                        <m:r>
+                          <a:rPr lang="en-US" sz="2000" b="0" i="1" smtClean="0">
+                            <a:latin typeface="Cambria Math" panose="02040503050406030204" pitchFamily="18" charset="0"/>
+                          </a:rPr>
+                          <m:t>𝑠</m:t>
+                        </m:r>
+                      </m:e>
+                    </m:acc>
+                    <m:r>
+                      <a:rPr lang="en-US" sz="2000" b="0" i="1" dirty="0" smtClean="0">
+                        <a:latin typeface="Cambria Math" panose="02040503050406030204" pitchFamily="18" charset="0"/>
+                      </a:rPr>
+                      <m:t>=</m:t>
+                    </m:r>
+                    <m:d>
+                      <m:dPr>
+                        <m:ctrlPr>
+                          <a:rPr lang="en-US" sz="2000" b="0" i="1" dirty="0" smtClean="0">
+                            <a:latin typeface="Cambria Math" panose="02040503050406030204" pitchFamily="18" charset="0"/>
+                          </a:rPr>
+                        </m:ctrlPr>
+                      </m:dPr>
+                      <m:e>
+                        <m:sSub>
+                          <m:sSubPr>
+                            <m:ctrlPr>
+                              <a:rPr lang="en-US" sz="2000" b="0" i="1" dirty="0" smtClean="0">
+                                <a:latin typeface="Cambria Math" panose="02040503050406030204" pitchFamily="18" charset="0"/>
+                              </a:rPr>
+                            </m:ctrlPr>
+                          </m:sSubPr>
+                          <m:e>
+                            <m:acc>
+                              <m:accPr>
+                                <m:chr m:val="̂"/>
+                                <m:ctrlPr>
+                                  <a:rPr lang="en-US" sz="2000" b="0" i="1" dirty="0" smtClean="0">
+                                    <a:latin typeface="Cambria Math" panose="02040503050406030204" pitchFamily="18" charset="0"/>
+                                  </a:rPr>
+                                </m:ctrlPr>
+                              </m:accPr>
+                              <m:e>
+                                <m:r>
+                                  <a:rPr lang="en-US" sz="2000" b="0" i="1" dirty="0" smtClean="0">
+                                    <a:latin typeface="Cambria Math" panose="02040503050406030204" pitchFamily="18" charset="0"/>
+                                  </a:rPr>
+                                  <m:t>𝑠</m:t>
+                                </m:r>
+                              </m:e>
+                            </m:acc>
+                          </m:e>
+                          <m:sub>
+                            <m:r>
+                              <a:rPr lang="en-US" sz="2000" b="0" i="1" dirty="0" smtClean="0">
+                                <a:latin typeface="Cambria Math" panose="02040503050406030204" pitchFamily="18" charset="0"/>
+                              </a:rPr>
+                              <m:t>1</m:t>
+                            </m:r>
+                          </m:sub>
+                        </m:sSub>
+                        <m:r>
+                          <a:rPr lang="en-US" sz="2000" b="0" i="1" dirty="0" smtClean="0">
+                            <a:latin typeface="Cambria Math" panose="02040503050406030204" pitchFamily="18" charset="0"/>
+                          </a:rPr>
+                          <m:t>,…,</m:t>
+                        </m:r>
+                        <m:sSub>
+                          <m:sSubPr>
+                            <m:ctrlPr>
+                              <a:rPr lang="en-US" sz="2000" b="0" i="1" dirty="0" smtClean="0">
+                                <a:latin typeface="Cambria Math" panose="02040503050406030204" pitchFamily="18" charset="0"/>
+                              </a:rPr>
+                            </m:ctrlPr>
+                          </m:sSubPr>
+                          <m:e>
+                            <m:acc>
+                              <m:accPr>
+                                <m:chr m:val="̂"/>
+                                <m:ctrlPr>
+                                  <a:rPr lang="en-US" sz="2000" b="0" i="1" dirty="0" smtClean="0">
+                                    <a:latin typeface="Cambria Math" panose="02040503050406030204" pitchFamily="18" charset="0"/>
+                                  </a:rPr>
+                                </m:ctrlPr>
+                              </m:accPr>
+                              <m:e>
+                                <m:r>
+                                  <a:rPr lang="en-US" sz="2000" b="0" i="1" dirty="0" smtClean="0">
+                                    <a:latin typeface="Cambria Math" panose="02040503050406030204" pitchFamily="18" charset="0"/>
+                                  </a:rPr>
+                                  <m:t>𝑠</m:t>
+                                </m:r>
+                              </m:e>
+                            </m:acc>
+                          </m:e>
+                          <m:sub>
+                            <m:r>
+                              <a:rPr lang="en-US" sz="2000" b="0" i="1" dirty="0" smtClean="0">
+                                <a:latin typeface="Cambria Math" panose="02040503050406030204" pitchFamily="18" charset="0"/>
+                              </a:rPr>
+                              <m:t>𝐽</m:t>
+                            </m:r>
+                          </m:sub>
+                        </m:sSub>
+                      </m:e>
+                    </m:d>
+                  </m:oMath>
+                </a14:m>
+                <a:endParaRPr lang="en-US" sz="2000" dirty="0"/>
+              </a:p>
+              <a:p>
+                <a:pPr marL="0" indent="0">
+                  <a:buNone/>
+                </a:pPr>
+                <a:endParaRPr lang="en-US" sz="1200" dirty="0"/>
+              </a:p>
+              <a:p>
+                <a:pPr marL="0" indent="0">
+                  <a:buNone/>
+                </a:pPr>
+                <a:r>
+                  <a:rPr lang="en-US" sz="2000" dirty="0"/>
+                  <a:t>We can conduct hypothesis testing based on the model of the true effects:</a:t>
+                </a:r>
+              </a:p>
+              <a:p>
+                <a:pPr marL="0" indent="0">
+                  <a:buNone/>
+                </a:pPr>
+                <a14:m>
+                  <m:oMathPara xmlns:m="http://schemas.openxmlformats.org/officeDocument/2006/math">
+                    <m:oMathParaPr>
+                      <m:jc m:val="centerGroup"/>
+                    </m:oMathParaPr>
+                    <m:oMath xmlns:m="http://schemas.openxmlformats.org/officeDocument/2006/math">
+                      <m:r>
+                        <a:rPr lang="en-US" sz="2000" b="0" i="1" smtClean="0">
+                          <a:latin typeface="Cambria Math" panose="02040503050406030204" pitchFamily="18" charset="0"/>
+                        </a:rPr>
+                        <m:t>ℙ</m:t>
+                      </m:r>
+                      <m:d>
+                        <m:dPr>
+                          <m:ctrlPr>
+                            <a:rPr lang="en-US" sz="2000" b="0" i="1" smtClean="0">
+                              <a:latin typeface="Cambria Math" panose="02040503050406030204" pitchFamily="18" charset="0"/>
+                            </a:rPr>
+                          </m:ctrlPr>
+                        </m:dPr>
+                        <m:e>
+                          <m:r>
+                            <a:rPr lang="en-US" sz="2000" b="0" i="1" smtClean="0">
+                              <a:latin typeface="Cambria Math" panose="02040503050406030204" pitchFamily="18" charset="0"/>
+                            </a:rPr>
+                            <m:t>𝛽</m:t>
+                          </m:r>
+                        </m:e>
+                        <m:e>
+                          <m:acc>
+                            <m:accPr>
+                              <m:chr m:val="̂"/>
+                              <m:ctrlPr>
+                                <a:rPr lang="en-US" sz="2000" b="0" i="1" smtClean="0">
+                                  <a:latin typeface="Cambria Math" panose="02040503050406030204" pitchFamily="18" charset="0"/>
+                                </a:rPr>
+                              </m:ctrlPr>
+                            </m:accPr>
+                            <m:e>
+                              <m:r>
+                                <a:rPr lang="en-US" sz="2000" b="0" i="1" smtClean="0">
+                                  <a:latin typeface="Cambria Math" panose="02040503050406030204" pitchFamily="18" charset="0"/>
+                                </a:rPr>
+                                <m:t>𝛽</m:t>
+                              </m:r>
+                            </m:e>
+                          </m:acc>
+                          <m:r>
+                            <a:rPr lang="en-US" sz="2000" b="0" i="1" smtClean="0">
+                              <a:latin typeface="Cambria Math" panose="02040503050406030204" pitchFamily="18" charset="0"/>
+                            </a:rPr>
+                            <m:t>,</m:t>
+                          </m:r>
+                          <m:acc>
+                            <m:accPr>
+                              <m:chr m:val="̂"/>
+                              <m:ctrlPr>
+                                <a:rPr lang="en-US" sz="2000" b="0" i="1" smtClean="0">
+                                  <a:latin typeface="Cambria Math" panose="02040503050406030204" pitchFamily="18" charset="0"/>
+                                </a:rPr>
+                              </m:ctrlPr>
+                            </m:accPr>
+                            <m:e>
+                              <m:r>
+                                <a:rPr lang="en-US" sz="2000" b="0" i="1" smtClean="0">
+                                  <a:latin typeface="Cambria Math" panose="02040503050406030204" pitchFamily="18" charset="0"/>
+                                </a:rPr>
+                                <m:t>𝑠</m:t>
+                              </m:r>
+                            </m:e>
+                          </m:acc>
+                        </m:e>
+                      </m:d>
+                      <m:r>
+                        <a:rPr lang="en-US" sz="2000" b="0" i="1" smtClean="0">
+                          <a:latin typeface="Cambria Math" panose="02040503050406030204" pitchFamily="18" charset="0"/>
+                        </a:rPr>
+                        <m:t>∝</m:t>
+                      </m:r>
+                      <m:r>
+                        <a:rPr lang="en-US" sz="2000" b="0" i="1" smtClean="0">
+                          <a:latin typeface="Cambria Math" panose="02040503050406030204" pitchFamily="18" charset="0"/>
+                        </a:rPr>
+                        <m:t>ℙ</m:t>
+                      </m:r>
+                      <m:d>
+                        <m:dPr>
+                          <m:ctrlPr>
+                            <a:rPr lang="en-US" sz="2000" b="0" i="1" smtClean="0">
+                              <a:latin typeface="Cambria Math" panose="02040503050406030204" pitchFamily="18" charset="0"/>
+                            </a:rPr>
+                          </m:ctrlPr>
+                        </m:dPr>
+                        <m:e>
+                          <m:r>
+                            <a:rPr lang="en-US" sz="2000" b="0" i="1" smtClean="0">
+                              <a:latin typeface="Cambria Math" panose="02040503050406030204" pitchFamily="18" charset="0"/>
+                            </a:rPr>
+                            <m:t>𝛽</m:t>
+                          </m:r>
+                        </m:e>
+                        <m:e>
+                          <m:acc>
+                            <m:accPr>
+                              <m:chr m:val="̂"/>
+                              <m:ctrlPr>
+                                <a:rPr lang="en-US" sz="2000" b="0" i="1" smtClean="0">
+                                  <a:latin typeface="Cambria Math" panose="02040503050406030204" pitchFamily="18" charset="0"/>
+                                </a:rPr>
+                              </m:ctrlPr>
+                            </m:accPr>
+                            <m:e>
+                              <m:r>
+                                <a:rPr lang="en-US" sz="2000" b="0" i="1" smtClean="0">
+                                  <a:latin typeface="Cambria Math" panose="02040503050406030204" pitchFamily="18" charset="0"/>
+                                </a:rPr>
+                                <m:t>𝑠</m:t>
+                              </m:r>
+                            </m:e>
+                          </m:acc>
+                        </m:e>
+                      </m:d>
+                      <m:r>
+                        <a:rPr lang="en-US" sz="2000" b="0" i="1" smtClean="0">
+                          <a:latin typeface="Cambria Math" panose="02040503050406030204" pitchFamily="18" charset="0"/>
+                        </a:rPr>
+                        <m:t>ℙ</m:t>
+                      </m:r>
+                      <m:d>
+                        <m:dPr>
+                          <m:ctrlPr>
+                            <a:rPr lang="en-US" sz="2000" b="0" i="1" smtClean="0">
+                              <a:latin typeface="Cambria Math" panose="02040503050406030204" pitchFamily="18" charset="0"/>
+                            </a:rPr>
+                          </m:ctrlPr>
+                        </m:dPr>
+                        <m:e>
+                          <m:acc>
+                            <m:accPr>
+                              <m:chr m:val="̂"/>
+                              <m:ctrlPr>
+                                <a:rPr lang="en-US" sz="2000" b="0" i="1" smtClean="0">
+                                  <a:latin typeface="Cambria Math" panose="02040503050406030204" pitchFamily="18" charset="0"/>
+                                </a:rPr>
+                              </m:ctrlPr>
+                            </m:accPr>
+                            <m:e>
+                              <m:r>
+                                <a:rPr lang="en-US" sz="2000" b="0" i="1" smtClean="0">
+                                  <a:latin typeface="Cambria Math" panose="02040503050406030204" pitchFamily="18" charset="0"/>
+                                </a:rPr>
+                                <m:t>𝛽</m:t>
+                              </m:r>
+                            </m:e>
+                          </m:acc>
+                        </m:e>
+                        <m:e>
+                          <m:r>
+                            <a:rPr lang="en-US" sz="2000" b="0" i="1" smtClean="0">
+                              <a:latin typeface="Cambria Math" panose="02040503050406030204" pitchFamily="18" charset="0"/>
+                            </a:rPr>
+                            <m:t>𝛽</m:t>
+                          </m:r>
+                          <m:r>
+                            <a:rPr lang="en-US" sz="2000" b="0" i="1" smtClean="0">
+                              <a:latin typeface="Cambria Math" panose="02040503050406030204" pitchFamily="18" charset="0"/>
+                            </a:rPr>
+                            <m:t>,</m:t>
+                          </m:r>
+                          <m:acc>
+                            <m:accPr>
+                              <m:chr m:val="̂"/>
+                              <m:ctrlPr>
+                                <a:rPr lang="en-US" sz="2000" b="0" i="1" smtClean="0">
+                                  <a:latin typeface="Cambria Math" panose="02040503050406030204" pitchFamily="18" charset="0"/>
+                                </a:rPr>
+                              </m:ctrlPr>
+                            </m:accPr>
+                            <m:e>
+                              <m:r>
+                                <a:rPr lang="en-US" sz="2000" b="0" i="1" smtClean="0">
+                                  <a:latin typeface="Cambria Math" panose="02040503050406030204" pitchFamily="18" charset="0"/>
+                                </a:rPr>
+                                <m:t>𝑠</m:t>
+                              </m:r>
+                            </m:e>
+                          </m:acc>
+                        </m:e>
+                      </m:d>
+                    </m:oMath>
+                  </m:oMathPara>
+                </a14:m>
+                <a:endParaRPr lang="en-US" sz="2000" b="0" dirty="0"/>
+              </a:p>
+              <a:p>
+                <a:pPr marL="0" indent="0">
+                  <a:buNone/>
+                </a:pPr>
+                <a:endParaRPr lang="en-US" sz="1200" dirty="0"/>
+              </a:p>
+              <a:p>
+                <a:pPr marL="0" indent="0">
+                  <a:buNone/>
+                </a:pPr>
+                <a:r>
+                  <a:rPr lang="en-US" sz="2000" dirty="0"/>
+                  <a:t>Model the conditional distribution on true effects and observed effects as:</a:t>
+                </a:r>
+              </a:p>
+              <a:p>
+                <a:pPr marL="0" indent="0">
+                  <a:buNone/>
+                </a:pPr>
+                <a14:m>
+                  <m:oMathPara xmlns:m="http://schemas.openxmlformats.org/officeDocument/2006/math">
+                    <m:oMathParaPr>
+                      <m:jc m:val="centerGroup"/>
+                    </m:oMathParaPr>
+                    <m:oMath xmlns:m="http://schemas.openxmlformats.org/officeDocument/2006/math">
+                      <m:r>
+                        <a:rPr lang="en-US" sz="2000" b="0" i="1" smtClean="0">
+                          <a:latin typeface="Cambria Math" panose="02040503050406030204" pitchFamily="18" charset="0"/>
+                        </a:rPr>
+                        <m:t>ℙ</m:t>
+                      </m:r>
+                      <m:d>
+                        <m:dPr>
+                          <m:ctrlPr>
+                            <a:rPr lang="en-US" sz="2000" b="0" i="1" smtClean="0">
+                              <a:latin typeface="Cambria Math" panose="02040503050406030204" pitchFamily="18" charset="0"/>
+                            </a:rPr>
+                          </m:ctrlPr>
+                        </m:dPr>
+                        <m:e>
+                          <m:r>
+                            <a:rPr lang="en-US" sz="2000" b="0" i="1" smtClean="0">
+                              <a:latin typeface="Cambria Math" panose="02040503050406030204" pitchFamily="18" charset="0"/>
+                            </a:rPr>
+                            <m:t>𝛽</m:t>
+                          </m:r>
+                        </m:e>
+                        <m:e>
+                          <m:acc>
+                            <m:accPr>
+                              <m:chr m:val="̂"/>
+                              <m:ctrlPr>
+                                <a:rPr lang="en-US" sz="2000" b="0" i="1" smtClean="0">
+                                  <a:latin typeface="Cambria Math" panose="02040503050406030204" pitchFamily="18" charset="0"/>
+                                </a:rPr>
+                              </m:ctrlPr>
+                            </m:accPr>
+                            <m:e>
+                              <m:r>
+                                <a:rPr lang="en-US" sz="2000" b="0" i="1" smtClean="0">
+                                  <a:latin typeface="Cambria Math" panose="02040503050406030204" pitchFamily="18" charset="0"/>
+                                </a:rPr>
+                                <m:t>𝑠</m:t>
+                              </m:r>
+                            </m:e>
+                          </m:acc>
+                          <m:r>
+                            <a:rPr lang="en-US" sz="2000" b="0" i="1" smtClean="0">
+                              <a:latin typeface="Cambria Math" panose="02040503050406030204" pitchFamily="18" charset="0"/>
+                            </a:rPr>
+                            <m:t>,</m:t>
+                          </m:r>
+                          <m:r>
+                            <a:rPr lang="en-US" sz="2000" b="0" i="1" smtClean="0">
+                              <a:latin typeface="Cambria Math" panose="02040503050406030204" pitchFamily="18" charset="0"/>
+                            </a:rPr>
+                            <m:t>𝜋</m:t>
+                          </m:r>
+                        </m:e>
+                      </m:d>
+                      <m:r>
+                        <a:rPr lang="en-US" sz="2000" b="0" i="1" smtClean="0">
+                          <a:latin typeface="Cambria Math" panose="02040503050406030204" pitchFamily="18" charset="0"/>
+                        </a:rPr>
+                        <m:t>=</m:t>
+                      </m:r>
+                      <m:nary>
+                        <m:naryPr>
+                          <m:chr m:val="∏"/>
+                          <m:supHide m:val="on"/>
+                          <m:ctrlPr>
+                            <a:rPr lang="en-US" sz="2000" b="0" i="1" smtClean="0">
+                              <a:latin typeface="Cambria Math" panose="02040503050406030204" pitchFamily="18" charset="0"/>
+                            </a:rPr>
+                          </m:ctrlPr>
+                        </m:naryPr>
+                        <m:sub>
+                          <m:r>
+                            <a:rPr lang="en-US" sz="2000" b="0" i="1" smtClean="0">
+                              <a:latin typeface="Cambria Math" panose="02040503050406030204" pitchFamily="18" charset="0"/>
+                            </a:rPr>
+                            <m:t>𝑗</m:t>
+                          </m:r>
+                        </m:sub>
+                        <m:sup/>
+                        <m:e>
+                          <m:r>
+                            <a:rPr lang="en-US" sz="2000" b="0" i="1" smtClean="0">
+                              <a:latin typeface="Cambria Math" panose="02040503050406030204" pitchFamily="18" charset="0"/>
+                            </a:rPr>
+                            <m:t>𝑔</m:t>
+                          </m:r>
+                          <m:d>
+                            <m:dPr>
+                              <m:ctrlPr>
+                                <a:rPr lang="en-US" sz="2000" b="0" i="1" smtClean="0">
+                                  <a:latin typeface="Cambria Math" panose="02040503050406030204" pitchFamily="18" charset="0"/>
+                                </a:rPr>
+                              </m:ctrlPr>
+                            </m:dPr>
+                            <m:e>
+                              <m:sSub>
+                                <m:sSubPr>
+                                  <m:ctrlPr>
+                                    <a:rPr lang="en-US" sz="2000" b="0" i="1" smtClean="0">
+                                      <a:latin typeface="Cambria Math" panose="02040503050406030204" pitchFamily="18" charset="0"/>
+                                    </a:rPr>
+                                  </m:ctrlPr>
+                                </m:sSubPr>
+                                <m:e>
+                                  <m:r>
+                                    <a:rPr lang="en-US" sz="2000" b="0" i="1" smtClean="0">
+                                      <a:latin typeface="Cambria Math" panose="02040503050406030204" pitchFamily="18" charset="0"/>
+                                    </a:rPr>
+                                    <m:t>𝛽</m:t>
+                                  </m:r>
+                                </m:e>
+                                <m:sub>
+                                  <m:r>
+                                    <a:rPr lang="en-US" sz="2000" b="0" i="1" smtClean="0">
+                                      <a:latin typeface="Cambria Math" panose="02040503050406030204" pitchFamily="18" charset="0"/>
+                                    </a:rPr>
+                                    <m:t>𝑗</m:t>
+                                  </m:r>
+                                </m:sub>
+                              </m:sSub>
+                            </m:e>
+                            <m:e>
+                              <m:r>
+                                <a:rPr lang="en-US" sz="2000" b="0" i="1" smtClean="0">
+                                  <a:latin typeface="Cambria Math" panose="02040503050406030204" pitchFamily="18" charset="0"/>
+                                </a:rPr>
+                                <m:t>𝜋</m:t>
+                              </m:r>
+                            </m:e>
+                          </m:d>
+                        </m:e>
+                      </m:nary>
+                    </m:oMath>
+                    <m:oMath xmlns:m="http://schemas.openxmlformats.org/officeDocument/2006/math">
+                      <m:r>
+                        <a:rPr lang="en-US" sz="2000" b="0" i="1" smtClean="0">
+                          <a:latin typeface="Cambria Math" panose="02040503050406030204" pitchFamily="18" charset="0"/>
+                        </a:rPr>
+                        <m:t>𝑔</m:t>
+                      </m:r>
+                      <m:d>
+                        <m:dPr>
+                          <m:ctrlPr>
+                            <a:rPr lang="en-US" sz="2000" b="0" i="1" smtClean="0">
+                              <a:latin typeface="Cambria Math" panose="02040503050406030204" pitchFamily="18" charset="0"/>
+                            </a:rPr>
+                          </m:ctrlPr>
+                        </m:dPr>
+                        <m:e>
+                          <m:r>
+                            <a:rPr lang="en-US" sz="2000" b="0" i="1" smtClean="0">
+                              <a:latin typeface="Cambria Math" panose="02040503050406030204" pitchFamily="18" charset="0"/>
+                            </a:rPr>
+                            <m:t>⋅</m:t>
+                          </m:r>
+                        </m:e>
+                        <m:e>
+                          <m:r>
+                            <a:rPr lang="en-US" sz="2000" b="0" i="1" smtClean="0">
+                              <a:latin typeface="Cambria Math" panose="02040503050406030204" pitchFamily="18" charset="0"/>
+                            </a:rPr>
+                            <m:t>𝜋</m:t>
+                          </m:r>
+                        </m:e>
+                      </m:d>
+                      <m:r>
+                        <a:rPr lang="en-US" sz="2000" b="0" i="1" smtClean="0">
+                          <a:latin typeface="Cambria Math" panose="02040503050406030204" pitchFamily="18" charset="0"/>
+                        </a:rPr>
+                        <m:t>=</m:t>
+                      </m:r>
+                      <m:sSub>
+                        <m:sSubPr>
+                          <m:ctrlPr>
+                            <a:rPr lang="en-US" sz="2000" b="0" i="1" smtClean="0">
+                              <a:latin typeface="Cambria Math" panose="02040503050406030204" pitchFamily="18" charset="0"/>
+                            </a:rPr>
+                          </m:ctrlPr>
+                        </m:sSubPr>
+                        <m:e>
+                          <m:r>
+                            <a:rPr lang="en-US" sz="2000" b="0" i="1" smtClean="0">
+                              <a:latin typeface="Cambria Math" panose="02040503050406030204" pitchFamily="18" charset="0"/>
+                            </a:rPr>
+                            <m:t>𝜋</m:t>
+                          </m:r>
+                        </m:e>
+                        <m:sub>
+                          <m:r>
+                            <a:rPr lang="en-US" sz="2000" b="0" i="1" smtClean="0">
+                              <a:latin typeface="Cambria Math" panose="02040503050406030204" pitchFamily="18" charset="0"/>
+                            </a:rPr>
+                            <m:t>0</m:t>
+                          </m:r>
+                        </m:sub>
+                      </m:sSub>
+                      <m:sSub>
+                        <m:sSubPr>
+                          <m:ctrlPr>
+                            <a:rPr lang="en-US" sz="2000" b="0" i="1" smtClean="0">
+                              <a:latin typeface="Cambria Math" panose="02040503050406030204" pitchFamily="18" charset="0"/>
+                            </a:rPr>
+                          </m:ctrlPr>
+                        </m:sSubPr>
+                        <m:e>
+                          <m:r>
+                            <a:rPr lang="en-US" sz="2000" b="0" i="1" smtClean="0">
+                              <a:latin typeface="Cambria Math" panose="02040503050406030204" pitchFamily="18" charset="0"/>
+                            </a:rPr>
+                            <m:t>𝛿</m:t>
+                          </m:r>
+                        </m:e>
+                        <m:sub>
+                          <m:r>
+                            <a:rPr lang="en-US" sz="2000" b="0" i="1" smtClean="0">
+                              <a:latin typeface="Cambria Math" panose="02040503050406030204" pitchFamily="18" charset="0"/>
+                            </a:rPr>
+                            <m:t>0</m:t>
+                          </m:r>
+                        </m:sub>
+                      </m:sSub>
+                      <m:d>
+                        <m:dPr>
+                          <m:ctrlPr>
+                            <a:rPr lang="en-US" sz="2000" b="0" i="1" smtClean="0">
+                              <a:latin typeface="Cambria Math" panose="02040503050406030204" pitchFamily="18" charset="0"/>
+                            </a:rPr>
+                          </m:ctrlPr>
+                        </m:dPr>
+                        <m:e>
+                          <m:r>
+                            <a:rPr lang="en-US" sz="2000" b="0" i="1" smtClean="0">
+                              <a:latin typeface="Cambria Math" panose="02040503050406030204" pitchFamily="18" charset="0"/>
+                            </a:rPr>
+                            <m:t>⋅</m:t>
+                          </m:r>
+                        </m:e>
+                      </m:d>
+                      <m:r>
+                        <a:rPr lang="en-US" sz="2000" b="0" i="1" smtClean="0">
+                          <a:latin typeface="Cambria Math" panose="02040503050406030204" pitchFamily="18" charset="0"/>
+                        </a:rPr>
+                        <m:t>+</m:t>
+                      </m:r>
+                      <m:nary>
+                        <m:naryPr>
+                          <m:chr m:val="∑"/>
+                          <m:ctrlPr>
+                            <a:rPr lang="en-US" sz="2000" b="0" i="1" smtClean="0">
+                              <a:latin typeface="Cambria Math" panose="02040503050406030204" pitchFamily="18" charset="0"/>
+                            </a:rPr>
+                          </m:ctrlPr>
+                        </m:naryPr>
+                        <m:sub>
+                          <m:r>
+                            <a:rPr lang="en-US" sz="2000" b="0" i="1" smtClean="0">
+                              <a:latin typeface="Cambria Math" panose="02040503050406030204" pitchFamily="18" charset="0"/>
+                            </a:rPr>
+                            <m:t>𝑘</m:t>
+                          </m:r>
+                          <m:r>
+                            <a:rPr lang="en-US" sz="2000" b="0" i="1" smtClean="0">
+                              <a:latin typeface="Cambria Math" panose="02040503050406030204" pitchFamily="18" charset="0"/>
+                            </a:rPr>
+                            <m:t>=1</m:t>
+                          </m:r>
+                        </m:sub>
+                        <m:sup>
+                          <m:r>
+                            <a:rPr lang="en-US" sz="2000" b="0" i="1" smtClean="0">
+                              <a:latin typeface="Cambria Math" panose="02040503050406030204" pitchFamily="18" charset="0"/>
+                            </a:rPr>
+                            <m:t>𝐾</m:t>
+                          </m:r>
+                        </m:sup>
+                        <m:e>
+                          <m:sSub>
+                            <m:sSubPr>
+                              <m:ctrlPr>
+                                <a:rPr lang="en-US" sz="2000" b="0" i="1" smtClean="0">
+                                  <a:latin typeface="Cambria Math" panose="02040503050406030204" pitchFamily="18" charset="0"/>
+                                </a:rPr>
+                              </m:ctrlPr>
+                            </m:sSubPr>
+                            <m:e>
+                              <m:r>
+                                <a:rPr lang="en-US" sz="2000" b="0" i="1" smtClean="0">
+                                  <a:latin typeface="Cambria Math" panose="02040503050406030204" pitchFamily="18" charset="0"/>
+                                </a:rPr>
+                                <m:t>𝜋</m:t>
+                              </m:r>
+                            </m:e>
+                            <m:sub>
+                              <m:r>
+                                <a:rPr lang="en-US" sz="2000" b="0" i="1" smtClean="0">
+                                  <a:latin typeface="Cambria Math" panose="02040503050406030204" pitchFamily="18" charset="0"/>
+                                </a:rPr>
+                                <m:t>𝑘</m:t>
+                              </m:r>
+                            </m:sub>
+                          </m:sSub>
+                          <m:r>
+                            <a:rPr lang="en-US" sz="2000" b="0" i="1" smtClean="0">
+                              <a:latin typeface="Cambria Math" panose="02040503050406030204" pitchFamily="18" charset="0"/>
+                            </a:rPr>
+                            <m:t>𝑁</m:t>
+                          </m:r>
+                          <m:d>
+                            <m:dPr>
+                              <m:ctrlPr>
+                                <a:rPr lang="en-US" sz="2000" b="0" i="1" smtClean="0">
+                                  <a:latin typeface="Cambria Math" panose="02040503050406030204" pitchFamily="18" charset="0"/>
+                                </a:rPr>
+                              </m:ctrlPr>
+                            </m:dPr>
+                            <m:e>
+                              <m:r>
+                                <a:rPr lang="en-US" sz="2000" b="0" i="1" smtClean="0">
+                                  <a:latin typeface="Cambria Math" panose="02040503050406030204" pitchFamily="18" charset="0"/>
+                                </a:rPr>
+                                <m:t>⋅</m:t>
+                              </m:r>
+                            </m:e>
+                            <m:e>
+                              <m:r>
+                                <a:rPr lang="en-US" sz="2000" b="0" i="1" smtClean="0">
+                                  <a:latin typeface="Cambria Math" panose="02040503050406030204" pitchFamily="18" charset="0"/>
+                                </a:rPr>
+                                <m:t>0,</m:t>
+                              </m:r>
+                              <m:sSubSup>
+                                <m:sSubSupPr>
+                                  <m:ctrlPr>
+                                    <a:rPr lang="en-US" sz="2000" b="0" i="1" smtClean="0">
+                                      <a:latin typeface="Cambria Math" panose="02040503050406030204" pitchFamily="18" charset="0"/>
+                                    </a:rPr>
+                                  </m:ctrlPr>
+                                </m:sSubSupPr>
+                                <m:e>
+                                  <m:r>
+                                    <a:rPr lang="en-US" sz="2000" b="0" i="1" smtClean="0">
+                                      <a:latin typeface="Cambria Math" panose="02040503050406030204" pitchFamily="18" charset="0"/>
+                                    </a:rPr>
+                                    <m:t>𝜎</m:t>
+                                  </m:r>
+                                </m:e>
+                                <m:sub>
+                                  <m:r>
+                                    <a:rPr lang="en-US" sz="2000" b="0" i="1" smtClean="0">
+                                      <a:latin typeface="Cambria Math" panose="02040503050406030204" pitchFamily="18" charset="0"/>
+                                    </a:rPr>
+                                    <m:t>𝑘</m:t>
+                                  </m:r>
+                                </m:sub>
+                                <m:sup>
+                                  <m:r>
+                                    <a:rPr lang="en-US" sz="2000" b="0" i="1" smtClean="0">
+                                      <a:latin typeface="Cambria Math" panose="02040503050406030204" pitchFamily="18" charset="0"/>
+                                    </a:rPr>
+                                    <m:t>2</m:t>
+                                  </m:r>
+                                </m:sup>
+                              </m:sSubSup>
+                            </m:e>
+                          </m:d>
+                        </m:e>
+                      </m:nary>
+                    </m:oMath>
+                    <m:oMath xmlns:m="http://schemas.openxmlformats.org/officeDocument/2006/math">
+                      <m:r>
+                        <a:rPr lang="en-US" sz="2000" b="0" i="1" smtClean="0">
+                          <a:latin typeface="Cambria Math" panose="02040503050406030204" pitchFamily="18" charset="0"/>
+                        </a:rPr>
+                        <m:t>ℙ</m:t>
+                      </m:r>
+                      <m:d>
+                        <m:dPr>
+                          <m:ctrlPr>
+                            <a:rPr lang="en-US" sz="2000" b="0" i="1" smtClean="0">
+                              <a:latin typeface="Cambria Math" panose="02040503050406030204" pitchFamily="18" charset="0"/>
+                            </a:rPr>
+                          </m:ctrlPr>
+                        </m:dPr>
+                        <m:e>
+                          <m:acc>
+                            <m:accPr>
+                              <m:chr m:val="̂"/>
+                              <m:ctrlPr>
+                                <a:rPr lang="en-US" sz="2000" b="0" i="1" smtClean="0">
+                                  <a:latin typeface="Cambria Math" panose="02040503050406030204" pitchFamily="18" charset="0"/>
+                                </a:rPr>
+                              </m:ctrlPr>
+                            </m:accPr>
+                            <m:e>
+                              <m:r>
+                                <a:rPr lang="en-US" sz="2000" b="0" i="1" smtClean="0">
+                                  <a:latin typeface="Cambria Math" panose="02040503050406030204" pitchFamily="18" charset="0"/>
+                                </a:rPr>
+                                <m:t>𝛽</m:t>
+                              </m:r>
+                            </m:e>
+                          </m:acc>
+                        </m:e>
+                        <m:e>
+                          <m:r>
+                            <a:rPr lang="en-US" sz="2000" b="0" i="1" smtClean="0">
+                              <a:latin typeface="Cambria Math" panose="02040503050406030204" pitchFamily="18" charset="0"/>
+                            </a:rPr>
+                            <m:t>𝛽</m:t>
+                          </m:r>
+                          <m:r>
+                            <a:rPr lang="en-US" sz="2000" b="0" i="1" smtClean="0">
+                              <a:latin typeface="Cambria Math" panose="02040503050406030204" pitchFamily="18" charset="0"/>
+                            </a:rPr>
+                            <m:t>,</m:t>
+                          </m:r>
+                          <m:acc>
+                            <m:accPr>
+                              <m:chr m:val="̂"/>
+                              <m:ctrlPr>
+                                <a:rPr lang="en-US" sz="2000" b="0" i="1" smtClean="0">
+                                  <a:latin typeface="Cambria Math" panose="02040503050406030204" pitchFamily="18" charset="0"/>
+                                </a:rPr>
+                              </m:ctrlPr>
+                            </m:accPr>
+                            <m:e>
+                              <m:r>
+                                <a:rPr lang="en-US" sz="2000" b="0" i="1" smtClean="0">
+                                  <a:latin typeface="Cambria Math" panose="02040503050406030204" pitchFamily="18" charset="0"/>
+                                </a:rPr>
+                                <m:t>𝑠</m:t>
+                              </m:r>
+                            </m:e>
+                          </m:acc>
+                        </m:e>
+                      </m:d>
+                      <m:r>
+                        <a:rPr lang="en-US" sz="2000" b="0" i="1" smtClean="0">
+                          <a:latin typeface="Cambria Math" panose="02040503050406030204" pitchFamily="18" charset="0"/>
+                        </a:rPr>
+                        <m:t>=</m:t>
+                      </m:r>
+                      <m:nary>
+                        <m:naryPr>
+                          <m:chr m:val="∏"/>
+                          <m:supHide m:val="on"/>
+                          <m:ctrlPr>
+                            <a:rPr lang="en-US" sz="2000" b="0" i="1" smtClean="0">
+                              <a:latin typeface="Cambria Math" panose="02040503050406030204" pitchFamily="18" charset="0"/>
+                            </a:rPr>
+                          </m:ctrlPr>
+                        </m:naryPr>
+                        <m:sub>
+                          <m:r>
+                            <a:rPr lang="en-US" sz="2000" b="0" i="1" smtClean="0">
+                              <a:latin typeface="Cambria Math" panose="02040503050406030204" pitchFamily="18" charset="0"/>
+                            </a:rPr>
+                            <m:t>𝑗</m:t>
+                          </m:r>
+                        </m:sub>
+                        <m:sup/>
+                        <m:e>
+                          <m:r>
+                            <a:rPr lang="en-US" sz="2000" b="0" i="1" smtClean="0">
+                              <a:latin typeface="Cambria Math" panose="02040503050406030204" pitchFamily="18" charset="0"/>
+                            </a:rPr>
+                            <m:t>𝑁</m:t>
+                          </m:r>
+                          <m:d>
+                            <m:dPr>
+                              <m:ctrlPr>
+                                <a:rPr lang="en-US" sz="2000" b="0" i="1" smtClean="0">
+                                  <a:latin typeface="Cambria Math" panose="02040503050406030204" pitchFamily="18" charset="0"/>
+                                </a:rPr>
+                              </m:ctrlPr>
+                            </m:dPr>
+                            <m:e>
+                              <m:sSub>
+                                <m:sSubPr>
+                                  <m:ctrlPr>
+                                    <a:rPr lang="en-US" sz="2000" b="0" i="1" smtClean="0">
+                                      <a:latin typeface="Cambria Math" panose="02040503050406030204" pitchFamily="18" charset="0"/>
+                                    </a:rPr>
+                                  </m:ctrlPr>
+                                </m:sSubPr>
+                                <m:e>
+                                  <m:acc>
+                                    <m:accPr>
+                                      <m:chr m:val="̂"/>
+                                      <m:ctrlPr>
+                                        <a:rPr lang="en-US" sz="2000" b="0" i="1" smtClean="0">
+                                          <a:latin typeface="Cambria Math" panose="02040503050406030204" pitchFamily="18" charset="0"/>
+                                        </a:rPr>
+                                      </m:ctrlPr>
+                                    </m:accPr>
+                                    <m:e>
+                                      <m:r>
+                                        <a:rPr lang="en-US" sz="2000" b="0" i="1" smtClean="0">
+                                          <a:latin typeface="Cambria Math" panose="02040503050406030204" pitchFamily="18" charset="0"/>
+                                        </a:rPr>
+                                        <m:t>𝛽</m:t>
+                                      </m:r>
+                                    </m:e>
+                                  </m:acc>
+                                </m:e>
+                                <m:sub>
+                                  <m:r>
+                                    <a:rPr lang="en-US" sz="2000" b="0" i="1" smtClean="0">
+                                      <a:latin typeface="Cambria Math" panose="02040503050406030204" pitchFamily="18" charset="0"/>
+                                    </a:rPr>
+                                    <m:t>𝑗</m:t>
+                                  </m:r>
+                                </m:sub>
+                              </m:sSub>
+                            </m:e>
+                            <m:e>
+                              <m:sSub>
+                                <m:sSubPr>
+                                  <m:ctrlPr>
+                                    <a:rPr lang="en-US" sz="2000" b="0" i="1" smtClean="0">
+                                      <a:latin typeface="Cambria Math" panose="02040503050406030204" pitchFamily="18" charset="0"/>
+                                    </a:rPr>
+                                  </m:ctrlPr>
+                                </m:sSubPr>
+                                <m:e>
+                                  <m:r>
+                                    <a:rPr lang="en-US" sz="2000" b="0" i="1" smtClean="0">
+                                      <a:latin typeface="Cambria Math" panose="02040503050406030204" pitchFamily="18" charset="0"/>
+                                    </a:rPr>
+                                    <m:t>𝛽</m:t>
+                                  </m:r>
+                                </m:e>
+                                <m:sub>
+                                  <m:r>
+                                    <a:rPr lang="en-US" sz="2000" b="0" i="1" smtClean="0">
+                                      <a:latin typeface="Cambria Math" panose="02040503050406030204" pitchFamily="18" charset="0"/>
+                                    </a:rPr>
+                                    <m:t>𝑗</m:t>
+                                  </m:r>
+                                </m:sub>
+                              </m:sSub>
+                              <m:r>
+                                <a:rPr lang="en-US" sz="2000" b="0" i="1" smtClean="0">
+                                  <a:latin typeface="Cambria Math" panose="02040503050406030204" pitchFamily="18" charset="0"/>
+                                </a:rPr>
+                                <m:t>,</m:t>
+                              </m:r>
+                              <m:sSubSup>
+                                <m:sSubSupPr>
+                                  <m:ctrlPr>
+                                    <a:rPr lang="en-US" sz="2000" b="0" i="1" smtClean="0">
+                                      <a:latin typeface="Cambria Math" panose="02040503050406030204" pitchFamily="18" charset="0"/>
+                                    </a:rPr>
+                                  </m:ctrlPr>
+                                </m:sSubSupPr>
+                                <m:e>
+                                  <m:acc>
+                                    <m:accPr>
+                                      <m:chr m:val="̂"/>
+                                      <m:ctrlPr>
+                                        <a:rPr lang="en-US" sz="2000" b="0" i="1" smtClean="0">
+                                          <a:latin typeface="Cambria Math" panose="02040503050406030204" pitchFamily="18" charset="0"/>
+                                        </a:rPr>
+                                      </m:ctrlPr>
+                                    </m:accPr>
+                                    <m:e>
+                                      <m:r>
+                                        <a:rPr lang="en-US" sz="2000" b="0" i="1" smtClean="0">
+                                          <a:latin typeface="Cambria Math" panose="02040503050406030204" pitchFamily="18" charset="0"/>
+                                        </a:rPr>
+                                        <m:t>𝑠</m:t>
+                                      </m:r>
+                                    </m:e>
+                                  </m:acc>
+                                </m:e>
+                                <m:sub>
+                                  <m:r>
+                                    <a:rPr lang="en-US" sz="2000" b="0" i="1" smtClean="0">
+                                      <a:latin typeface="Cambria Math" panose="02040503050406030204" pitchFamily="18" charset="0"/>
+                                    </a:rPr>
+                                    <m:t>𝑗</m:t>
+                                  </m:r>
+                                </m:sub>
+                                <m:sup>
+                                  <m:r>
+                                    <a:rPr lang="en-US" sz="2000" b="0" i="1" smtClean="0">
+                                      <a:latin typeface="Cambria Math" panose="02040503050406030204" pitchFamily="18" charset="0"/>
+                                    </a:rPr>
+                                    <m:t>2</m:t>
+                                  </m:r>
+                                </m:sup>
+                              </m:sSubSup>
+                            </m:e>
+                          </m:d>
+                        </m:e>
+                      </m:nary>
+                    </m:oMath>
+                  </m:oMathPara>
+                </a14:m>
+                <a:endParaRPr lang="en-US" sz="2000" dirty="0"/>
+              </a:p>
+            </p:txBody>
+          </p:sp>
+        </mc:Choice>
+        <mc:Fallback>
+          <p:sp>
+            <p:nvSpPr>
+              <p:cNvPr id="3" name="Content Placeholder 2">
+                <a:extLst>
+                  <a:ext uri="{FF2B5EF4-FFF2-40B4-BE49-F238E27FC236}">
+                    <a16:creationId xmlns:a16="http://schemas.microsoft.com/office/drawing/2014/main" id="{F10F01B7-0E10-7AFC-DE91-FBC60D4FAEA1}"/>
+                  </a:ext>
+                </a:extLst>
+              </p:cNvPr>
+              <p:cNvSpPr>
+                <a:spLocks noGrp="1" noRot="1" noChangeAspect="1" noMove="1" noResize="1" noEditPoints="1" noAdjustHandles="1" noChangeArrowheads="1" noChangeShapeType="1" noTextEdit="1"/>
+              </p:cNvSpPr>
+              <p:nvPr>
+                <p:ph idx="1"/>
+              </p:nvPr>
+            </p:nvSpPr>
+            <p:spPr>
+              <a:blipFill>
+                <a:blip r:embed="rId2"/>
+                <a:stretch>
+                  <a:fillRect l="-520" t="-1160" b="-17865"/>
+                </a:stretch>
+              </a:blipFill>
+            </p:spPr>
+            <p:txBody>
+              <a:bodyPr/>
+              <a:lstStyle/>
+              <a:p>
+                <a:r>
+                  <a:rPr lang="en-US">
+                    <a:noFill/>
+                  </a:rPr>
+                  <a:t> </a:t>
+                </a:r>
+              </a:p>
+            </p:txBody>
+          </p:sp>
+        </mc:Fallback>
+      </mc:AlternateContent>
+      <p:sp>
+        <p:nvSpPr>
+          <p:cNvPr id="4" name="Date Placeholder 3">
+            <a:extLst>
+              <a:ext uri="{FF2B5EF4-FFF2-40B4-BE49-F238E27FC236}">
+                <a16:creationId xmlns:a16="http://schemas.microsoft.com/office/drawing/2014/main" id="{56C342CD-1F0C-B11B-A7FE-247B77E3B489}"/>
+              </a:ext>
+            </a:extLst>
+          </p:cNvPr>
+          <p:cNvSpPr>
+            <a:spLocks noGrp="1"/>
+          </p:cNvSpPr>
+          <p:nvPr>
+            <p:ph type="dt" sz="half" idx="10"/>
+          </p:nvPr>
+        </p:nvSpPr>
+        <p:spPr/>
+        <p:txBody>
+          <a:bodyPr/>
+          <a:lstStyle/>
+          <a:p>
+            <a:fld id="{C341F050-1748-B641-BEF7-F0B05D683DF2}" type="datetime1">
+              <a:rPr lang="en-US" smtClean="0"/>
+              <a:t>5/21/24</a:t>
+            </a:fld>
+            <a:endParaRPr lang="en-US"/>
+          </a:p>
+        </p:txBody>
+      </p:sp>
+      <p:sp>
+        <p:nvSpPr>
+          <p:cNvPr id="5" name="Footer Placeholder 4">
+            <a:extLst>
+              <a:ext uri="{FF2B5EF4-FFF2-40B4-BE49-F238E27FC236}">
+                <a16:creationId xmlns:a16="http://schemas.microsoft.com/office/drawing/2014/main" id="{2AC525DA-29CD-9592-C528-0109DB5311B0}"/>
+              </a:ext>
+            </a:extLst>
+          </p:cNvPr>
+          <p:cNvSpPr>
+            <a:spLocks noGrp="1"/>
+          </p:cNvSpPr>
+          <p:nvPr>
+            <p:ph type="ftr" sz="quarter" idx="11"/>
+          </p:nvPr>
+        </p:nvSpPr>
+        <p:spPr/>
+        <p:txBody>
+          <a:bodyPr/>
+          <a:lstStyle/>
+          <a:p>
+            <a:r>
+              <a:rPr lang="en-US"/>
+              <a:t>Jared Brown · Postdoctoral research fellow · DFCI Lab of Rafael Irizarry jbrown@ds.dfci.harvard.edu · github.com/JBrownBiostat</a:t>
+            </a:r>
+          </a:p>
+        </p:txBody>
+      </p:sp>
+      <p:sp>
+        <p:nvSpPr>
+          <p:cNvPr id="6" name="Slide Number Placeholder 5">
+            <a:extLst>
+              <a:ext uri="{FF2B5EF4-FFF2-40B4-BE49-F238E27FC236}">
+                <a16:creationId xmlns:a16="http://schemas.microsoft.com/office/drawing/2014/main" id="{4822EEC0-84EE-A41F-48ED-CAFB13F32E1D}"/>
+              </a:ext>
+            </a:extLst>
+          </p:cNvPr>
+          <p:cNvSpPr>
+            <a:spLocks noGrp="1"/>
+          </p:cNvSpPr>
+          <p:nvPr>
+            <p:ph type="sldNum" sz="quarter" idx="12"/>
+          </p:nvPr>
+        </p:nvSpPr>
+        <p:spPr/>
+        <p:txBody>
+          <a:bodyPr/>
+          <a:lstStyle/>
+          <a:p>
+            <a:fld id="{2C8BF43B-81B9-DD48-8FF8-6AE31485DC69}" type="slidenum">
+              <a:rPr lang="en-US" smtClean="0"/>
+              <a:t>20</a:t>
+            </a:fld>
+            <a:endParaRPr lang="en-US"/>
+          </a:p>
+        </p:txBody>
+      </p:sp>
+    </p:spTree>
+    <p:extLst>
+      <p:ext uri="{BB962C8B-B14F-4D97-AF65-F5344CB8AC3E}">
+        <p14:creationId xmlns:p14="http://schemas.microsoft.com/office/powerpoint/2010/main" val="3005760067"/>
+      </p:ext>
+    </p:extLst>
+  </p:cSld>
+  <p:clrMapOvr>
+    <a:masterClrMapping/>
+  </p:clrMapOvr>
+</p:sld>
+</file>
+
+<file path=ppt/slides/slide22.xml><?xml version="1.0" encoding="utf-8"?>
+<p:sld xmlns:a="http://schemas.openxmlformats.org/drawingml/2006/main" xmlns:r="http://schemas.openxmlformats.org/officeDocument/2006/relationships" xmlns:p="http://schemas.openxmlformats.org/presentationml/2006/main">
+  <p:cSld>
+    <p:spTree>
+      <p:nvGrpSpPr>
+        <p:cNvPr id="1" name=""/>
+        <p:cNvGrpSpPr/>
+        <p:nvPr/>
+      </p:nvGrpSpPr>
+      <p:grpSpPr>
+        <a:xfrm>
+          <a:off x="0" y="0"/>
+          <a:ext cx="0" cy="0"/>
+          <a:chOff x="0" y="0"/>
+          <a:chExt cx="0" cy="0"/>
+        </a:xfrm>
+      </p:grpSpPr>
+      <p:sp>
+        <p:nvSpPr>
+          <p:cNvPr id="2" name="Title 1">
+            <a:extLst>
+              <a:ext uri="{FF2B5EF4-FFF2-40B4-BE49-F238E27FC236}">
+                <a16:creationId xmlns:a16="http://schemas.microsoft.com/office/drawing/2014/main" id="{D26DE2DE-4533-B8F3-D0AF-786527ED7EC2}"/>
+              </a:ext>
+            </a:extLst>
+          </p:cNvPr>
+          <p:cNvSpPr>
+            <a:spLocks noGrp="1"/>
+          </p:cNvSpPr>
+          <p:nvPr>
+            <p:ph type="title"/>
+          </p:nvPr>
+        </p:nvSpPr>
+        <p:spPr/>
+        <p:txBody>
+          <a:bodyPr/>
+          <a:lstStyle/>
+          <a:p>
+            <a:r>
+              <a:rPr lang="en-US" u="sng" dirty="0" err="1"/>
+              <a:t>A</a:t>
+            </a:r>
+            <a:r>
+              <a:rPr lang="en-US" dirty="0" err="1"/>
+              <a:t>dapative</a:t>
+            </a:r>
+            <a:r>
+              <a:rPr lang="en-US" dirty="0"/>
+              <a:t> </a:t>
+            </a:r>
+            <a:r>
+              <a:rPr lang="en-US" u="sng" dirty="0" err="1"/>
+              <a:t>SH</a:t>
+            </a:r>
+            <a:r>
+              <a:rPr lang="en-US" dirty="0" err="1"/>
+              <a:t>rinkage</a:t>
+            </a:r>
+            <a:r>
+              <a:rPr lang="en-US" dirty="0"/>
+              <a:t> (ASH) model (2)</a:t>
+            </a:r>
+          </a:p>
+        </p:txBody>
+      </p:sp>
+      <mc:AlternateContent xmlns:mc="http://schemas.openxmlformats.org/markup-compatibility/2006">
+        <mc:Choice xmlns:a14="http://schemas.microsoft.com/office/drawing/2010/main" Requires="a14">
+          <p:sp>
+            <p:nvSpPr>
+              <p:cNvPr id="3" name="Content Placeholder 2">
+                <a:extLst>
+                  <a:ext uri="{FF2B5EF4-FFF2-40B4-BE49-F238E27FC236}">
+                    <a16:creationId xmlns:a16="http://schemas.microsoft.com/office/drawing/2014/main" id="{BACB4250-2D00-86A1-4D96-284268C51C1B}"/>
+                  </a:ext>
+                </a:extLst>
+              </p:cNvPr>
+              <p:cNvSpPr>
+                <a:spLocks noGrp="1"/>
+              </p:cNvSpPr>
+              <p:nvPr>
+                <p:ph idx="1"/>
+              </p:nvPr>
+            </p:nvSpPr>
+            <p:spPr/>
+            <p:txBody>
+              <a:bodyPr/>
+              <a:lstStyle/>
+              <a:p>
+                <a:pPr marL="0" indent="0">
+                  <a:buNone/>
+                </a:pPr>
+                <a:r>
+                  <a:rPr lang="en-US" dirty="0"/>
+                  <a:t>Integrating out </a:t>
+                </a:r>
+                <a14:m>
+                  <m:oMath xmlns:m="http://schemas.openxmlformats.org/officeDocument/2006/math">
+                    <m:r>
+                      <a:rPr lang="en-US" b="0" i="1" smtClean="0">
+                        <a:latin typeface="Cambria Math" panose="02040503050406030204" pitchFamily="18" charset="0"/>
+                      </a:rPr>
+                      <m:t>𝛽</m:t>
+                    </m:r>
+                  </m:oMath>
+                </a14:m>
+                <a:r>
+                  <a:rPr lang="en-US" dirty="0"/>
+                  <a:t> reveals a convolution of normal such that:</a:t>
+                </a:r>
+              </a:p>
+              <a:p>
+                <a:pPr marL="0" indent="0">
+                  <a:buNone/>
+                </a:pPr>
+                <a14:m>
+                  <m:oMathPara xmlns:m="http://schemas.openxmlformats.org/officeDocument/2006/math">
+                    <m:oMathParaPr>
+                      <m:jc m:val="centerGroup"/>
+                    </m:oMathParaPr>
+                    <m:oMath xmlns:m="http://schemas.openxmlformats.org/officeDocument/2006/math">
+                      <m:r>
+                        <a:rPr lang="en-US" b="0" i="1" smtClean="0">
+                          <a:latin typeface="Cambria Math" panose="02040503050406030204" pitchFamily="18" charset="0"/>
+                        </a:rPr>
+                        <m:t>ℙ</m:t>
+                      </m:r>
+                      <m:d>
+                        <m:dPr>
+                          <m:ctrlPr>
+                            <a:rPr lang="en-US" b="0" i="1" smtClean="0">
+                              <a:latin typeface="Cambria Math" panose="02040503050406030204" pitchFamily="18" charset="0"/>
+                            </a:rPr>
+                          </m:ctrlPr>
+                        </m:dPr>
+                        <m:e>
+                          <m:acc>
+                            <m:accPr>
+                              <m:chr m:val="̂"/>
+                              <m:ctrlPr>
+                                <a:rPr lang="en-US" b="0" i="1" smtClean="0">
+                                  <a:latin typeface="Cambria Math" panose="02040503050406030204" pitchFamily="18" charset="0"/>
+                                </a:rPr>
+                              </m:ctrlPr>
+                            </m:accPr>
+                            <m:e>
+                              <m:r>
+                                <a:rPr lang="en-US" b="0" i="1" smtClean="0">
+                                  <a:latin typeface="Cambria Math" panose="02040503050406030204" pitchFamily="18" charset="0"/>
+                                </a:rPr>
+                                <m:t>𝛽</m:t>
+                              </m:r>
+                            </m:e>
+                          </m:acc>
+                        </m:e>
+                        <m:e>
+                          <m:acc>
+                            <m:accPr>
+                              <m:chr m:val="̂"/>
+                              <m:ctrlPr>
+                                <a:rPr lang="en-US" b="0" i="1" smtClean="0">
+                                  <a:latin typeface="Cambria Math" panose="02040503050406030204" pitchFamily="18" charset="0"/>
+                                </a:rPr>
+                              </m:ctrlPr>
+                            </m:accPr>
+                            <m:e>
+                              <m:r>
+                                <a:rPr lang="en-US" b="0" i="1" smtClean="0">
+                                  <a:latin typeface="Cambria Math" panose="02040503050406030204" pitchFamily="18" charset="0"/>
+                                </a:rPr>
+                                <m:t>𝑠</m:t>
+                              </m:r>
+                            </m:e>
+                          </m:acc>
+                          <m:r>
+                            <a:rPr lang="en-US" b="0" i="1" smtClean="0">
+                              <a:latin typeface="Cambria Math" panose="02040503050406030204" pitchFamily="18" charset="0"/>
+                            </a:rPr>
+                            <m:t>,</m:t>
+                          </m:r>
+                          <m:r>
+                            <a:rPr lang="en-US" b="0" i="1" smtClean="0">
+                              <a:latin typeface="Cambria Math" panose="02040503050406030204" pitchFamily="18" charset="0"/>
+                            </a:rPr>
+                            <m:t>𝜋</m:t>
+                          </m:r>
+                        </m:e>
+                      </m:d>
+                      <m:r>
+                        <a:rPr lang="en-US" b="0" i="1" smtClean="0">
+                          <a:latin typeface="Cambria Math" panose="02040503050406030204" pitchFamily="18" charset="0"/>
+                        </a:rPr>
+                        <m:t>=</m:t>
+                      </m:r>
+                      <m:nary>
+                        <m:naryPr>
+                          <m:chr m:val="∏"/>
+                          <m:supHide m:val="on"/>
+                          <m:ctrlPr>
+                            <a:rPr lang="en-US" b="0" i="1" smtClean="0">
+                              <a:latin typeface="Cambria Math" panose="02040503050406030204" pitchFamily="18" charset="0"/>
+                            </a:rPr>
+                          </m:ctrlPr>
+                        </m:naryPr>
+                        <m:sub>
+                          <m:r>
+                            <a:rPr lang="en-US" b="0" i="1" smtClean="0">
+                              <a:latin typeface="Cambria Math" panose="02040503050406030204" pitchFamily="18" charset="0"/>
+                            </a:rPr>
+                            <m:t>𝑗</m:t>
+                          </m:r>
+                        </m:sub>
+                        <m:sup/>
+                        <m:e>
+                          <m:d>
+                            <m:dPr>
+                              <m:begChr m:val="["/>
+                              <m:endChr m:val="]"/>
+                              <m:ctrlPr>
+                                <a:rPr lang="en-US" b="0" i="1" smtClean="0">
+                                  <a:latin typeface="Cambria Math" panose="02040503050406030204" pitchFamily="18" charset="0"/>
+                                </a:rPr>
+                              </m:ctrlPr>
+                            </m:dPr>
+                            <m:e>
+                              <m:sSub>
+                                <m:sSubPr>
+                                  <m:ctrlPr>
+                                    <a:rPr lang="en-US" b="0" i="1" smtClean="0">
+                                      <a:latin typeface="Cambria Math" panose="02040503050406030204" pitchFamily="18" charset="0"/>
+                                    </a:rPr>
+                                  </m:ctrlPr>
+                                </m:sSubPr>
+                                <m:e>
+                                  <m:r>
+                                    <a:rPr lang="en-US" b="0" i="1" smtClean="0">
+                                      <a:latin typeface="Cambria Math" panose="02040503050406030204" pitchFamily="18" charset="0"/>
+                                    </a:rPr>
+                                    <m:t>𝜋</m:t>
+                                  </m:r>
+                                </m:e>
+                                <m:sub>
+                                  <m:r>
+                                    <a:rPr lang="en-US" b="0" i="1" smtClean="0">
+                                      <a:latin typeface="Cambria Math" panose="02040503050406030204" pitchFamily="18" charset="0"/>
+                                    </a:rPr>
+                                    <m:t>0</m:t>
+                                  </m:r>
+                                </m:sub>
+                              </m:sSub>
+                              <m:r>
+                                <a:rPr lang="en-US" b="0" i="1" smtClean="0">
+                                  <a:latin typeface="Cambria Math" panose="02040503050406030204" pitchFamily="18" charset="0"/>
+                                </a:rPr>
+                                <m:t>𝑁</m:t>
+                              </m:r>
+                              <m:d>
+                                <m:dPr>
+                                  <m:ctrlPr>
+                                    <a:rPr lang="en-US" b="0" i="1" smtClean="0">
+                                      <a:latin typeface="Cambria Math" panose="02040503050406030204" pitchFamily="18" charset="0"/>
+                                    </a:rPr>
+                                  </m:ctrlPr>
+                                </m:dPr>
+                                <m:e>
+                                  <m:sSub>
+                                    <m:sSubPr>
+                                      <m:ctrlPr>
+                                        <a:rPr lang="en-US" b="0" i="1" smtClean="0">
+                                          <a:latin typeface="Cambria Math" panose="02040503050406030204" pitchFamily="18" charset="0"/>
+                                        </a:rPr>
+                                      </m:ctrlPr>
+                                    </m:sSubPr>
+                                    <m:e>
+                                      <m:acc>
+                                        <m:accPr>
+                                          <m:chr m:val="̂"/>
+                                          <m:ctrlPr>
+                                            <a:rPr lang="en-US" b="0" i="1" smtClean="0">
+                                              <a:latin typeface="Cambria Math" panose="02040503050406030204" pitchFamily="18" charset="0"/>
+                                            </a:rPr>
+                                          </m:ctrlPr>
+                                        </m:accPr>
+                                        <m:e>
+                                          <m:r>
+                                            <a:rPr lang="en-US" b="0" i="1" smtClean="0">
+                                              <a:latin typeface="Cambria Math" panose="02040503050406030204" pitchFamily="18" charset="0"/>
+                                            </a:rPr>
+                                            <m:t>𝛽</m:t>
+                                          </m:r>
+                                        </m:e>
+                                      </m:acc>
+                                    </m:e>
+                                    <m:sub>
+                                      <m:r>
+                                        <a:rPr lang="en-US" b="0" i="1" smtClean="0">
+                                          <a:latin typeface="Cambria Math" panose="02040503050406030204" pitchFamily="18" charset="0"/>
+                                        </a:rPr>
+                                        <m:t>𝑗</m:t>
+                                      </m:r>
+                                    </m:sub>
+                                  </m:sSub>
+                                </m:e>
+                                <m:e>
+                                  <m:r>
+                                    <a:rPr lang="en-US" b="0" i="1" smtClean="0">
+                                      <a:latin typeface="Cambria Math" panose="02040503050406030204" pitchFamily="18" charset="0"/>
+                                    </a:rPr>
+                                    <m:t>0,</m:t>
+                                  </m:r>
+                                  <m:sSubSup>
+                                    <m:sSubSupPr>
+                                      <m:ctrlPr>
+                                        <a:rPr lang="en-US" b="0" i="1" smtClean="0">
+                                          <a:latin typeface="Cambria Math" panose="02040503050406030204" pitchFamily="18" charset="0"/>
+                                        </a:rPr>
+                                      </m:ctrlPr>
+                                    </m:sSubSupPr>
+                                    <m:e>
+                                      <m:acc>
+                                        <m:accPr>
+                                          <m:chr m:val="̂"/>
+                                          <m:ctrlPr>
+                                            <a:rPr lang="en-US" b="0" i="1" smtClean="0">
+                                              <a:latin typeface="Cambria Math" panose="02040503050406030204" pitchFamily="18" charset="0"/>
+                                            </a:rPr>
+                                          </m:ctrlPr>
+                                        </m:accPr>
+                                        <m:e>
+                                          <m:r>
+                                            <a:rPr lang="en-US" b="0" i="1" smtClean="0">
+                                              <a:latin typeface="Cambria Math" panose="02040503050406030204" pitchFamily="18" charset="0"/>
+                                            </a:rPr>
+                                            <m:t>𝑠</m:t>
+                                          </m:r>
+                                        </m:e>
+                                      </m:acc>
+                                    </m:e>
+                                    <m:sub>
+                                      <m:r>
+                                        <a:rPr lang="en-US" b="0" i="1" smtClean="0">
+                                          <a:latin typeface="Cambria Math" panose="02040503050406030204" pitchFamily="18" charset="0"/>
+                                        </a:rPr>
+                                        <m:t>𝑗</m:t>
+                                      </m:r>
+                                    </m:sub>
+                                    <m:sup>
+                                      <m:r>
+                                        <a:rPr lang="en-US" b="0" i="1" smtClean="0">
+                                          <a:latin typeface="Cambria Math" panose="02040503050406030204" pitchFamily="18" charset="0"/>
+                                        </a:rPr>
+                                        <m:t>2</m:t>
+                                      </m:r>
+                                    </m:sup>
+                                  </m:sSubSup>
+                                </m:e>
+                              </m:d>
+                              <m:r>
+                                <a:rPr lang="en-US" b="0" i="1" smtClean="0">
+                                  <a:latin typeface="Cambria Math" panose="02040503050406030204" pitchFamily="18" charset="0"/>
+                                </a:rPr>
+                                <m:t>+</m:t>
+                              </m:r>
+                              <m:nary>
+                                <m:naryPr>
+                                  <m:chr m:val="∑"/>
+                                  <m:ctrlPr>
+                                    <a:rPr lang="en-US" b="0" i="1" smtClean="0">
+                                      <a:latin typeface="Cambria Math" panose="02040503050406030204" pitchFamily="18" charset="0"/>
+                                    </a:rPr>
+                                  </m:ctrlPr>
+                                </m:naryPr>
+                                <m:sub>
+                                  <m:r>
+                                    <a:rPr lang="en-US" b="0" i="1" smtClean="0">
+                                      <a:latin typeface="Cambria Math" panose="02040503050406030204" pitchFamily="18" charset="0"/>
+                                    </a:rPr>
+                                    <m:t>𝑘</m:t>
+                                  </m:r>
+                                  <m:r>
+                                    <a:rPr lang="en-US" b="0" i="1" smtClean="0">
+                                      <a:latin typeface="Cambria Math" panose="02040503050406030204" pitchFamily="18" charset="0"/>
+                                    </a:rPr>
+                                    <m:t>=1</m:t>
+                                  </m:r>
+                                </m:sub>
+                                <m:sup>
+                                  <m:r>
+                                    <a:rPr lang="en-US" b="0" i="1" smtClean="0">
+                                      <a:latin typeface="Cambria Math" panose="02040503050406030204" pitchFamily="18" charset="0"/>
+                                    </a:rPr>
+                                    <m:t>𝐾</m:t>
+                                  </m:r>
+                                </m:sup>
+                                <m:e>
+                                  <m:sSub>
+                                    <m:sSubPr>
+                                      <m:ctrlPr>
+                                        <a:rPr lang="en-US" b="0" i="1" smtClean="0">
+                                          <a:latin typeface="Cambria Math" panose="02040503050406030204" pitchFamily="18" charset="0"/>
+                                        </a:rPr>
+                                      </m:ctrlPr>
+                                    </m:sSubPr>
+                                    <m:e>
+                                      <m:r>
+                                        <a:rPr lang="en-US" b="0" i="1" smtClean="0">
+                                          <a:latin typeface="Cambria Math" panose="02040503050406030204" pitchFamily="18" charset="0"/>
+                                        </a:rPr>
+                                        <m:t>𝜋</m:t>
+                                      </m:r>
+                                    </m:e>
+                                    <m:sub>
+                                      <m:r>
+                                        <a:rPr lang="en-US" b="0" i="1" smtClean="0">
+                                          <a:latin typeface="Cambria Math" panose="02040503050406030204" pitchFamily="18" charset="0"/>
+                                        </a:rPr>
+                                        <m:t>𝑘</m:t>
+                                      </m:r>
+                                    </m:sub>
+                                  </m:sSub>
+                                  <m:r>
+                                    <a:rPr lang="en-US" b="0" i="1" smtClean="0">
+                                      <a:latin typeface="Cambria Math" panose="02040503050406030204" pitchFamily="18" charset="0"/>
+                                    </a:rPr>
+                                    <m:t>𝑁</m:t>
+                                  </m:r>
+                                  <m:d>
+                                    <m:dPr>
+                                      <m:ctrlPr>
+                                        <a:rPr lang="en-US" b="0" i="1" smtClean="0">
+                                          <a:latin typeface="Cambria Math" panose="02040503050406030204" pitchFamily="18" charset="0"/>
+                                        </a:rPr>
+                                      </m:ctrlPr>
+                                    </m:dPr>
+                                    <m:e>
+                                      <m:sSub>
+                                        <m:sSubPr>
+                                          <m:ctrlPr>
+                                            <a:rPr lang="en-US" b="0" i="1" smtClean="0">
+                                              <a:latin typeface="Cambria Math" panose="02040503050406030204" pitchFamily="18" charset="0"/>
+                                            </a:rPr>
+                                          </m:ctrlPr>
+                                        </m:sSubPr>
+                                        <m:e>
+                                          <m:acc>
+                                            <m:accPr>
+                                              <m:chr m:val="̂"/>
+                                              <m:ctrlPr>
+                                                <a:rPr lang="en-US" b="0" i="1" smtClean="0">
+                                                  <a:latin typeface="Cambria Math" panose="02040503050406030204" pitchFamily="18" charset="0"/>
+                                                </a:rPr>
+                                              </m:ctrlPr>
+                                            </m:accPr>
+                                            <m:e>
+                                              <m:r>
+                                                <a:rPr lang="en-US" b="0" i="1" smtClean="0">
+                                                  <a:latin typeface="Cambria Math" panose="02040503050406030204" pitchFamily="18" charset="0"/>
+                                                </a:rPr>
+                                                <m:t>𝛽</m:t>
+                                              </m:r>
+                                            </m:e>
+                                          </m:acc>
+                                        </m:e>
+                                        <m:sub>
+                                          <m:r>
+                                            <a:rPr lang="en-US" b="0" i="1" smtClean="0">
+                                              <a:latin typeface="Cambria Math" panose="02040503050406030204" pitchFamily="18" charset="0"/>
+                                            </a:rPr>
+                                            <m:t>𝑗</m:t>
+                                          </m:r>
+                                        </m:sub>
+                                      </m:sSub>
+                                    </m:e>
+                                    <m:e>
+                                      <m:r>
+                                        <a:rPr lang="en-US" b="0" i="1" smtClean="0">
+                                          <a:latin typeface="Cambria Math" panose="02040503050406030204" pitchFamily="18" charset="0"/>
+                                        </a:rPr>
+                                        <m:t>0,</m:t>
+                                      </m:r>
+                                      <m:sSubSup>
+                                        <m:sSubSupPr>
+                                          <m:ctrlPr>
+                                            <a:rPr lang="en-US" b="0" i="1" smtClean="0">
+                                              <a:latin typeface="Cambria Math" panose="02040503050406030204" pitchFamily="18" charset="0"/>
+                                            </a:rPr>
+                                          </m:ctrlPr>
+                                        </m:sSubSupPr>
+                                        <m:e>
+                                          <m:r>
+                                            <a:rPr lang="en-US" b="0" i="1" smtClean="0">
+                                              <a:latin typeface="Cambria Math" panose="02040503050406030204" pitchFamily="18" charset="0"/>
+                                            </a:rPr>
+                                            <m:t>𝜎</m:t>
+                                          </m:r>
+                                        </m:e>
+                                        <m:sub>
+                                          <m:r>
+                                            <a:rPr lang="en-US" b="0" i="1" smtClean="0">
+                                              <a:latin typeface="Cambria Math" panose="02040503050406030204" pitchFamily="18" charset="0"/>
+                                            </a:rPr>
+                                            <m:t>𝑘</m:t>
+                                          </m:r>
+                                        </m:sub>
+                                        <m:sup>
+                                          <m:r>
+                                            <a:rPr lang="en-US" b="0" i="1" smtClean="0">
+                                              <a:latin typeface="Cambria Math" panose="02040503050406030204" pitchFamily="18" charset="0"/>
+                                            </a:rPr>
+                                            <m:t>2</m:t>
+                                          </m:r>
+                                        </m:sup>
+                                      </m:sSubSup>
+                                      <m:r>
+                                        <a:rPr lang="en-US" b="0" i="1" smtClean="0">
+                                          <a:latin typeface="Cambria Math" panose="02040503050406030204" pitchFamily="18" charset="0"/>
+                                        </a:rPr>
+                                        <m:t>+</m:t>
+                                      </m:r>
+                                      <m:sSubSup>
+                                        <m:sSubSupPr>
+                                          <m:ctrlPr>
+                                            <a:rPr lang="en-US" b="0" i="1" smtClean="0">
+                                              <a:latin typeface="Cambria Math" panose="02040503050406030204" pitchFamily="18" charset="0"/>
+                                            </a:rPr>
+                                          </m:ctrlPr>
+                                        </m:sSubSupPr>
+                                        <m:e>
+                                          <m:acc>
+                                            <m:accPr>
+                                              <m:chr m:val="̂"/>
+                                              <m:ctrlPr>
+                                                <a:rPr lang="en-US" b="0" i="1" smtClean="0">
+                                                  <a:latin typeface="Cambria Math" panose="02040503050406030204" pitchFamily="18" charset="0"/>
+                                                </a:rPr>
+                                              </m:ctrlPr>
+                                            </m:accPr>
+                                            <m:e>
+                                              <m:r>
+                                                <a:rPr lang="en-US" b="0" i="1" smtClean="0">
+                                                  <a:latin typeface="Cambria Math" panose="02040503050406030204" pitchFamily="18" charset="0"/>
+                                                </a:rPr>
+                                                <m:t>𝑠</m:t>
+                                              </m:r>
+                                            </m:e>
+                                          </m:acc>
+                                        </m:e>
+                                        <m:sub>
+                                          <m:r>
+                                            <a:rPr lang="en-US" b="0" i="1" smtClean="0">
+                                              <a:latin typeface="Cambria Math" panose="02040503050406030204" pitchFamily="18" charset="0"/>
+                                            </a:rPr>
+                                            <m:t>𝑗</m:t>
+                                          </m:r>
+                                        </m:sub>
+                                        <m:sup>
+                                          <m:r>
+                                            <a:rPr lang="en-US" b="0" i="1" smtClean="0">
+                                              <a:latin typeface="Cambria Math" panose="02040503050406030204" pitchFamily="18" charset="0"/>
+                                            </a:rPr>
+                                            <m:t>2</m:t>
+                                          </m:r>
+                                        </m:sup>
+                                      </m:sSubSup>
+                                    </m:e>
+                                  </m:d>
+                                </m:e>
+                              </m:nary>
+                            </m:e>
+                          </m:d>
+                        </m:e>
+                      </m:nary>
+                    </m:oMath>
+                  </m:oMathPara>
+                </a14:m>
+                <a:endParaRPr lang="en-US" dirty="0"/>
+              </a:p>
+              <a:p>
+                <a:pPr marL="0" indent="0">
+                  <a:buNone/>
+                </a:pPr>
+                <a:endParaRPr lang="en-US" dirty="0"/>
+              </a:p>
+              <a:p>
+                <a:pPr marL="0" indent="0">
+                  <a:buNone/>
+                </a:pPr>
+                <a:r>
+                  <a:rPr lang="en-US" i="1" dirty="0"/>
+                  <a:t>Note 1:</a:t>
+                </a:r>
+                <a:r>
+                  <a:rPr lang="en-US" dirty="0"/>
+                  <a:t> </a:t>
+                </a:r>
+                <a14:m>
+                  <m:oMath xmlns:m="http://schemas.openxmlformats.org/officeDocument/2006/math">
+                    <m:sSub>
+                      <m:sSubPr>
+                        <m:ctrlPr>
+                          <a:rPr lang="en-US" b="0" smtClean="0">
+                            <a:latin typeface="Cambria Math" panose="02040503050406030204" pitchFamily="18" charset="0"/>
+                          </a:rPr>
+                        </m:ctrlPr>
+                      </m:sSubPr>
+                      <m:e>
+                        <m:r>
+                          <m:rPr>
+                            <m:sty m:val="p"/>
+                          </m:rPr>
+                          <a:rPr lang="en-US" b="0" i="0" smtClean="0">
+                            <a:latin typeface="Cambria Math" panose="02040503050406030204" pitchFamily="18" charset="0"/>
+                          </a:rPr>
+                          <m:t>π</m:t>
+                        </m:r>
+                      </m:e>
+                      <m:sub>
+                        <m:r>
+                          <a:rPr lang="en-US" b="0" i="0" smtClean="0">
+                            <a:latin typeface="Cambria Math" panose="02040503050406030204" pitchFamily="18" charset="0"/>
+                          </a:rPr>
+                          <m:t>0</m:t>
+                        </m:r>
+                      </m:sub>
+                    </m:sSub>
+                  </m:oMath>
+                </a14:m>
+                <a:r>
+                  <a:rPr lang="en-US" dirty="0"/>
+                  <a:t> is a direct estimate of the proportion of null effects</a:t>
+                </a:r>
+              </a:p>
+              <a:p>
+                <a:pPr marL="0" indent="0">
+                  <a:buNone/>
+                </a:pPr>
+                <a:r>
+                  <a:rPr lang="en-US" i="1" dirty="0"/>
+                  <a:t>Note 2:</a:t>
+                </a:r>
+                <a:r>
+                  <a:rPr lang="en-US" dirty="0"/>
+                  <a:t> in practice optimization penalizes to prefer large </a:t>
+                </a:r>
+                <a14:m>
+                  <m:oMath xmlns:m="http://schemas.openxmlformats.org/officeDocument/2006/math">
+                    <m:sSub>
+                      <m:sSubPr>
+                        <m:ctrlPr>
+                          <a:rPr lang="en-US" b="0" i="1" smtClean="0">
+                            <a:latin typeface="Cambria Math" panose="02040503050406030204" pitchFamily="18" charset="0"/>
+                          </a:rPr>
+                        </m:ctrlPr>
+                      </m:sSubPr>
+                      <m:e>
+                        <m:r>
+                          <a:rPr lang="en-US" b="0" i="1" smtClean="0">
+                            <a:latin typeface="Cambria Math" panose="02040503050406030204" pitchFamily="18" charset="0"/>
+                          </a:rPr>
+                          <m:t>𝜋</m:t>
+                        </m:r>
+                      </m:e>
+                      <m:sub>
+                        <m:r>
+                          <a:rPr lang="en-US" b="0" i="1" smtClean="0">
+                            <a:latin typeface="Cambria Math" panose="02040503050406030204" pitchFamily="18" charset="0"/>
+                          </a:rPr>
+                          <m:t>0</m:t>
+                        </m:r>
+                      </m:sub>
+                    </m:sSub>
+                  </m:oMath>
+                </a14:m>
+                <a:endParaRPr lang="en-US" i="1" dirty="0"/>
+              </a:p>
+            </p:txBody>
+          </p:sp>
+        </mc:Choice>
+        <mc:Fallback>
+          <p:sp>
+            <p:nvSpPr>
+              <p:cNvPr id="3" name="Content Placeholder 2">
+                <a:extLst>
+                  <a:ext uri="{FF2B5EF4-FFF2-40B4-BE49-F238E27FC236}">
+                    <a16:creationId xmlns:a16="http://schemas.microsoft.com/office/drawing/2014/main" id="{BACB4250-2D00-86A1-4D96-284268C51C1B}"/>
+                  </a:ext>
+                </a:extLst>
+              </p:cNvPr>
+              <p:cNvSpPr>
+                <a:spLocks noGrp="1" noRot="1" noChangeAspect="1" noMove="1" noResize="1" noEditPoints="1" noAdjustHandles="1" noChangeArrowheads="1" noChangeShapeType="1" noTextEdit="1"/>
+              </p:cNvSpPr>
+              <p:nvPr>
+                <p:ph idx="1"/>
+              </p:nvPr>
+            </p:nvSpPr>
+            <p:spPr>
+              <a:blipFill>
+                <a:blip r:embed="rId2"/>
+                <a:stretch>
+                  <a:fillRect l="-1041" t="-19258"/>
+                </a:stretch>
+              </a:blipFill>
+            </p:spPr>
+            <p:txBody>
+              <a:bodyPr/>
+              <a:lstStyle/>
+              <a:p>
+                <a:r>
+                  <a:rPr lang="en-US">
+                    <a:noFill/>
+                  </a:rPr>
+                  <a:t> </a:t>
+                </a:r>
+              </a:p>
+            </p:txBody>
+          </p:sp>
+        </mc:Fallback>
+      </mc:AlternateContent>
+      <p:sp>
+        <p:nvSpPr>
+          <p:cNvPr id="4" name="Date Placeholder 3">
+            <a:extLst>
+              <a:ext uri="{FF2B5EF4-FFF2-40B4-BE49-F238E27FC236}">
+                <a16:creationId xmlns:a16="http://schemas.microsoft.com/office/drawing/2014/main" id="{7BF968A1-1DEA-74EA-C70F-3E9E6677EFF6}"/>
+              </a:ext>
+            </a:extLst>
+          </p:cNvPr>
+          <p:cNvSpPr>
+            <a:spLocks noGrp="1"/>
+          </p:cNvSpPr>
+          <p:nvPr>
+            <p:ph type="dt" sz="half" idx="10"/>
+          </p:nvPr>
+        </p:nvSpPr>
+        <p:spPr/>
+        <p:txBody>
+          <a:bodyPr/>
+          <a:lstStyle/>
+          <a:p>
+            <a:fld id="{C341F050-1748-B641-BEF7-F0B05D683DF2}" type="datetime1">
+              <a:rPr lang="en-US" smtClean="0"/>
+              <a:t>5/21/24</a:t>
+            </a:fld>
+            <a:endParaRPr lang="en-US"/>
+          </a:p>
+        </p:txBody>
+      </p:sp>
+      <p:sp>
+        <p:nvSpPr>
+          <p:cNvPr id="5" name="Footer Placeholder 4">
+            <a:extLst>
+              <a:ext uri="{FF2B5EF4-FFF2-40B4-BE49-F238E27FC236}">
+                <a16:creationId xmlns:a16="http://schemas.microsoft.com/office/drawing/2014/main" id="{78903F23-725C-66B6-52D3-E9A1B60BBC5A}"/>
+              </a:ext>
+            </a:extLst>
+          </p:cNvPr>
+          <p:cNvSpPr>
+            <a:spLocks noGrp="1"/>
+          </p:cNvSpPr>
+          <p:nvPr>
+            <p:ph type="ftr" sz="quarter" idx="11"/>
+          </p:nvPr>
+        </p:nvSpPr>
+        <p:spPr/>
+        <p:txBody>
+          <a:bodyPr/>
+          <a:lstStyle/>
+          <a:p>
+            <a:r>
+              <a:rPr lang="en-US"/>
+              <a:t>Jared Brown · Postdoctoral research fellow · DFCI Lab of Rafael Irizarry jbrown@ds.dfci.harvard.edu · github.com/JBrownBiostat</a:t>
+            </a:r>
+          </a:p>
+        </p:txBody>
+      </p:sp>
+      <p:sp>
+        <p:nvSpPr>
+          <p:cNvPr id="6" name="Slide Number Placeholder 5">
+            <a:extLst>
+              <a:ext uri="{FF2B5EF4-FFF2-40B4-BE49-F238E27FC236}">
+                <a16:creationId xmlns:a16="http://schemas.microsoft.com/office/drawing/2014/main" id="{D18AF451-AC41-719A-5CD6-C74CF355AF09}"/>
+              </a:ext>
+            </a:extLst>
+          </p:cNvPr>
+          <p:cNvSpPr>
+            <a:spLocks noGrp="1"/>
+          </p:cNvSpPr>
+          <p:nvPr>
+            <p:ph type="sldNum" sz="quarter" idx="12"/>
+          </p:nvPr>
+        </p:nvSpPr>
+        <p:spPr/>
+        <p:txBody>
+          <a:bodyPr/>
+          <a:lstStyle/>
+          <a:p>
+            <a:fld id="{2C8BF43B-81B9-DD48-8FF8-6AE31485DC69}" type="slidenum">
+              <a:rPr lang="en-US" smtClean="0"/>
+              <a:t>21</a:t>
+            </a:fld>
+            <a:endParaRPr lang="en-US"/>
+          </a:p>
+        </p:txBody>
+      </p:sp>
+    </p:spTree>
+    <p:extLst>
+      <p:ext uri="{BB962C8B-B14F-4D97-AF65-F5344CB8AC3E}">
+        <p14:creationId xmlns:p14="http://schemas.microsoft.com/office/powerpoint/2010/main" val="481329398"/>
+      </p:ext>
+    </p:extLst>
+  </p:cSld>
+  <p:clrMapOvr>
+    <a:masterClrMapping/>
+  </p:clrMapOvr>
+</p:sld>
+</file>
+
+<file path=ppt/slides/slide23.xml><?xml version="1.0" encoding="utf-8"?>
+<p:sld xmlns:a="http://schemas.openxmlformats.org/drawingml/2006/main" xmlns:r="http://schemas.openxmlformats.org/officeDocument/2006/relationships" xmlns:p="http://schemas.openxmlformats.org/presentationml/2006/main">
+  <p:cSld>
+    <p:spTree>
+      <p:nvGrpSpPr>
+        <p:cNvPr id="1" name=""/>
+        <p:cNvGrpSpPr/>
+        <p:nvPr/>
+      </p:nvGrpSpPr>
+      <p:grpSpPr>
+        <a:xfrm>
+          <a:off x="0" y="0"/>
+          <a:ext cx="0" cy="0"/>
+          <a:chOff x="0" y="0"/>
+          <a:chExt cx="0" cy="0"/>
+        </a:xfrm>
+      </p:grpSpPr>
+      <p:sp>
+        <p:nvSpPr>
+          <p:cNvPr id="2" name="Title 1">
+            <a:extLst>
+              <a:ext uri="{FF2B5EF4-FFF2-40B4-BE49-F238E27FC236}">
+                <a16:creationId xmlns:a16="http://schemas.microsoft.com/office/drawing/2014/main" id="{EC928670-EC19-91B9-66F6-0A764692B112}"/>
+              </a:ext>
+            </a:extLst>
+          </p:cNvPr>
+          <p:cNvSpPr>
+            <a:spLocks noGrp="1"/>
+          </p:cNvSpPr>
+          <p:nvPr>
+            <p:ph type="title"/>
+          </p:nvPr>
+        </p:nvSpPr>
+        <p:spPr/>
+        <p:txBody>
+          <a:bodyPr/>
+          <a:lstStyle/>
+          <a:p>
+            <a:r>
+              <a:rPr lang="en-US" u="sng" dirty="0" err="1"/>
+              <a:t>A</a:t>
+            </a:r>
+            <a:r>
+              <a:rPr lang="en-US" dirty="0" err="1"/>
+              <a:t>dapative</a:t>
+            </a:r>
+            <a:r>
+              <a:rPr lang="en-US" dirty="0"/>
+              <a:t> </a:t>
+            </a:r>
+            <a:r>
+              <a:rPr lang="en-US" u="sng" dirty="0" err="1"/>
+              <a:t>SH</a:t>
+            </a:r>
+            <a:r>
+              <a:rPr lang="en-US" dirty="0" err="1"/>
+              <a:t>rinkage</a:t>
+            </a:r>
+            <a:r>
+              <a:rPr lang="en-US" dirty="0"/>
+              <a:t> (ASH) model (3)</a:t>
+            </a:r>
+          </a:p>
+        </p:txBody>
+      </p:sp>
+      <mc:AlternateContent xmlns:mc="http://schemas.openxmlformats.org/markup-compatibility/2006">
+        <mc:Choice xmlns:a14="http://schemas.microsoft.com/office/drawing/2010/main" Requires="a14">
+          <p:sp>
+            <p:nvSpPr>
+              <p:cNvPr id="3" name="Content Placeholder 2">
+                <a:extLst>
+                  <a:ext uri="{FF2B5EF4-FFF2-40B4-BE49-F238E27FC236}">
+                    <a16:creationId xmlns:a16="http://schemas.microsoft.com/office/drawing/2014/main" id="{7DF28092-0C43-4EC3-C88C-F289D0510E6B}"/>
+                  </a:ext>
+                </a:extLst>
+              </p:cNvPr>
+              <p:cNvSpPr>
+                <a:spLocks noGrp="1"/>
+              </p:cNvSpPr>
+              <p:nvPr>
+                <p:ph idx="1"/>
+              </p:nvPr>
+            </p:nvSpPr>
+            <p:spPr/>
+            <p:txBody>
+              <a:bodyPr/>
+              <a:lstStyle/>
+              <a:p>
+                <a:pPr marL="0" indent="0">
+                  <a:buNone/>
+                </a:pPr>
+                <a:r>
+                  <a:rPr lang="en-US" dirty="0"/>
+                  <a:t>Estimates of </a:t>
+                </a:r>
+                <a14:m>
+                  <m:oMath xmlns:m="http://schemas.openxmlformats.org/officeDocument/2006/math">
+                    <m:r>
+                      <a:rPr lang="en-US" b="0" i="1" smtClean="0">
+                        <a:latin typeface="Cambria Math" panose="02040503050406030204" pitchFamily="18" charset="0"/>
+                      </a:rPr>
+                      <m:t>𝜋</m:t>
+                    </m:r>
+                  </m:oMath>
+                </a14:m>
+                <a:r>
+                  <a:rPr lang="en-US" dirty="0"/>
+                  <a:t> give a closed form distribution for the posterior on </a:t>
+                </a:r>
+                <a14:m>
+                  <m:oMath xmlns:m="http://schemas.openxmlformats.org/officeDocument/2006/math">
+                    <m:r>
+                      <a:rPr lang="en-US" b="0" i="1" smtClean="0">
+                        <a:latin typeface="Cambria Math" panose="02040503050406030204" pitchFamily="18" charset="0"/>
+                      </a:rPr>
+                      <m:t>𝛽</m:t>
+                    </m:r>
+                  </m:oMath>
+                </a14:m>
+                <a:r>
+                  <a:rPr lang="en-US" dirty="0"/>
+                  <a:t>:</a:t>
+                </a:r>
+              </a:p>
+              <a:p>
+                <a:pPr marL="0" indent="0">
+                  <a:buNone/>
+                </a:pPr>
+                <a14:m>
+                  <m:oMathPara xmlns:m="http://schemas.openxmlformats.org/officeDocument/2006/math">
+                    <m:oMathParaPr>
+                      <m:jc m:val="centerGroup"/>
+                    </m:oMathParaPr>
+                    <m:oMath xmlns:m="http://schemas.openxmlformats.org/officeDocument/2006/math">
+                      <m:r>
+                        <a:rPr lang="en-US" b="0" i="1" smtClean="0">
+                          <a:latin typeface="Cambria Math" panose="02040503050406030204" pitchFamily="18" charset="0"/>
+                        </a:rPr>
+                        <m:t>ℙ</m:t>
+                      </m:r>
+                      <m:d>
+                        <m:dPr>
+                          <m:ctrlPr>
+                            <a:rPr lang="en-US" b="0" i="1" smtClean="0">
+                              <a:latin typeface="Cambria Math" panose="02040503050406030204" pitchFamily="18" charset="0"/>
+                            </a:rPr>
+                          </m:ctrlPr>
+                        </m:dPr>
+                        <m:e>
+                          <m:r>
+                            <a:rPr lang="en-US" b="0" i="1" smtClean="0">
+                              <a:latin typeface="Cambria Math" panose="02040503050406030204" pitchFamily="18" charset="0"/>
+                            </a:rPr>
+                            <m:t>𝛽</m:t>
+                          </m:r>
+                        </m:e>
+                        <m:e>
+                          <m:acc>
+                            <m:accPr>
+                              <m:chr m:val="̂"/>
+                              <m:ctrlPr>
+                                <a:rPr lang="en-US" b="0" i="1" smtClean="0">
+                                  <a:latin typeface="Cambria Math" panose="02040503050406030204" pitchFamily="18" charset="0"/>
+                                </a:rPr>
+                              </m:ctrlPr>
+                            </m:accPr>
+                            <m:e>
+                              <m:r>
+                                <a:rPr lang="en-US" b="0" i="1" smtClean="0">
+                                  <a:latin typeface="Cambria Math" panose="02040503050406030204" pitchFamily="18" charset="0"/>
+                                </a:rPr>
+                                <m:t>𝛽</m:t>
+                              </m:r>
+                            </m:e>
+                          </m:acc>
+                          <m:r>
+                            <a:rPr lang="en-US" b="0" i="1" smtClean="0">
+                              <a:latin typeface="Cambria Math" panose="02040503050406030204" pitchFamily="18" charset="0"/>
+                            </a:rPr>
+                            <m:t>,</m:t>
+                          </m:r>
+                          <m:acc>
+                            <m:accPr>
+                              <m:chr m:val="̂"/>
+                              <m:ctrlPr>
+                                <a:rPr lang="en-US" b="0" i="1" smtClean="0">
+                                  <a:latin typeface="Cambria Math" panose="02040503050406030204" pitchFamily="18" charset="0"/>
+                                </a:rPr>
+                              </m:ctrlPr>
+                            </m:accPr>
+                            <m:e>
+                              <m:r>
+                                <a:rPr lang="en-US" b="0" i="1" smtClean="0">
+                                  <a:latin typeface="Cambria Math" panose="02040503050406030204" pitchFamily="18" charset="0"/>
+                                </a:rPr>
+                                <m:t>𝑠</m:t>
+                              </m:r>
+                            </m:e>
+                          </m:acc>
+                          <m:r>
+                            <a:rPr lang="en-US" b="0" i="1" smtClean="0">
+                              <a:latin typeface="Cambria Math" panose="02040503050406030204" pitchFamily="18" charset="0"/>
+                            </a:rPr>
+                            <m:t>,</m:t>
+                          </m:r>
+                          <m:r>
+                            <a:rPr lang="en-US" b="0" i="1" smtClean="0">
+                              <a:latin typeface="Cambria Math" panose="02040503050406030204" pitchFamily="18" charset="0"/>
+                            </a:rPr>
+                            <m:t>𝜋</m:t>
+                          </m:r>
+                        </m:e>
+                      </m:d>
+                      <m:r>
+                        <a:rPr lang="en-US" b="0" i="1" smtClean="0">
+                          <a:latin typeface="Cambria Math" panose="02040503050406030204" pitchFamily="18" charset="0"/>
+                        </a:rPr>
+                        <m:t>∝</m:t>
+                      </m:r>
+                      <m:nary>
+                        <m:naryPr>
+                          <m:chr m:val="∏"/>
+                          <m:supHide m:val="on"/>
+                          <m:ctrlPr>
+                            <a:rPr lang="en-US" b="0" i="1" smtClean="0">
+                              <a:latin typeface="Cambria Math" panose="02040503050406030204" pitchFamily="18" charset="0"/>
+                            </a:rPr>
+                          </m:ctrlPr>
+                        </m:naryPr>
+                        <m:sub>
+                          <m:r>
+                            <a:rPr lang="en-US" b="0" i="1" smtClean="0">
+                              <a:latin typeface="Cambria Math" panose="02040503050406030204" pitchFamily="18" charset="0"/>
+                            </a:rPr>
+                            <m:t>𝑗</m:t>
+                          </m:r>
+                        </m:sub>
+                        <m:sup/>
+                        <m:e>
+                          <m:d>
+                            <m:dPr>
+                              <m:begChr m:val="["/>
+                              <m:endChr m:val="]"/>
+                              <m:ctrlPr>
+                                <a:rPr lang="en-US" b="0" i="1" smtClean="0">
+                                  <a:latin typeface="Cambria Math" panose="02040503050406030204" pitchFamily="18" charset="0"/>
+                                </a:rPr>
+                              </m:ctrlPr>
+                            </m:dPr>
+                            <m:e>
+                              <m:sSub>
+                                <m:sSubPr>
+                                  <m:ctrlPr>
+                                    <a:rPr lang="en-US" b="0" i="1" smtClean="0">
+                                      <a:latin typeface="Cambria Math" panose="02040503050406030204" pitchFamily="18" charset="0"/>
+                                    </a:rPr>
+                                  </m:ctrlPr>
+                                </m:sSubPr>
+                                <m:e>
+                                  <m:r>
+                                    <a:rPr lang="en-US" b="0" i="1" smtClean="0">
+                                      <a:latin typeface="Cambria Math" panose="02040503050406030204" pitchFamily="18" charset="0"/>
+                                    </a:rPr>
+                                    <m:t>𝜋</m:t>
+                                  </m:r>
+                                </m:e>
+                                <m:sub>
+                                  <m:r>
+                                    <a:rPr lang="en-US" b="0" i="1" smtClean="0">
+                                      <a:latin typeface="Cambria Math" panose="02040503050406030204" pitchFamily="18" charset="0"/>
+                                    </a:rPr>
+                                    <m:t>0</m:t>
+                                  </m:r>
+                                </m:sub>
+                              </m:sSub>
+                              <m:sSub>
+                                <m:sSubPr>
+                                  <m:ctrlPr>
+                                    <a:rPr lang="en-US" b="0" i="1" smtClean="0">
+                                      <a:latin typeface="Cambria Math" panose="02040503050406030204" pitchFamily="18" charset="0"/>
+                                    </a:rPr>
+                                  </m:ctrlPr>
+                                </m:sSubPr>
+                                <m:e>
+                                  <m:r>
+                                    <a:rPr lang="en-US" b="0" i="1" smtClean="0">
+                                      <a:latin typeface="Cambria Math" panose="02040503050406030204" pitchFamily="18" charset="0"/>
+                                    </a:rPr>
+                                    <m:t>𝛿</m:t>
+                                  </m:r>
+                                </m:e>
+                                <m:sub>
+                                  <m:r>
+                                    <a:rPr lang="en-US" b="0" i="1" smtClean="0">
+                                      <a:latin typeface="Cambria Math" panose="02040503050406030204" pitchFamily="18" charset="0"/>
+                                    </a:rPr>
+                                    <m:t>0</m:t>
+                                  </m:r>
+                                </m:sub>
+                              </m:sSub>
+                              <m:d>
+                                <m:dPr>
+                                  <m:ctrlPr>
+                                    <a:rPr lang="en-US" b="0" i="1" smtClean="0">
+                                      <a:latin typeface="Cambria Math" panose="02040503050406030204" pitchFamily="18" charset="0"/>
+                                    </a:rPr>
+                                  </m:ctrlPr>
+                                </m:dPr>
+                                <m:e>
+                                  <m:sSub>
+                                    <m:sSubPr>
+                                      <m:ctrlPr>
+                                        <a:rPr lang="en-US" b="0" i="1" smtClean="0">
+                                          <a:latin typeface="Cambria Math" panose="02040503050406030204" pitchFamily="18" charset="0"/>
+                                        </a:rPr>
+                                      </m:ctrlPr>
+                                    </m:sSubPr>
+                                    <m:e>
+                                      <m:r>
+                                        <a:rPr lang="en-US" b="0" i="1" smtClean="0">
+                                          <a:latin typeface="Cambria Math" panose="02040503050406030204" pitchFamily="18" charset="0"/>
+                                        </a:rPr>
+                                        <m:t>𝛽</m:t>
+                                      </m:r>
+                                    </m:e>
+                                    <m:sub>
+                                      <m:r>
+                                        <a:rPr lang="en-US" b="0" i="1" smtClean="0">
+                                          <a:latin typeface="Cambria Math" panose="02040503050406030204" pitchFamily="18" charset="0"/>
+                                        </a:rPr>
+                                        <m:t>𝑗</m:t>
+                                      </m:r>
+                                    </m:sub>
+                                  </m:sSub>
+                                </m:e>
+                              </m:d>
+                              <m:r>
+                                <a:rPr lang="en-US" b="0" i="1" smtClean="0">
+                                  <a:latin typeface="Cambria Math" panose="02040503050406030204" pitchFamily="18" charset="0"/>
+                                </a:rPr>
+                                <m:t>+</m:t>
+                              </m:r>
+                              <m:nary>
+                                <m:naryPr>
+                                  <m:chr m:val="∑"/>
+                                  <m:ctrlPr>
+                                    <a:rPr lang="en-US" b="0" i="1" smtClean="0">
+                                      <a:latin typeface="Cambria Math" panose="02040503050406030204" pitchFamily="18" charset="0"/>
+                                    </a:rPr>
+                                  </m:ctrlPr>
+                                </m:naryPr>
+                                <m:sub>
+                                  <m:r>
+                                    <a:rPr lang="en-US" b="0" i="1" smtClean="0">
+                                      <a:latin typeface="Cambria Math" panose="02040503050406030204" pitchFamily="18" charset="0"/>
+                                    </a:rPr>
+                                    <m:t>𝑘</m:t>
+                                  </m:r>
+                                  <m:r>
+                                    <a:rPr lang="en-US" b="0" i="1" smtClean="0">
+                                      <a:latin typeface="Cambria Math" panose="02040503050406030204" pitchFamily="18" charset="0"/>
+                                    </a:rPr>
+                                    <m:t>=1</m:t>
+                                  </m:r>
+                                </m:sub>
+                                <m:sup>
+                                  <m:r>
+                                    <a:rPr lang="en-US" b="0" i="1" smtClean="0">
+                                      <a:latin typeface="Cambria Math" panose="02040503050406030204" pitchFamily="18" charset="0"/>
+                                    </a:rPr>
+                                    <m:t>𝐾</m:t>
+                                  </m:r>
+                                </m:sup>
+                                <m:e>
+                                  <m:sSub>
+                                    <m:sSubPr>
+                                      <m:ctrlPr>
+                                        <a:rPr lang="en-US" b="0" i="1" smtClean="0">
+                                          <a:latin typeface="Cambria Math" panose="02040503050406030204" pitchFamily="18" charset="0"/>
+                                        </a:rPr>
+                                      </m:ctrlPr>
+                                    </m:sSubPr>
+                                    <m:e>
+                                      <m:r>
+                                        <a:rPr lang="en-US" b="0" i="1" smtClean="0">
+                                          <a:latin typeface="Cambria Math" panose="02040503050406030204" pitchFamily="18" charset="0"/>
+                                        </a:rPr>
+                                        <m:t>𝜋</m:t>
+                                      </m:r>
+                                    </m:e>
+                                    <m:sub>
+                                      <m:r>
+                                        <a:rPr lang="en-US" b="0" i="1" smtClean="0">
+                                          <a:latin typeface="Cambria Math" panose="02040503050406030204" pitchFamily="18" charset="0"/>
+                                        </a:rPr>
+                                        <m:t>𝑘</m:t>
+                                      </m:r>
+                                    </m:sub>
+                                  </m:sSub>
+                                  <m:r>
+                                    <a:rPr lang="en-US" b="0" i="1" smtClean="0">
+                                      <a:latin typeface="Cambria Math" panose="02040503050406030204" pitchFamily="18" charset="0"/>
+                                    </a:rPr>
+                                    <m:t>𝑁</m:t>
+                                  </m:r>
+                                  <m:d>
+                                    <m:dPr>
+                                      <m:ctrlPr>
+                                        <a:rPr lang="en-US" b="0" i="1" smtClean="0">
+                                          <a:latin typeface="Cambria Math" panose="02040503050406030204" pitchFamily="18" charset="0"/>
+                                        </a:rPr>
+                                      </m:ctrlPr>
+                                    </m:dPr>
+                                    <m:e>
+                                      <m:sSub>
+                                        <m:sSubPr>
+                                          <m:ctrlPr>
+                                            <a:rPr lang="en-US" b="0" i="1" smtClean="0">
+                                              <a:latin typeface="Cambria Math" panose="02040503050406030204" pitchFamily="18" charset="0"/>
+                                            </a:rPr>
+                                          </m:ctrlPr>
+                                        </m:sSubPr>
+                                        <m:e>
+                                          <m:r>
+                                            <a:rPr lang="en-US" b="0" i="1" smtClean="0">
+                                              <a:latin typeface="Cambria Math" panose="02040503050406030204" pitchFamily="18" charset="0"/>
+                                            </a:rPr>
+                                            <m:t>𝛽</m:t>
+                                          </m:r>
+                                        </m:e>
+                                        <m:sub>
+                                          <m:r>
+                                            <a:rPr lang="en-US" b="0" i="1" smtClean="0">
+                                              <a:latin typeface="Cambria Math" panose="02040503050406030204" pitchFamily="18" charset="0"/>
+                                            </a:rPr>
+                                            <m:t>𝑗</m:t>
+                                          </m:r>
+                                        </m:sub>
+                                      </m:sSub>
+                                    </m:e>
+                                    <m:e>
+                                      <m:r>
+                                        <a:rPr lang="en-US" b="0" i="1" smtClean="0">
+                                          <a:latin typeface="Cambria Math" panose="02040503050406030204" pitchFamily="18" charset="0"/>
+                                        </a:rPr>
+                                        <m:t>0,</m:t>
+                                      </m:r>
+                                      <m:sSubSup>
+                                        <m:sSubSupPr>
+                                          <m:ctrlPr>
+                                            <a:rPr lang="en-US" b="0" i="1" smtClean="0">
+                                              <a:latin typeface="Cambria Math" panose="02040503050406030204" pitchFamily="18" charset="0"/>
+                                            </a:rPr>
+                                          </m:ctrlPr>
+                                        </m:sSubSupPr>
+                                        <m:e>
+                                          <m:r>
+                                            <a:rPr lang="en-US" b="0" i="1" smtClean="0">
+                                              <a:latin typeface="Cambria Math" panose="02040503050406030204" pitchFamily="18" charset="0"/>
+                                            </a:rPr>
+                                            <m:t>𝜎</m:t>
+                                          </m:r>
+                                        </m:e>
+                                        <m:sub>
+                                          <m:r>
+                                            <a:rPr lang="en-US" b="0" i="1" smtClean="0">
+                                              <a:latin typeface="Cambria Math" panose="02040503050406030204" pitchFamily="18" charset="0"/>
+                                            </a:rPr>
+                                            <m:t>𝑘</m:t>
+                                          </m:r>
+                                        </m:sub>
+                                        <m:sup>
+                                          <m:r>
+                                            <a:rPr lang="en-US" b="0" i="1" smtClean="0">
+                                              <a:latin typeface="Cambria Math" panose="02040503050406030204" pitchFamily="18" charset="0"/>
+                                            </a:rPr>
+                                            <m:t>2</m:t>
+                                          </m:r>
+                                        </m:sup>
+                                      </m:sSubSup>
+                                    </m:e>
+                                  </m:d>
+                                </m:e>
+                              </m:nary>
+                            </m:e>
+                          </m:d>
+                          <m:r>
+                            <a:rPr lang="en-US" b="0" i="1" smtClean="0">
+                              <a:latin typeface="Cambria Math" panose="02040503050406030204" pitchFamily="18" charset="0"/>
+                            </a:rPr>
+                            <m:t>𝑁</m:t>
+                          </m:r>
+                          <m:d>
+                            <m:dPr>
+                              <m:ctrlPr>
+                                <a:rPr lang="en-US" b="0" i="1" smtClean="0">
+                                  <a:latin typeface="Cambria Math" panose="02040503050406030204" pitchFamily="18" charset="0"/>
+                                </a:rPr>
+                              </m:ctrlPr>
+                            </m:dPr>
+                            <m:e>
+                              <m:sSub>
+                                <m:sSubPr>
+                                  <m:ctrlPr>
+                                    <a:rPr lang="en-US" b="0" i="1" smtClean="0">
+                                      <a:latin typeface="Cambria Math" panose="02040503050406030204" pitchFamily="18" charset="0"/>
+                                    </a:rPr>
+                                  </m:ctrlPr>
+                                </m:sSubPr>
+                                <m:e>
+                                  <m:acc>
+                                    <m:accPr>
+                                      <m:chr m:val="̂"/>
+                                      <m:ctrlPr>
+                                        <a:rPr lang="en-US" b="0" i="1" smtClean="0">
+                                          <a:latin typeface="Cambria Math" panose="02040503050406030204" pitchFamily="18" charset="0"/>
+                                        </a:rPr>
+                                      </m:ctrlPr>
+                                    </m:accPr>
+                                    <m:e>
+                                      <m:r>
+                                        <a:rPr lang="en-US" b="0" i="1" smtClean="0">
+                                          <a:latin typeface="Cambria Math" panose="02040503050406030204" pitchFamily="18" charset="0"/>
+                                        </a:rPr>
+                                        <m:t>𝛽</m:t>
+                                      </m:r>
+                                    </m:e>
+                                  </m:acc>
+                                </m:e>
+                                <m:sub>
+                                  <m:r>
+                                    <a:rPr lang="en-US" b="0" i="1" smtClean="0">
+                                      <a:latin typeface="Cambria Math" panose="02040503050406030204" pitchFamily="18" charset="0"/>
+                                    </a:rPr>
+                                    <m:t>𝑗</m:t>
+                                  </m:r>
+                                </m:sub>
+                              </m:sSub>
+                            </m:e>
+                            <m:e>
+                              <m:sSub>
+                                <m:sSubPr>
+                                  <m:ctrlPr>
+                                    <a:rPr lang="en-US" b="0" i="1" smtClean="0">
+                                      <a:latin typeface="Cambria Math" panose="02040503050406030204" pitchFamily="18" charset="0"/>
+                                    </a:rPr>
+                                  </m:ctrlPr>
+                                </m:sSubPr>
+                                <m:e>
+                                  <m:r>
+                                    <a:rPr lang="en-US" b="0" i="1" smtClean="0">
+                                      <a:latin typeface="Cambria Math" panose="02040503050406030204" pitchFamily="18" charset="0"/>
+                                    </a:rPr>
+                                    <m:t>𝛽</m:t>
+                                  </m:r>
+                                </m:e>
+                                <m:sub>
+                                  <m:r>
+                                    <a:rPr lang="en-US" b="0" i="1" smtClean="0">
+                                      <a:latin typeface="Cambria Math" panose="02040503050406030204" pitchFamily="18" charset="0"/>
+                                    </a:rPr>
+                                    <m:t>𝑗</m:t>
+                                  </m:r>
+                                </m:sub>
+                              </m:sSub>
+                              <m:r>
+                                <a:rPr lang="en-US" b="0" i="1" smtClean="0">
+                                  <a:latin typeface="Cambria Math" panose="02040503050406030204" pitchFamily="18" charset="0"/>
+                                </a:rPr>
+                                <m:t>,</m:t>
+                              </m:r>
+                              <m:sSubSup>
+                                <m:sSubSupPr>
+                                  <m:ctrlPr>
+                                    <a:rPr lang="en-US" b="0" i="1" smtClean="0">
+                                      <a:latin typeface="Cambria Math" panose="02040503050406030204" pitchFamily="18" charset="0"/>
+                                    </a:rPr>
+                                  </m:ctrlPr>
+                                </m:sSubSupPr>
+                                <m:e>
+                                  <m:acc>
+                                    <m:accPr>
+                                      <m:chr m:val="̂"/>
+                                      <m:ctrlPr>
+                                        <a:rPr lang="en-US" b="0" i="1" smtClean="0">
+                                          <a:latin typeface="Cambria Math" panose="02040503050406030204" pitchFamily="18" charset="0"/>
+                                        </a:rPr>
+                                      </m:ctrlPr>
+                                    </m:accPr>
+                                    <m:e>
+                                      <m:r>
+                                        <a:rPr lang="en-US" b="0" i="1" smtClean="0">
+                                          <a:latin typeface="Cambria Math" panose="02040503050406030204" pitchFamily="18" charset="0"/>
+                                        </a:rPr>
+                                        <m:t>𝑠</m:t>
+                                      </m:r>
+                                    </m:e>
+                                  </m:acc>
+                                </m:e>
+                                <m:sub>
+                                  <m:r>
+                                    <a:rPr lang="en-US" b="0" i="1" smtClean="0">
+                                      <a:latin typeface="Cambria Math" panose="02040503050406030204" pitchFamily="18" charset="0"/>
+                                    </a:rPr>
+                                    <m:t>𝑗</m:t>
+                                  </m:r>
+                                </m:sub>
+                                <m:sup>
+                                  <m:r>
+                                    <a:rPr lang="en-US" b="0" i="1" smtClean="0">
+                                      <a:latin typeface="Cambria Math" panose="02040503050406030204" pitchFamily="18" charset="0"/>
+                                    </a:rPr>
+                                    <m:t>2</m:t>
+                                  </m:r>
+                                </m:sup>
+                              </m:sSubSup>
+                            </m:e>
+                          </m:d>
+                        </m:e>
+                      </m:nary>
+                    </m:oMath>
+                  </m:oMathPara>
+                </a14:m>
+                <a:endParaRPr lang="en-US" dirty="0"/>
+              </a:p>
+              <a:p>
+                <a:r>
+                  <a:rPr lang="en-US" dirty="0"/>
+                  <a:t>Posterior </a:t>
+                </a:r>
+                <a:r>
+                  <a:rPr lang="en-US" i="1" dirty="0"/>
+                  <a:t>mean</a:t>
+                </a:r>
+                <a:r>
+                  <a:rPr lang="en-US" dirty="0"/>
+                  <a:t> yields shrunken estimate of effect size</a:t>
+                </a:r>
+              </a:p>
+              <a:p>
+                <a:r>
+                  <a:rPr lang="en-US" dirty="0"/>
+                  <a:t>Posterior tails and point mass at 0 give </a:t>
+                </a:r>
+                <a:r>
+                  <a:rPr lang="en-US" dirty="0" err="1"/>
+                  <a:t>lfsr</a:t>
+                </a:r>
+                <a:r>
+                  <a:rPr lang="en-US" dirty="0"/>
+                  <a:t>/s-values</a:t>
+                </a:r>
+              </a:p>
+            </p:txBody>
+          </p:sp>
+        </mc:Choice>
+        <mc:Fallback>
+          <p:sp>
+            <p:nvSpPr>
+              <p:cNvPr id="3" name="Content Placeholder 2">
+                <a:extLst>
+                  <a:ext uri="{FF2B5EF4-FFF2-40B4-BE49-F238E27FC236}">
+                    <a16:creationId xmlns:a16="http://schemas.microsoft.com/office/drawing/2014/main" id="{7DF28092-0C43-4EC3-C88C-F289D0510E6B}"/>
+                  </a:ext>
+                </a:extLst>
+              </p:cNvPr>
+              <p:cNvSpPr>
+                <a:spLocks noGrp="1" noRot="1" noChangeAspect="1" noMove="1" noResize="1" noEditPoints="1" noAdjustHandles="1" noChangeArrowheads="1" noChangeShapeType="1" noTextEdit="1"/>
+              </p:cNvSpPr>
+              <p:nvPr>
+                <p:ph idx="1"/>
+              </p:nvPr>
+            </p:nvSpPr>
+            <p:spPr>
+              <a:blipFill>
+                <a:blip r:embed="rId2"/>
+                <a:stretch>
+                  <a:fillRect l="-1041" t="-19258"/>
+                </a:stretch>
+              </a:blipFill>
+            </p:spPr>
+            <p:txBody>
+              <a:bodyPr/>
+              <a:lstStyle/>
+              <a:p>
+                <a:r>
+                  <a:rPr lang="en-US">
+                    <a:noFill/>
+                  </a:rPr>
+                  <a:t> </a:t>
+                </a:r>
+              </a:p>
+            </p:txBody>
+          </p:sp>
+        </mc:Fallback>
+      </mc:AlternateContent>
+      <p:sp>
+        <p:nvSpPr>
+          <p:cNvPr id="4" name="Date Placeholder 3">
+            <a:extLst>
+              <a:ext uri="{FF2B5EF4-FFF2-40B4-BE49-F238E27FC236}">
+                <a16:creationId xmlns:a16="http://schemas.microsoft.com/office/drawing/2014/main" id="{6A0977EE-FE4A-6665-CA34-71081ACCE0EA}"/>
+              </a:ext>
+            </a:extLst>
+          </p:cNvPr>
+          <p:cNvSpPr>
+            <a:spLocks noGrp="1"/>
+          </p:cNvSpPr>
+          <p:nvPr>
+            <p:ph type="dt" sz="half" idx="10"/>
+          </p:nvPr>
+        </p:nvSpPr>
+        <p:spPr/>
+        <p:txBody>
+          <a:bodyPr/>
+          <a:lstStyle/>
+          <a:p>
+            <a:fld id="{C341F050-1748-B641-BEF7-F0B05D683DF2}" type="datetime1">
+              <a:rPr lang="en-US" smtClean="0"/>
+              <a:t>5/21/24</a:t>
+            </a:fld>
+            <a:endParaRPr lang="en-US"/>
+          </a:p>
+        </p:txBody>
+      </p:sp>
+      <p:sp>
+        <p:nvSpPr>
+          <p:cNvPr id="5" name="Footer Placeholder 4">
+            <a:extLst>
+              <a:ext uri="{FF2B5EF4-FFF2-40B4-BE49-F238E27FC236}">
+                <a16:creationId xmlns:a16="http://schemas.microsoft.com/office/drawing/2014/main" id="{97B98784-3F71-6504-3C8B-B682D918D146}"/>
+              </a:ext>
+            </a:extLst>
+          </p:cNvPr>
+          <p:cNvSpPr>
+            <a:spLocks noGrp="1"/>
+          </p:cNvSpPr>
+          <p:nvPr>
+            <p:ph type="ftr" sz="quarter" idx="11"/>
+          </p:nvPr>
+        </p:nvSpPr>
+        <p:spPr/>
+        <p:txBody>
+          <a:bodyPr/>
+          <a:lstStyle/>
+          <a:p>
+            <a:r>
+              <a:rPr lang="en-US"/>
+              <a:t>Jared Brown · Postdoctoral research fellow · DFCI Lab of Rafael Irizarry jbrown@ds.dfci.harvard.edu · github.com/JBrownBiostat</a:t>
+            </a:r>
+          </a:p>
+        </p:txBody>
+      </p:sp>
+      <p:sp>
+        <p:nvSpPr>
+          <p:cNvPr id="6" name="Slide Number Placeholder 5">
+            <a:extLst>
+              <a:ext uri="{FF2B5EF4-FFF2-40B4-BE49-F238E27FC236}">
+                <a16:creationId xmlns:a16="http://schemas.microsoft.com/office/drawing/2014/main" id="{87C21010-5633-F984-5ADB-83B5CE8375CA}"/>
+              </a:ext>
+            </a:extLst>
+          </p:cNvPr>
+          <p:cNvSpPr>
+            <a:spLocks noGrp="1"/>
+          </p:cNvSpPr>
+          <p:nvPr>
+            <p:ph type="sldNum" sz="quarter" idx="12"/>
+          </p:nvPr>
+        </p:nvSpPr>
+        <p:spPr/>
+        <p:txBody>
+          <a:bodyPr/>
+          <a:lstStyle/>
+          <a:p>
+            <a:fld id="{2C8BF43B-81B9-DD48-8FF8-6AE31485DC69}" type="slidenum">
+              <a:rPr lang="en-US" smtClean="0"/>
+              <a:t>22</a:t>
+            </a:fld>
+            <a:endParaRPr lang="en-US"/>
+          </a:p>
+        </p:txBody>
+      </p:sp>
+    </p:spTree>
+    <p:extLst>
+      <p:ext uri="{BB962C8B-B14F-4D97-AF65-F5344CB8AC3E}">
+        <p14:creationId xmlns:p14="http://schemas.microsoft.com/office/powerpoint/2010/main" val="376566918"/>
+      </p:ext>
+    </p:extLst>
+  </p:cSld>
+  <p:clrMapOvr>
+    <a:masterClrMapping/>
+  </p:clrMapOvr>
+</p:sld>
+</file>
+
+<file path=ppt/slides/slide24.xml><?xml version="1.0" encoding="utf-8"?>
+<p:sld xmlns:a="http://schemas.openxmlformats.org/drawingml/2006/main" xmlns:r="http://schemas.openxmlformats.org/officeDocument/2006/relationships" xmlns:p="http://schemas.openxmlformats.org/presentationml/2006/main">
+  <p:cSld>
+    <p:spTree>
+      <p:nvGrpSpPr>
+        <p:cNvPr id="1" name=""/>
+        <p:cNvGrpSpPr/>
+        <p:nvPr/>
+      </p:nvGrpSpPr>
+      <p:grpSpPr>
+        <a:xfrm>
+          <a:off x="0" y="0"/>
+          <a:ext cx="0" cy="0"/>
+          <a:chOff x="0" y="0"/>
+          <a:chExt cx="0" cy="0"/>
+        </a:xfrm>
+      </p:grpSpPr>
+      <p:sp>
+        <p:nvSpPr>
+          <p:cNvPr id="2" name="Title 1">
+            <a:extLst>
+              <a:ext uri="{FF2B5EF4-FFF2-40B4-BE49-F238E27FC236}">
+                <a16:creationId xmlns:a16="http://schemas.microsoft.com/office/drawing/2014/main" id="{60109DF8-98D8-12F1-2994-B823521F0D09}"/>
+              </a:ext>
+            </a:extLst>
+          </p:cNvPr>
+          <p:cNvSpPr>
+            <a:spLocks noGrp="1"/>
+          </p:cNvSpPr>
+          <p:nvPr>
+            <p:ph type="title"/>
+          </p:nvPr>
+        </p:nvSpPr>
+        <p:spPr/>
+        <p:txBody>
+          <a:bodyPr/>
+          <a:lstStyle/>
+          <a:p>
+            <a:r>
+              <a:rPr lang="en-US" dirty="0"/>
+              <a:t>Shrinkage/FDR control examples</a:t>
+            </a:r>
+          </a:p>
+        </p:txBody>
+      </p:sp>
+      <p:sp>
+        <p:nvSpPr>
+          <p:cNvPr id="3" name="Content Placeholder 2">
+            <a:extLst>
+              <a:ext uri="{FF2B5EF4-FFF2-40B4-BE49-F238E27FC236}">
+                <a16:creationId xmlns:a16="http://schemas.microsoft.com/office/drawing/2014/main" id="{616B6337-33E0-E5D7-CE25-52B4570B63A8}"/>
+              </a:ext>
+            </a:extLst>
+          </p:cNvPr>
+          <p:cNvSpPr>
+            <a:spLocks noGrp="1"/>
+          </p:cNvSpPr>
+          <p:nvPr>
+            <p:ph idx="1"/>
+          </p:nvPr>
+        </p:nvSpPr>
+        <p:spPr>
+          <a:xfrm>
+            <a:off x="6927" y="3429000"/>
+            <a:ext cx="12185073" cy="2911736"/>
+          </a:xfrm>
+        </p:spPr>
+        <p:txBody>
+          <a:bodyPr/>
+          <a:lstStyle/>
+          <a:p>
+            <a:pPr marL="0" indent="0" algn="ctr">
+              <a:buNone/>
+            </a:pPr>
+            <a:r>
+              <a:rPr lang="en-US" dirty="0"/>
+              <a:t>Switch over to </a:t>
+            </a:r>
+            <a:r>
+              <a:rPr lang="en-US" dirty="0" err="1">
+                <a:latin typeface="Monaco" pitchFamily="2" charset="77"/>
+              </a:rPr>
+              <a:t>bulkRNA_AnalysisScript.R</a:t>
+            </a:r>
+            <a:endParaRPr lang="en-US" dirty="0">
+              <a:latin typeface="Monaco" pitchFamily="2" charset="77"/>
+            </a:endParaRPr>
+          </a:p>
+        </p:txBody>
+      </p:sp>
+      <p:sp>
+        <p:nvSpPr>
+          <p:cNvPr id="4" name="Date Placeholder 3">
+            <a:extLst>
+              <a:ext uri="{FF2B5EF4-FFF2-40B4-BE49-F238E27FC236}">
+                <a16:creationId xmlns:a16="http://schemas.microsoft.com/office/drawing/2014/main" id="{6B6F5D2F-D04A-815D-D09E-579F81E21C8D}"/>
+              </a:ext>
+            </a:extLst>
+          </p:cNvPr>
+          <p:cNvSpPr>
+            <a:spLocks noGrp="1"/>
+          </p:cNvSpPr>
+          <p:nvPr>
+            <p:ph type="dt" sz="half" idx="10"/>
+          </p:nvPr>
+        </p:nvSpPr>
+        <p:spPr/>
+        <p:txBody>
+          <a:bodyPr/>
+          <a:lstStyle/>
+          <a:p>
+            <a:fld id="{C341F050-1748-B641-BEF7-F0B05D683DF2}" type="datetime1">
+              <a:rPr lang="en-US" smtClean="0"/>
+              <a:t>5/21/24</a:t>
+            </a:fld>
+            <a:endParaRPr lang="en-US"/>
+          </a:p>
+        </p:txBody>
+      </p:sp>
+      <p:sp>
+        <p:nvSpPr>
+          <p:cNvPr id="5" name="Footer Placeholder 4">
+            <a:extLst>
+              <a:ext uri="{FF2B5EF4-FFF2-40B4-BE49-F238E27FC236}">
+                <a16:creationId xmlns:a16="http://schemas.microsoft.com/office/drawing/2014/main" id="{B99584B6-42B9-A5F0-A829-9D9CDB673AB2}"/>
+              </a:ext>
+            </a:extLst>
+          </p:cNvPr>
+          <p:cNvSpPr>
+            <a:spLocks noGrp="1"/>
+          </p:cNvSpPr>
+          <p:nvPr>
+            <p:ph type="ftr" sz="quarter" idx="11"/>
+          </p:nvPr>
+        </p:nvSpPr>
+        <p:spPr/>
+        <p:txBody>
+          <a:bodyPr/>
+          <a:lstStyle/>
+          <a:p>
+            <a:r>
+              <a:rPr lang="en-US"/>
+              <a:t>Jared Brown · Postdoctoral research fellow · DFCI Lab of Rafael Irizarry jbrown@ds.dfci.harvard.edu · github.com/JBrownBiostat</a:t>
+            </a:r>
+          </a:p>
+        </p:txBody>
+      </p:sp>
+      <p:sp>
+        <p:nvSpPr>
+          <p:cNvPr id="6" name="Slide Number Placeholder 5">
+            <a:extLst>
+              <a:ext uri="{FF2B5EF4-FFF2-40B4-BE49-F238E27FC236}">
+                <a16:creationId xmlns:a16="http://schemas.microsoft.com/office/drawing/2014/main" id="{D7BE855F-1D3E-BC7F-79AC-9E6AF36C7D4F}"/>
+              </a:ext>
+            </a:extLst>
+          </p:cNvPr>
+          <p:cNvSpPr>
+            <a:spLocks noGrp="1"/>
+          </p:cNvSpPr>
+          <p:nvPr>
+            <p:ph type="sldNum" sz="quarter" idx="12"/>
+          </p:nvPr>
+        </p:nvSpPr>
+        <p:spPr/>
+        <p:txBody>
+          <a:bodyPr/>
+          <a:lstStyle/>
+          <a:p>
+            <a:fld id="{2C8BF43B-81B9-DD48-8FF8-6AE31485DC69}" type="slidenum">
+              <a:rPr lang="en-US" smtClean="0"/>
+              <a:t>23</a:t>
+            </a:fld>
+            <a:endParaRPr lang="en-US"/>
+          </a:p>
+        </p:txBody>
+      </p:sp>
+    </p:spTree>
+    <p:extLst>
+      <p:ext uri="{BB962C8B-B14F-4D97-AF65-F5344CB8AC3E}">
+        <p14:creationId xmlns:p14="http://schemas.microsoft.com/office/powerpoint/2010/main" val="2233741109"/>
+      </p:ext>
+    </p:extLst>
+  </p:cSld>
+  <p:clrMapOvr>
+    <a:masterClrMapping/>
+  </p:clrMapOvr>
+</p:sld>
+</file>
+
+<file path=ppt/slides/slide25.xml><?xml version="1.0" encoding="utf-8"?>
+<p:sld xmlns:a="http://schemas.openxmlformats.org/drawingml/2006/main" xmlns:r="http://schemas.openxmlformats.org/officeDocument/2006/relationships" xmlns:p="http://schemas.openxmlformats.org/presentationml/2006/main">
+  <p:cSld>
+    <p:spTree>
+      <p:nvGrpSpPr>
+        <p:cNvPr id="1" name=""/>
+        <p:cNvGrpSpPr/>
+        <p:nvPr/>
+      </p:nvGrpSpPr>
+      <p:grpSpPr>
+        <a:xfrm>
+          <a:off x="0" y="0"/>
+          <a:ext cx="0" cy="0"/>
+          <a:chOff x="0" y="0"/>
+          <a:chExt cx="0" cy="0"/>
+        </a:xfrm>
+      </p:grpSpPr>
+      <p:sp>
+        <p:nvSpPr>
+          <p:cNvPr id="2" name="Title 1">
+            <a:extLst>
+              <a:ext uri="{FF2B5EF4-FFF2-40B4-BE49-F238E27FC236}">
+                <a16:creationId xmlns:a16="http://schemas.microsoft.com/office/drawing/2014/main" id="{1C763041-2F59-E6F6-480F-2C3569EE77D0}"/>
+              </a:ext>
+            </a:extLst>
+          </p:cNvPr>
+          <p:cNvSpPr>
+            <a:spLocks noGrp="1"/>
+          </p:cNvSpPr>
+          <p:nvPr>
+            <p:ph type="title"/>
+          </p:nvPr>
+        </p:nvSpPr>
+        <p:spPr/>
+        <p:txBody>
+          <a:bodyPr/>
+          <a:lstStyle/>
+          <a:p>
+            <a:r>
+              <a:rPr lang="en-US" dirty="0"/>
+              <a:t>Some considerations for single cell</a:t>
+            </a:r>
+          </a:p>
+        </p:txBody>
+      </p:sp>
+      <p:sp>
+        <p:nvSpPr>
+          <p:cNvPr id="3" name="Content Placeholder 2">
+            <a:extLst>
+              <a:ext uri="{FF2B5EF4-FFF2-40B4-BE49-F238E27FC236}">
+                <a16:creationId xmlns:a16="http://schemas.microsoft.com/office/drawing/2014/main" id="{C9C6342E-4E39-A030-C9B2-3FA12D9EF606}"/>
+              </a:ext>
+            </a:extLst>
+          </p:cNvPr>
+          <p:cNvSpPr>
+            <a:spLocks noGrp="1"/>
+          </p:cNvSpPr>
+          <p:nvPr>
+            <p:ph idx="1"/>
+          </p:nvPr>
+        </p:nvSpPr>
+        <p:spPr/>
+        <p:txBody>
+          <a:bodyPr/>
+          <a:lstStyle/>
+          <a:p>
+            <a:pPr marL="0" indent="0">
+              <a:buNone/>
+            </a:pPr>
+            <a:r>
+              <a:rPr lang="en-US" dirty="0"/>
+              <a:t>Data sparsity causes normalization problems</a:t>
+            </a:r>
+          </a:p>
+          <a:p>
+            <a:r>
+              <a:rPr lang="en-US" dirty="0"/>
+              <a:t>Use scran</a:t>
+            </a:r>
+          </a:p>
+          <a:p>
+            <a:pPr marL="0" indent="0">
+              <a:buNone/>
+            </a:pPr>
+            <a:r>
+              <a:rPr lang="en-US" dirty="0"/>
+              <a:t>Data sparsity also affects lower bound on fitted dispersion parameters</a:t>
+            </a:r>
+          </a:p>
+          <a:p>
+            <a:r>
+              <a:rPr lang="en-US" dirty="0"/>
+              <a:t>Set </a:t>
+            </a:r>
+            <a:r>
+              <a:rPr lang="en-US" dirty="0" err="1">
+                <a:latin typeface="Monaco" pitchFamily="2" charset="77"/>
+              </a:rPr>
+              <a:t>minmu</a:t>
+            </a:r>
+            <a:r>
+              <a:rPr lang="en-US" dirty="0">
+                <a:latin typeface="Monaco" pitchFamily="2" charset="77"/>
+              </a:rPr>
+              <a:t> = 1e-6</a:t>
+            </a:r>
+          </a:p>
+          <a:p>
+            <a:pPr marL="0" indent="0">
+              <a:buNone/>
+            </a:pPr>
+            <a:r>
+              <a:rPr lang="en-US" dirty="0"/>
+              <a:t>High sample (cell) counts trigger outlier correction</a:t>
+            </a:r>
+          </a:p>
+          <a:p>
+            <a:r>
+              <a:rPr lang="en-US" dirty="0"/>
+              <a:t>Set </a:t>
+            </a:r>
+            <a:r>
+              <a:rPr lang="en-US" dirty="0" err="1">
+                <a:latin typeface="Monaco" pitchFamily="2" charset="77"/>
+              </a:rPr>
+              <a:t>minReplicatesForReplace</a:t>
+            </a:r>
+            <a:r>
+              <a:rPr lang="en-US" dirty="0">
+                <a:latin typeface="Monaco" pitchFamily="2" charset="77"/>
+              </a:rPr>
+              <a:t> = Inf</a:t>
+            </a:r>
+          </a:p>
+        </p:txBody>
+      </p:sp>
+      <p:sp>
+        <p:nvSpPr>
+          <p:cNvPr id="4" name="Date Placeholder 3">
+            <a:extLst>
+              <a:ext uri="{FF2B5EF4-FFF2-40B4-BE49-F238E27FC236}">
+                <a16:creationId xmlns:a16="http://schemas.microsoft.com/office/drawing/2014/main" id="{DA402D2D-72C0-F98C-A360-FF731C164FAE}"/>
+              </a:ext>
+            </a:extLst>
+          </p:cNvPr>
+          <p:cNvSpPr>
+            <a:spLocks noGrp="1"/>
+          </p:cNvSpPr>
+          <p:nvPr>
+            <p:ph type="dt" sz="half" idx="10"/>
+          </p:nvPr>
+        </p:nvSpPr>
+        <p:spPr/>
+        <p:txBody>
+          <a:bodyPr/>
+          <a:lstStyle/>
+          <a:p>
+            <a:fld id="{C341F050-1748-B641-BEF7-F0B05D683DF2}" type="datetime1">
+              <a:rPr lang="en-US" smtClean="0"/>
+              <a:t>5/22/24</a:t>
+            </a:fld>
+            <a:endParaRPr lang="en-US"/>
+          </a:p>
+        </p:txBody>
+      </p:sp>
+      <p:sp>
+        <p:nvSpPr>
+          <p:cNvPr id="5" name="Footer Placeholder 4">
+            <a:extLst>
+              <a:ext uri="{FF2B5EF4-FFF2-40B4-BE49-F238E27FC236}">
+                <a16:creationId xmlns:a16="http://schemas.microsoft.com/office/drawing/2014/main" id="{D5AC932C-17D4-53D8-340F-405A27EF7BFB}"/>
+              </a:ext>
+            </a:extLst>
+          </p:cNvPr>
+          <p:cNvSpPr>
+            <a:spLocks noGrp="1"/>
+          </p:cNvSpPr>
+          <p:nvPr>
+            <p:ph type="ftr" sz="quarter" idx="11"/>
+          </p:nvPr>
+        </p:nvSpPr>
+        <p:spPr/>
+        <p:txBody>
+          <a:bodyPr/>
+          <a:lstStyle/>
+          <a:p>
+            <a:r>
+              <a:rPr lang="en-US"/>
+              <a:t>Jared Brown · Postdoctoral research fellow · DFCI Lab of Rafael Irizarry jbrown@ds.dfci.harvard.edu · github.com/JBrownBiostat</a:t>
+            </a:r>
+          </a:p>
+        </p:txBody>
+      </p:sp>
+      <p:sp>
+        <p:nvSpPr>
+          <p:cNvPr id="6" name="Slide Number Placeholder 5">
+            <a:extLst>
+              <a:ext uri="{FF2B5EF4-FFF2-40B4-BE49-F238E27FC236}">
+                <a16:creationId xmlns:a16="http://schemas.microsoft.com/office/drawing/2014/main" id="{9A99515C-34F3-5F66-F9DA-08BB903AC5C1}"/>
+              </a:ext>
+            </a:extLst>
+          </p:cNvPr>
+          <p:cNvSpPr>
+            <a:spLocks noGrp="1"/>
+          </p:cNvSpPr>
+          <p:nvPr>
+            <p:ph type="sldNum" sz="quarter" idx="12"/>
+          </p:nvPr>
+        </p:nvSpPr>
+        <p:spPr/>
+        <p:txBody>
+          <a:bodyPr/>
+          <a:lstStyle/>
+          <a:p>
+            <a:fld id="{2C8BF43B-81B9-DD48-8FF8-6AE31485DC69}" type="slidenum">
+              <a:rPr lang="en-US" smtClean="0"/>
+              <a:t>24</a:t>
+            </a:fld>
+            <a:endParaRPr lang="en-US"/>
+          </a:p>
+        </p:txBody>
+      </p:sp>
+    </p:spTree>
+    <p:extLst>
+      <p:ext uri="{BB962C8B-B14F-4D97-AF65-F5344CB8AC3E}">
+        <p14:creationId xmlns:p14="http://schemas.microsoft.com/office/powerpoint/2010/main" val="3202143013"/>
       </p:ext>
     </p:extLst>
   </p:cSld>
@@ -6977,7 +15434,7 @@
           <a:p>
             <a:fld id="{C341F050-1748-B641-BEF7-F0B05D683DF2}" type="datetime1">
               <a:rPr lang="en-US" smtClean="0"/>
-              <a:t>5/20/24</a:t>
+              <a:t>5/21/24</a:t>
             </a:fld>
             <a:endParaRPr lang="en-US"/>
           </a:p>
@@ -7098,8 +15555,8 @@
           </a:p>
         </p:txBody>
       </p:sp>
-      <mc:AlternateContent xmlns:mc="http://schemas.openxmlformats.org/markup-compatibility/2006">
-        <mc:Choice xmlns:a14="http://schemas.microsoft.com/office/drawing/2010/main" Requires="a14">
+      <mc:AlternateContent xmlns:mc="http://schemas.openxmlformats.org/markup-compatibility/2006" xmlns:a14="http://schemas.microsoft.com/office/drawing/2010/main">
+        <mc:Choice Requires="a14">
           <p:sp>
             <p:nvSpPr>
               <p:cNvPr id="3" name="Content Placeholder 2">
@@ -7233,7 +15690,7 @@
             </p:txBody>
           </p:sp>
         </mc:Choice>
-        <mc:Fallback>
+        <mc:Fallback xmlns="">
           <p:sp>
             <p:nvSpPr>
               <p:cNvPr id="3" name="Content Placeholder 2">
@@ -7300,7 +15757,7 @@
           <a:p>
             <a:fld id="{C341F050-1748-B641-BEF7-F0B05D683DF2}" type="datetime1">
               <a:rPr lang="en-US" smtClean="0"/>
-              <a:t>5/20/24</a:t>
+              <a:t>5/21/24</a:t>
             </a:fld>
             <a:endParaRPr lang="en-US"/>
           </a:p>
@@ -8799,7 +17256,7 @@
           <a:p>
             <a:fld id="{C341F050-1748-B641-BEF7-F0B05D683DF2}" type="datetime1">
               <a:rPr lang="en-US" smtClean="0"/>
-              <a:t>5/20/24</a:t>
+              <a:t>5/21/24</a:t>
             </a:fld>
             <a:endParaRPr lang="en-US"/>
           </a:p>
@@ -8920,8 +17377,8 @@
           </a:p>
         </p:txBody>
       </p:sp>
-      <mc:AlternateContent xmlns:mc="http://schemas.openxmlformats.org/markup-compatibility/2006">
-        <mc:Choice xmlns:a14="http://schemas.microsoft.com/office/drawing/2010/main" Requires="a14">
+      <mc:AlternateContent xmlns:mc="http://schemas.openxmlformats.org/markup-compatibility/2006" xmlns:a14="http://schemas.microsoft.com/office/drawing/2010/main">
+        <mc:Choice Requires="a14">
           <p:sp>
             <p:nvSpPr>
               <p:cNvPr id="3" name="Content Placeholder 2">
@@ -9046,7 +17503,7 @@
             </p:txBody>
           </p:sp>
         </mc:Choice>
-        <mc:Fallback>
+        <mc:Fallback xmlns="">
           <p:sp>
             <p:nvSpPr>
               <p:cNvPr id="3" name="Content Placeholder 2">
@@ -9109,7 +17566,7 @@
           <a:p>
             <a:fld id="{C341F050-1748-B641-BEF7-F0B05D683DF2}" type="datetime1">
               <a:rPr lang="en-US" smtClean="0"/>
-              <a:t>5/20/24</a:t>
+              <a:t>5/21/24</a:t>
             </a:fld>
             <a:endParaRPr lang="en-US"/>
           </a:p>
@@ -9230,8 +17687,8 @@
           </a:p>
         </p:txBody>
       </p:sp>
-      <mc:AlternateContent xmlns:mc="http://schemas.openxmlformats.org/markup-compatibility/2006">
-        <mc:Choice xmlns:a14="http://schemas.microsoft.com/office/drawing/2010/main" Requires="a14">
+      <mc:AlternateContent xmlns:mc="http://schemas.openxmlformats.org/markup-compatibility/2006" xmlns:a14="http://schemas.microsoft.com/office/drawing/2010/main">
+        <mc:Choice Requires="a14">
           <p:sp>
             <p:nvSpPr>
               <p:cNvPr id="3" name="Content Placeholder 2">
@@ -9725,7 +18182,7 @@
             </p:txBody>
           </p:sp>
         </mc:Choice>
-        <mc:Fallback>
+        <mc:Fallback xmlns="">
           <p:sp>
             <p:nvSpPr>
               <p:cNvPr id="3" name="Content Placeholder 2">
@@ -9788,7 +18245,7 @@
           <a:p>
             <a:fld id="{C341F050-1748-B641-BEF7-F0B05D683DF2}" type="datetime1">
               <a:rPr lang="en-US" smtClean="0"/>
-              <a:t>5/20/24</a:t>
+              <a:t>5/21/24</a:t>
             </a:fld>
             <a:endParaRPr lang="en-US"/>
           </a:p>
@@ -9909,8 +18366,8 @@
           </a:p>
         </p:txBody>
       </p:sp>
-      <mc:AlternateContent xmlns:mc="http://schemas.openxmlformats.org/markup-compatibility/2006">
-        <mc:Choice xmlns:a14="http://schemas.microsoft.com/office/drawing/2010/main" Requires="a14">
+      <mc:AlternateContent xmlns:mc="http://schemas.openxmlformats.org/markup-compatibility/2006" xmlns:a14="http://schemas.microsoft.com/office/drawing/2010/main">
+        <mc:Choice Requires="a14">
           <p:sp>
             <p:nvSpPr>
               <p:cNvPr id="3" name="Content Placeholder 2">
@@ -10424,7 +18881,7 @@
             </p:txBody>
           </p:sp>
         </mc:Choice>
-        <mc:Fallback>
+        <mc:Fallback xmlns="">
           <p:sp>
             <p:nvSpPr>
               <p:cNvPr id="3" name="Content Placeholder 2">
@@ -10487,7 +18944,7 @@
           <a:p>
             <a:fld id="{C341F050-1748-B641-BEF7-F0B05D683DF2}" type="datetime1">
               <a:rPr lang="en-US" smtClean="0"/>
-              <a:t>5/20/24</a:t>
+              <a:t>5/21/24</a:t>
             </a:fld>
             <a:endParaRPr lang="en-US"/>
           </a:p>
@@ -10608,8 +19065,8 @@
           </a:p>
         </p:txBody>
       </p:sp>
-      <mc:AlternateContent xmlns:mc="http://schemas.openxmlformats.org/markup-compatibility/2006">
-        <mc:Choice xmlns:a14="http://schemas.microsoft.com/office/drawing/2010/main" Requires="a14">
+      <mc:AlternateContent xmlns:mc="http://schemas.openxmlformats.org/markup-compatibility/2006" xmlns:a14="http://schemas.microsoft.com/office/drawing/2010/main">
+        <mc:Choice Requires="a14">
           <p:sp>
             <p:nvSpPr>
               <p:cNvPr id="3" name="Content Placeholder 2">
@@ -11456,7 +19913,7 @@
             </p:txBody>
           </p:sp>
         </mc:Choice>
-        <mc:Fallback>
+        <mc:Fallback xmlns="">
           <p:sp>
             <p:nvSpPr>
               <p:cNvPr id="3" name="Content Placeholder 2">
@@ -11519,7 +19976,7 @@
           <a:p>
             <a:fld id="{C341F050-1748-B641-BEF7-F0B05D683DF2}" type="datetime1">
               <a:rPr lang="en-US" smtClean="0"/>
-              <a:t>5/20/24</a:t>
+              <a:t>5/21/24</a:t>
             </a:fld>
             <a:endParaRPr lang="en-US"/>
           </a:p>

--- a/DeeperDESeqWithShrinkage.pptx
+++ b/DeeperDESeqWithShrinkage.pptx
@@ -10826,7 +10826,7 @@
               <a:t>, scran, </a:t>
             </a:r>
             <a:r>
-              <a:rPr lang="en-US" sz="1600">
+              <a:rPr lang="en-US" sz="1600" dirty="0" err="1">
                 <a:latin typeface="Monaco" pitchFamily="2" charset="77"/>
               </a:rPr>
               <a:t>scater</a:t>

--- a/DeeperDESeqWithShrinkage.pptx
+++ b/DeeperDESeqWithShrinkage.pptx
@@ -6809,10 +6809,55 @@
                         </a:rPr>
                         <m:t>=</m:t>
                       </m:r>
+                      <m:sSubSup>
+                        <m:sSubSupPr>
+                          <m:ctrlPr>
+                            <a:rPr lang="en-US" i="1">
+                              <a:latin typeface="Cambria Math" panose="02040503050406030204" pitchFamily="18" charset="0"/>
+                            </a:rPr>
+                          </m:ctrlPr>
+                        </m:sSubSupPr>
+                        <m:e>
+                          <m:acc>
+                            <m:accPr>
+                              <m:chr m:val="⃗"/>
+                              <m:ctrlPr>
+                                <a:rPr lang="en-US" i="1">
+                                  <a:latin typeface="Cambria Math" panose="02040503050406030204" pitchFamily="18" charset="0"/>
+                                </a:rPr>
+                              </m:ctrlPr>
+                            </m:accPr>
+                            <m:e>
+                              <m:r>
+                                <a:rPr lang="en-US" i="1">
+                                  <a:latin typeface="Cambria Math" panose="02040503050406030204" pitchFamily="18" charset="0"/>
+                                </a:rPr>
+                                <m:t>𝛽</m:t>
+                              </m:r>
+                            </m:e>
+                          </m:acc>
+                        </m:e>
+                        <m:sub>
+                          <m:r>
+                            <a:rPr lang="en-US" i="1">
+                              <a:latin typeface="Cambria Math" panose="02040503050406030204" pitchFamily="18" charset="0"/>
+                            </a:rPr>
+                            <m:t>𝑔</m:t>
+                          </m:r>
+                        </m:sub>
+                        <m:sup>
+                          <m:r>
+                            <a:rPr lang="en-US" i="1">
+                              <a:latin typeface="Cambria Math" panose="02040503050406030204" pitchFamily="18" charset="0"/>
+                            </a:rPr>
+                            <m:t>𝑇</m:t>
+                          </m:r>
+                        </m:sup>
+                      </m:sSubSup>
                       <m:sSub>
                         <m:sSubPr>
                           <m:ctrlPr>
-                            <a:rPr lang="en-US" b="0" i="1" smtClean="0">
+                            <a:rPr lang="en-US" i="1">
                               <a:latin typeface="Cambria Math" panose="02040503050406030204" pitchFamily="18" charset="0"/>
                             </a:rPr>
                           </m:ctrlPr>
@@ -6823,45 +6868,27 @@
                               <m:begChr m:val="["/>
                               <m:endChr m:val="]"/>
                               <m:ctrlPr>
-                                <a:rPr lang="en-US" b="0" i="1" smtClean="0">
+                                <a:rPr lang="en-US" i="1">
                                   <a:latin typeface="Cambria Math" panose="02040503050406030204" pitchFamily="18" charset="0"/>
                                 </a:rPr>
                               </m:ctrlPr>
                             </m:dPr>
                             <m:e>
                               <m:r>
-                                <a:rPr lang="en-US" b="0" i="1" smtClean="0">
+                                <a:rPr lang="en-US" i="1">
                                   <a:latin typeface="Cambria Math" panose="02040503050406030204" pitchFamily="18" charset="0"/>
                                 </a:rPr>
                                 <m:t>𝑋</m:t>
                               </m:r>
-                              <m:acc>
-                                <m:accPr>
-                                  <m:chr m:val="⃗"/>
-                                  <m:ctrlPr>
-                                    <a:rPr lang="en-US" b="0" i="1" smtClean="0">
-                                      <a:latin typeface="Cambria Math" panose="02040503050406030204" pitchFamily="18" charset="0"/>
-                                    </a:rPr>
-                                  </m:ctrlPr>
-                                </m:accPr>
-                                <m:e>
-                                  <m:r>
-                                    <a:rPr lang="en-US" b="0" i="1" smtClean="0">
-                                      <a:latin typeface="Cambria Math" panose="02040503050406030204" pitchFamily="18" charset="0"/>
-                                    </a:rPr>
-                                    <m:t>𝛽</m:t>
-                                  </m:r>
-                                </m:e>
-                              </m:acc>
                             </m:e>
                           </m:d>
                         </m:e>
                         <m:sub>
                           <m:r>
-                            <a:rPr lang="en-US" b="0" i="1" smtClean="0">
-                              <a:latin typeface="Cambria Math" panose="02040503050406030204" pitchFamily="18" charset="0"/>
-                            </a:rPr>
-                            <m:t>𝑔𝑗</m:t>
+                            <a:rPr lang="en-US" i="1">
+                              <a:latin typeface="Cambria Math" panose="02040503050406030204" pitchFamily="18" charset="0"/>
+                            </a:rPr>
+                            <m:t>𝑗</m:t>
                           </m:r>
                         </m:sub>
                       </m:sSub>
@@ -7033,22 +7060,22 @@
                           <m:sSub>
                             <m:sSubPr>
                               <m:ctrlPr>
-                                <a:rPr lang="en-US" b="0" i="1" smtClean="0">
+                                <a:rPr lang="en-US" i="1">
                                   <a:latin typeface="Cambria Math" panose="02040503050406030204" pitchFamily="18" charset="0"/>
                                 </a:rPr>
                               </m:ctrlPr>
                             </m:sSubPr>
                             <m:e>
                               <m:r>
-                                <a:rPr lang="en-US" b="0" i="1" smtClean="0">
-                                  <a:latin typeface="Cambria Math" panose="02040503050406030204" pitchFamily="18" charset="0"/>
-                                </a:rPr>
-                                <m:t>𝑥</m:t>
+                                <a:rPr lang="en-US" i="1">
+                                  <a:latin typeface="Cambria Math" panose="02040503050406030204" pitchFamily="18" charset="0"/>
+                                </a:rPr>
+                                <m:t>𝛽</m:t>
                               </m:r>
                             </m:e>
                             <m:sub>
                               <m:r>
-                                <a:rPr lang="en-US" b="0" i="1" smtClean="0">
+                                <a:rPr lang="en-US" i="1">
                                   <a:latin typeface="Cambria Math" panose="02040503050406030204" pitchFamily="18" charset="0"/>
                                 </a:rPr>
                                 <m:t>𝑔</m:t>
@@ -7064,14 +7091,45 @@
                           <m:sSub>
                             <m:sSubPr>
                               <m:ctrlPr>
-                                <a:rPr lang="en-US" b="0" i="1" smtClean="0">
+                                <a:rPr lang="en-US" i="1">
                                   <a:latin typeface="Cambria Math" panose="02040503050406030204" pitchFamily="18" charset="0"/>
                                 </a:rPr>
                               </m:ctrlPr>
                             </m:sSubPr>
                             <m:e>
                               <m:r>
-                                <a:rPr lang="en-US" b="0" i="1" smtClean="0">
+                                <a:rPr lang="en-US" i="1">
+                                  <a:latin typeface="Cambria Math" panose="02040503050406030204" pitchFamily="18" charset="0"/>
+                                </a:rPr>
+                                <m:t>𝑥</m:t>
+                              </m:r>
+                            </m:e>
+                            <m:sub>
+                              <m:r>
+                                <a:rPr lang="en-US" i="1">
+                                  <a:latin typeface="Cambria Math" panose="02040503050406030204" pitchFamily="18" charset="0"/>
+                                </a:rPr>
+                                <m:t>𝑗</m:t>
+                              </m:r>
+                            </m:sub>
+                          </m:sSub>
+                          <m:r>
+                            <a:rPr lang="en-US" b="0" i="1" smtClean="0">
+                              <a:latin typeface="Cambria Math" panose="02040503050406030204" pitchFamily="18" charset="0"/>
+                            </a:rPr>
+                            <m:t>+</m:t>
+                          </m:r>
+                          <m:sSub>
+                            <m:sSubPr>
+                              <m:ctrlPr>
+                                <a:rPr lang="en-US" i="1">
+                                  <a:latin typeface="Cambria Math" panose="02040503050406030204" pitchFamily="18" charset="0"/>
+                                </a:rPr>
+                              </m:ctrlPr>
+                            </m:sSubPr>
+                            <m:e>
+                              <m:r>
+                                <a:rPr lang="en-US" i="1">
                                   <a:latin typeface="Cambria Math" panose="02040503050406030204" pitchFamily="18" charset="0"/>
                                 </a:rPr>
                                 <m:t>𝛽</m:t>
@@ -7079,38 +7137,7 @@
                             </m:e>
                             <m:sub>
                               <m:r>
-                                <a:rPr lang="en-US" b="0" i="1" smtClean="0">
-                                  <a:latin typeface="Cambria Math" panose="02040503050406030204" pitchFamily="18" charset="0"/>
-                                </a:rPr>
-                                <m:t>1</m:t>
-                              </m:r>
-                            </m:sub>
-                          </m:sSub>
-                          <m:r>
-                            <a:rPr lang="en-US" b="0" i="1" smtClean="0">
-                              <a:latin typeface="Cambria Math" panose="02040503050406030204" pitchFamily="18" charset="0"/>
-                            </a:rPr>
-                            <m:t>+</m:t>
-                          </m:r>
-                          <m:sSub>
-                            <m:sSubPr>
-                              <m:ctrlPr>
-                                <a:rPr lang="en-US" b="0" i="1" smtClean="0">
-                                  <a:latin typeface="Cambria Math" panose="02040503050406030204" pitchFamily="18" charset="0"/>
-                                </a:rPr>
-                              </m:ctrlPr>
-                            </m:sSubPr>
-                            <m:e>
-                              <m:r>
-                                <a:rPr lang="en-US" b="0" i="1" smtClean="0">
-                                  <a:latin typeface="Cambria Math" panose="02040503050406030204" pitchFamily="18" charset="0"/>
-                                </a:rPr>
-                                <m:t>𝑥</m:t>
-                              </m:r>
-                            </m:e>
-                            <m:sub>
-                              <m:r>
-                                <a:rPr lang="en-US" b="0" i="1" smtClean="0">
+                                <a:rPr lang="en-US" i="1">
                                   <a:latin typeface="Cambria Math" panose="02040503050406030204" pitchFamily="18" charset="0"/>
                                 </a:rPr>
                                 <m:t>𝑔</m:t>
@@ -7126,14 +7153,45 @@
                           <m:sSub>
                             <m:sSubPr>
                               <m:ctrlPr>
-                                <a:rPr lang="en-US" b="0" i="1" smtClean="0">
+                                <a:rPr lang="en-US" i="1">
                                   <a:latin typeface="Cambria Math" panose="02040503050406030204" pitchFamily="18" charset="0"/>
                                 </a:rPr>
                               </m:ctrlPr>
                             </m:sSubPr>
                             <m:e>
                               <m:r>
-                                <a:rPr lang="en-US" b="0" i="1" smtClean="0">
+                                <a:rPr lang="en-US" i="1">
+                                  <a:latin typeface="Cambria Math" panose="02040503050406030204" pitchFamily="18" charset="0"/>
+                                </a:rPr>
+                                <m:t>𝑥</m:t>
+                              </m:r>
+                            </m:e>
+                            <m:sub>
+                              <m:r>
+                                <a:rPr lang="en-US" i="1">
+                                  <a:latin typeface="Cambria Math" panose="02040503050406030204" pitchFamily="18" charset="0"/>
+                                </a:rPr>
+                                <m:t>𝑗</m:t>
+                              </m:r>
+                            </m:sub>
+                          </m:sSub>
+                          <m:r>
+                            <a:rPr lang="en-US" b="0" i="1" smtClean="0">
+                              <a:latin typeface="Cambria Math" panose="02040503050406030204" pitchFamily="18" charset="0"/>
+                            </a:rPr>
+                            <m:t>+</m:t>
+                          </m:r>
+                          <m:sSub>
+                            <m:sSubPr>
+                              <m:ctrlPr>
+                                <a:rPr lang="en-US" i="1">
+                                  <a:latin typeface="Cambria Math" panose="02040503050406030204" pitchFamily="18" charset="0"/>
+                                </a:rPr>
+                              </m:ctrlPr>
+                            </m:sSubPr>
+                            <m:e>
+                              <m:r>
+                                <a:rPr lang="en-US" i="1">
                                   <a:latin typeface="Cambria Math" panose="02040503050406030204" pitchFamily="18" charset="0"/>
                                 </a:rPr>
                                 <m:t>𝛽</m:t>
@@ -7141,38 +7199,7 @@
                             </m:e>
                             <m:sub>
                               <m:r>
-                                <a:rPr lang="en-US" b="0" i="1" smtClean="0">
-                                  <a:latin typeface="Cambria Math" panose="02040503050406030204" pitchFamily="18" charset="0"/>
-                                </a:rPr>
-                                <m:t>2</m:t>
-                              </m:r>
-                            </m:sub>
-                          </m:sSub>
-                          <m:r>
-                            <a:rPr lang="en-US" b="0" i="1" smtClean="0">
-                              <a:latin typeface="Cambria Math" panose="02040503050406030204" pitchFamily="18" charset="0"/>
-                            </a:rPr>
-                            <m:t>+</m:t>
-                          </m:r>
-                          <m:sSub>
-                            <m:sSubPr>
-                              <m:ctrlPr>
-                                <a:rPr lang="en-US" b="0" i="1" smtClean="0">
-                                  <a:latin typeface="Cambria Math" panose="02040503050406030204" pitchFamily="18" charset="0"/>
-                                </a:rPr>
-                              </m:ctrlPr>
-                            </m:sSubPr>
-                            <m:e>
-                              <m:r>
-                                <a:rPr lang="en-US" b="0" i="1" smtClean="0">
-                                  <a:latin typeface="Cambria Math" panose="02040503050406030204" pitchFamily="18" charset="0"/>
-                                </a:rPr>
-                                <m:t>𝑥</m:t>
-                              </m:r>
-                            </m:e>
-                            <m:sub>
-                              <m:r>
-                                <a:rPr lang="en-US" b="0" i="1" smtClean="0">
+                                <a:rPr lang="en-US" i="1">
                                   <a:latin typeface="Cambria Math" panose="02040503050406030204" pitchFamily="18" charset="0"/>
                                 </a:rPr>
                                 <m:t>𝑔</m:t>
@@ -7188,6 +7215,37 @@
                           <m:sSub>
                             <m:sSubPr>
                               <m:ctrlPr>
+                                <a:rPr lang="en-US" i="1">
+                                  <a:latin typeface="Cambria Math" panose="02040503050406030204" pitchFamily="18" charset="0"/>
+                                </a:rPr>
+                              </m:ctrlPr>
+                            </m:sSubPr>
+                            <m:e>
+                              <m:r>
+                                <a:rPr lang="en-US" i="1">
+                                  <a:latin typeface="Cambria Math" panose="02040503050406030204" pitchFamily="18" charset="0"/>
+                                </a:rPr>
+                                <m:t>𝑥</m:t>
+                              </m:r>
+                            </m:e>
+                            <m:sub>
+                              <m:r>
+                                <a:rPr lang="en-US" i="1">
+                                  <a:latin typeface="Cambria Math" panose="02040503050406030204" pitchFamily="18" charset="0"/>
+                                </a:rPr>
+                                <m:t>𝑗</m:t>
+                              </m:r>
+                            </m:sub>
+                          </m:sSub>
+                          <m:r>
+                            <a:rPr lang="en-US" b="0" i="1" smtClean="0">
+                              <a:latin typeface="Cambria Math" panose="02040503050406030204" pitchFamily="18" charset="0"/>
+                            </a:rPr>
+                            <m:t>=</m:t>
+                          </m:r>
+                          <m:sSub>
+                            <m:sSubPr>
+                              <m:ctrlPr>
                                 <a:rPr lang="en-US" b="0" i="1" smtClean="0">
                                   <a:latin typeface="Cambria Math" panose="02040503050406030204" pitchFamily="18" charset="0"/>
                                 </a:rPr>
@@ -7206,33 +7264,8 @@
                                 <a:rPr lang="en-US" b="0" i="1" smtClean="0">
                                   <a:latin typeface="Cambria Math" panose="02040503050406030204" pitchFamily="18" charset="0"/>
                                 </a:rPr>
-                                <m:t>3</m:t>
+                                <m:t>𝑔</m:t>
                               </m:r>
-                            </m:sub>
-                          </m:sSub>
-                          <m:r>
-                            <a:rPr lang="en-US" b="0" i="1" smtClean="0">
-                              <a:latin typeface="Cambria Math" panose="02040503050406030204" pitchFamily="18" charset="0"/>
-                            </a:rPr>
-                            <m:t>=</m:t>
-                          </m:r>
-                          <m:sSub>
-                            <m:sSubPr>
-                              <m:ctrlPr>
-                                <a:rPr lang="en-US" b="0" i="1" smtClean="0">
-                                  <a:latin typeface="Cambria Math" panose="02040503050406030204" pitchFamily="18" charset="0"/>
-                                </a:rPr>
-                              </m:ctrlPr>
-                            </m:sSubPr>
-                            <m:e>
-                              <m:r>
-                                <a:rPr lang="en-US" b="0" i="1" smtClean="0">
-                                  <a:latin typeface="Cambria Math" panose="02040503050406030204" pitchFamily="18" charset="0"/>
-                                </a:rPr>
-                                <m:t>𝛽</m:t>
-                              </m:r>
-                            </m:e>
-                            <m:sub>
                               <m:r>
                                 <a:rPr lang="en-US" b="0" i="1" smtClean="0">
                                   <a:latin typeface="Cambria Math" panose="02040503050406030204" pitchFamily="18" charset="0"/>
@@ -7344,7 +7377,7 @@
                                 <a:rPr lang="en-US" i="1">
                                   <a:latin typeface="Cambria Math" panose="02040503050406030204" pitchFamily="18" charset="0"/>
                                 </a:rPr>
-                                <m:t>𝑥</m:t>
+                                <m:t>𝛽</m:t>
                               </m:r>
                             </m:e>
                             <m:sub>
@@ -7375,7 +7408,7 @@
                                 <a:rPr lang="en-US" i="1">
                                   <a:latin typeface="Cambria Math" panose="02040503050406030204" pitchFamily="18" charset="0"/>
                                 </a:rPr>
-                                <m:t>𝛽</m:t>
+                                <m:t>𝑥</m:t>
                               </m:r>
                             </m:e>
                             <m:sub>
@@ -7383,7 +7416,7 @@
                                 <a:rPr lang="en-US" i="1">
                                   <a:latin typeface="Cambria Math" panose="02040503050406030204" pitchFamily="18" charset="0"/>
                                 </a:rPr>
-                                <m:t>1</m:t>
+                                <m:t>𝑗</m:t>
                               </m:r>
                             </m:sub>
                           </m:sSub>
@@ -7406,7 +7439,7 @@
                                 <a:rPr lang="en-US" i="1">
                                   <a:latin typeface="Cambria Math" panose="02040503050406030204" pitchFamily="18" charset="0"/>
                                 </a:rPr>
-                                <m:t>𝑥</m:t>
+                                <m:t>𝛽</m:t>
                               </m:r>
                             </m:e>
                             <m:sub>
@@ -7437,7 +7470,7 @@
                                 <a:rPr lang="en-US" i="1">
                                   <a:latin typeface="Cambria Math" panose="02040503050406030204" pitchFamily="18" charset="0"/>
                                 </a:rPr>
-                                <m:t>𝛽</m:t>
+                                <m:t>𝑥</m:t>
                               </m:r>
                             </m:e>
                             <m:sub>
@@ -7445,7 +7478,7 @@
                                 <a:rPr lang="en-US" i="1">
                                   <a:latin typeface="Cambria Math" panose="02040503050406030204" pitchFamily="18" charset="0"/>
                                 </a:rPr>
-                                <m:t>2</m:t>
+                                <m:t>𝑗</m:t>
                               </m:r>
                             </m:sub>
                           </m:sSub>
@@ -7468,7 +7501,7 @@
                                 <a:rPr lang="en-US" i="1">
                                   <a:latin typeface="Cambria Math" panose="02040503050406030204" pitchFamily="18" charset="0"/>
                                 </a:rPr>
-                                <m:t>𝑥</m:t>
+                                <m:t>𝛽</m:t>
                               </m:r>
                             </m:e>
                             <m:sub>
@@ -7499,7 +7532,7 @@
                                 <a:rPr lang="en-US" i="1">
                                   <a:latin typeface="Cambria Math" panose="02040503050406030204" pitchFamily="18" charset="0"/>
                                 </a:rPr>
-                                <m:t>𝛽</m:t>
+                                <m:t>𝑥</m:t>
                               </m:r>
                             </m:e>
                             <m:sub>
@@ -7507,7 +7540,7 @@
                                 <a:rPr lang="en-US" i="1">
                                   <a:latin typeface="Cambria Math" panose="02040503050406030204" pitchFamily="18" charset="0"/>
                                 </a:rPr>
-                                <m:t>3</m:t>
+                                <m:t>𝑗</m:t>
                               </m:r>
                             </m:sub>
                           </m:sSub>
@@ -7535,6 +7568,12 @@
                             </m:e>
                             <m:sub>
                               <m:r>
+                                <a:rPr lang="en-US" b="0" i="1" smtClean="0">
+                                  <a:latin typeface="Cambria Math" panose="02040503050406030204" pitchFamily="18" charset="0"/>
+                                </a:rPr>
+                                <m:t>𝑔</m:t>
+                              </m:r>
+                              <m:r>
                                 <a:rPr lang="en-US" i="1">
                                   <a:latin typeface="Cambria Math" panose="02040503050406030204" pitchFamily="18" charset="0"/>
                                 </a:rPr>
@@ -7565,6 +7604,12 @@
                               </m:r>
                             </m:e>
                             <m:sub>
+                              <m:r>
+                                <a:rPr lang="en-US" b="0" i="1" smtClean="0">
+                                  <a:latin typeface="Cambria Math" panose="02040503050406030204" pitchFamily="18" charset="0"/>
+                                </a:rPr>
+                                <m:t>𝑔</m:t>
+                              </m:r>
                               <m:r>
                                 <a:rPr lang="en-US" b="0" i="1" smtClean="0">
                                   <a:latin typeface="Cambria Math" panose="02040503050406030204" pitchFamily="18" charset="0"/>
@@ -7676,7 +7721,7 @@
                                 <a:rPr lang="en-US" i="1">
                                   <a:latin typeface="Cambria Math" panose="02040503050406030204" pitchFamily="18" charset="0"/>
                                 </a:rPr>
-                                <m:t>𝑥</m:t>
+                                <m:t>𝛽</m:t>
                               </m:r>
                             </m:e>
                             <m:sub>
@@ -7707,7 +7752,7 @@
                                 <a:rPr lang="en-US" i="1">
                                   <a:latin typeface="Cambria Math" panose="02040503050406030204" pitchFamily="18" charset="0"/>
                                 </a:rPr>
-                                <m:t>𝛽</m:t>
+                                <m:t>𝑥</m:t>
                               </m:r>
                             </m:e>
                             <m:sub>
@@ -7715,7 +7760,7 @@
                                 <a:rPr lang="en-US" i="1">
                                   <a:latin typeface="Cambria Math" panose="02040503050406030204" pitchFamily="18" charset="0"/>
                                 </a:rPr>
-                                <m:t>1</m:t>
+                                <m:t>𝑗</m:t>
                               </m:r>
                             </m:sub>
                           </m:sSub>
@@ -7738,7 +7783,7 @@
                                 <a:rPr lang="en-US" i="1">
                                   <a:latin typeface="Cambria Math" panose="02040503050406030204" pitchFamily="18" charset="0"/>
                                 </a:rPr>
-                                <m:t>𝑥</m:t>
+                                <m:t>𝛽</m:t>
                               </m:r>
                             </m:e>
                             <m:sub>
@@ -7769,7 +7814,7 @@
                                 <a:rPr lang="en-US" i="1">
                                   <a:latin typeface="Cambria Math" panose="02040503050406030204" pitchFamily="18" charset="0"/>
                                 </a:rPr>
-                                <m:t>𝛽</m:t>
+                                <m:t>𝑥</m:t>
                               </m:r>
                             </m:e>
                             <m:sub>
@@ -7777,7 +7822,7 @@
                                 <a:rPr lang="en-US" i="1">
                                   <a:latin typeface="Cambria Math" panose="02040503050406030204" pitchFamily="18" charset="0"/>
                                 </a:rPr>
-                                <m:t>2</m:t>
+                                <m:t>𝑗</m:t>
                               </m:r>
                             </m:sub>
                           </m:sSub>
@@ -7800,7 +7845,7 @@
                                 <a:rPr lang="en-US" i="1">
                                   <a:latin typeface="Cambria Math" panose="02040503050406030204" pitchFamily="18" charset="0"/>
                                 </a:rPr>
-                                <m:t>𝑥</m:t>
+                                <m:t>𝛽</m:t>
                               </m:r>
                             </m:e>
                             <m:sub>
@@ -7831,7 +7876,7 @@
                                 <a:rPr lang="en-US" i="1">
                                   <a:latin typeface="Cambria Math" panose="02040503050406030204" pitchFamily="18" charset="0"/>
                                 </a:rPr>
-                                <m:t>𝛽</m:t>
+                                <m:t>𝑥</m:t>
                               </m:r>
                             </m:e>
                             <m:sub>
@@ -7839,7 +7884,7 @@
                                 <a:rPr lang="en-US" i="1">
                                   <a:latin typeface="Cambria Math" panose="02040503050406030204" pitchFamily="18" charset="0"/>
                                 </a:rPr>
-                                <m:t>3</m:t>
+                                <m:t>𝑗</m:t>
                               </m:r>
                             </m:sub>
                           </m:sSub>
@@ -7867,6 +7912,12 @@
                             </m:e>
                             <m:sub>
                               <m:r>
+                                <a:rPr lang="en-US" b="0" i="1" smtClean="0">
+                                  <a:latin typeface="Cambria Math" panose="02040503050406030204" pitchFamily="18" charset="0"/>
+                                </a:rPr>
+                                <m:t>𝑔</m:t>
+                              </m:r>
+                              <m:r>
                                 <a:rPr lang="en-US" i="1">
                                   <a:latin typeface="Cambria Math" panose="02040503050406030204" pitchFamily="18" charset="0"/>
                                 </a:rPr>
@@ -7897,6 +7948,12 @@
                               </m:r>
                             </m:e>
                             <m:sub>
+                              <m:r>
+                                <a:rPr lang="en-US" b="0" i="1" smtClean="0">
+                                  <a:latin typeface="Cambria Math" panose="02040503050406030204" pitchFamily="18" charset="0"/>
+                                </a:rPr>
+                                <m:t>𝑔</m:t>
+                              </m:r>
                               <m:r>
                                 <a:rPr lang="en-US" b="0" i="1" smtClean="0">
                                   <a:latin typeface="Cambria Math" panose="02040503050406030204" pitchFamily="18" charset="0"/>
@@ -10857,19 +10914,7 @@
               <a:rPr lang="en-US" sz="2400" dirty="0">
                 <a:hlinkClick r:id="rId4"/>
               </a:rPr>
-              <a:t>https://</a:t>
-            </a:r>
-            <a:r>
-              <a:rPr lang="en-US" sz="2400" dirty="0" err="1">
-                <a:hlinkClick r:id="rId4"/>
-              </a:rPr>
-              <a:t>github.com</a:t>
-            </a:r>
-            <a:r>
-              <a:rPr lang="en-US" sz="2400" dirty="0">
-                <a:hlinkClick r:id="rId4"/>
-              </a:rPr>
-              <a:t>/</a:t>
+              <a:t>https://github.com/</a:t>
             </a:r>
             <a:r>
               <a:rPr lang="en-US" sz="2400" dirty="0" err="1">
@@ -17687,8 +17732,8 @@
           </a:p>
         </p:txBody>
       </p:sp>
-      <mc:AlternateContent xmlns:mc="http://schemas.openxmlformats.org/markup-compatibility/2006" xmlns:a14="http://schemas.microsoft.com/office/drawing/2010/main">
-        <mc:Choice Requires="a14">
+      <mc:AlternateContent xmlns:mc="http://schemas.openxmlformats.org/markup-compatibility/2006">
+        <mc:Choice xmlns:a14="http://schemas.microsoft.com/office/drawing/2010/main" Requires="a14">
           <p:sp>
             <p:nvSpPr>
               <p:cNvPr id="3" name="Content Placeholder 2">
@@ -17912,6 +17957,51 @@
                         </a:rPr>
                         <m:t>≔</m:t>
                       </m:r>
+                      <m:sSubSup>
+                        <m:sSubSupPr>
+                          <m:ctrlPr>
+                            <a:rPr lang="en-US" b="0" i="1" smtClean="0">
+                              <a:latin typeface="Cambria Math" panose="02040503050406030204" pitchFamily="18" charset="0"/>
+                            </a:rPr>
+                          </m:ctrlPr>
+                        </m:sSubSupPr>
+                        <m:e>
+                          <m:acc>
+                            <m:accPr>
+                              <m:chr m:val="⃗"/>
+                              <m:ctrlPr>
+                                <a:rPr lang="en-US" b="0" i="1" smtClean="0">
+                                  <a:latin typeface="Cambria Math" panose="02040503050406030204" pitchFamily="18" charset="0"/>
+                                </a:rPr>
+                              </m:ctrlPr>
+                            </m:accPr>
+                            <m:e>
+                              <m:r>
+                                <a:rPr lang="en-US" b="0" i="1" smtClean="0">
+                                  <a:latin typeface="Cambria Math" panose="02040503050406030204" pitchFamily="18" charset="0"/>
+                                </a:rPr>
+                                <m:t>𝛽</m:t>
+                              </m:r>
+                            </m:e>
+                          </m:acc>
+                        </m:e>
+                        <m:sub>
+                          <m:r>
+                            <a:rPr lang="en-US" b="0" i="1" smtClean="0">
+                              <a:latin typeface="Cambria Math" panose="02040503050406030204" pitchFamily="18" charset="0"/>
+                            </a:rPr>
+                            <m:t>𝑔</m:t>
+                          </m:r>
+                        </m:sub>
+                        <m:sup>
+                          <m:r>
+                            <a:rPr lang="en-US" b="0" i="1" smtClean="0">
+                              <a:latin typeface="Cambria Math" panose="02040503050406030204" pitchFamily="18" charset="0"/>
+                            </a:rPr>
+                            <m:t>𝑇</m:t>
+                          </m:r>
+                        </m:sup>
+                      </m:sSubSup>
                       <m:sSub>
                         <m:sSubPr>
                           <m:ctrlPr>
@@ -17938,24 +18028,6 @@
                                 </a:rPr>
                                 <m:t>𝑋</m:t>
                               </m:r>
-                              <m:acc>
-                                <m:accPr>
-                                  <m:chr m:val="⃗"/>
-                                  <m:ctrlPr>
-                                    <a:rPr lang="en-US" b="0" i="1" smtClean="0">
-                                      <a:latin typeface="Cambria Math" panose="02040503050406030204" pitchFamily="18" charset="0"/>
-                                    </a:rPr>
-                                  </m:ctrlPr>
-                                </m:accPr>
-                                <m:e>
-                                  <m:r>
-                                    <a:rPr lang="en-US" b="0" i="1" smtClean="0">
-                                      <a:latin typeface="Cambria Math" panose="02040503050406030204" pitchFamily="18" charset="0"/>
-                                    </a:rPr>
-                                    <m:t>𝛽</m:t>
-                                  </m:r>
-                                </m:e>
-                              </m:acc>
                             </m:e>
                           </m:d>
                         </m:e>
@@ -17964,7 +18036,7 @@
                             <a:rPr lang="en-US" b="0" i="1" smtClean="0">
                               <a:latin typeface="Cambria Math" panose="02040503050406030204" pitchFamily="18" charset="0"/>
                             </a:rPr>
-                            <m:t>𝑔𝑗</m:t>
+                            <m:t>𝑗</m:t>
                           </m:r>
                         </m:sub>
                       </m:sSub>
@@ -18182,7 +18254,7 @@
             </p:txBody>
           </p:sp>
         </mc:Choice>
-        <mc:Fallback xmlns="">
+        <mc:Fallback>
           <p:sp>
             <p:nvSpPr>
               <p:cNvPr id="3" name="Content Placeholder 2">
@@ -18366,8 +18438,8 @@
           </a:p>
         </p:txBody>
       </p:sp>
-      <mc:AlternateContent xmlns:mc="http://schemas.openxmlformats.org/markup-compatibility/2006" xmlns:a14="http://schemas.microsoft.com/office/drawing/2010/main">
-        <mc:Choice Requires="a14">
+      <mc:AlternateContent xmlns:mc="http://schemas.openxmlformats.org/markup-compatibility/2006">
+        <mc:Choice xmlns:a14="http://schemas.microsoft.com/office/drawing/2010/main" Requires="a14">
           <p:sp>
             <p:nvSpPr>
               <p:cNvPr id="3" name="Content Placeholder 2">
@@ -18438,10 +18510,55 @@
                         </a:rPr>
                         <m:t>=</m:t>
                       </m:r>
+                      <m:sSubSup>
+                        <m:sSubSupPr>
+                          <m:ctrlPr>
+                            <a:rPr lang="en-US" i="1">
+                              <a:latin typeface="Cambria Math" panose="02040503050406030204" pitchFamily="18" charset="0"/>
+                            </a:rPr>
+                          </m:ctrlPr>
+                        </m:sSubSupPr>
+                        <m:e>
+                          <m:acc>
+                            <m:accPr>
+                              <m:chr m:val="⃗"/>
+                              <m:ctrlPr>
+                                <a:rPr lang="en-US" i="1">
+                                  <a:latin typeface="Cambria Math" panose="02040503050406030204" pitchFamily="18" charset="0"/>
+                                </a:rPr>
+                              </m:ctrlPr>
+                            </m:accPr>
+                            <m:e>
+                              <m:r>
+                                <a:rPr lang="en-US" i="1">
+                                  <a:latin typeface="Cambria Math" panose="02040503050406030204" pitchFamily="18" charset="0"/>
+                                </a:rPr>
+                                <m:t>𝛽</m:t>
+                              </m:r>
+                            </m:e>
+                          </m:acc>
+                        </m:e>
+                        <m:sub>
+                          <m:r>
+                            <a:rPr lang="en-US" i="1">
+                              <a:latin typeface="Cambria Math" panose="02040503050406030204" pitchFamily="18" charset="0"/>
+                            </a:rPr>
+                            <m:t>𝑔</m:t>
+                          </m:r>
+                        </m:sub>
+                        <m:sup>
+                          <m:r>
+                            <a:rPr lang="en-US" i="1">
+                              <a:latin typeface="Cambria Math" panose="02040503050406030204" pitchFamily="18" charset="0"/>
+                            </a:rPr>
+                            <m:t>𝑇</m:t>
+                          </m:r>
+                        </m:sup>
+                      </m:sSubSup>
                       <m:sSub>
                         <m:sSubPr>
                           <m:ctrlPr>
-                            <a:rPr lang="en-US" b="0" i="1" smtClean="0">
+                            <a:rPr lang="en-US" i="1">
                               <a:latin typeface="Cambria Math" panose="02040503050406030204" pitchFamily="18" charset="0"/>
                             </a:rPr>
                           </m:ctrlPr>
@@ -18452,45 +18569,27 @@
                               <m:begChr m:val="["/>
                               <m:endChr m:val="]"/>
                               <m:ctrlPr>
-                                <a:rPr lang="en-US" b="0" i="1" smtClean="0">
+                                <a:rPr lang="en-US" i="1">
                                   <a:latin typeface="Cambria Math" panose="02040503050406030204" pitchFamily="18" charset="0"/>
                                 </a:rPr>
                               </m:ctrlPr>
                             </m:dPr>
                             <m:e>
                               <m:r>
-                                <a:rPr lang="en-US" b="0" i="1" smtClean="0">
+                                <a:rPr lang="en-US" i="1">
                                   <a:latin typeface="Cambria Math" panose="02040503050406030204" pitchFamily="18" charset="0"/>
                                 </a:rPr>
                                 <m:t>𝑋</m:t>
                               </m:r>
-                              <m:acc>
-                                <m:accPr>
-                                  <m:chr m:val="⃗"/>
-                                  <m:ctrlPr>
-                                    <a:rPr lang="en-US" b="0" i="1" smtClean="0">
-                                      <a:latin typeface="Cambria Math" panose="02040503050406030204" pitchFamily="18" charset="0"/>
-                                    </a:rPr>
-                                  </m:ctrlPr>
-                                </m:accPr>
-                                <m:e>
-                                  <m:r>
-                                    <a:rPr lang="en-US" b="0" i="1" smtClean="0">
-                                      <a:latin typeface="Cambria Math" panose="02040503050406030204" pitchFamily="18" charset="0"/>
-                                    </a:rPr>
-                                    <m:t>𝛽</m:t>
-                                  </m:r>
-                                </m:e>
-                              </m:acc>
                             </m:e>
                           </m:d>
                         </m:e>
                         <m:sub>
                           <m:r>
-                            <a:rPr lang="en-US" b="0" i="1" smtClean="0">
-                              <a:latin typeface="Cambria Math" panose="02040503050406030204" pitchFamily="18" charset="0"/>
-                            </a:rPr>
-                            <m:t>𝑔𝑗</m:t>
+                            <a:rPr lang="en-US" i="1">
+                              <a:latin typeface="Cambria Math" panose="02040503050406030204" pitchFamily="18" charset="0"/>
+                            </a:rPr>
+                            <m:t>𝑗</m:t>
                           </m:r>
                         </m:sub>
                       </m:sSub>
@@ -18817,10 +18916,55 @@
                         </a:rPr>
                         <m:t>≔</m:t>
                       </m:r>
+                      <m:sSubSup>
+                        <m:sSubSupPr>
+                          <m:ctrlPr>
+                            <a:rPr lang="en-US" i="1">
+                              <a:latin typeface="Cambria Math" panose="02040503050406030204" pitchFamily="18" charset="0"/>
+                            </a:rPr>
+                          </m:ctrlPr>
+                        </m:sSubSupPr>
+                        <m:e>
+                          <m:acc>
+                            <m:accPr>
+                              <m:chr m:val="⃗"/>
+                              <m:ctrlPr>
+                                <a:rPr lang="en-US" i="1">
+                                  <a:latin typeface="Cambria Math" panose="02040503050406030204" pitchFamily="18" charset="0"/>
+                                </a:rPr>
+                              </m:ctrlPr>
+                            </m:accPr>
+                            <m:e>
+                              <m:r>
+                                <a:rPr lang="en-US" i="1">
+                                  <a:latin typeface="Cambria Math" panose="02040503050406030204" pitchFamily="18" charset="0"/>
+                                </a:rPr>
+                                <m:t>𝛽</m:t>
+                              </m:r>
+                            </m:e>
+                          </m:acc>
+                        </m:e>
+                        <m:sub>
+                          <m:r>
+                            <a:rPr lang="en-US" i="1">
+                              <a:latin typeface="Cambria Math" panose="02040503050406030204" pitchFamily="18" charset="0"/>
+                            </a:rPr>
+                            <m:t>𝑔</m:t>
+                          </m:r>
+                        </m:sub>
+                        <m:sup>
+                          <m:r>
+                            <a:rPr lang="en-US" i="1">
+                              <a:latin typeface="Cambria Math" panose="02040503050406030204" pitchFamily="18" charset="0"/>
+                            </a:rPr>
+                            <m:t>𝑇</m:t>
+                          </m:r>
+                        </m:sup>
+                      </m:sSubSup>
                       <m:sSub>
                         <m:sSubPr>
                           <m:ctrlPr>
-                            <a:rPr lang="en-US" b="0" i="1" smtClean="0">
+                            <a:rPr lang="en-US" i="1">
                               <a:latin typeface="Cambria Math" panose="02040503050406030204" pitchFamily="18" charset="0"/>
                             </a:rPr>
                           </m:ctrlPr>
@@ -18831,45 +18975,27 @@
                               <m:begChr m:val="["/>
                               <m:endChr m:val="]"/>
                               <m:ctrlPr>
-                                <a:rPr lang="en-US" b="0" i="1" smtClean="0">
+                                <a:rPr lang="en-US" i="1">
                                   <a:latin typeface="Cambria Math" panose="02040503050406030204" pitchFamily="18" charset="0"/>
                                 </a:rPr>
                               </m:ctrlPr>
                             </m:dPr>
                             <m:e>
                               <m:r>
-                                <a:rPr lang="en-US" b="0" i="1" smtClean="0">
+                                <a:rPr lang="en-US" i="1">
                                   <a:latin typeface="Cambria Math" panose="02040503050406030204" pitchFamily="18" charset="0"/>
                                 </a:rPr>
                                 <m:t>𝑋</m:t>
                               </m:r>
-                              <m:acc>
-                                <m:accPr>
-                                  <m:chr m:val="⃗"/>
-                                  <m:ctrlPr>
-                                    <a:rPr lang="en-US" b="0" i="1" smtClean="0">
-                                      <a:latin typeface="Cambria Math" panose="02040503050406030204" pitchFamily="18" charset="0"/>
-                                    </a:rPr>
-                                  </m:ctrlPr>
-                                </m:accPr>
-                                <m:e>
-                                  <m:r>
-                                    <a:rPr lang="en-US" b="0" i="1" smtClean="0">
-                                      <a:latin typeface="Cambria Math" panose="02040503050406030204" pitchFamily="18" charset="0"/>
-                                    </a:rPr>
-                                    <m:t>𝛽</m:t>
-                                  </m:r>
-                                </m:e>
-                              </m:acc>
                             </m:e>
                           </m:d>
                         </m:e>
                         <m:sub>
                           <m:r>
-                            <a:rPr lang="en-US" b="0" i="1" smtClean="0">
-                              <a:latin typeface="Cambria Math" panose="02040503050406030204" pitchFamily="18" charset="0"/>
-                            </a:rPr>
-                            <m:t>𝑔𝑗</m:t>
+                            <a:rPr lang="en-US" i="1">
+                              <a:latin typeface="Cambria Math" panose="02040503050406030204" pitchFamily="18" charset="0"/>
+                            </a:rPr>
+                            <m:t>𝑗</m:t>
                           </m:r>
                         </m:sub>
                       </m:sSub>
@@ -18881,7 +19007,7 @@
             </p:txBody>
           </p:sp>
         </mc:Choice>
-        <mc:Fallback xmlns="">
+        <mc:Fallback>
           <p:sp>
             <p:nvSpPr>
               <p:cNvPr id="3" name="Content Placeholder 2">
@@ -19065,8 +19191,8 @@
           </a:p>
         </p:txBody>
       </p:sp>
-      <mc:AlternateContent xmlns:mc="http://schemas.openxmlformats.org/markup-compatibility/2006" xmlns:a14="http://schemas.microsoft.com/office/drawing/2010/main">
-        <mc:Choice Requires="a14">
+      <mc:AlternateContent xmlns:mc="http://schemas.openxmlformats.org/markup-compatibility/2006">
+        <mc:Choice xmlns:a14="http://schemas.microsoft.com/office/drawing/2010/main" Requires="a14">
           <p:sp>
             <p:nvSpPr>
               <p:cNvPr id="3" name="Content Placeholder 2">
@@ -19137,10 +19263,55 @@
                         </a:rPr>
                         <m:t>=</m:t>
                       </m:r>
+                      <m:sSubSup>
+                        <m:sSubSupPr>
+                          <m:ctrlPr>
+                            <a:rPr lang="en-US" i="1">
+                              <a:latin typeface="Cambria Math" panose="02040503050406030204" pitchFamily="18" charset="0"/>
+                            </a:rPr>
+                          </m:ctrlPr>
+                        </m:sSubSupPr>
+                        <m:e>
+                          <m:acc>
+                            <m:accPr>
+                              <m:chr m:val="⃗"/>
+                              <m:ctrlPr>
+                                <a:rPr lang="en-US" i="1">
+                                  <a:latin typeface="Cambria Math" panose="02040503050406030204" pitchFamily="18" charset="0"/>
+                                </a:rPr>
+                              </m:ctrlPr>
+                            </m:accPr>
+                            <m:e>
+                              <m:r>
+                                <a:rPr lang="en-US" i="1">
+                                  <a:latin typeface="Cambria Math" panose="02040503050406030204" pitchFamily="18" charset="0"/>
+                                </a:rPr>
+                                <m:t>𝛽</m:t>
+                              </m:r>
+                            </m:e>
+                          </m:acc>
+                        </m:e>
+                        <m:sub>
+                          <m:r>
+                            <a:rPr lang="en-US" i="1">
+                              <a:latin typeface="Cambria Math" panose="02040503050406030204" pitchFamily="18" charset="0"/>
+                            </a:rPr>
+                            <m:t>𝑔</m:t>
+                          </m:r>
+                        </m:sub>
+                        <m:sup>
+                          <m:r>
+                            <a:rPr lang="en-US" i="1">
+                              <a:latin typeface="Cambria Math" panose="02040503050406030204" pitchFamily="18" charset="0"/>
+                            </a:rPr>
+                            <m:t>𝑇</m:t>
+                          </m:r>
+                        </m:sup>
+                      </m:sSubSup>
                       <m:sSub>
                         <m:sSubPr>
                           <m:ctrlPr>
-                            <a:rPr lang="en-US" b="0" i="1" smtClean="0">
+                            <a:rPr lang="en-US" i="1">
                               <a:latin typeface="Cambria Math" panose="02040503050406030204" pitchFamily="18" charset="0"/>
                             </a:rPr>
                           </m:ctrlPr>
@@ -19151,45 +19322,27 @@
                               <m:begChr m:val="["/>
                               <m:endChr m:val="]"/>
                               <m:ctrlPr>
-                                <a:rPr lang="en-US" b="0" i="1" smtClean="0">
+                                <a:rPr lang="en-US" i="1">
                                   <a:latin typeface="Cambria Math" panose="02040503050406030204" pitchFamily="18" charset="0"/>
                                 </a:rPr>
                               </m:ctrlPr>
                             </m:dPr>
                             <m:e>
                               <m:r>
-                                <a:rPr lang="en-US" b="0" i="1" smtClean="0">
+                                <a:rPr lang="en-US" i="1">
                                   <a:latin typeface="Cambria Math" panose="02040503050406030204" pitchFamily="18" charset="0"/>
                                 </a:rPr>
                                 <m:t>𝑋</m:t>
                               </m:r>
-                              <m:acc>
-                                <m:accPr>
-                                  <m:chr m:val="⃗"/>
-                                  <m:ctrlPr>
-                                    <a:rPr lang="en-US" b="0" i="1" smtClean="0">
-                                      <a:latin typeface="Cambria Math" panose="02040503050406030204" pitchFamily="18" charset="0"/>
-                                    </a:rPr>
-                                  </m:ctrlPr>
-                                </m:accPr>
-                                <m:e>
-                                  <m:r>
-                                    <a:rPr lang="en-US" b="0" i="1" smtClean="0">
-                                      <a:latin typeface="Cambria Math" panose="02040503050406030204" pitchFamily="18" charset="0"/>
-                                    </a:rPr>
-                                    <m:t>𝛽</m:t>
-                                  </m:r>
-                                </m:e>
-                              </m:acc>
                             </m:e>
                           </m:d>
                         </m:e>
                         <m:sub>
                           <m:r>
-                            <a:rPr lang="en-US" b="0" i="1" smtClean="0">
-                              <a:latin typeface="Cambria Math" panose="02040503050406030204" pitchFamily="18" charset="0"/>
-                            </a:rPr>
-                            <m:t>𝑔𝑗</m:t>
+                            <a:rPr lang="en-US" i="1">
+                              <a:latin typeface="Cambria Math" panose="02040503050406030204" pitchFamily="18" charset="0"/>
+                            </a:rPr>
+                            <m:t>𝑗</m:t>
                           </m:r>
                         </m:sub>
                       </m:sSub>
@@ -19212,7 +19365,7 @@
                             <a:rPr lang="en-US" b="0" i="1" smtClean="0">
                               <a:latin typeface="Cambria Math" panose="02040503050406030204" pitchFamily="18" charset="0"/>
                             </a:rPr>
-                            <m:t>𝑥</m:t>
+                            <m:t>𝛽</m:t>
                           </m:r>
                         </m:e>
                         <m:sub>
@@ -19243,7 +19396,7 @@
                             <a:rPr lang="en-US" b="0" i="1" smtClean="0">
                               <a:latin typeface="Cambria Math" panose="02040503050406030204" pitchFamily="18" charset="0"/>
                             </a:rPr>
-                            <m:t>𝛽</m:t>
+                            <m:t>𝑥</m:t>
                           </m:r>
                         </m:e>
                         <m:sub>
@@ -19251,7 +19404,7 @@
                             <a:rPr lang="en-US" b="0" i="1" smtClean="0">
                               <a:latin typeface="Cambria Math" panose="02040503050406030204" pitchFamily="18" charset="0"/>
                             </a:rPr>
-                            <m:t>0</m:t>
+                            <m:t>𝑗</m:t>
                           </m:r>
                         </m:sub>
                       </m:sSub>
@@ -19264,22 +19417,22 @@
                       <m:sSub>
                         <m:sSubPr>
                           <m:ctrlPr>
-                            <a:rPr lang="en-US" b="0" i="1" smtClean="0">
+                            <a:rPr lang="en-US" i="1">
                               <a:latin typeface="Cambria Math" panose="02040503050406030204" pitchFamily="18" charset="0"/>
                             </a:rPr>
                           </m:ctrlPr>
                         </m:sSubPr>
                         <m:e>
                           <m:r>
-                            <a:rPr lang="en-US" b="0" i="1" smtClean="0">
-                              <a:latin typeface="Cambria Math" panose="02040503050406030204" pitchFamily="18" charset="0"/>
-                            </a:rPr>
-                            <m:t>𝑥</m:t>
+                            <a:rPr lang="en-US" i="1">
+                              <a:latin typeface="Cambria Math" panose="02040503050406030204" pitchFamily="18" charset="0"/>
+                            </a:rPr>
+                            <m:t>𝛽</m:t>
                           </m:r>
                         </m:e>
                         <m:sub>
                           <m:r>
-                            <a:rPr lang="en-US" b="0" i="1" smtClean="0">
+                            <a:rPr lang="en-US" i="1">
                               <a:latin typeface="Cambria Math" panose="02040503050406030204" pitchFamily="18" charset="0"/>
                             </a:rPr>
                             <m:t>𝑔</m:t>
@@ -19295,25 +19448,25 @@
                       <m:sSub>
                         <m:sSubPr>
                           <m:ctrlPr>
-                            <a:rPr lang="en-US" b="0" i="1" smtClean="0">
+                            <a:rPr lang="en-US" i="1">
                               <a:latin typeface="Cambria Math" panose="02040503050406030204" pitchFamily="18" charset="0"/>
                             </a:rPr>
                           </m:ctrlPr>
                         </m:sSubPr>
                         <m:e>
                           <m:r>
-                            <a:rPr lang="en-US" b="0" i="1" smtClean="0">
-                              <a:latin typeface="Cambria Math" panose="02040503050406030204" pitchFamily="18" charset="0"/>
-                            </a:rPr>
-                            <m:t>𝛽</m:t>
+                            <a:rPr lang="en-US" i="1">
+                              <a:latin typeface="Cambria Math" panose="02040503050406030204" pitchFamily="18" charset="0"/>
+                            </a:rPr>
+                            <m:t>𝑥</m:t>
                           </m:r>
                         </m:e>
                         <m:sub>
                           <m:r>
-                            <a:rPr lang="en-US" b="0" i="1" smtClean="0">
-                              <a:latin typeface="Cambria Math" panose="02040503050406030204" pitchFamily="18" charset="0"/>
-                            </a:rPr>
-                            <m:t>1</m:t>
+                            <a:rPr lang="en-US" i="1">
+                              <a:latin typeface="Cambria Math" panose="02040503050406030204" pitchFamily="18" charset="0"/>
+                            </a:rPr>
+                            <m:t>𝑗</m:t>
                           </m:r>
                         </m:sub>
                       </m:sSub>
@@ -19326,50 +19479,56 @@
                       <m:sSub>
                         <m:sSubPr>
                           <m:ctrlPr>
-                            <a:rPr lang="en-US" b="0" i="1" smtClean="0">
+                            <a:rPr lang="en-US" i="1">
                               <a:latin typeface="Cambria Math" panose="02040503050406030204" pitchFamily="18" charset="0"/>
                             </a:rPr>
                           </m:ctrlPr>
                         </m:sSubPr>
                         <m:e>
                           <m:r>
-                            <a:rPr lang="en-US" b="0" i="1" smtClean="0">
-                              <a:latin typeface="Cambria Math" panose="02040503050406030204" pitchFamily="18" charset="0"/>
-                            </a:rPr>
-                            <m:t>𝑥</m:t>
+                            <a:rPr lang="en-US" i="1">
+                              <a:latin typeface="Cambria Math" panose="02040503050406030204" pitchFamily="18" charset="0"/>
+                            </a:rPr>
+                            <m:t>𝛽</m:t>
                           </m:r>
                         </m:e>
                         <m:sub>
                           <m:r>
+                            <a:rPr lang="en-US" i="1">
+                              <a:latin typeface="Cambria Math" panose="02040503050406030204" pitchFamily="18" charset="0"/>
+                            </a:rPr>
+                            <m:t>𝑔</m:t>
+                          </m:r>
+                          <m:r>
                             <a:rPr lang="en-US" b="0" i="1" smtClean="0">
                               <a:latin typeface="Cambria Math" panose="02040503050406030204" pitchFamily="18" charset="0"/>
                             </a:rPr>
-                            <m:t>𝑔𝐾</m:t>
+                            <m:t>𝐾</m:t>
                           </m:r>
                         </m:sub>
                       </m:sSub>
                       <m:sSub>
                         <m:sSubPr>
                           <m:ctrlPr>
-                            <a:rPr lang="en-US" b="0" i="1" smtClean="0">
+                            <a:rPr lang="en-US" i="1">
                               <a:latin typeface="Cambria Math" panose="02040503050406030204" pitchFamily="18" charset="0"/>
                             </a:rPr>
                           </m:ctrlPr>
                         </m:sSubPr>
                         <m:e>
                           <m:r>
-                            <a:rPr lang="en-US" b="0" i="1" smtClean="0">
-                              <a:latin typeface="Cambria Math" panose="02040503050406030204" pitchFamily="18" charset="0"/>
-                            </a:rPr>
-                            <m:t>𝛽</m:t>
+                            <a:rPr lang="en-US" i="1">
+                              <a:latin typeface="Cambria Math" panose="02040503050406030204" pitchFamily="18" charset="0"/>
+                            </a:rPr>
+                            <m:t>𝑥</m:t>
                           </m:r>
                         </m:e>
                         <m:sub>
                           <m:r>
-                            <a:rPr lang="en-US" b="0" i="1" smtClean="0">
-                              <a:latin typeface="Cambria Math" panose="02040503050406030204" pitchFamily="18" charset="0"/>
-                            </a:rPr>
-                            <m:t>𝐾</m:t>
+                            <a:rPr lang="en-US" i="1">
+                              <a:latin typeface="Cambria Math" panose="02040503050406030204" pitchFamily="18" charset="0"/>
+                            </a:rPr>
+                            <m:t>𝑗</m:t>
                           </m:r>
                         </m:sub>
                       </m:sSub>
@@ -19467,10 +19626,55 @@
                         </a:rPr>
                         <m:t>=</m:t>
                       </m:r>
+                      <m:sSubSup>
+                        <m:sSubSupPr>
+                          <m:ctrlPr>
+                            <a:rPr lang="en-US" i="1">
+                              <a:latin typeface="Cambria Math" panose="02040503050406030204" pitchFamily="18" charset="0"/>
+                            </a:rPr>
+                          </m:ctrlPr>
+                        </m:sSubSupPr>
+                        <m:e>
+                          <m:acc>
+                            <m:accPr>
+                              <m:chr m:val="⃗"/>
+                              <m:ctrlPr>
+                                <a:rPr lang="en-US" i="1">
+                                  <a:latin typeface="Cambria Math" panose="02040503050406030204" pitchFamily="18" charset="0"/>
+                                </a:rPr>
+                              </m:ctrlPr>
+                            </m:accPr>
+                            <m:e>
+                              <m:r>
+                                <a:rPr lang="en-US" i="1">
+                                  <a:latin typeface="Cambria Math" panose="02040503050406030204" pitchFamily="18" charset="0"/>
+                                </a:rPr>
+                                <m:t>𝛽</m:t>
+                              </m:r>
+                            </m:e>
+                          </m:acc>
+                        </m:e>
+                        <m:sub>
+                          <m:r>
+                            <a:rPr lang="en-US" i="1">
+                              <a:latin typeface="Cambria Math" panose="02040503050406030204" pitchFamily="18" charset="0"/>
+                            </a:rPr>
+                            <m:t>𝑔</m:t>
+                          </m:r>
+                        </m:sub>
+                        <m:sup>
+                          <m:r>
+                            <a:rPr lang="en-US" i="1">
+                              <a:latin typeface="Cambria Math" panose="02040503050406030204" pitchFamily="18" charset="0"/>
+                            </a:rPr>
+                            <m:t>𝑇</m:t>
+                          </m:r>
+                        </m:sup>
+                      </m:sSubSup>
                       <m:sSub>
                         <m:sSubPr>
                           <m:ctrlPr>
-                            <a:rPr lang="en-US" b="0" i="1" smtClean="0">
+                            <a:rPr lang="en-US" i="1">
                               <a:latin typeface="Cambria Math" panose="02040503050406030204" pitchFamily="18" charset="0"/>
                             </a:rPr>
                           </m:ctrlPr>
@@ -19481,45 +19685,27 @@
                               <m:begChr m:val="["/>
                               <m:endChr m:val="]"/>
                               <m:ctrlPr>
-                                <a:rPr lang="en-US" b="0" i="1" smtClean="0">
+                                <a:rPr lang="en-US" i="1">
                                   <a:latin typeface="Cambria Math" panose="02040503050406030204" pitchFamily="18" charset="0"/>
                                 </a:rPr>
                               </m:ctrlPr>
                             </m:dPr>
                             <m:e>
                               <m:r>
-                                <a:rPr lang="en-US" b="0" i="1" smtClean="0">
+                                <a:rPr lang="en-US" i="1">
                                   <a:latin typeface="Cambria Math" panose="02040503050406030204" pitchFamily="18" charset="0"/>
                                 </a:rPr>
                                 <m:t>𝑋</m:t>
                               </m:r>
-                              <m:acc>
-                                <m:accPr>
-                                  <m:chr m:val="⃗"/>
-                                  <m:ctrlPr>
-                                    <a:rPr lang="en-US" b="0" i="1" smtClean="0">
-                                      <a:latin typeface="Cambria Math" panose="02040503050406030204" pitchFamily="18" charset="0"/>
-                                    </a:rPr>
-                                  </m:ctrlPr>
-                                </m:accPr>
-                                <m:e>
-                                  <m:r>
-                                    <a:rPr lang="en-US" b="0" i="1" smtClean="0">
-                                      <a:latin typeface="Cambria Math" panose="02040503050406030204" pitchFamily="18" charset="0"/>
-                                    </a:rPr>
-                                    <m:t>𝛽</m:t>
-                                  </m:r>
-                                </m:e>
-                              </m:acc>
                             </m:e>
                           </m:d>
                         </m:e>
                         <m:sub>
                           <m:r>
-                            <a:rPr lang="en-US" b="0" i="1" smtClean="0">
-                              <a:latin typeface="Cambria Math" panose="02040503050406030204" pitchFamily="18" charset="0"/>
-                            </a:rPr>
-                            <m:t>𝑔𝑗</m:t>
+                            <a:rPr lang="en-US" i="1">
+                              <a:latin typeface="Cambria Math" panose="02040503050406030204" pitchFamily="18" charset="0"/>
+                            </a:rPr>
+                            <m:t>𝑗</m:t>
                           </m:r>
                         </m:sub>
                       </m:sSub>
@@ -19640,28 +19826,28 @@
                           <m:sSub>
                             <m:sSubPr>
                               <m:ctrlPr>
-                                <a:rPr lang="en-US" b="0" i="1" smtClean="0">
+                                <a:rPr lang="en-US" i="1">
                                   <a:latin typeface="Cambria Math" panose="02040503050406030204" pitchFamily="18" charset="0"/>
                                 </a:rPr>
                               </m:ctrlPr>
                             </m:sSubPr>
                             <m:e>
                               <m:r>
-                                <a:rPr lang="en-US" b="0" i="1" smtClean="0">
-                                  <a:latin typeface="Cambria Math" panose="02040503050406030204" pitchFamily="18" charset="0"/>
-                                </a:rPr>
-                                <m:t>𝑥</m:t>
+                                <a:rPr lang="en-US" i="1">
+                                  <a:latin typeface="Cambria Math" panose="02040503050406030204" pitchFamily="18" charset="0"/>
+                                </a:rPr>
+                                <m:t>𝛽</m:t>
                               </m:r>
                             </m:e>
                             <m:sub>
                               <m:r>
-                                <a:rPr lang="en-US" b="0" i="1" smtClean="0">
+                                <a:rPr lang="en-US" i="1">
                                   <a:latin typeface="Cambria Math" panose="02040503050406030204" pitchFamily="18" charset="0"/>
                                 </a:rPr>
                                 <m:t>𝑔</m:t>
                               </m:r>
                               <m:r>
-                                <a:rPr lang="en-US" b="0" i="1" smtClean="0">
+                                <a:rPr lang="en-US" i="1">
                                   <a:latin typeface="Cambria Math" panose="02040503050406030204" pitchFamily="18" charset="0"/>
                                 </a:rPr>
                                 <m:t>0</m:t>
@@ -19671,25 +19857,25 @@
                           <m:sSub>
                             <m:sSubPr>
                               <m:ctrlPr>
-                                <a:rPr lang="en-US" b="0" i="1" smtClean="0">
+                                <a:rPr lang="en-US" i="1">
                                   <a:latin typeface="Cambria Math" panose="02040503050406030204" pitchFamily="18" charset="0"/>
                                 </a:rPr>
                               </m:ctrlPr>
                             </m:sSubPr>
                             <m:e>
                               <m:r>
-                                <a:rPr lang="en-US" b="0" i="1" smtClean="0">
-                                  <a:latin typeface="Cambria Math" panose="02040503050406030204" pitchFamily="18" charset="0"/>
-                                </a:rPr>
-                                <m:t>𝛽</m:t>
+                                <a:rPr lang="en-US" i="1">
+                                  <a:latin typeface="Cambria Math" panose="02040503050406030204" pitchFamily="18" charset="0"/>
+                                </a:rPr>
+                                <m:t>𝑥</m:t>
                               </m:r>
                             </m:e>
                             <m:sub>
                               <m:r>
-                                <a:rPr lang="en-US" b="0" i="1" smtClean="0">
-                                  <a:latin typeface="Cambria Math" panose="02040503050406030204" pitchFamily="18" charset="0"/>
-                                </a:rPr>
-                                <m:t>0</m:t>
+                                <a:rPr lang="en-US" i="1">
+                                  <a:latin typeface="Cambria Math" panose="02040503050406030204" pitchFamily="18" charset="0"/>
+                                </a:rPr>
+                                <m:t>𝑗</m:t>
                               </m:r>
                             </m:sub>
                           </m:sSub>
@@ -19715,22 +19901,22 @@
                           <m:sSub>
                             <m:sSubPr>
                               <m:ctrlPr>
-                                <a:rPr lang="en-US" b="0" i="1" smtClean="0">
+                                <a:rPr lang="en-US" i="1">
                                   <a:latin typeface="Cambria Math" panose="02040503050406030204" pitchFamily="18" charset="0"/>
                                 </a:rPr>
                               </m:ctrlPr>
                             </m:sSubPr>
                             <m:e>
                               <m:r>
-                                <a:rPr lang="en-US" b="0" i="1" smtClean="0">
-                                  <a:latin typeface="Cambria Math" panose="02040503050406030204" pitchFamily="18" charset="0"/>
-                                </a:rPr>
-                                <m:t>𝑥</m:t>
+                                <a:rPr lang="en-US" i="1">
+                                  <a:latin typeface="Cambria Math" panose="02040503050406030204" pitchFamily="18" charset="0"/>
+                                </a:rPr>
+                                <m:t>𝛽</m:t>
                               </m:r>
                             </m:e>
                             <m:sub>
                               <m:r>
-                                <a:rPr lang="en-US" b="0" i="1" smtClean="0">
+                                <a:rPr lang="en-US" i="1">
                                   <a:latin typeface="Cambria Math" panose="02040503050406030204" pitchFamily="18" charset="0"/>
                                 </a:rPr>
                                 <m:t>𝑔</m:t>
@@ -19746,25 +19932,25 @@
                           <m:sSub>
                             <m:sSubPr>
                               <m:ctrlPr>
-                                <a:rPr lang="en-US" b="0" i="1" smtClean="0">
+                                <a:rPr lang="en-US" i="1">
                                   <a:latin typeface="Cambria Math" panose="02040503050406030204" pitchFamily="18" charset="0"/>
                                 </a:rPr>
                               </m:ctrlPr>
                             </m:sSubPr>
                             <m:e>
                               <m:r>
-                                <a:rPr lang="en-US" b="0" i="1" smtClean="0">
-                                  <a:latin typeface="Cambria Math" panose="02040503050406030204" pitchFamily="18" charset="0"/>
-                                </a:rPr>
-                                <m:t>𝛽</m:t>
+                                <a:rPr lang="en-US" i="1">
+                                  <a:latin typeface="Cambria Math" panose="02040503050406030204" pitchFamily="18" charset="0"/>
+                                </a:rPr>
+                                <m:t>𝑥</m:t>
                               </m:r>
                             </m:e>
                             <m:sub>
                               <m:r>
-                                <a:rPr lang="en-US" b="0" i="1" smtClean="0">
-                                  <a:latin typeface="Cambria Math" panose="02040503050406030204" pitchFamily="18" charset="0"/>
-                                </a:rPr>
-                                <m:t>1</m:t>
+                                <a:rPr lang="en-US" i="1">
+                                  <a:latin typeface="Cambria Math" panose="02040503050406030204" pitchFamily="18" charset="0"/>
+                                </a:rPr>
+                                <m:t>𝑗</m:t>
                               </m:r>
                             </m:sub>
                           </m:sSub>
@@ -19796,50 +19982,56 @@
                           <m:sSub>
                             <m:sSubPr>
                               <m:ctrlPr>
-                                <a:rPr lang="en-US" b="0" i="1" smtClean="0">
+                                <a:rPr lang="en-US" i="1">
                                   <a:latin typeface="Cambria Math" panose="02040503050406030204" pitchFamily="18" charset="0"/>
                                 </a:rPr>
                               </m:ctrlPr>
                             </m:sSubPr>
                             <m:e>
                               <m:r>
-                                <a:rPr lang="en-US" b="0" i="1" smtClean="0">
-                                  <a:latin typeface="Cambria Math" panose="02040503050406030204" pitchFamily="18" charset="0"/>
-                                </a:rPr>
-                                <m:t>𝑥</m:t>
+                                <a:rPr lang="en-US" i="1">
+                                  <a:latin typeface="Cambria Math" panose="02040503050406030204" pitchFamily="18" charset="0"/>
+                                </a:rPr>
+                                <m:t>𝛽</m:t>
                               </m:r>
                             </m:e>
                             <m:sub>
                               <m:r>
+                                <a:rPr lang="en-US" i="1">
+                                  <a:latin typeface="Cambria Math" panose="02040503050406030204" pitchFamily="18" charset="0"/>
+                                </a:rPr>
+                                <m:t>𝑔</m:t>
+                              </m:r>
+                              <m:r>
                                 <a:rPr lang="en-US" b="0" i="1" smtClean="0">
                                   <a:latin typeface="Cambria Math" panose="02040503050406030204" pitchFamily="18" charset="0"/>
                                 </a:rPr>
-                                <m:t>𝑔𝐾</m:t>
+                                <m:t>𝐾</m:t>
                               </m:r>
                             </m:sub>
                           </m:sSub>
                           <m:sSub>
                             <m:sSubPr>
                               <m:ctrlPr>
-                                <a:rPr lang="en-US" b="0" i="1" smtClean="0">
+                                <a:rPr lang="en-US" i="1">
                                   <a:latin typeface="Cambria Math" panose="02040503050406030204" pitchFamily="18" charset="0"/>
                                 </a:rPr>
                               </m:ctrlPr>
                             </m:sSubPr>
                             <m:e>
                               <m:r>
-                                <a:rPr lang="en-US" b="0" i="1" smtClean="0">
-                                  <a:latin typeface="Cambria Math" panose="02040503050406030204" pitchFamily="18" charset="0"/>
-                                </a:rPr>
-                                <m:t>𝛽</m:t>
+                                <a:rPr lang="en-US" i="1">
+                                  <a:latin typeface="Cambria Math" panose="02040503050406030204" pitchFamily="18" charset="0"/>
+                                </a:rPr>
+                                <m:t>𝑥</m:t>
                               </m:r>
                             </m:e>
                             <m:sub>
                               <m:r>
-                                <a:rPr lang="en-US" b="0" i="1" smtClean="0">
-                                  <a:latin typeface="Cambria Math" panose="02040503050406030204" pitchFamily="18" charset="0"/>
-                                </a:rPr>
-                                <m:t>𝐾</m:t>
+                                <a:rPr lang="en-US" i="1">
+                                  <a:latin typeface="Cambria Math" panose="02040503050406030204" pitchFamily="18" charset="0"/>
+                                </a:rPr>
+                                <m:t>𝑗</m:t>
                               </m:r>
                             </m:sub>
                           </m:sSub>
@@ -19913,7 +20105,7 @@
             </p:txBody>
           </p:sp>
         </mc:Choice>
-        <mc:Fallback xmlns="">
+        <mc:Fallback>
           <p:sp>
             <p:nvSpPr>
               <p:cNvPr id="3" name="Content Placeholder 2">

--- a/DeeperDESeqWithShrinkage.pptx
+++ b/DeeperDESeqWithShrinkage.pptx
@@ -4692,8 +4692,8 @@
           </a:p>
         </p:txBody>
       </p:sp>
-      <mc:AlternateContent xmlns:mc="http://schemas.openxmlformats.org/markup-compatibility/2006" xmlns:a14="http://schemas.microsoft.com/office/drawing/2010/main">
-        <mc:Choice Requires="a14">
+      <mc:AlternateContent xmlns:mc="http://schemas.openxmlformats.org/markup-compatibility/2006">
+        <mc:Choice xmlns:a14="http://schemas.microsoft.com/office/drawing/2010/main" Requires="a14">
           <p:sp>
             <p:nvSpPr>
               <p:cNvPr id="3" name="Content Placeholder 2">
@@ -4946,7 +4946,7 @@
                                         <a:rPr lang="en-US" b="0" i="1" dirty="0" smtClean="0">
                                           <a:latin typeface="Cambria Math" panose="02040503050406030204" pitchFamily="18" charset="0"/>
                                         </a:rPr>
-                                        <m:t>𝑔</m:t>
+                                        <m:t>𝑗</m:t>
                                       </m:r>
                                     </m:sub>
                                     <m:sup>
@@ -4954,7 +4954,7 @@
                                         <a:rPr lang="en-US" b="0" i="1" dirty="0" smtClean="0">
                                           <a:latin typeface="Cambria Math" panose="02040503050406030204" pitchFamily="18" charset="0"/>
                                         </a:rPr>
-                                        <m:t>𝐺</m:t>
+                                        <m:t>𝐽</m:t>
                                       </m:r>
                                     </m:sup>
                                     <m:e>
@@ -5026,7 +5026,7 @@
                                         <a:rPr lang="en-US" b="0" i="1" dirty="0" smtClean="0">
                                           <a:latin typeface="Cambria Math" panose="02040503050406030204" pitchFamily="18" charset="0"/>
                                         </a:rPr>
-                                        <m:t>𝐺</m:t>
+                                        <m:t>𝐽</m:t>
                                       </m:r>
                                     </m:den>
                                   </m:f>
@@ -5184,7 +5184,7 @@
                                             <a:rPr lang="en-US" b="0" i="1" dirty="0" smtClean="0">
                                               <a:latin typeface="Cambria Math" panose="02040503050406030204" pitchFamily="18" charset="0"/>
                                             </a:rPr>
-                                            <m:t>𝐺</m:t>
+                                            <m:t>𝐽</m:t>
                                           </m:r>
                                         </m:den>
                                       </m:f>
@@ -5202,7 +5202,7 @@
                                             <a:rPr lang="en-US" b="0" i="1" dirty="0" smtClean="0">
                                               <a:latin typeface="Cambria Math" panose="02040503050406030204" pitchFamily="18" charset="0"/>
                                             </a:rPr>
-                                            <m:t>𝑔</m:t>
+                                            <m:t>𝑗</m:t>
                                           </m:r>
                                         </m:sub>
                                         <m:sup>
@@ -5210,7 +5210,7 @@
                                             <a:rPr lang="en-US" b="0" i="1" dirty="0" smtClean="0">
                                               <a:latin typeface="Cambria Math" panose="02040503050406030204" pitchFamily="18" charset="0"/>
                                             </a:rPr>
-                                            <m:t>𝐺</m:t>
+                                            <m:t>𝐽</m:t>
                                           </m:r>
                                         </m:sup>
                                         <m:e>
@@ -5609,7 +5609,7 @@
             </p:txBody>
           </p:sp>
         </mc:Choice>
-        <mc:Fallback xmlns="">
+        <mc:Fallback>
           <p:sp>
             <p:nvSpPr>
               <p:cNvPr id="3" name="Content Placeholder 2">
@@ -5630,7 +5630,7 @@
               <a:blipFill>
                 <a:blip r:embed="rId2"/>
                 <a:stretch>
-                  <a:fillRect l="-1041" t="-2088"/>
+                  <a:fillRect l="-1041" t="-2088" b="-464"/>
                 </a:stretch>
               </a:blipFill>
             </p:spPr>
